--- a/Car Accidents Data Analysis.pptx
+++ b/Car Accidents Data Analysis.pptx
@@ -2,7 +2,7 @@
 <file path=ppt/presentation.xml><?xml version="1.0" encoding="utf-8"?>
 <p:presentation xmlns:a="http://schemas.openxmlformats.org/drawingml/2006/main" xmlns:r="http://schemas.openxmlformats.org/officeDocument/2006/relationships" xmlns:p="http://schemas.openxmlformats.org/presentationml/2006/main" saveSubsetFonts="1">
   <p:sldMasterIdLst>
-    <p:sldMasterId id="2147483660" r:id="rId1"/>
+    <p:sldMasterId id="2147483672" r:id="rId1"/>
   </p:sldMasterIdLst>
   <p:sldIdLst>
     <p:sldId id="256" r:id="rId2"/>
@@ -11,6 +11,22 @@
     <p:sldId id="259" r:id="rId5"/>
     <p:sldId id="260" r:id="rId6"/>
     <p:sldId id="261" r:id="rId7"/>
+    <p:sldId id="262" r:id="rId8"/>
+    <p:sldId id="263" r:id="rId9"/>
+    <p:sldId id="264" r:id="rId10"/>
+    <p:sldId id="265" r:id="rId11"/>
+    <p:sldId id="266" r:id="rId12"/>
+    <p:sldId id="267" r:id="rId13"/>
+    <p:sldId id="268" r:id="rId14"/>
+    <p:sldId id="269" r:id="rId15"/>
+    <p:sldId id="270" r:id="rId16"/>
+    <p:sldId id="271" r:id="rId17"/>
+    <p:sldId id="272" r:id="rId18"/>
+    <p:sldId id="273" r:id="rId19"/>
+    <p:sldId id="274" r:id="rId20"/>
+    <p:sldId id="275" r:id="rId21"/>
+    <p:sldId id="276" r:id="rId22"/>
+    <p:sldId id="277" r:id="rId23"/>
   </p:sldIdLst>
   <p:sldSz cx="9144000" cy="6858000" type="screen4x3"/>
   <p:notesSz cx="6858000" cy="9144000"/>
@@ -392,7 +408,7 @@
           <a:p>
             <a:fld id="{6CFDFB40-D172-4DF3-9339-A0E659DB4E67}" type="datetimeFigureOut">
               <a:rPr lang="en-GB" smtClean="0"/>
-              <a:t>21/09/2023</a:t>
+              <a:t>24/09/2023</a:t>
             </a:fld>
             <a:endParaRPr lang="en-GB"/>
           </a:p>
@@ -785,7 +801,7 @@
           <a:p>
             <a:fld id="{6CFDFB40-D172-4DF3-9339-A0E659DB4E67}" type="datetimeFigureOut">
               <a:rPr lang="en-GB" smtClean="0"/>
-              <a:t>21/09/2023</a:t>
+              <a:t>24/09/2023</a:t>
             </a:fld>
             <a:endParaRPr lang="en-GB"/>
           </a:p>
@@ -1317,7 +1333,7 @@
           <a:p>
             <a:fld id="{6CFDFB40-D172-4DF3-9339-A0E659DB4E67}" type="datetimeFigureOut">
               <a:rPr lang="en-GB" smtClean="0"/>
-              <a:t>21/09/2023</a:t>
+              <a:t>24/09/2023</a:t>
             </a:fld>
             <a:endParaRPr lang="en-GB"/>
           </a:p>
@@ -1450,7 +1466,7 @@
           <a:p>
             <a:fld id="{6CFDFB40-D172-4DF3-9339-A0E659DB4E67}" type="datetimeFigureOut">
               <a:rPr lang="en-GB" smtClean="0"/>
-              <a:t>21/09/2023</a:t>
+              <a:t>24/09/2023</a:t>
             </a:fld>
             <a:endParaRPr lang="en-GB"/>
           </a:p>
@@ -1993,7 +2009,7 @@
           <a:p>
             <a:fld id="{6CFDFB40-D172-4DF3-9339-A0E659DB4E67}" type="datetimeFigureOut">
               <a:rPr lang="en-GB" smtClean="0"/>
-              <a:t>21/09/2023</a:t>
+              <a:t>24/09/2023</a:t>
             </a:fld>
             <a:endParaRPr lang="en-GB"/>
           </a:p>
@@ -2288,7 +2304,7 @@
           <a:p>
             <a:fld id="{6CFDFB40-D172-4DF3-9339-A0E659DB4E67}" type="datetimeFigureOut">
               <a:rPr lang="en-GB" smtClean="0"/>
-              <a:t>21/09/2023</a:t>
+              <a:t>24/09/2023</a:t>
             </a:fld>
             <a:endParaRPr lang="en-GB"/>
           </a:p>
@@ -2947,7 +2963,7 @@
           <a:p>
             <a:fld id="{6CFDFB40-D172-4DF3-9339-A0E659DB4E67}" type="datetimeFigureOut">
               <a:rPr lang="en-GB" smtClean="0"/>
-              <a:t>21/09/2023</a:t>
+              <a:t>24/09/2023</a:t>
             </a:fld>
             <a:endParaRPr lang="en-GB"/>
           </a:p>
@@ -3383,7 +3399,7 @@
           <a:p>
             <a:fld id="{6CFDFB40-D172-4DF3-9339-A0E659DB4E67}" type="datetimeFigureOut">
               <a:rPr lang="en-GB" smtClean="0"/>
-              <a:t>21/09/2023</a:t>
+              <a:t>24/09/2023</a:t>
             </a:fld>
             <a:endParaRPr lang="en-GB"/>
           </a:p>
@@ -3696,7 +3712,7 @@
           <a:p>
             <a:fld id="{6CFDFB40-D172-4DF3-9339-A0E659DB4E67}" type="datetimeFigureOut">
               <a:rPr lang="en-GB" smtClean="0"/>
-              <a:t>21/09/2023</a:t>
+              <a:t>24/09/2023</a:t>
             </a:fld>
             <a:endParaRPr lang="en-GB"/>
           </a:p>
@@ -4428,7 +4444,7 @@
           <a:p>
             <a:fld id="{6CFDFB40-D172-4DF3-9339-A0E659DB4E67}" type="datetimeFigureOut">
               <a:rPr lang="en-GB" smtClean="0"/>
-              <a:t>21/09/2023</a:t>
+              <a:t>24/09/2023</a:t>
             </a:fld>
             <a:endParaRPr lang="en-GB"/>
           </a:p>
@@ -5092,7 +5108,7 @@
           <a:p>
             <a:fld id="{6CFDFB40-D172-4DF3-9339-A0E659DB4E67}" type="datetimeFigureOut">
               <a:rPr lang="en-GB" smtClean="0"/>
-              <a:t>21/09/2023</a:t>
+              <a:t>24/09/2023</a:t>
             </a:fld>
             <a:endParaRPr lang="en-GB"/>
           </a:p>
@@ -5365,7 +5381,7 @@
           <a:p>
             <a:fld id="{6CFDFB40-D172-4DF3-9339-A0E659DB4E67}" type="datetimeFigureOut">
               <a:rPr lang="en-GB" smtClean="0"/>
-              <a:t>21/09/2023</a:t>
+              <a:t>24/09/2023</a:t>
             </a:fld>
             <a:endParaRPr lang="en-GB"/>
           </a:p>
@@ -5720,17 +5736,17 @@
   </p:cSld>
   <p:clrMap bg1="lt1" tx1="dk1" bg2="lt2" tx2="dk2" accent1="accent1" accent2="accent2" accent3="accent3" accent4="accent4" accent5="accent5" accent6="accent6" hlink="hlink" folHlink="folHlink"/>
   <p:sldLayoutIdLst>
-    <p:sldLayoutId id="2147483661" r:id="rId1"/>
-    <p:sldLayoutId id="2147483662" r:id="rId2"/>
-    <p:sldLayoutId id="2147483663" r:id="rId3"/>
-    <p:sldLayoutId id="2147483664" r:id="rId4"/>
-    <p:sldLayoutId id="2147483665" r:id="rId5"/>
-    <p:sldLayoutId id="2147483666" r:id="rId6"/>
-    <p:sldLayoutId id="2147483667" r:id="rId7"/>
-    <p:sldLayoutId id="2147483668" r:id="rId8"/>
-    <p:sldLayoutId id="2147483669" r:id="rId9"/>
-    <p:sldLayoutId id="2147483670" r:id="rId10"/>
-    <p:sldLayoutId id="2147483671" r:id="rId11"/>
+    <p:sldLayoutId id="2147483673" r:id="rId1"/>
+    <p:sldLayoutId id="2147483674" r:id="rId2"/>
+    <p:sldLayoutId id="2147483675" r:id="rId3"/>
+    <p:sldLayoutId id="2147483676" r:id="rId4"/>
+    <p:sldLayoutId id="2147483677" r:id="rId5"/>
+    <p:sldLayoutId id="2147483678" r:id="rId6"/>
+    <p:sldLayoutId id="2147483679" r:id="rId7"/>
+    <p:sldLayoutId id="2147483680" r:id="rId8"/>
+    <p:sldLayoutId id="2147483681" r:id="rId9"/>
+    <p:sldLayoutId id="2147483682" r:id="rId10"/>
+    <p:sldLayoutId id="2147483683" r:id="rId11"/>
   </p:sldLayoutIdLst>
   <p:txStyles>
     <p:titleStyle>
@@ -6542,6 +6558,2187 @@
 </p:sld>
 </file>
 
+<file path=ppt/slides/slide10.xml><?xml version="1.0" encoding="utf-8"?>
+<p:sld xmlns:a="http://schemas.openxmlformats.org/drawingml/2006/main" xmlns:r="http://schemas.openxmlformats.org/officeDocument/2006/relationships" xmlns:p="http://schemas.openxmlformats.org/presentationml/2006/main">
+  <p:cSld>
+    <p:spTree>
+      <p:nvGrpSpPr>
+        <p:cNvPr id="1" name=""/>
+        <p:cNvGrpSpPr/>
+        <p:nvPr/>
+      </p:nvGrpSpPr>
+      <p:grpSpPr>
+        <a:xfrm>
+          <a:off x="0" y="0"/>
+          <a:ext cx="0" cy="0"/>
+          <a:chOff x="0" y="0"/>
+          <a:chExt cx="0" cy="0"/>
+        </a:xfrm>
+      </p:grpSpPr>
+      <p:sp>
+        <p:nvSpPr>
+          <p:cNvPr id="3" name="Text Placeholder 2">
+            <a:extLst>
+              <a:ext uri="{FF2B5EF4-FFF2-40B4-BE49-F238E27FC236}">
+                <a16:creationId xmlns:a16="http://schemas.microsoft.com/office/drawing/2014/main" xmlns="" id="{9CBE5A70-FE2E-69C6-B582-4E7AAE17C9E0}"/>
+              </a:ext>
+            </a:extLst>
+          </p:cNvPr>
+          <p:cNvSpPr>
+            <a:spLocks noGrp="1"/>
+          </p:cNvSpPr>
+          <p:nvPr>
+            <p:ph type="body" idx="1"/>
+          </p:nvPr>
+        </p:nvSpPr>
+        <p:spPr>
+          <a:xfrm>
+            <a:off x="158052" y="1340768"/>
+            <a:ext cx="4341940" cy="916206"/>
+          </a:xfrm>
+        </p:spPr>
+        <p:txBody>
+          <a:bodyPr>
+            <a:noAutofit/>
+          </a:bodyPr>
+          <a:lstStyle/>
+          <a:p>
+            <a:endParaRPr lang="en-GB" sz="2000" dirty="0"/>
+          </a:p>
+          <a:p>
+            <a:pPr algn="ctr"/>
+            <a:r>
+              <a:rPr lang="en-GB" sz="2000" dirty="0"/>
+              <a:t>Accident Severity Levels from 2005 to 2014</a:t>
+            </a:r>
+          </a:p>
+          <a:p>
+            <a:endParaRPr lang="en-GB" sz="2000" dirty="0"/>
+          </a:p>
+        </p:txBody>
+      </p:sp>
+      <p:sp>
+        <p:nvSpPr>
+          <p:cNvPr id="5" name="Text Placeholder 4">
+            <a:extLst>
+              <a:ext uri="{FF2B5EF4-FFF2-40B4-BE49-F238E27FC236}">
+                <a16:creationId xmlns:a16="http://schemas.microsoft.com/office/drawing/2014/main" xmlns="" id="{BC264E91-6BA2-413B-CB7A-E57413615546}"/>
+              </a:ext>
+            </a:extLst>
+          </p:cNvPr>
+          <p:cNvSpPr>
+            <a:spLocks noGrp="1"/>
+          </p:cNvSpPr>
+          <p:nvPr>
+            <p:ph type="body" sz="half" idx="3"/>
+          </p:nvPr>
+        </p:nvSpPr>
+        <p:spPr>
+          <a:xfrm>
+            <a:off x="4778697" y="1617360"/>
+            <a:ext cx="4041775" cy="731520"/>
+          </a:xfrm>
+        </p:spPr>
+        <p:txBody>
+          <a:bodyPr>
+            <a:normAutofit/>
+          </a:bodyPr>
+          <a:lstStyle/>
+          <a:p>
+            <a:pPr algn="ctr"/>
+            <a:r>
+              <a:rPr lang="en-GB" sz="2000" dirty="0"/>
+              <a:t>Accident Severity Levels from 2010 to 2014</a:t>
+            </a:r>
+          </a:p>
+          <a:p>
+            <a:endParaRPr lang="en-GB" dirty="0"/>
+          </a:p>
+        </p:txBody>
+      </p:sp>
+      <p:pic>
+        <p:nvPicPr>
+          <p:cNvPr id="14" name="Content Placeholder 13">
+            <a:extLst>
+              <a:ext uri="{FF2B5EF4-FFF2-40B4-BE49-F238E27FC236}">
+                <a16:creationId xmlns:a16="http://schemas.microsoft.com/office/drawing/2014/main" xmlns="" id="{06258AB1-68ED-E6CB-1290-0C2F3B5593EB}"/>
+              </a:ext>
+            </a:extLst>
+          </p:cNvPr>
+          <p:cNvPicPr>
+            <a:picLocks noGrp="1" noChangeAspect="1"/>
+          </p:cNvPicPr>
+          <p:nvPr>
+            <p:ph sz="quarter" idx="2"/>
+          </p:nvPr>
+        </p:nvPicPr>
+        <p:blipFill>
+          <a:blip r:embed="rId2">
+            <a:extLst>
+              <a:ext uri="{28A0092B-C50C-407E-A947-70E740481C1C}">
+                <a14:useLocalDpi xmlns:a14="http://schemas.microsoft.com/office/drawing/2010/main" val="0"/>
+              </a:ext>
+            </a:extLst>
+          </a:blip>
+          <a:stretch>
+            <a:fillRect/>
+          </a:stretch>
+        </p:blipFill>
+        <p:spPr>
+          <a:xfrm>
+            <a:off x="721717" y="2505075"/>
+            <a:ext cx="3684588" cy="3684588"/>
+          </a:xfrm>
+        </p:spPr>
+      </p:pic>
+      <p:pic>
+        <p:nvPicPr>
+          <p:cNvPr id="18" name="Content Placeholder 17">
+            <a:extLst>
+              <a:ext uri="{FF2B5EF4-FFF2-40B4-BE49-F238E27FC236}">
+                <a16:creationId xmlns:a16="http://schemas.microsoft.com/office/drawing/2014/main" xmlns="" id="{0EDF03F3-A494-584B-172E-DDEC1386284F}"/>
+              </a:ext>
+            </a:extLst>
+          </p:cNvPr>
+          <p:cNvPicPr>
+            <a:picLocks noGrp="1" noChangeAspect="1"/>
+          </p:cNvPicPr>
+          <p:nvPr>
+            <p:ph sz="quarter" idx="4"/>
+          </p:nvPr>
+        </p:nvPicPr>
+        <p:blipFill>
+          <a:blip r:embed="rId3">
+            <a:extLst>
+              <a:ext uri="{28A0092B-C50C-407E-A947-70E740481C1C}">
+                <a14:useLocalDpi xmlns:a14="http://schemas.microsoft.com/office/drawing/2010/main" val="0"/>
+              </a:ext>
+            </a:extLst>
+          </a:blip>
+          <a:stretch>
+            <a:fillRect/>
+          </a:stretch>
+        </p:blipFill>
+        <p:spPr>
+          <a:xfrm>
+            <a:off x="4730552" y="2505075"/>
+            <a:ext cx="3684588" cy="3684588"/>
+          </a:xfrm>
+        </p:spPr>
+      </p:pic>
+      <p:sp>
+        <p:nvSpPr>
+          <p:cNvPr id="2" name="Title 1">
+            <a:extLst>
+              <a:ext uri="{FF2B5EF4-FFF2-40B4-BE49-F238E27FC236}">
+                <a16:creationId xmlns:a16="http://schemas.microsoft.com/office/drawing/2014/main" xmlns="" id="{C03A3DF4-8AA9-C4D1-D4CF-5A51FAD38B43}"/>
+              </a:ext>
+            </a:extLst>
+          </p:cNvPr>
+          <p:cNvSpPr>
+            <a:spLocks noGrp="1"/>
+          </p:cNvSpPr>
+          <p:nvPr>
+            <p:ph type="title"/>
+          </p:nvPr>
+        </p:nvSpPr>
+        <p:spPr>
+          <a:xfrm>
+            <a:off x="323528" y="404664"/>
+            <a:ext cx="8534400" cy="758952"/>
+          </a:xfrm>
+        </p:spPr>
+        <p:txBody>
+          <a:bodyPr>
+            <a:noAutofit/>
+          </a:bodyPr>
+          <a:lstStyle/>
+          <a:p>
+            <a:r>
+              <a:rPr lang="en-GB" sz="3000" dirty="0"/>
+              <a:t>Bar </a:t>
+            </a:r>
+            <a:r>
+              <a:rPr lang="en-GB" sz="3000" b="0" i="0" dirty="0">
+                <a:effectLst/>
+              </a:rPr>
+              <a:t>charts showing the distribution of Accident </a:t>
+            </a:r>
+            <a:r>
+              <a:rPr lang="en-GB" sz="3000" dirty="0"/>
+              <a:t>S</a:t>
+            </a:r>
+            <a:r>
+              <a:rPr lang="en-GB" sz="3000" b="0" i="0" dirty="0">
+                <a:effectLst/>
+              </a:rPr>
+              <a:t>everities 				(Fatal, Slight, Serious) </a:t>
+            </a:r>
+            <a:endParaRPr lang="en-GB" sz="3000" dirty="0"/>
+          </a:p>
+        </p:txBody>
+      </p:sp>
+    </p:spTree>
+    <p:extLst>
+      <p:ext uri="{BB962C8B-B14F-4D97-AF65-F5344CB8AC3E}">
+        <p14:creationId xmlns:p14="http://schemas.microsoft.com/office/powerpoint/2010/main" val="915877617"/>
+      </p:ext>
+    </p:extLst>
+  </p:cSld>
+  <p:clrMapOvr>
+    <a:masterClrMapping/>
+  </p:clrMapOvr>
+</p:sld>
+</file>
+
+<file path=ppt/slides/slide11.xml><?xml version="1.0" encoding="utf-8"?>
+<p:sld xmlns:a="http://schemas.openxmlformats.org/drawingml/2006/main" xmlns:r="http://schemas.openxmlformats.org/officeDocument/2006/relationships" xmlns:p="http://schemas.openxmlformats.org/presentationml/2006/main">
+  <p:cSld>
+    <p:spTree>
+      <p:nvGrpSpPr>
+        <p:cNvPr id="1" name=""/>
+        <p:cNvGrpSpPr/>
+        <p:nvPr/>
+      </p:nvGrpSpPr>
+      <p:grpSpPr>
+        <a:xfrm>
+          <a:off x="0" y="0"/>
+          <a:ext cx="0" cy="0"/>
+          <a:chOff x="0" y="0"/>
+          <a:chExt cx="0" cy="0"/>
+        </a:xfrm>
+      </p:grpSpPr>
+      <p:sp>
+        <p:nvSpPr>
+          <p:cNvPr id="3" name="Text Placeholder 2">
+            <a:extLst>
+              <a:ext uri="{FF2B5EF4-FFF2-40B4-BE49-F238E27FC236}">
+                <a16:creationId xmlns:a16="http://schemas.microsoft.com/office/drawing/2014/main" xmlns="" id="{D2004615-E427-7A83-8F69-8DC80D0EA894}"/>
+              </a:ext>
+            </a:extLst>
+          </p:cNvPr>
+          <p:cNvSpPr>
+            <a:spLocks noGrp="1"/>
+          </p:cNvSpPr>
+          <p:nvPr>
+            <p:ph type="body" idx="1"/>
+          </p:nvPr>
+        </p:nvSpPr>
+        <p:spPr/>
+        <p:txBody>
+          <a:bodyPr/>
+          <a:lstStyle/>
+          <a:p>
+            <a:pPr algn="ctr"/>
+            <a:r>
+              <a:rPr lang="en-GB" sz="2000" dirty="0"/>
+              <a:t>Accident Severity Levels from 2005 to 2014</a:t>
+            </a:r>
+          </a:p>
+          <a:p>
+            <a:pPr algn="ctr"/>
+            <a:endParaRPr lang="en-GB" dirty="0"/>
+          </a:p>
+        </p:txBody>
+      </p:sp>
+      <p:sp>
+        <p:nvSpPr>
+          <p:cNvPr id="5" name="Text Placeholder 4">
+            <a:extLst>
+              <a:ext uri="{FF2B5EF4-FFF2-40B4-BE49-F238E27FC236}">
+                <a16:creationId xmlns:a16="http://schemas.microsoft.com/office/drawing/2014/main" xmlns="" id="{3629384D-A8B7-D55E-0EEF-534E417F200A}"/>
+              </a:ext>
+            </a:extLst>
+          </p:cNvPr>
+          <p:cNvSpPr>
+            <a:spLocks noGrp="1"/>
+          </p:cNvSpPr>
+          <p:nvPr>
+            <p:ph type="body" sz="half" idx="3"/>
+          </p:nvPr>
+        </p:nvSpPr>
+        <p:spPr/>
+        <p:txBody>
+          <a:bodyPr/>
+          <a:lstStyle/>
+          <a:p>
+            <a:pPr algn="ctr"/>
+            <a:r>
+              <a:rPr lang="en-GB" sz="2000" dirty="0"/>
+              <a:t>Accident Severity Levels from 2005 to 2014</a:t>
+            </a:r>
+          </a:p>
+          <a:p>
+            <a:endParaRPr lang="en-GB" dirty="0"/>
+          </a:p>
+        </p:txBody>
+      </p:sp>
+      <p:pic>
+        <p:nvPicPr>
+          <p:cNvPr id="8" name="Content Placeholder 7">
+            <a:extLst>
+              <a:ext uri="{FF2B5EF4-FFF2-40B4-BE49-F238E27FC236}">
+                <a16:creationId xmlns:a16="http://schemas.microsoft.com/office/drawing/2014/main" xmlns="" id="{EEC644D3-50EF-C099-700D-33055BA0BAB7}"/>
+              </a:ext>
+            </a:extLst>
+          </p:cNvPr>
+          <p:cNvPicPr>
+            <a:picLocks noGrp="1" noChangeAspect="1"/>
+          </p:cNvPicPr>
+          <p:nvPr>
+            <p:ph sz="quarter" idx="2"/>
+          </p:nvPr>
+        </p:nvPicPr>
+        <p:blipFill>
+          <a:blip r:embed="rId2">
+            <a:extLst>
+              <a:ext uri="{28A0092B-C50C-407E-A947-70E740481C1C}">
+                <a14:useLocalDpi xmlns:a14="http://schemas.microsoft.com/office/drawing/2010/main" val="0"/>
+              </a:ext>
+            </a:extLst>
+          </a:blip>
+          <a:stretch>
+            <a:fillRect/>
+          </a:stretch>
+        </p:blipFill>
+        <p:spPr>
+          <a:xfrm>
+            <a:off x="721717" y="2505075"/>
+            <a:ext cx="3684588" cy="3684588"/>
+          </a:xfrm>
+        </p:spPr>
+      </p:pic>
+      <p:pic>
+        <p:nvPicPr>
+          <p:cNvPr id="10" name="Content Placeholder 9">
+            <a:extLst>
+              <a:ext uri="{FF2B5EF4-FFF2-40B4-BE49-F238E27FC236}">
+                <a16:creationId xmlns:a16="http://schemas.microsoft.com/office/drawing/2014/main" xmlns="" id="{8804B62D-13CC-20AE-9736-8DD8211B2D7A}"/>
+              </a:ext>
+            </a:extLst>
+          </p:cNvPr>
+          <p:cNvPicPr>
+            <a:picLocks noGrp="1" noChangeAspect="1"/>
+          </p:cNvPicPr>
+          <p:nvPr>
+            <p:ph sz="quarter" idx="4"/>
+          </p:nvPr>
+        </p:nvPicPr>
+        <p:blipFill>
+          <a:blip r:embed="rId3">
+            <a:extLst>
+              <a:ext uri="{28A0092B-C50C-407E-A947-70E740481C1C}">
+                <a14:useLocalDpi xmlns:a14="http://schemas.microsoft.com/office/drawing/2010/main" val="0"/>
+              </a:ext>
+            </a:extLst>
+          </a:blip>
+          <a:stretch>
+            <a:fillRect/>
+          </a:stretch>
+        </p:blipFill>
+        <p:spPr>
+          <a:xfrm>
+            <a:off x="4730552" y="2505075"/>
+            <a:ext cx="3684588" cy="3684588"/>
+          </a:xfrm>
+        </p:spPr>
+      </p:pic>
+      <p:sp>
+        <p:nvSpPr>
+          <p:cNvPr id="2" name="Title 1">
+            <a:extLst>
+              <a:ext uri="{FF2B5EF4-FFF2-40B4-BE49-F238E27FC236}">
+                <a16:creationId xmlns:a16="http://schemas.microsoft.com/office/drawing/2014/main" xmlns="" id="{98AFE39E-07EF-6DB5-DF35-16C241BEB80B}"/>
+              </a:ext>
+            </a:extLst>
+          </p:cNvPr>
+          <p:cNvSpPr>
+            <a:spLocks noGrp="1"/>
+          </p:cNvSpPr>
+          <p:nvPr>
+            <p:ph type="title"/>
+          </p:nvPr>
+        </p:nvSpPr>
+        <p:spPr>
+          <a:xfrm>
+            <a:off x="323528" y="332656"/>
+            <a:ext cx="8534400" cy="758952"/>
+          </a:xfrm>
+        </p:spPr>
+        <p:txBody>
+          <a:bodyPr>
+            <a:normAutofit fontScale="90000"/>
+          </a:bodyPr>
+          <a:lstStyle/>
+          <a:p>
+            <a:r>
+              <a:rPr lang="en-GB" dirty="0"/>
+              <a:t>Line </a:t>
+            </a:r>
+            <a:r>
+              <a:rPr lang="en-GB" b="0" i="0" dirty="0">
+                <a:effectLst/>
+              </a:rPr>
+              <a:t>charts showing the distribution of Accident </a:t>
+            </a:r>
+            <a:r>
+              <a:rPr lang="en-GB" dirty="0"/>
+              <a:t>S</a:t>
+            </a:r>
+            <a:r>
+              <a:rPr lang="en-GB" b="0" i="0" dirty="0">
+                <a:effectLst/>
+              </a:rPr>
+              <a:t>everities (Fatal, Slight, Serious) </a:t>
+            </a:r>
+            <a:r>
+              <a:rPr lang="en-GB" b="0" i="0" dirty="0" smtClean="0">
+                <a:effectLst/>
+              </a:rPr>
+              <a:t>- </a:t>
+            </a:r>
+            <a:r>
+              <a:rPr lang="en-GB" b="0" i="0" dirty="0" err="1" smtClean="0">
+                <a:effectLst/>
+              </a:rPr>
+              <a:t>Maliha</a:t>
+            </a:r>
+            <a:endParaRPr lang="en-GB" dirty="0"/>
+          </a:p>
+        </p:txBody>
+      </p:sp>
+    </p:spTree>
+    <p:extLst>
+      <p:ext uri="{BB962C8B-B14F-4D97-AF65-F5344CB8AC3E}">
+        <p14:creationId xmlns:p14="http://schemas.microsoft.com/office/powerpoint/2010/main" val="1647310898"/>
+      </p:ext>
+    </p:extLst>
+  </p:cSld>
+  <p:clrMapOvr>
+    <a:masterClrMapping/>
+  </p:clrMapOvr>
+</p:sld>
+</file>
+
+<file path=ppt/slides/slide12.xml><?xml version="1.0" encoding="utf-8"?>
+<p:sld xmlns:a="http://schemas.openxmlformats.org/drawingml/2006/main" xmlns:r="http://schemas.openxmlformats.org/officeDocument/2006/relationships" xmlns:p="http://schemas.openxmlformats.org/presentationml/2006/main">
+  <p:cSld>
+    <p:spTree>
+      <p:nvGrpSpPr>
+        <p:cNvPr id="1" name=""/>
+        <p:cNvGrpSpPr/>
+        <p:nvPr/>
+      </p:nvGrpSpPr>
+      <p:grpSpPr>
+        <a:xfrm>
+          <a:off x="0" y="0"/>
+          <a:ext cx="0" cy="0"/>
+          <a:chOff x="0" y="0"/>
+          <a:chExt cx="0" cy="0"/>
+        </a:xfrm>
+      </p:grpSpPr>
+      <p:sp>
+        <p:nvSpPr>
+          <p:cNvPr id="8" name="Title 7">
+            <a:extLst>
+              <a:ext uri="{FF2B5EF4-FFF2-40B4-BE49-F238E27FC236}">
+                <a16:creationId xmlns:a16="http://schemas.microsoft.com/office/drawing/2014/main" xmlns="" id="{5F3BC96A-6175-32C8-05E3-2DB890106C79}"/>
+              </a:ext>
+            </a:extLst>
+          </p:cNvPr>
+          <p:cNvSpPr>
+            <a:spLocks noGrp="1"/>
+          </p:cNvSpPr>
+          <p:nvPr>
+            <p:ph type="title"/>
+          </p:nvPr>
+        </p:nvSpPr>
+        <p:spPr>
+          <a:xfrm>
+            <a:off x="216528" y="332656"/>
+            <a:ext cx="8534400" cy="758952"/>
+          </a:xfrm>
+        </p:spPr>
+        <p:txBody>
+          <a:bodyPr>
+            <a:normAutofit fontScale="90000"/>
+          </a:bodyPr>
+          <a:lstStyle/>
+          <a:p>
+            <a:r>
+              <a:rPr lang="en-GB" dirty="0"/>
+              <a:t>	Distribution of Fatal Accidents </a:t>
+            </a:r>
+            <a:r>
+              <a:rPr lang="en-GB" dirty="0" smtClean="0"/>
+              <a:t>by Road Type- </a:t>
+            </a:r>
+            <a:r>
+              <a:rPr lang="en-GB" dirty="0" err="1" smtClean="0"/>
+              <a:t>Maliha</a:t>
+            </a:r>
+            <a:endParaRPr lang="en-GB" dirty="0"/>
+          </a:p>
+        </p:txBody>
+      </p:sp>
+      <p:pic>
+        <p:nvPicPr>
+          <p:cNvPr id="12" name="Picture 11">
+            <a:extLst>
+              <a:ext uri="{FF2B5EF4-FFF2-40B4-BE49-F238E27FC236}">
+                <a16:creationId xmlns:a16="http://schemas.microsoft.com/office/drawing/2014/main" xmlns="" id="{0684C7C1-F7CE-8CAD-E83B-AACFED33603B}"/>
+              </a:ext>
+            </a:extLst>
+          </p:cNvPr>
+          <p:cNvPicPr>
+            <a:picLocks noChangeAspect="1"/>
+          </p:cNvPicPr>
+          <p:nvPr/>
+        </p:nvPicPr>
+        <p:blipFill>
+          <a:blip r:embed="rId2">
+            <a:extLst>
+              <a:ext uri="{28A0092B-C50C-407E-A947-70E740481C1C}">
+                <a14:useLocalDpi xmlns:a14="http://schemas.microsoft.com/office/drawing/2010/main" val="0"/>
+              </a:ext>
+            </a:extLst>
+          </a:blip>
+          <a:stretch>
+            <a:fillRect/>
+          </a:stretch>
+        </p:blipFill>
+        <p:spPr>
+          <a:xfrm>
+            <a:off x="2555776" y="1700808"/>
+            <a:ext cx="4248472" cy="4248472"/>
+          </a:xfrm>
+          <a:prstGeom prst="rect">
+            <a:avLst/>
+          </a:prstGeom>
+        </p:spPr>
+      </p:pic>
+    </p:spTree>
+    <p:extLst>
+      <p:ext uri="{BB962C8B-B14F-4D97-AF65-F5344CB8AC3E}">
+        <p14:creationId xmlns:p14="http://schemas.microsoft.com/office/powerpoint/2010/main" val="625314186"/>
+      </p:ext>
+    </p:extLst>
+  </p:cSld>
+  <p:clrMapOvr>
+    <a:masterClrMapping/>
+  </p:clrMapOvr>
+</p:sld>
+</file>
+
+<file path=ppt/slides/slide13.xml><?xml version="1.0" encoding="utf-8"?>
+<p:sld xmlns:a="http://schemas.openxmlformats.org/drawingml/2006/main" xmlns:r="http://schemas.openxmlformats.org/officeDocument/2006/relationships" xmlns:p="http://schemas.openxmlformats.org/presentationml/2006/main">
+  <p:cSld>
+    <p:spTree>
+      <p:nvGrpSpPr>
+        <p:cNvPr id="1" name=""/>
+        <p:cNvGrpSpPr/>
+        <p:nvPr/>
+      </p:nvGrpSpPr>
+      <p:grpSpPr>
+        <a:xfrm>
+          <a:off x="0" y="0"/>
+          <a:ext cx="0" cy="0"/>
+          <a:chOff x="0" y="0"/>
+          <a:chExt cx="0" cy="0"/>
+        </a:xfrm>
+      </p:grpSpPr>
+      <p:sp>
+        <p:nvSpPr>
+          <p:cNvPr id="2" name="Title 1">
+            <a:extLst>
+              <a:ext uri="{FF2B5EF4-FFF2-40B4-BE49-F238E27FC236}">
+                <a16:creationId xmlns:a16="http://schemas.microsoft.com/office/drawing/2014/main" xmlns="" id="{7BBFDFA0-4990-650D-5D0E-4907B13A7073}"/>
+              </a:ext>
+            </a:extLst>
+          </p:cNvPr>
+          <p:cNvSpPr>
+            <a:spLocks noGrp="1"/>
+          </p:cNvSpPr>
+          <p:nvPr>
+            <p:ph type="title"/>
+          </p:nvPr>
+        </p:nvSpPr>
+        <p:spPr>
+          <a:xfrm>
+            <a:off x="301752" y="365792"/>
+            <a:ext cx="8534400" cy="758952"/>
+          </a:xfrm>
+        </p:spPr>
+        <p:txBody>
+          <a:bodyPr>
+            <a:normAutofit fontScale="90000"/>
+          </a:bodyPr>
+          <a:lstStyle/>
+          <a:p>
+            <a:r>
+              <a:rPr lang="en-GB" dirty="0"/>
+              <a:t>Interpretation of ‘Fatal’ Accidents </a:t>
+            </a:r>
+            <a:r>
+              <a:rPr lang="en-GB" dirty="0" smtClean="0"/>
+              <a:t>by Road Type- </a:t>
+            </a:r>
+            <a:r>
+              <a:rPr lang="en-GB" dirty="0" err="1" smtClean="0"/>
+              <a:t>Maliha</a:t>
+            </a:r>
+            <a:endParaRPr lang="en-GB" dirty="0"/>
+          </a:p>
+        </p:txBody>
+      </p:sp>
+      <p:sp>
+        <p:nvSpPr>
+          <p:cNvPr id="3" name="Content Placeholder 2">
+            <a:extLst>
+              <a:ext uri="{FF2B5EF4-FFF2-40B4-BE49-F238E27FC236}">
+                <a16:creationId xmlns:a16="http://schemas.microsoft.com/office/drawing/2014/main" xmlns="" id="{7DD4CFC9-636E-F406-91B7-0364B34A020F}"/>
+              </a:ext>
+            </a:extLst>
+          </p:cNvPr>
+          <p:cNvSpPr>
+            <a:spLocks noGrp="1"/>
+          </p:cNvSpPr>
+          <p:nvPr>
+            <p:ph sz="quarter" idx="1"/>
+          </p:nvPr>
+        </p:nvSpPr>
+        <p:spPr/>
+        <p:txBody>
+          <a:bodyPr>
+            <a:noAutofit/>
+          </a:bodyPr>
+          <a:lstStyle/>
+          <a:p>
+            <a:pPr marL="0" indent="0">
+              <a:buNone/>
+            </a:pPr>
+            <a:r>
+              <a:rPr lang="en-GB" sz="1400" b="1" i="0" dirty="0">
+                <a:effectLst/>
+                <a:latin typeface="+mj-lt"/>
+              </a:rPr>
+              <a:t>Single Carriageway</a:t>
+            </a:r>
+            <a:r>
+              <a:rPr lang="en-GB" sz="1400" b="0" i="0" dirty="0" smtClean="0">
+                <a:effectLst/>
+                <a:latin typeface="+mj-lt"/>
+              </a:rPr>
+              <a:t>:</a:t>
+            </a:r>
+          </a:p>
+          <a:p>
+            <a:pPr marL="0" indent="0" algn="l">
+              <a:buNone/>
+            </a:pPr>
+            <a:r>
+              <a:rPr lang="en-GB" sz="1400" b="0" i="0" dirty="0" smtClean="0">
+                <a:effectLst/>
+                <a:latin typeface="+mj-lt"/>
+              </a:rPr>
+              <a:t>The </a:t>
+            </a:r>
+            <a:r>
+              <a:rPr lang="en-GB" sz="1400" b="0" i="0" dirty="0">
+                <a:effectLst/>
+                <a:latin typeface="+mj-lt"/>
+              </a:rPr>
+              <a:t>highest number of fatal accidents occurred on </a:t>
+            </a:r>
+            <a:r>
+              <a:rPr lang="en-GB" sz="1400" b="1" i="1" dirty="0">
+                <a:latin typeface="+mj-lt"/>
+              </a:rPr>
+              <a:t>Single Carriageway</a:t>
+            </a:r>
+            <a:r>
+              <a:rPr lang="en-GB" sz="1400" b="0" i="1" dirty="0">
+                <a:latin typeface="+mj-lt"/>
+              </a:rPr>
+              <a:t> </a:t>
+            </a:r>
+            <a:r>
+              <a:rPr lang="en-GB" sz="1400" b="0" i="0" dirty="0">
+                <a:effectLst/>
+                <a:latin typeface="+mj-lt"/>
+              </a:rPr>
+              <a:t>compared to other road types</a:t>
+            </a:r>
+            <a:r>
+              <a:rPr lang="en-GB" sz="1400" b="0" i="0" dirty="0" smtClean="0">
+                <a:effectLst/>
+                <a:latin typeface="+mj-lt"/>
+              </a:rPr>
+              <a:t>.</a:t>
+            </a:r>
+            <a:endParaRPr lang="en-GB" sz="1400" b="0" i="0" dirty="0">
+              <a:effectLst/>
+              <a:latin typeface="+mj-lt"/>
+            </a:endParaRPr>
+          </a:p>
+          <a:p>
+            <a:pPr marL="0" indent="0" algn="l">
+              <a:buNone/>
+            </a:pPr>
+            <a:r>
+              <a:rPr lang="en-GB" sz="1400" b="1" i="1" dirty="0">
+                <a:effectLst/>
+                <a:latin typeface="+mj-lt"/>
+              </a:rPr>
+              <a:t>Single Carriageway</a:t>
+            </a:r>
+            <a:r>
+              <a:rPr lang="en-GB" sz="1400" b="0" i="1" dirty="0">
+                <a:effectLst/>
+                <a:latin typeface="+mj-lt"/>
+              </a:rPr>
+              <a:t> </a:t>
+            </a:r>
+            <a:r>
+              <a:rPr lang="en-GB" sz="1400" b="0" i="0" dirty="0">
+                <a:effectLst/>
+                <a:latin typeface="+mj-lt"/>
+              </a:rPr>
+              <a:t>have the highest risk of fatal accidents among the specified road types.</a:t>
+            </a:r>
+          </a:p>
+          <a:p>
+            <a:pPr marL="0" indent="0">
+              <a:buNone/>
+            </a:pPr>
+            <a:r>
+              <a:rPr lang="en-GB" sz="1400" b="0" i="0" dirty="0">
+                <a:solidFill>
+                  <a:srgbClr val="333333"/>
+                </a:solidFill>
+                <a:effectLst/>
+                <a:latin typeface="+mj-lt"/>
+              </a:rPr>
+              <a:t>Travel on single carriageways is several times more risky than on dual carriageways</a:t>
+            </a:r>
+            <a:r>
+              <a:rPr lang="en-GB" sz="1400" b="0" i="0" dirty="0" smtClean="0">
+                <a:solidFill>
+                  <a:srgbClr val="333333"/>
+                </a:solidFill>
+                <a:effectLst/>
+                <a:latin typeface="+mj-lt"/>
+              </a:rPr>
+              <a:t>.</a:t>
+            </a:r>
+          </a:p>
+          <a:p>
+            <a:pPr marL="0" indent="0">
+              <a:buNone/>
+            </a:pPr>
+            <a:endParaRPr lang="en-GB" sz="1400" b="0" i="0" dirty="0">
+              <a:solidFill>
+                <a:srgbClr val="333333"/>
+              </a:solidFill>
+              <a:effectLst/>
+              <a:latin typeface="+mj-lt"/>
+            </a:endParaRPr>
+          </a:p>
+          <a:p>
+            <a:pPr marL="0" indent="0">
+              <a:buNone/>
+            </a:pPr>
+            <a:r>
+              <a:rPr lang="en-GB" sz="1400" b="1" i="0" dirty="0">
+                <a:effectLst/>
+                <a:latin typeface="+mj-lt"/>
+              </a:rPr>
+              <a:t>Dual Carriageways:</a:t>
+            </a:r>
+          </a:p>
+          <a:p>
+            <a:pPr marL="0" indent="0" algn="l">
+              <a:buNone/>
+            </a:pPr>
+            <a:r>
+              <a:rPr lang="en-GB" sz="1400" b="0" i="0" dirty="0">
+                <a:effectLst/>
+                <a:latin typeface="+mj-lt"/>
+              </a:rPr>
+              <a:t>Dual carriageways experienced a significant number of fatal accidents, but it is lower than </a:t>
+            </a:r>
+            <a:r>
+              <a:rPr lang="en-GB" sz="1400" b="1" i="1" dirty="0">
+                <a:effectLst/>
+                <a:latin typeface="+mj-lt"/>
+              </a:rPr>
+              <a:t>Single Carriageway</a:t>
+            </a:r>
+            <a:r>
+              <a:rPr lang="en-GB" sz="1400" b="0" i="0" dirty="0" smtClean="0">
+                <a:effectLst/>
+                <a:latin typeface="+mj-lt"/>
+              </a:rPr>
+              <a:t>.</a:t>
+            </a:r>
+            <a:endParaRPr lang="en-GB" sz="1400" b="0" i="0" dirty="0">
+              <a:effectLst/>
+              <a:latin typeface="+mj-lt"/>
+            </a:endParaRPr>
+          </a:p>
+          <a:p>
+            <a:pPr marL="0" indent="0" algn="l">
+              <a:buNone/>
+            </a:pPr>
+            <a:r>
+              <a:rPr lang="en-GB" sz="1400" b="0" i="0" dirty="0">
+                <a:effectLst/>
+                <a:latin typeface="+mj-lt"/>
+              </a:rPr>
+              <a:t>It's the second-highest contributor to fatal accidents</a:t>
+            </a:r>
+            <a:r>
+              <a:rPr lang="en-GB" sz="1400" b="0" i="0" dirty="0" smtClean="0">
+                <a:effectLst/>
+                <a:latin typeface="+mj-lt"/>
+              </a:rPr>
+              <a:t>.</a:t>
+            </a:r>
+          </a:p>
+          <a:p>
+            <a:pPr marL="0" indent="0" algn="l">
+              <a:buNone/>
+            </a:pPr>
+            <a:endParaRPr lang="en-GB" sz="1400" b="0" i="0" dirty="0">
+              <a:effectLst/>
+              <a:latin typeface="+mj-lt"/>
+            </a:endParaRPr>
+          </a:p>
+          <a:p>
+            <a:pPr marL="0" indent="0">
+              <a:buNone/>
+            </a:pPr>
+            <a:r>
+              <a:rPr lang="en-GB" sz="1400" b="1" i="0" dirty="0">
+                <a:effectLst/>
+                <a:latin typeface="+mj-lt"/>
+              </a:rPr>
+              <a:t>Roundabouts</a:t>
+            </a:r>
+            <a:r>
+              <a:rPr lang="en-GB" sz="1400" b="0" i="0" dirty="0">
+                <a:effectLst/>
+                <a:latin typeface="+mj-lt"/>
+              </a:rPr>
+              <a:t>:</a:t>
+            </a:r>
+          </a:p>
+          <a:p>
+            <a:pPr marL="0" indent="0" algn="l">
+              <a:buNone/>
+            </a:pPr>
+            <a:r>
+              <a:rPr lang="en-GB" sz="1400" b="0" i="0" dirty="0">
+                <a:effectLst/>
+                <a:latin typeface="+mj-lt"/>
+              </a:rPr>
+              <a:t>Roundabouts have a lower number of fatal accidents compared to </a:t>
+            </a:r>
+            <a:r>
+              <a:rPr lang="en-GB" sz="1400" b="0" i="0" dirty="0" err="1">
+                <a:effectLst/>
+                <a:latin typeface="+mj-lt"/>
+              </a:rPr>
+              <a:t>single_carriageway</a:t>
+            </a:r>
+            <a:r>
+              <a:rPr lang="en-GB" sz="1400" b="0" i="0" dirty="0">
+                <a:effectLst/>
+                <a:latin typeface="+mj-lt"/>
+              </a:rPr>
+              <a:t> and dual carriageways.</a:t>
+            </a:r>
+          </a:p>
+          <a:p>
+            <a:pPr marL="0" indent="0" algn="l">
+              <a:buNone/>
+            </a:pPr>
+            <a:r>
+              <a:rPr lang="en-GB" sz="1400" b="0" i="0" dirty="0">
+                <a:effectLst/>
+                <a:latin typeface="+mj-lt"/>
+              </a:rPr>
+              <a:t>They pose a relatively lower risk of fatal </a:t>
+            </a:r>
+            <a:r>
+              <a:rPr lang="en-GB" sz="1400" b="0" i="0" dirty="0" smtClean="0">
+                <a:effectLst/>
+                <a:latin typeface="+mj-lt"/>
+              </a:rPr>
+              <a:t>accidents</a:t>
+            </a:r>
+            <a:r>
+              <a:rPr lang="en-GB" sz="1400" dirty="0" smtClean="0">
+                <a:latin typeface="+mj-lt"/>
+              </a:rPr>
+              <a:t>.</a:t>
+            </a:r>
+          </a:p>
+          <a:p>
+            <a:pPr marL="0" indent="0" algn="l">
+              <a:buNone/>
+            </a:pPr>
+            <a:endParaRPr lang="en-GB" sz="1400" b="0" i="0" dirty="0">
+              <a:effectLst/>
+              <a:latin typeface="+mj-lt"/>
+            </a:endParaRPr>
+          </a:p>
+          <a:p>
+            <a:pPr marL="0" indent="0">
+              <a:buNone/>
+            </a:pPr>
+            <a:r>
+              <a:rPr lang="en-GB" sz="1400" b="1" i="0" dirty="0">
+                <a:effectLst/>
+                <a:latin typeface="+mj-lt"/>
+              </a:rPr>
+              <a:t>One-way Streets</a:t>
+            </a:r>
+            <a:r>
+              <a:rPr lang="en-GB" sz="1400" b="0" i="0" dirty="0">
+                <a:effectLst/>
+                <a:latin typeface="+mj-lt"/>
+              </a:rPr>
+              <a:t>: &amp; </a:t>
+            </a:r>
+            <a:r>
+              <a:rPr lang="en-GB" sz="1400" b="1" i="0" dirty="0">
+                <a:effectLst/>
+                <a:latin typeface="+mj-lt"/>
+              </a:rPr>
+              <a:t>Slip Roads</a:t>
+            </a:r>
+            <a:r>
+              <a:rPr lang="en-GB" sz="1400" b="0" i="0" dirty="0">
+                <a:effectLst/>
+                <a:latin typeface="+mj-lt"/>
+              </a:rPr>
+              <a:t>:</a:t>
+            </a:r>
+          </a:p>
+          <a:p>
+            <a:pPr marL="0" indent="0" algn="l">
+              <a:buNone/>
+            </a:pPr>
+            <a:r>
+              <a:rPr lang="en-GB" sz="1400" b="0" i="0" dirty="0">
+                <a:effectLst/>
+                <a:latin typeface="+mj-lt"/>
+              </a:rPr>
+              <a:t>One-way streets have a very low number of fatal accidents.</a:t>
+            </a:r>
+          </a:p>
+          <a:p>
+            <a:pPr marL="0" indent="0" algn="l">
+              <a:buNone/>
+            </a:pPr>
+            <a:r>
+              <a:rPr lang="en-GB" sz="1400" b="0" i="0" dirty="0">
+                <a:effectLst/>
+                <a:latin typeface="+mj-lt"/>
+              </a:rPr>
+              <a:t>They are the safest among the specified road types.</a:t>
+            </a:r>
+            <a:r>
+              <a:rPr lang="en-GB" sz="1400" b="0" i="0" dirty="0">
+                <a:solidFill>
+                  <a:srgbClr val="D1D5DB"/>
+                </a:solidFill>
+                <a:effectLst/>
+                <a:latin typeface="+mj-lt"/>
+              </a:rPr>
+              <a:t> </a:t>
+            </a:r>
+            <a:r>
+              <a:rPr lang="en-GB" sz="1400" b="0" i="0" dirty="0">
+                <a:effectLst/>
+                <a:latin typeface="+mj-lt"/>
+              </a:rPr>
+              <a:t>Slip roads have the lowest number of fatal accidents.</a:t>
+            </a:r>
+          </a:p>
+          <a:p>
+            <a:pPr marL="0" indent="0" algn="l">
+              <a:buNone/>
+            </a:pPr>
+            <a:r>
+              <a:rPr lang="en-GB" sz="1400" b="0" i="0" dirty="0">
+                <a:effectLst/>
+                <a:latin typeface="+mj-lt"/>
+              </a:rPr>
+              <a:t>They are the least risky among the specified road types.</a:t>
+            </a:r>
+          </a:p>
+          <a:p>
+            <a:pPr marL="0" indent="0" algn="l">
+              <a:buNone/>
+            </a:pPr>
+            <a:endParaRPr lang="en-GB" sz="1400" b="0" i="0" dirty="0">
+              <a:effectLst/>
+              <a:latin typeface="+mj-lt"/>
+            </a:endParaRPr>
+          </a:p>
+          <a:p>
+            <a:pPr marL="0" indent="0" algn="l">
+              <a:buNone/>
+            </a:pPr>
+            <a:endParaRPr lang="en-GB" sz="1400" b="0" i="0" dirty="0">
+              <a:effectLst/>
+              <a:latin typeface="+mj-lt"/>
+            </a:endParaRPr>
+          </a:p>
+          <a:p>
+            <a:pPr marL="0" indent="0">
+              <a:buNone/>
+            </a:pPr>
+            <a:endParaRPr lang="en-GB" sz="1400" b="0" i="0" dirty="0">
+              <a:solidFill>
+                <a:srgbClr val="333333"/>
+              </a:solidFill>
+              <a:effectLst/>
+              <a:latin typeface="+mj-lt"/>
+            </a:endParaRPr>
+          </a:p>
+          <a:p>
+            <a:pPr marL="0" indent="0">
+              <a:buNone/>
+            </a:pPr>
+            <a:endParaRPr lang="en-GB" sz="1400" dirty="0">
+              <a:latin typeface="+mj-lt"/>
+            </a:endParaRPr>
+          </a:p>
+        </p:txBody>
+      </p:sp>
+    </p:spTree>
+    <p:extLst>
+      <p:ext uri="{BB962C8B-B14F-4D97-AF65-F5344CB8AC3E}">
+        <p14:creationId xmlns:p14="http://schemas.microsoft.com/office/powerpoint/2010/main" val="3287992475"/>
+      </p:ext>
+    </p:extLst>
+  </p:cSld>
+  <p:clrMapOvr>
+    <a:masterClrMapping/>
+  </p:clrMapOvr>
+</p:sld>
+</file>
+
+<file path=ppt/slides/slide14.xml><?xml version="1.0" encoding="utf-8"?>
+<p:sld xmlns:a="http://schemas.openxmlformats.org/drawingml/2006/main" xmlns:r="http://schemas.openxmlformats.org/officeDocument/2006/relationships" xmlns:p="http://schemas.openxmlformats.org/presentationml/2006/main">
+  <p:cSld>
+    <p:spTree>
+      <p:nvGrpSpPr>
+        <p:cNvPr id="1" name=""/>
+        <p:cNvGrpSpPr/>
+        <p:nvPr/>
+      </p:nvGrpSpPr>
+      <p:grpSpPr>
+        <a:xfrm>
+          <a:off x="0" y="0"/>
+          <a:ext cx="0" cy="0"/>
+          <a:chOff x="0" y="0"/>
+          <a:chExt cx="0" cy="0"/>
+        </a:xfrm>
+      </p:grpSpPr>
+      <p:sp>
+        <p:nvSpPr>
+          <p:cNvPr id="2" name="Title 1">
+            <a:extLst>
+              <a:ext uri="{FF2B5EF4-FFF2-40B4-BE49-F238E27FC236}">
+                <a16:creationId xmlns:a16="http://schemas.microsoft.com/office/drawing/2014/main" xmlns="" id="{9AB70618-8549-E880-077C-423B9081E61B}"/>
+              </a:ext>
+            </a:extLst>
+          </p:cNvPr>
+          <p:cNvSpPr>
+            <a:spLocks noGrp="1"/>
+          </p:cNvSpPr>
+          <p:nvPr>
+            <p:ph type="title"/>
+          </p:nvPr>
+        </p:nvSpPr>
+        <p:spPr>
+          <a:xfrm>
+            <a:off x="107504" y="332656"/>
+            <a:ext cx="8534400" cy="758952"/>
+          </a:xfrm>
+        </p:spPr>
+        <p:txBody>
+          <a:bodyPr>
+            <a:normAutofit fontScale="90000"/>
+          </a:bodyPr>
+          <a:lstStyle/>
+          <a:p>
+            <a:r>
+              <a:rPr lang="en-GB" dirty="0"/>
+              <a:t>	Distribution of Serious Accidents </a:t>
+            </a:r>
+            <a:r>
+              <a:rPr lang="en-GB" dirty="0" smtClean="0"/>
+              <a:t>by Road Type - </a:t>
+            </a:r>
+            <a:r>
+              <a:rPr lang="en-GB" dirty="0" err="1" smtClean="0"/>
+              <a:t>Maliha</a:t>
+            </a:r>
+            <a:endParaRPr lang="en-GB" dirty="0"/>
+          </a:p>
+        </p:txBody>
+      </p:sp>
+      <p:pic>
+        <p:nvPicPr>
+          <p:cNvPr id="4" name="Picture 3">
+            <a:extLst>
+              <a:ext uri="{FF2B5EF4-FFF2-40B4-BE49-F238E27FC236}">
+                <a16:creationId xmlns:a16="http://schemas.microsoft.com/office/drawing/2014/main" xmlns="" id="{32705068-5950-C297-B66D-057A695DA129}"/>
+              </a:ext>
+            </a:extLst>
+          </p:cNvPr>
+          <p:cNvPicPr>
+            <a:picLocks noChangeAspect="1"/>
+          </p:cNvPicPr>
+          <p:nvPr/>
+        </p:nvPicPr>
+        <p:blipFill>
+          <a:blip r:embed="rId2">
+            <a:extLst>
+              <a:ext uri="{28A0092B-C50C-407E-A947-70E740481C1C}">
+                <a14:useLocalDpi xmlns:a14="http://schemas.microsoft.com/office/drawing/2010/main" val="0"/>
+              </a:ext>
+            </a:extLst>
+          </a:blip>
+          <a:stretch>
+            <a:fillRect/>
+          </a:stretch>
+        </p:blipFill>
+        <p:spPr>
+          <a:xfrm>
+            <a:off x="2123728" y="1532988"/>
+            <a:ext cx="4642837" cy="4642837"/>
+          </a:xfrm>
+          <a:prstGeom prst="rect">
+            <a:avLst/>
+          </a:prstGeom>
+        </p:spPr>
+      </p:pic>
+    </p:spTree>
+    <p:extLst>
+      <p:ext uri="{BB962C8B-B14F-4D97-AF65-F5344CB8AC3E}">
+        <p14:creationId xmlns:p14="http://schemas.microsoft.com/office/powerpoint/2010/main" val="2220673673"/>
+      </p:ext>
+    </p:extLst>
+  </p:cSld>
+  <p:clrMapOvr>
+    <a:masterClrMapping/>
+  </p:clrMapOvr>
+</p:sld>
+</file>
+
+<file path=ppt/slides/slide15.xml><?xml version="1.0" encoding="utf-8"?>
+<p:sld xmlns:a="http://schemas.openxmlformats.org/drawingml/2006/main" xmlns:r="http://schemas.openxmlformats.org/officeDocument/2006/relationships" xmlns:p="http://schemas.openxmlformats.org/presentationml/2006/main">
+  <p:cSld>
+    <p:spTree>
+      <p:nvGrpSpPr>
+        <p:cNvPr id="1" name=""/>
+        <p:cNvGrpSpPr/>
+        <p:nvPr/>
+      </p:nvGrpSpPr>
+      <p:grpSpPr>
+        <a:xfrm>
+          <a:off x="0" y="0"/>
+          <a:ext cx="0" cy="0"/>
+          <a:chOff x="0" y="0"/>
+          <a:chExt cx="0" cy="0"/>
+        </a:xfrm>
+      </p:grpSpPr>
+      <p:sp>
+        <p:nvSpPr>
+          <p:cNvPr id="2" name="Title 1">
+            <a:extLst>
+              <a:ext uri="{FF2B5EF4-FFF2-40B4-BE49-F238E27FC236}">
+                <a16:creationId xmlns:a16="http://schemas.microsoft.com/office/drawing/2014/main" xmlns="" id="{089AFC19-53DD-1807-8767-04FCAE77EC67}"/>
+              </a:ext>
+            </a:extLst>
+          </p:cNvPr>
+          <p:cNvSpPr>
+            <a:spLocks noGrp="1"/>
+          </p:cNvSpPr>
+          <p:nvPr>
+            <p:ph type="title"/>
+          </p:nvPr>
+        </p:nvSpPr>
+        <p:spPr>
+          <a:xfrm>
+            <a:off x="301752" y="293784"/>
+            <a:ext cx="8534400" cy="758952"/>
+          </a:xfrm>
+        </p:spPr>
+        <p:txBody>
+          <a:bodyPr>
+            <a:normAutofit fontScale="90000"/>
+          </a:bodyPr>
+          <a:lstStyle/>
+          <a:p>
+            <a:r>
+              <a:rPr lang="en-GB" dirty="0"/>
+              <a:t>Distribution of Serious Accidents </a:t>
+            </a:r>
+            <a:r>
+              <a:rPr lang="en-GB" dirty="0" smtClean="0"/>
+              <a:t>by Road Type - </a:t>
+            </a:r>
+            <a:r>
+              <a:rPr lang="en-GB" dirty="0" err="1" smtClean="0"/>
+              <a:t>Maliha</a:t>
+            </a:r>
+            <a:endParaRPr lang="en-GB" dirty="0"/>
+          </a:p>
+        </p:txBody>
+      </p:sp>
+      <p:sp>
+        <p:nvSpPr>
+          <p:cNvPr id="3" name="Content Placeholder 2">
+            <a:extLst>
+              <a:ext uri="{FF2B5EF4-FFF2-40B4-BE49-F238E27FC236}">
+                <a16:creationId xmlns:a16="http://schemas.microsoft.com/office/drawing/2014/main" xmlns="" id="{D502E60C-4359-41E5-21D6-598974416D21}"/>
+              </a:ext>
+            </a:extLst>
+          </p:cNvPr>
+          <p:cNvSpPr>
+            <a:spLocks noGrp="1"/>
+          </p:cNvSpPr>
+          <p:nvPr>
+            <p:ph sz="quarter" idx="1"/>
+          </p:nvPr>
+        </p:nvSpPr>
+        <p:spPr/>
+        <p:txBody>
+          <a:bodyPr>
+            <a:normAutofit/>
+          </a:bodyPr>
+          <a:lstStyle/>
+          <a:p>
+            <a:pPr marL="0" indent="0" algn="l">
+              <a:buNone/>
+            </a:pPr>
+            <a:r>
+              <a:rPr lang="en-GB" sz="1500" b="1" i="0" dirty="0">
+                <a:effectLst/>
+                <a:latin typeface="Söhne"/>
+              </a:rPr>
+              <a:t>Single Carriageway</a:t>
+            </a:r>
+            <a:r>
+              <a:rPr lang="en-GB" sz="1500" b="0" i="0" dirty="0">
+                <a:effectLst/>
+                <a:latin typeface="Söhne"/>
+              </a:rPr>
+              <a:t>:</a:t>
+            </a:r>
+          </a:p>
+          <a:p>
+            <a:pPr marL="0" indent="0" algn="l">
+              <a:buNone/>
+            </a:pPr>
+            <a:r>
+              <a:rPr lang="en-GB" sz="1500" b="1" i="1" dirty="0">
+                <a:effectLst/>
+                <a:latin typeface="Söhne"/>
+              </a:rPr>
+              <a:t>Single Carriageway </a:t>
+            </a:r>
+            <a:r>
+              <a:rPr lang="en-GB" sz="1500" b="0" i="0" dirty="0">
+                <a:effectLst/>
+                <a:latin typeface="Söhne"/>
+              </a:rPr>
+              <a:t>of road has the highest number of serious accidents. This indicates that single carriageway roads may be associated with a higher risk of serious accidents compared to other road types.</a:t>
+            </a:r>
+          </a:p>
+          <a:p>
+            <a:pPr algn="l">
+              <a:buFont typeface="+mj-lt"/>
+              <a:buAutoNum type="arabicPeriod"/>
+            </a:pPr>
+            <a:endParaRPr lang="en-GB" sz="1400" b="1" i="0" dirty="0">
+              <a:effectLst/>
+              <a:latin typeface="Söhne"/>
+            </a:endParaRPr>
+          </a:p>
+          <a:p>
+            <a:pPr marL="0" indent="0" algn="l">
+              <a:buNone/>
+            </a:pPr>
+            <a:r>
+              <a:rPr lang="en-GB" sz="1400" b="1" i="0" dirty="0">
+                <a:effectLst/>
+                <a:latin typeface="Söhne"/>
+              </a:rPr>
+              <a:t>Dual Carriageway</a:t>
+            </a:r>
+            <a:r>
+              <a:rPr lang="en-GB" sz="1400" b="0" i="0" dirty="0">
+                <a:effectLst/>
+                <a:latin typeface="Söhne"/>
+              </a:rPr>
+              <a:t>: Dual carriageways have a relatively lower number of serious accidents compared to single carriageways. This suggests that dual carriageways may be comparatively safer in terms of serious accidents.</a:t>
+            </a:r>
+          </a:p>
+          <a:p>
+            <a:pPr marL="0" indent="0" algn="l">
+              <a:buNone/>
+            </a:pPr>
+            <a:endParaRPr lang="en-GB" sz="1400" b="1" i="0" dirty="0">
+              <a:effectLst/>
+              <a:latin typeface="Söhne"/>
+            </a:endParaRPr>
+          </a:p>
+          <a:p>
+            <a:pPr marL="0" indent="0" algn="l">
+              <a:buNone/>
+            </a:pPr>
+            <a:r>
+              <a:rPr lang="en-GB" sz="1400" b="1" i="0" dirty="0">
+                <a:effectLst/>
+                <a:latin typeface="Söhne"/>
+              </a:rPr>
+              <a:t>Roundabouts</a:t>
+            </a:r>
+            <a:r>
+              <a:rPr lang="en-GB" sz="1400" b="0" i="0" dirty="0">
+                <a:effectLst/>
+                <a:latin typeface="Söhne"/>
+              </a:rPr>
+              <a:t>: Roundabouts have a moderate number of serious accidents. While they are safer than single carriageways, they still pose a significant risk compared to dual carriageways.</a:t>
+            </a:r>
+          </a:p>
+          <a:p>
+            <a:pPr marL="0" indent="0" algn="l">
+              <a:buNone/>
+            </a:pPr>
+            <a:endParaRPr lang="en-GB" sz="1400" b="1" i="0" dirty="0">
+              <a:effectLst/>
+              <a:latin typeface="Söhne"/>
+            </a:endParaRPr>
+          </a:p>
+          <a:p>
+            <a:pPr marL="0" indent="0" algn="l">
+              <a:buNone/>
+            </a:pPr>
+            <a:r>
+              <a:rPr lang="en-GB" sz="1400" b="1" i="0" dirty="0">
+                <a:effectLst/>
+                <a:latin typeface="Söhne"/>
+              </a:rPr>
+              <a:t>One-way Streets and Slip Roads</a:t>
+            </a:r>
+            <a:r>
+              <a:rPr lang="en-GB" sz="1400" b="0" i="0" dirty="0">
+                <a:effectLst/>
+                <a:latin typeface="Söhne"/>
+              </a:rPr>
+              <a:t>: These road types have the lowest number of serious accidents. This indicates that these types of roads may be relatively safer in terms of serious accidents.</a:t>
+            </a:r>
+          </a:p>
+          <a:p>
+            <a:endParaRPr lang="en-GB" dirty="0"/>
+          </a:p>
+        </p:txBody>
+      </p:sp>
+    </p:spTree>
+    <p:extLst>
+      <p:ext uri="{BB962C8B-B14F-4D97-AF65-F5344CB8AC3E}">
+        <p14:creationId xmlns:p14="http://schemas.microsoft.com/office/powerpoint/2010/main" val="570172508"/>
+      </p:ext>
+    </p:extLst>
+  </p:cSld>
+  <p:clrMapOvr>
+    <a:masterClrMapping/>
+  </p:clrMapOvr>
+</p:sld>
+</file>
+
+<file path=ppt/slides/slide16.xml><?xml version="1.0" encoding="utf-8"?>
+<p:sld xmlns:a="http://schemas.openxmlformats.org/drawingml/2006/main" xmlns:r="http://schemas.openxmlformats.org/officeDocument/2006/relationships" xmlns:p="http://schemas.openxmlformats.org/presentationml/2006/main">
+  <p:cSld>
+    <p:spTree>
+      <p:nvGrpSpPr>
+        <p:cNvPr id="1" name=""/>
+        <p:cNvGrpSpPr/>
+        <p:nvPr/>
+      </p:nvGrpSpPr>
+      <p:grpSpPr>
+        <a:xfrm>
+          <a:off x="0" y="0"/>
+          <a:ext cx="0" cy="0"/>
+          <a:chOff x="0" y="0"/>
+          <a:chExt cx="0" cy="0"/>
+        </a:xfrm>
+      </p:grpSpPr>
+      <p:sp>
+        <p:nvSpPr>
+          <p:cNvPr id="2" name="Title 1">
+            <a:extLst>
+              <a:ext uri="{FF2B5EF4-FFF2-40B4-BE49-F238E27FC236}">
+                <a16:creationId xmlns:a16="http://schemas.microsoft.com/office/drawing/2014/main" xmlns="" id="{05DAE180-CD01-B0CC-2926-174085F71358}"/>
+              </a:ext>
+            </a:extLst>
+          </p:cNvPr>
+          <p:cNvSpPr>
+            <a:spLocks noGrp="1"/>
+          </p:cNvSpPr>
+          <p:nvPr>
+            <p:ph type="title"/>
+          </p:nvPr>
+        </p:nvSpPr>
+        <p:spPr>
+          <a:xfrm>
+            <a:off x="301752" y="365792"/>
+            <a:ext cx="8534400" cy="758952"/>
+          </a:xfrm>
+        </p:spPr>
+        <p:txBody>
+          <a:bodyPr>
+            <a:normAutofit fontScale="90000"/>
+          </a:bodyPr>
+          <a:lstStyle/>
+          <a:p>
+            <a:r>
+              <a:rPr lang="en-GB" dirty="0"/>
+              <a:t>	Distribution of Slight Accidents </a:t>
+            </a:r>
+            <a:r>
+              <a:rPr lang="en-GB" dirty="0" smtClean="0"/>
+              <a:t>by Road Type -  </a:t>
+            </a:r>
+            <a:r>
+              <a:rPr lang="en-GB" dirty="0" err="1" smtClean="0"/>
+              <a:t>Maliha</a:t>
+            </a:r>
+            <a:endParaRPr lang="en-GB" dirty="0"/>
+          </a:p>
+        </p:txBody>
+      </p:sp>
+      <p:pic>
+        <p:nvPicPr>
+          <p:cNvPr id="4" name="Picture 3">
+            <a:extLst>
+              <a:ext uri="{FF2B5EF4-FFF2-40B4-BE49-F238E27FC236}">
+                <a16:creationId xmlns:a16="http://schemas.microsoft.com/office/drawing/2014/main" xmlns="" id="{3996560E-E9CD-799E-46BF-C5E674524616}"/>
+              </a:ext>
+            </a:extLst>
+          </p:cNvPr>
+          <p:cNvPicPr>
+            <a:picLocks noChangeAspect="1"/>
+          </p:cNvPicPr>
+          <p:nvPr/>
+        </p:nvPicPr>
+        <p:blipFill>
+          <a:blip r:embed="rId2">
+            <a:extLst>
+              <a:ext uri="{28A0092B-C50C-407E-A947-70E740481C1C}">
+                <a14:useLocalDpi xmlns:a14="http://schemas.microsoft.com/office/drawing/2010/main" val="0"/>
+              </a:ext>
+            </a:extLst>
+          </a:blip>
+          <a:stretch>
+            <a:fillRect/>
+          </a:stretch>
+        </p:blipFill>
+        <p:spPr>
+          <a:xfrm>
+            <a:off x="2377436" y="1886285"/>
+            <a:ext cx="4389129" cy="4389129"/>
+          </a:xfrm>
+          <a:prstGeom prst="rect">
+            <a:avLst/>
+          </a:prstGeom>
+        </p:spPr>
+      </p:pic>
+    </p:spTree>
+    <p:extLst>
+      <p:ext uri="{BB962C8B-B14F-4D97-AF65-F5344CB8AC3E}">
+        <p14:creationId xmlns:p14="http://schemas.microsoft.com/office/powerpoint/2010/main" val="189082595"/>
+      </p:ext>
+    </p:extLst>
+  </p:cSld>
+  <p:clrMapOvr>
+    <a:masterClrMapping/>
+  </p:clrMapOvr>
+</p:sld>
+</file>
+
+<file path=ppt/slides/slide17.xml><?xml version="1.0" encoding="utf-8"?>
+<p:sld xmlns:a="http://schemas.openxmlformats.org/drawingml/2006/main" xmlns:r="http://schemas.openxmlformats.org/officeDocument/2006/relationships" xmlns:p="http://schemas.openxmlformats.org/presentationml/2006/main">
+  <p:cSld>
+    <p:spTree>
+      <p:nvGrpSpPr>
+        <p:cNvPr id="1" name=""/>
+        <p:cNvGrpSpPr/>
+        <p:nvPr/>
+      </p:nvGrpSpPr>
+      <p:grpSpPr>
+        <a:xfrm>
+          <a:off x="0" y="0"/>
+          <a:ext cx="0" cy="0"/>
+          <a:chOff x="0" y="0"/>
+          <a:chExt cx="0" cy="0"/>
+        </a:xfrm>
+      </p:grpSpPr>
+      <p:sp>
+        <p:nvSpPr>
+          <p:cNvPr id="2" name="Title 1">
+            <a:extLst>
+              <a:ext uri="{FF2B5EF4-FFF2-40B4-BE49-F238E27FC236}">
+                <a16:creationId xmlns:a16="http://schemas.microsoft.com/office/drawing/2014/main" xmlns="" id="{A54116A5-5FE5-0EF5-C418-8C64417FA3DB}"/>
+              </a:ext>
+            </a:extLst>
+          </p:cNvPr>
+          <p:cNvSpPr>
+            <a:spLocks noGrp="1"/>
+          </p:cNvSpPr>
+          <p:nvPr>
+            <p:ph type="title"/>
+          </p:nvPr>
+        </p:nvSpPr>
+        <p:spPr>
+          <a:xfrm>
+            <a:off x="301752" y="365792"/>
+            <a:ext cx="8534400" cy="758952"/>
+          </a:xfrm>
+        </p:spPr>
+        <p:txBody>
+          <a:bodyPr>
+            <a:normAutofit fontScale="90000"/>
+          </a:bodyPr>
+          <a:lstStyle/>
+          <a:p>
+            <a:r>
+              <a:rPr lang="en-GB" dirty="0"/>
+              <a:t>Distribution of ‘Slight’ Accidents by </a:t>
+            </a:r>
+            <a:r>
+              <a:rPr lang="en-GB" dirty="0" smtClean="0"/>
+              <a:t>Road Type - </a:t>
+            </a:r>
+            <a:r>
+              <a:rPr lang="en-GB" dirty="0" err="1" smtClean="0"/>
+              <a:t>Maliha</a:t>
+            </a:r>
+            <a:endParaRPr lang="en-GB" dirty="0"/>
+          </a:p>
+        </p:txBody>
+      </p:sp>
+      <p:sp>
+        <p:nvSpPr>
+          <p:cNvPr id="3" name="Content Placeholder 2">
+            <a:extLst>
+              <a:ext uri="{FF2B5EF4-FFF2-40B4-BE49-F238E27FC236}">
+                <a16:creationId xmlns:a16="http://schemas.microsoft.com/office/drawing/2014/main" xmlns="" id="{2F3BD7ED-E3D1-8C43-1B8D-D1B7C814BFE9}"/>
+              </a:ext>
+            </a:extLst>
+          </p:cNvPr>
+          <p:cNvSpPr>
+            <a:spLocks noGrp="1"/>
+          </p:cNvSpPr>
+          <p:nvPr>
+            <p:ph sz="quarter" idx="1"/>
+          </p:nvPr>
+        </p:nvSpPr>
+        <p:spPr/>
+        <p:txBody>
+          <a:bodyPr>
+            <a:normAutofit/>
+          </a:bodyPr>
+          <a:lstStyle/>
+          <a:p>
+            <a:pPr marL="0" indent="0" algn="l">
+              <a:buNone/>
+            </a:pPr>
+            <a:r>
+              <a:rPr lang="en-GB" sz="1400" b="1" i="0" dirty="0">
+                <a:effectLst/>
+                <a:latin typeface="+mj-lt"/>
+              </a:rPr>
+              <a:t>Single Carriageway</a:t>
+            </a:r>
+            <a:r>
+              <a:rPr lang="en-GB" sz="1400" b="0" i="0" dirty="0">
+                <a:effectLst/>
+                <a:latin typeface="+mj-lt"/>
+              </a:rPr>
+              <a:t>: </a:t>
+            </a:r>
+          </a:p>
+          <a:p>
+            <a:pPr marL="0" indent="0" algn="l">
+              <a:buNone/>
+            </a:pPr>
+            <a:r>
+              <a:rPr lang="en-GB" sz="1400" b="0" i="0" dirty="0">
+                <a:effectLst/>
+                <a:latin typeface="+mj-lt"/>
+              </a:rPr>
+              <a:t>This type of road has the highest number of slight accidents. This indicates that single carriageway roads may be associated with a higher risk of slight accidents compared to other road types.</a:t>
+            </a:r>
+          </a:p>
+          <a:p>
+            <a:pPr marL="0" indent="0" algn="l">
+              <a:buNone/>
+            </a:pPr>
+            <a:r>
+              <a:rPr lang="en-GB" sz="1400" b="1" i="0" dirty="0">
+                <a:effectLst/>
+                <a:latin typeface="+mj-lt"/>
+              </a:rPr>
+              <a:t>Roundabouts</a:t>
+            </a:r>
+            <a:r>
+              <a:rPr lang="en-GB" sz="1400" b="0" i="0" dirty="0">
+                <a:effectLst/>
+                <a:latin typeface="+mj-lt"/>
+              </a:rPr>
+              <a:t>: </a:t>
+            </a:r>
+          </a:p>
+          <a:p>
+            <a:pPr marL="0" indent="0" algn="l">
+              <a:buNone/>
+            </a:pPr>
+            <a:r>
+              <a:rPr lang="en-GB" sz="1400" b="0" i="0" dirty="0">
+                <a:effectLst/>
+                <a:latin typeface="+mj-lt"/>
+              </a:rPr>
+              <a:t>Roundabouts have a relatively moderate number of slight accidents. They are safer than single carriageways but still pose a significant risk.</a:t>
+            </a:r>
+          </a:p>
+          <a:p>
+            <a:pPr marL="0" indent="0" algn="l">
+              <a:buNone/>
+            </a:pPr>
+            <a:r>
+              <a:rPr lang="en-GB" sz="1400" b="1" i="0" dirty="0">
+                <a:effectLst/>
+                <a:latin typeface="+mj-lt"/>
+              </a:rPr>
+              <a:t>Dual Carriageway</a:t>
+            </a:r>
+            <a:r>
+              <a:rPr lang="en-GB" sz="1400" b="0" i="0" dirty="0">
+                <a:effectLst/>
+                <a:latin typeface="+mj-lt"/>
+              </a:rPr>
+              <a:t>: </a:t>
+            </a:r>
+          </a:p>
+          <a:p>
+            <a:pPr marL="0" indent="0" algn="l">
+              <a:buNone/>
+            </a:pPr>
+            <a:r>
+              <a:rPr lang="en-GB" sz="1400" b="0" i="0" dirty="0">
+                <a:effectLst/>
+                <a:latin typeface="+mj-lt"/>
+              </a:rPr>
+              <a:t>Dual carriageways have a lower number of slight accidents compared to single carriageways. This suggests that dual carriageways may be comparatively safer in terms of slight accidents.</a:t>
+            </a:r>
+          </a:p>
+          <a:p>
+            <a:pPr marL="0" indent="0" algn="l">
+              <a:buNone/>
+            </a:pPr>
+            <a:r>
+              <a:rPr lang="en-GB" sz="1400" b="1" i="0" dirty="0">
+                <a:effectLst/>
+                <a:latin typeface="+mj-lt"/>
+              </a:rPr>
+              <a:t>One-way Streets and Slip Roads</a:t>
+            </a:r>
+            <a:r>
+              <a:rPr lang="en-GB" sz="1400" b="0" i="0" dirty="0">
+                <a:effectLst/>
+                <a:latin typeface="+mj-lt"/>
+              </a:rPr>
+              <a:t>: </a:t>
+            </a:r>
+          </a:p>
+          <a:p>
+            <a:pPr marL="0" indent="0" algn="l">
+              <a:buNone/>
+            </a:pPr>
+            <a:r>
+              <a:rPr lang="en-GB" sz="1400" b="0" i="0" dirty="0">
+                <a:effectLst/>
+                <a:latin typeface="+mj-lt"/>
+              </a:rPr>
+              <a:t>These road types have the lowest number of slight accidents. This indicates that these types of roads may be relatively safer in terms of slight accidents.</a:t>
+            </a:r>
+          </a:p>
+          <a:p>
+            <a:pPr marL="0" indent="0">
+              <a:buNone/>
+            </a:pPr>
+            <a:endParaRPr lang="en-GB" dirty="0">
+              <a:latin typeface="+mj-lt"/>
+            </a:endParaRPr>
+          </a:p>
+        </p:txBody>
+      </p:sp>
+    </p:spTree>
+    <p:extLst>
+      <p:ext uri="{BB962C8B-B14F-4D97-AF65-F5344CB8AC3E}">
+        <p14:creationId xmlns:p14="http://schemas.microsoft.com/office/powerpoint/2010/main" val="60469402"/>
+      </p:ext>
+    </p:extLst>
+  </p:cSld>
+  <p:clrMapOvr>
+    <a:masterClrMapping/>
+  </p:clrMapOvr>
+</p:sld>
+</file>
+
+<file path=ppt/slides/slide18.xml><?xml version="1.0" encoding="utf-8"?>
+<p:sld xmlns:a="http://schemas.openxmlformats.org/drawingml/2006/main" xmlns:r="http://schemas.openxmlformats.org/officeDocument/2006/relationships" xmlns:p="http://schemas.openxmlformats.org/presentationml/2006/main">
+  <p:cSld>
+    <p:spTree>
+      <p:nvGrpSpPr>
+        <p:cNvPr id="1" name=""/>
+        <p:cNvGrpSpPr/>
+        <p:nvPr/>
+      </p:nvGrpSpPr>
+      <p:grpSpPr>
+        <a:xfrm>
+          <a:off x="0" y="0"/>
+          <a:ext cx="0" cy="0"/>
+          <a:chOff x="0" y="0"/>
+          <a:chExt cx="0" cy="0"/>
+        </a:xfrm>
+      </p:grpSpPr>
+      <p:sp>
+        <p:nvSpPr>
+          <p:cNvPr id="2" name="Title 1">
+            <a:extLst>
+              <a:ext uri="{FF2B5EF4-FFF2-40B4-BE49-F238E27FC236}">
+                <a16:creationId xmlns:a16="http://schemas.microsoft.com/office/drawing/2014/main" xmlns="" id="{22D7089A-6C9A-6DE2-77DB-B4FF7E6D3FD7}"/>
+              </a:ext>
+            </a:extLst>
+          </p:cNvPr>
+          <p:cNvSpPr>
+            <a:spLocks noGrp="1"/>
+          </p:cNvSpPr>
+          <p:nvPr>
+            <p:ph type="title"/>
+          </p:nvPr>
+        </p:nvSpPr>
+        <p:spPr/>
+        <p:txBody>
+          <a:bodyPr/>
+          <a:lstStyle/>
+          <a:p>
+            <a:r>
+              <a:rPr lang="en-GB" dirty="0"/>
+              <a:t>Further Inferences</a:t>
+            </a:r>
+          </a:p>
+        </p:txBody>
+      </p:sp>
+      <p:sp>
+        <p:nvSpPr>
+          <p:cNvPr id="3" name="Content Placeholder 2">
+            <a:extLst>
+              <a:ext uri="{FF2B5EF4-FFF2-40B4-BE49-F238E27FC236}">
+                <a16:creationId xmlns:a16="http://schemas.microsoft.com/office/drawing/2014/main" xmlns="" id="{34BCC1FA-58C4-E0EC-D0C2-F43563F0FEF1}"/>
+              </a:ext>
+            </a:extLst>
+          </p:cNvPr>
+          <p:cNvSpPr>
+            <a:spLocks noGrp="1"/>
+          </p:cNvSpPr>
+          <p:nvPr>
+            <p:ph sz="quarter" idx="1"/>
+          </p:nvPr>
+        </p:nvSpPr>
+        <p:spPr/>
+        <p:txBody>
+          <a:bodyPr>
+            <a:normAutofit/>
+          </a:bodyPr>
+          <a:lstStyle/>
+          <a:p>
+            <a:pPr marL="0" indent="0" algn="l">
+              <a:buNone/>
+            </a:pPr>
+            <a:r>
+              <a:rPr lang="en-GB" sz="1400" b="0" i="0" dirty="0">
+                <a:solidFill>
+                  <a:srgbClr val="333333"/>
+                </a:solidFill>
+                <a:effectLst/>
+                <a:latin typeface="+mj-lt"/>
+                <a:cs typeface="Times New Roman" panose="02020603050405020304" pitchFamily="18" charset="0"/>
+              </a:rPr>
+              <a:t>According to the Eastern </a:t>
+            </a:r>
+            <a:r>
+              <a:rPr lang="en-GB" sz="1400" b="0" i="0" dirty="0" smtClean="0">
+                <a:solidFill>
+                  <a:srgbClr val="333333"/>
+                </a:solidFill>
+                <a:effectLst/>
+                <a:latin typeface="+mj-lt"/>
+                <a:cs typeface="Times New Roman" panose="02020603050405020304" pitchFamily="18" charset="0"/>
+              </a:rPr>
+              <a:t>Daily press:</a:t>
+            </a:r>
+          </a:p>
+          <a:p>
+            <a:pPr marL="0" indent="0" algn="l">
+              <a:buNone/>
+            </a:pPr>
+            <a:endParaRPr lang="en-GB" sz="1400" b="0" i="0" dirty="0">
+              <a:solidFill>
+                <a:srgbClr val="333333"/>
+              </a:solidFill>
+              <a:effectLst/>
+              <a:latin typeface="+mj-lt"/>
+              <a:cs typeface="Times New Roman" panose="02020603050405020304" pitchFamily="18" charset="0"/>
+            </a:endParaRPr>
+          </a:p>
+          <a:p>
+            <a:pPr algn="l"/>
+            <a:r>
+              <a:rPr lang="en-GB" sz="1400" b="0" i="0" dirty="0">
+                <a:solidFill>
+                  <a:srgbClr val="333333"/>
+                </a:solidFill>
+                <a:effectLst/>
+                <a:latin typeface="+mj-lt"/>
+                <a:cs typeface="Times New Roman" panose="02020603050405020304" pitchFamily="18" charset="0"/>
+              </a:rPr>
+              <a:t>AA president Edmund King said: 'Most drivers assume that motorways or dual carriageways are the most dangerous roads due to the higher speed of traffic.</a:t>
+            </a:r>
+          </a:p>
+          <a:p>
+            <a:pPr algn="l"/>
+            <a:r>
+              <a:rPr lang="en-GB" sz="1400" b="0" i="0" dirty="0" smtClean="0">
+                <a:solidFill>
+                  <a:srgbClr val="333333"/>
+                </a:solidFill>
+                <a:effectLst/>
+                <a:latin typeface="+mj-lt"/>
+                <a:cs typeface="Times New Roman" panose="02020603050405020304" pitchFamily="18" charset="0"/>
+              </a:rPr>
+              <a:t>This </a:t>
+            </a:r>
+            <a:r>
+              <a:rPr lang="en-GB" sz="1400" b="0" i="0" dirty="0">
+                <a:solidFill>
+                  <a:srgbClr val="333333"/>
+                </a:solidFill>
+                <a:effectLst/>
+                <a:latin typeface="+mj-lt"/>
+                <a:cs typeface="Times New Roman" panose="02020603050405020304" pitchFamily="18" charset="0"/>
+              </a:rPr>
+              <a:t>report </a:t>
+            </a:r>
+            <a:r>
+              <a:rPr lang="en-GB" sz="1400" b="0" i="0" dirty="0" smtClean="0">
+                <a:solidFill>
+                  <a:srgbClr val="333333"/>
+                </a:solidFill>
+                <a:effectLst/>
+                <a:latin typeface="+mj-lt"/>
+                <a:cs typeface="Times New Roman" panose="02020603050405020304" pitchFamily="18" charset="0"/>
+              </a:rPr>
+              <a:t>clearly dispels </a:t>
+            </a:r>
+            <a:r>
+              <a:rPr lang="en-GB" sz="1400" b="0" i="0" dirty="0">
+                <a:solidFill>
+                  <a:srgbClr val="333333"/>
+                </a:solidFill>
+                <a:effectLst/>
+                <a:latin typeface="+mj-lt"/>
+                <a:cs typeface="Times New Roman" panose="02020603050405020304" pitchFamily="18" charset="0"/>
+              </a:rPr>
+              <a:t>that myth as the risk to road-users is now seven times greater on single-carriageway A-roads than motorways. Drivers need to be aware of the added risks and adapt their driving accordingly</a:t>
+            </a:r>
+            <a:r>
+              <a:rPr lang="en-GB" sz="1400" b="0" i="0" dirty="0" smtClean="0">
+                <a:solidFill>
+                  <a:srgbClr val="333333"/>
+                </a:solidFill>
+                <a:effectLst/>
+                <a:latin typeface="+mj-lt"/>
+                <a:cs typeface="Times New Roman" panose="02020603050405020304" pitchFamily="18" charset="0"/>
+              </a:rPr>
+              <a:t>.</a:t>
+            </a:r>
+            <a:endParaRPr lang="en-GB" sz="1400" b="0" i="0" dirty="0">
+              <a:solidFill>
+                <a:srgbClr val="333333"/>
+              </a:solidFill>
+              <a:effectLst/>
+              <a:latin typeface="+mj-lt"/>
+              <a:cs typeface="Times New Roman" panose="02020603050405020304" pitchFamily="18" charset="0"/>
+            </a:endParaRPr>
+          </a:p>
+          <a:p>
+            <a:pPr algn="l"/>
+            <a:endParaRPr lang="en-GB" sz="1400" b="0" i="0" dirty="0">
+              <a:solidFill>
+                <a:srgbClr val="333333"/>
+              </a:solidFill>
+              <a:effectLst/>
+              <a:latin typeface="+mj-lt"/>
+              <a:cs typeface="Times New Roman" panose="02020603050405020304" pitchFamily="18" charset="0"/>
+            </a:endParaRPr>
+          </a:p>
+          <a:p>
+            <a:pPr marL="0" indent="0">
+              <a:buNone/>
+            </a:pPr>
+            <a:r>
+              <a:rPr lang="en-GB" sz="1400" b="0" i="0" dirty="0">
+                <a:effectLst/>
+                <a:latin typeface="+mj-lt"/>
+                <a:cs typeface="Times New Roman" panose="02020603050405020304" pitchFamily="18" charset="0"/>
+              </a:rPr>
+              <a:t>Overall, this analysis highlights the importance of considering road type when assessing the risk of Fatal, Slight, Serious slight accidents. It also suggests that measures to enhance safety on single carriageway roads may be particularly important. </a:t>
+            </a:r>
+          </a:p>
+          <a:p>
+            <a:pPr marL="0" indent="0">
+              <a:buNone/>
+            </a:pPr>
+            <a:r>
+              <a:rPr lang="en-GB" sz="1400" dirty="0" smtClean="0">
+                <a:latin typeface="+mj-lt"/>
+              </a:rPr>
+              <a:t> </a:t>
+            </a:r>
+            <a:endParaRPr lang="en-GB" sz="1400" dirty="0">
+              <a:latin typeface="+mj-lt"/>
+            </a:endParaRPr>
+          </a:p>
+        </p:txBody>
+      </p:sp>
+    </p:spTree>
+    <p:extLst>
+      <p:ext uri="{BB962C8B-B14F-4D97-AF65-F5344CB8AC3E}">
+        <p14:creationId xmlns:p14="http://schemas.microsoft.com/office/powerpoint/2010/main" val="361719595"/>
+      </p:ext>
+    </p:extLst>
+  </p:cSld>
+  <p:clrMapOvr>
+    <a:masterClrMapping/>
+  </p:clrMapOvr>
+</p:sld>
+</file>
+
+<file path=ppt/slides/slide19.xml><?xml version="1.0" encoding="utf-8"?>
+<p:sld xmlns:a="http://schemas.openxmlformats.org/drawingml/2006/main" xmlns:r="http://schemas.openxmlformats.org/officeDocument/2006/relationships" xmlns:p="http://schemas.openxmlformats.org/presentationml/2006/main">
+  <p:cSld>
+    <p:spTree>
+      <p:nvGrpSpPr>
+        <p:cNvPr id="1" name=""/>
+        <p:cNvGrpSpPr/>
+        <p:nvPr/>
+      </p:nvGrpSpPr>
+      <p:grpSpPr>
+        <a:xfrm>
+          <a:off x="0" y="0"/>
+          <a:ext cx="0" cy="0"/>
+          <a:chOff x="0" y="0"/>
+          <a:chExt cx="0" cy="0"/>
+        </a:xfrm>
+      </p:grpSpPr>
+      <p:sp>
+        <p:nvSpPr>
+          <p:cNvPr id="3" name="Content Placeholder 2">
+            <a:extLst>
+              <a:ext uri="{FF2B5EF4-FFF2-40B4-BE49-F238E27FC236}">
+                <a16:creationId xmlns:a16="http://schemas.microsoft.com/office/drawing/2014/main" xmlns="" id="{A984A632-7D80-C0E0-0BE3-2563B67C8E8C}"/>
+              </a:ext>
+            </a:extLst>
+          </p:cNvPr>
+          <p:cNvSpPr>
+            <a:spLocks noGrp="1"/>
+          </p:cNvSpPr>
+          <p:nvPr>
+            <p:ph idx="1"/>
+          </p:nvPr>
+        </p:nvSpPr>
+        <p:spPr>
+          <a:xfrm>
+            <a:off x="395536" y="1484784"/>
+            <a:ext cx="8119814" cy="4692180"/>
+          </a:xfrm>
+        </p:spPr>
+        <p:txBody>
+          <a:bodyPr>
+            <a:normAutofit fontScale="70000" lnSpcReduction="20000"/>
+          </a:bodyPr>
+          <a:lstStyle/>
+          <a:p>
+            <a:pPr marL="0" indent="0">
+              <a:buNone/>
+            </a:pPr>
+            <a:r>
+              <a:rPr lang="en-GB" dirty="0" smtClean="0"/>
+              <a:t>“</a:t>
+            </a:r>
+            <a:r>
+              <a:rPr lang="en-GB" sz="3200" dirty="0"/>
+              <a:t>Vehicle Types vs. Accident Severity</a:t>
+            </a:r>
+            <a:r>
+              <a:rPr lang="en-GB" sz="3200" dirty="0" smtClean="0"/>
+              <a:t>”</a:t>
+            </a:r>
+            <a:endParaRPr lang="en-GB" sz="3200" dirty="0"/>
+          </a:p>
+          <a:p>
+            <a:pPr marL="0" indent="0">
+              <a:buNone/>
+            </a:pPr>
+            <a:endParaRPr lang="en-GB" dirty="0"/>
+          </a:p>
+          <a:p>
+            <a:pPr marL="0" indent="0">
+              <a:buNone/>
+            </a:pPr>
+            <a:r>
+              <a:rPr lang="en-GB" dirty="0"/>
+              <a:t>Objectives</a:t>
+            </a:r>
+            <a:r>
+              <a:rPr lang="en-GB" dirty="0" smtClean="0"/>
+              <a:t>:</a:t>
+            </a:r>
+          </a:p>
+          <a:p>
+            <a:pPr marL="0" indent="0">
+              <a:buNone/>
+            </a:pPr>
+            <a:r>
+              <a:rPr lang="en-GB" dirty="0" smtClean="0"/>
+              <a:t>The data analysis aims </a:t>
+            </a:r>
+            <a:r>
+              <a:rPr lang="en-GB" dirty="0"/>
+              <a:t>to explore and understand the relationship between the types of vehicles involved in road accidents and the severity of the </a:t>
+            </a:r>
+            <a:r>
+              <a:rPr lang="en-GB" dirty="0" smtClean="0"/>
+              <a:t>accidents.</a:t>
+            </a:r>
+          </a:p>
+          <a:p>
+            <a:pPr marL="0" indent="0">
+              <a:buNone/>
+            </a:pPr>
+            <a:r>
+              <a:rPr lang="en-GB" dirty="0" smtClean="0"/>
+              <a:t> </a:t>
+            </a:r>
+            <a:r>
+              <a:rPr lang="en-GB" dirty="0" smtClean="0"/>
+              <a:t>The </a:t>
+            </a:r>
+            <a:r>
+              <a:rPr lang="en-GB" dirty="0"/>
+              <a:t>primary objectives of this slides are as follows:</a:t>
+            </a:r>
+          </a:p>
+          <a:p>
+            <a:r>
+              <a:rPr lang="en-GB" dirty="0"/>
+              <a:t>Exploring the dataset to comprehend its structure and quality.</a:t>
+            </a:r>
+          </a:p>
+          <a:p>
+            <a:r>
+              <a:rPr lang="en-GB" dirty="0"/>
+              <a:t>Formulated research questions and focusing on the impact of vehicles types on accident severity.</a:t>
+            </a:r>
+          </a:p>
+          <a:p>
+            <a:r>
+              <a:rPr lang="en-GB" dirty="0"/>
+              <a:t>We made use of python, pandas and matplotlib to conduct data analysis, including statistical method to uncover the patterns within the data set.</a:t>
+            </a:r>
+          </a:p>
+          <a:p>
+            <a:r>
+              <a:rPr lang="en-GB" dirty="0"/>
+              <a:t>We also used visualizations such as bar charts, and pie chats to communicate our findings and highlight any relationships or trends.</a:t>
+            </a:r>
+          </a:p>
+          <a:p>
+            <a:pPr marL="0" indent="0">
+              <a:buNone/>
+            </a:pPr>
+            <a:endParaRPr lang="en-GB" dirty="0"/>
+          </a:p>
+        </p:txBody>
+      </p:sp>
+      <p:sp>
+        <p:nvSpPr>
+          <p:cNvPr id="4" name="Title 1">
+            <a:extLst>
+              <a:ext uri="{FF2B5EF4-FFF2-40B4-BE49-F238E27FC236}">
+                <a16:creationId xmlns:a16="http://schemas.microsoft.com/office/drawing/2014/main" xmlns="" id="{22D7089A-6C9A-6DE2-77DB-B4FF7E6D3FD7}"/>
+              </a:ext>
+            </a:extLst>
+          </p:cNvPr>
+          <p:cNvSpPr>
+            <a:spLocks noGrp="1"/>
+          </p:cNvSpPr>
+          <p:nvPr>
+            <p:ph type="title"/>
+          </p:nvPr>
+        </p:nvSpPr>
+        <p:spPr>
+          <a:xfrm>
+            <a:off x="301752" y="228600"/>
+            <a:ext cx="8534400" cy="758952"/>
+          </a:xfrm>
+        </p:spPr>
+        <p:txBody>
+          <a:bodyPr/>
+          <a:lstStyle/>
+          <a:p>
+            <a:r>
+              <a:rPr lang="en-GB" dirty="0"/>
+              <a:t>Further Inferences</a:t>
+            </a:r>
+          </a:p>
+        </p:txBody>
+      </p:sp>
+    </p:spTree>
+    <p:extLst>
+      <p:ext uri="{BB962C8B-B14F-4D97-AF65-F5344CB8AC3E}">
+        <p14:creationId xmlns:p14="http://schemas.microsoft.com/office/powerpoint/2010/main" val="1484884587"/>
+      </p:ext>
+    </p:extLst>
+  </p:cSld>
+  <p:clrMapOvr>
+    <a:masterClrMapping/>
+  </p:clrMapOvr>
+</p:sld>
+</file>
+
 <file path=ppt/slides/slide2.xml><?xml version="1.0" encoding="utf-8"?>
 <p:sld xmlns:a="http://schemas.openxmlformats.org/drawingml/2006/main" xmlns:r="http://schemas.openxmlformats.org/officeDocument/2006/relationships" xmlns:p="http://schemas.openxmlformats.org/presentationml/2006/main">
   <p:cSld>
@@ -6605,7 +8802,15 @@
           <a:p>
             <a:r>
               <a:rPr lang="en-GB" dirty="0" smtClean="0"/>
-              <a:t>Data cleaned by the following areas:</a:t>
+              <a:t>Data cleaned by the </a:t>
+            </a:r>
+            <a:r>
+              <a:rPr lang="en-GB" dirty="0" smtClean="0"/>
+              <a:t>following local authority </a:t>
+            </a:r>
+            <a:r>
+              <a:rPr lang="en-GB" dirty="0" smtClean="0"/>
+              <a:t>areas:</a:t>
             </a:r>
           </a:p>
           <a:p>
@@ -6663,12 +8868,16 @@
               <a:t>Merged on </a:t>
             </a:r>
             <a:r>
+              <a:rPr lang="en-GB" dirty="0" smtClean="0"/>
+              <a:t>‘</a:t>
+            </a:r>
+            <a:r>
               <a:rPr lang="en-GB" dirty="0" err="1" smtClean="0"/>
               <a:t>accident_index</a:t>
             </a:r>
             <a:r>
-              <a:rPr lang="en-GB" dirty="0"/>
-              <a:t> </a:t>
+              <a:rPr lang="en-GB" dirty="0" smtClean="0"/>
+              <a:t>’ </a:t>
             </a:r>
             <a:r>
               <a:rPr lang="en-GB" dirty="0" smtClean="0"/>
@@ -6687,6 +8896,598 @@
     <p:extLst>
       <p:ext uri="{BB962C8B-B14F-4D97-AF65-F5344CB8AC3E}">
         <p14:creationId xmlns:p14="http://schemas.microsoft.com/office/powerpoint/2010/main" val="2612324483"/>
+      </p:ext>
+    </p:extLst>
+  </p:cSld>
+  <p:clrMapOvr>
+    <a:masterClrMapping/>
+  </p:clrMapOvr>
+</p:sld>
+</file>
+
+<file path=ppt/slides/slide20.xml><?xml version="1.0" encoding="utf-8"?>
+<p:sld xmlns:a="http://schemas.openxmlformats.org/drawingml/2006/main" xmlns:r="http://schemas.openxmlformats.org/officeDocument/2006/relationships" xmlns:p="http://schemas.openxmlformats.org/presentationml/2006/main">
+  <p:cSld>
+    <p:spTree>
+      <p:nvGrpSpPr>
+        <p:cNvPr id="1" name=""/>
+        <p:cNvGrpSpPr/>
+        <p:nvPr/>
+      </p:nvGrpSpPr>
+      <p:grpSpPr>
+        <a:xfrm>
+          <a:off x="0" y="0"/>
+          <a:ext cx="0" cy="0"/>
+          <a:chOff x="0" y="0"/>
+          <a:chExt cx="0" cy="0"/>
+        </a:xfrm>
+      </p:grpSpPr>
+      <p:sp>
+        <p:nvSpPr>
+          <p:cNvPr id="3" name="Content Placeholder 2">
+            <a:extLst>
+              <a:ext uri="{FF2B5EF4-FFF2-40B4-BE49-F238E27FC236}">
+                <a16:creationId xmlns:a16="http://schemas.microsoft.com/office/drawing/2014/main" xmlns="" id="{8C63218E-134C-90EF-07D6-CB8D1757379E}"/>
+              </a:ext>
+            </a:extLst>
+          </p:cNvPr>
+          <p:cNvSpPr>
+            <a:spLocks noGrp="1"/>
+          </p:cNvSpPr>
+          <p:nvPr>
+            <p:ph idx="1"/>
+          </p:nvPr>
+        </p:nvSpPr>
+        <p:spPr>
+          <a:xfrm>
+            <a:off x="323528" y="1196752"/>
+            <a:ext cx="2664295" cy="4328594"/>
+          </a:xfrm>
+        </p:spPr>
+        <p:txBody>
+          <a:bodyPr>
+            <a:noAutofit/>
+          </a:bodyPr>
+          <a:lstStyle/>
+          <a:p>
+            <a:pPr marL="0" indent="0" algn="ctr">
+              <a:buNone/>
+            </a:pPr>
+            <a:r>
+              <a:rPr lang="en-GB" sz="1100" dirty="0"/>
+              <a:t>Bar charts showing the vehicle types and Accident severity</a:t>
+            </a:r>
+          </a:p>
+          <a:p>
+            <a:pPr marL="0" indent="0">
+              <a:buNone/>
+            </a:pPr>
+            <a:r>
+              <a:rPr lang="en-GB" sz="1100" dirty="0"/>
+              <a:t>1: 'Pedal cycle',                    </a:t>
+            </a:r>
+          </a:p>
+          <a:p>
+            <a:pPr marL="0" indent="0">
+              <a:buNone/>
+            </a:pPr>
+            <a:r>
+              <a:rPr lang="en-GB" sz="1100" dirty="0"/>
+              <a:t>2:'Motorcycle 50cc and under',            </a:t>
+            </a:r>
+          </a:p>
+          <a:p>
+            <a:pPr marL="0" indent="0">
+              <a:buNone/>
+            </a:pPr>
+            <a:r>
+              <a:rPr lang="en-GB" sz="1100" dirty="0"/>
+              <a:t>3:'Motorcycle 125cc and under',                                                                                             </a:t>
+            </a:r>
+          </a:p>
+          <a:p>
+            <a:pPr marL="0" indent="0">
+              <a:buNone/>
+            </a:pPr>
+            <a:r>
+              <a:rPr lang="en-GB" sz="1100" dirty="0"/>
+              <a:t>4:'Motorcycle over 125cc and up to 500cc', </a:t>
+            </a:r>
+          </a:p>
+          <a:p>
+            <a:pPr marL="0" indent="0">
+              <a:buNone/>
+            </a:pPr>
+            <a:r>
+              <a:rPr lang="en-GB" sz="1100" dirty="0"/>
+              <a:t>5:'Motorcycle over 500cc',                </a:t>
+            </a:r>
+          </a:p>
+          <a:p>
+            <a:pPr marL="0" indent="0">
+              <a:buNone/>
+            </a:pPr>
+            <a:r>
+              <a:rPr lang="en-GB" sz="1100" dirty="0"/>
+              <a:t>8:'Taxi/Private hire car',               </a:t>
+            </a:r>
+          </a:p>
+          <a:p>
+            <a:pPr marL="0" indent="0">
+              <a:buNone/>
+            </a:pPr>
+            <a:r>
+              <a:rPr lang="en-GB" sz="1100" dirty="0"/>
+              <a:t>9:'Car',                                  </a:t>
+            </a:r>
+          </a:p>
+          <a:p>
+            <a:pPr marL="0" indent="0">
+              <a:buNone/>
+            </a:pPr>
+            <a:r>
+              <a:rPr lang="en-GB" sz="1100" dirty="0"/>
+              <a:t>10:'Minibus (8 - 16 passenger seats)',     </a:t>
+            </a:r>
+          </a:p>
+          <a:p>
+            <a:pPr marL="0" indent="0">
+              <a:buNone/>
+            </a:pPr>
+            <a:r>
+              <a:rPr lang="en-GB" sz="1100" dirty="0"/>
+              <a:t>11:'Bus or coach (17 or more pass seats)', </a:t>
+            </a:r>
+          </a:p>
+          <a:p>
+            <a:pPr marL="0" indent="0">
+              <a:buNone/>
+            </a:pPr>
+            <a:endParaRPr lang="en-GB" sz="1100" dirty="0"/>
+          </a:p>
+          <a:p>
+            <a:pPr marL="0" indent="0">
+              <a:buNone/>
+            </a:pPr>
+            <a:r>
+              <a:rPr lang="en-GB" sz="1100" dirty="0"/>
+              <a:t>16:'Ridden horse',                       </a:t>
+            </a:r>
+          </a:p>
+          <a:p>
+            <a:pPr marL="0" indent="0">
+              <a:buNone/>
+            </a:pPr>
+            <a:r>
+              <a:rPr lang="en-GB" sz="1100" dirty="0"/>
+              <a:t>17:'Agricultural vehicle',                </a:t>
+            </a:r>
+          </a:p>
+          <a:p>
+            <a:pPr marL="0" indent="0">
+              <a:buNone/>
+            </a:pPr>
+            <a:r>
+              <a:rPr lang="en-GB" sz="1100" dirty="0"/>
+              <a:t>18:'Tram',                                </a:t>
+            </a:r>
+          </a:p>
+          <a:p>
+            <a:pPr marL="0" indent="0">
+              <a:buNone/>
+            </a:pPr>
+            <a:r>
+              <a:rPr lang="en-GB" sz="1100" dirty="0"/>
+              <a:t>19:'Van / Goods 3.5 tonnes </a:t>
+            </a:r>
+            <a:r>
+              <a:rPr lang="en-GB" sz="1100" dirty="0" err="1"/>
+              <a:t>mgw</a:t>
+            </a:r>
+            <a:r>
+              <a:rPr lang="en-GB" sz="1100" dirty="0"/>
+              <a:t> or under',</a:t>
+            </a:r>
+          </a:p>
+          <a:p>
+            <a:pPr marL="0" indent="0">
+              <a:buNone/>
+            </a:pPr>
+            <a:r>
+              <a:rPr lang="en-GB" sz="1100" dirty="0"/>
+              <a:t>20:'Goods over 3.5t. and under 7.5t',      </a:t>
+            </a:r>
+          </a:p>
+          <a:p>
+            <a:pPr marL="0" indent="0">
+              <a:buNone/>
+            </a:pPr>
+            <a:r>
+              <a:rPr lang="en-GB" sz="1100" dirty="0"/>
+              <a:t>21:'Goods 7.5 tonnes </a:t>
+            </a:r>
+            <a:r>
+              <a:rPr lang="en-GB" sz="1100" dirty="0" err="1"/>
+              <a:t>mgw</a:t>
+            </a:r>
+            <a:r>
+              <a:rPr lang="en-GB" sz="1100" dirty="0"/>
+              <a:t> and over',       </a:t>
+            </a:r>
+          </a:p>
+          <a:p>
+            <a:pPr marL="0" indent="0">
+              <a:buNone/>
+            </a:pPr>
+            <a:r>
+              <a:rPr lang="en-GB" sz="1100" dirty="0"/>
+              <a:t>22:'Mobility scooter',                   </a:t>
+            </a:r>
+          </a:p>
+          <a:p>
+            <a:pPr marL="0" indent="0">
+              <a:buNone/>
+            </a:pPr>
+            <a:r>
+              <a:rPr lang="en-GB" sz="1100" dirty="0"/>
+              <a:t>23:'ElecElectric motorcycle',              </a:t>
+            </a:r>
+          </a:p>
+          <a:p>
+            <a:pPr marL="0" indent="0">
+              <a:buNone/>
+            </a:pPr>
+            <a:r>
+              <a:rPr lang="en-GB" sz="1100" dirty="0"/>
+              <a:t>90:'Other vehicle',                   </a:t>
+            </a:r>
+          </a:p>
+          <a:p>
+            <a:pPr marL="0" indent="0">
+              <a:buNone/>
+            </a:pPr>
+            <a:r>
+              <a:rPr lang="en-GB" sz="1100" dirty="0"/>
+              <a:t>97:'Motorcycle - unknown cc',</a:t>
+            </a:r>
+          </a:p>
+          <a:p>
+            <a:pPr marL="0" indent="0">
+              <a:buNone/>
+            </a:pPr>
+            <a:r>
+              <a:rPr lang="en-GB" sz="1100" dirty="0"/>
+              <a:t>98:'Goods vehicle - unknown weight',      </a:t>
+            </a:r>
+          </a:p>
+          <a:p>
+            <a:pPr marL="0" indent="0">
+              <a:buNone/>
+            </a:pPr>
+            <a:r>
+              <a:rPr lang="en-GB" sz="1100" dirty="0"/>
+              <a:t>-1:'Data missing or out of range',        </a:t>
+            </a:r>
+          </a:p>
+          <a:p>
+            <a:pPr marL="0" indent="0">
+              <a:buNone/>
+            </a:pPr>
+            <a:endParaRPr lang="en-GB" sz="1100" dirty="0"/>
+          </a:p>
+          <a:p>
+            <a:pPr marL="0" indent="0">
+              <a:buNone/>
+            </a:pPr>
+            <a:endParaRPr lang="en-GB" sz="1100" dirty="0"/>
+          </a:p>
+        </p:txBody>
+      </p:sp>
+      <p:pic>
+        <p:nvPicPr>
+          <p:cNvPr id="1026" name="Picture 2">
+            <a:extLst>
+              <a:ext uri="{FF2B5EF4-FFF2-40B4-BE49-F238E27FC236}">
+                <a16:creationId xmlns:a16="http://schemas.microsoft.com/office/drawing/2014/main" xmlns="" id="{2709A83A-E27A-5EB6-5109-4875EB493C67}"/>
+              </a:ext>
+            </a:extLst>
+          </p:cNvPr>
+          <p:cNvPicPr>
+            <a:picLocks noChangeAspect="1" noChangeArrowheads="1"/>
+          </p:cNvPicPr>
+          <p:nvPr/>
+        </p:nvPicPr>
+        <p:blipFill>
+          <a:blip r:embed="rId2">
+            <a:extLst>
+              <a:ext uri="{28A0092B-C50C-407E-A947-70E740481C1C}">
+                <a14:useLocalDpi xmlns:a14="http://schemas.microsoft.com/office/drawing/2010/main" val="0"/>
+              </a:ext>
+            </a:extLst>
+          </a:blip>
+          <a:srcRect/>
+          <a:stretch>
+            <a:fillRect/>
+          </a:stretch>
+        </p:blipFill>
+        <p:spPr bwMode="auto">
+          <a:xfrm>
+            <a:off x="2987824" y="908720"/>
+            <a:ext cx="5995871" cy="5472608"/>
+          </a:xfrm>
+          <a:prstGeom prst="rect">
+            <a:avLst/>
+          </a:prstGeom>
+          <a:noFill/>
+          <a:extLst>
+            <a:ext uri="{909E8E84-426E-40DD-AFC4-6F175D3DCCD1}">
+              <a14:hiddenFill xmlns:a14="http://schemas.microsoft.com/office/drawing/2010/main">
+                <a:solidFill>
+                  <a:srgbClr val="FFFFFF"/>
+                </a:solidFill>
+              </a14:hiddenFill>
+            </a:ext>
+          </a:extLst>
+        </p:spPr>
+      </p:pic>
+    </p:spTree>
+    <p:extLst>
+      <p:ext uri="{BB962C8B-B14F-4D97-AF65-F5344CB8AC3E}">
+        <p14:creationId xmlns:p14="http://schemas.microsoft.com/office/powerpoint/2010/main" val="2472108098"/>
+      </p:ext>
+    </p:extLst>
+  </p:cSld>
+  <p:clrMapOvr>
+    <a:masterClrMapping/>
+  </p:clrMapOvr>
+</p:sld>
+</file>
+
+<file path=ppt/slides/slide21.xml><?xml version="1.0" encoding="utf-8"?>
+<p:sld xmlns:a="http://schemas.openxmlformats.org/drawingml/2006/main" xmlns:r="http://schemas.openxmlformats.org/officeDocument/2006/relationships" xmlns:p="http://schemas.openxmlformats.org/presentationml/2006/main">
+  <p:cSld>
+    <p:spTree>
+      <p:nvGrpSpPr>
+        <p:cNvPr id="1" name=""/>
+        <p:cNvGrpSpPr/>
+        <p:nvPr/>
+      </p:nvGrpSpPr>
+      <p:grpSpPr>
+        <a:xfrm>
+          <a:off x="0" y="0"/>
+          <a:ext cx="0" cy="0"/>
+          <a:chOff x="0" y="0"/>
+          <a:chExt cx="0" cy="0"/>
+        </a:xfrm>
+      </p:grpSpPr>
+      <p:sp>
+        <p:nvSpPr>
+          <p:cNvPr id="3" name="Content Placeholder 2">
+            <a:extLst>
+              <a:ext uri="{FF2B5EF4-FFF2-40B4-BE49-F238E27FC236}">
+                <a16:creationId xmlns:a16="http://schemas.microsoft.com/office/drawing/2014/main" xmlns="" id="{B81A6022-30C7-57E3-B5B7-4C2EBBF7CB7A}"/>
+              </a:ext>
+            </a:extLst>
+          </p:cNvPr>
+          <p:cNvSpPr>
+            <a:spLocks noGrp="1"/>
+          </p:cNvSpPr>
+          <p:nvPr>
+            <p:ph idx="1"/>
+          </p:nvPr>
+        </p:nvSpPr>
+        <p:spPr>
+          <a:xfrm>
+            <a:off x="628650" y="119271"/>
+            <a:ext cx="8435837" cy="6057693"/>
+          </a:xfrm>
+        </p:spPr>
+        <p:txBody>
+          <a:bodyPr/>
+          <a:lstStyle/>
+          <a:p>
+            <a:pPr marL="0" indent="0" algn="ctr">
+              <a:buNone/>
+            </a:pPr>
+            <a:r>
+              <a:rPr lang="en-GB"/>
+              <a:t>Pie chart showing the distribution of Accident Severity</a:t>
+            </a:r>
+          </a:p>
+          <a:p>
+            <a:pPr marL="0" indent="0" algn="ctr">
+              <a:buNone/>
+            </a:pPr>
+            <a:r>
+              <a:rPr lang="en-GB"/>
+              <a:t>(High, Medium, Low)</a:t>
+            </a:r>
+            <a:endParaRPr lang="en-GB" dirty="0"/>
+          </a:p>
+        </p:txBody>
+      </p:sp>
+      <p:pic>
+        <p:nvPicPr>
+          <p:cNvPr id="2050" name="Picture 2" descr="A blue circle with orange and blue text&#10;&#10;Description automatically generated">
+            <a:extLst>
+              <a:ext uri="{FF2B5EF4-FFF2-40B4-BE49-F238E27FC236}">
+                <a16:creationId xmlns:a16="http://schemas.microsoft.com/office/drawing/2014/main" xmlns="" id="{ADDD11F5-5507-9C80-E267-12A3C2174F20}"/>
+              </a:ext>
+            </a:extLst>
+          </p:cNvPr>
+          <p:cNvPicPr>
+            <a:picLocks noChangeAspect="1" noChangeArrowheads="1"/>
+          </p:cNvPicPr>
+          <p:nvPr/>
+        </p:nvPicPr>
+        <p:blipFill>
+          <a:blip r:embed="rId2">
+            <a:extLst>
+              <a:ext uri="{28A0092B-C50C-407E-A947-70E740481C1C}">
+                <a14:useLocalDpi xmlns:a14="http://schemas.microsoft.com/office/drawing/2010/main" val="0"/>
+              </a:ext>
+            </a:extLst>
+          </a:blip>
+          <a:srcRect/>
+          <a:stretch>
+            <a:fillRect/>
+          </a:stretch>
+        </p:blipFill>
+        <p:spPr bwMode="auto">
+          <a:xfrm>
+            <a:off x="2600326" y="1481138"/>
+            <a:ext cx="4362450" cy="4792662"/>
+          </a:xfrm>
+          <a:prstGeom prst="rect">
+            <a:avLst/>
+          </a:prstGeom>
+          <a:noFill/>
+          <a:extLst>
+            <a:ext uri="{909E8E84-426E-40DD-AFC4-6F175D3DCCD1}">
+              <a14:hiddenFill xmlns:a14="http://schemas.microsoft.com/office/drawing/2010/main">
+                <a:solidFill>
+                  <a:srgbClr val="FFFFFF"/>
+                </a:solidFill>
+              </a14:hiddenFill>
+            </a:ext>
+          </a:extLst>
+        </p:spPr>
+      </p:pic>
+    </p:spTree>
+    <p:extLst>
+      <p:ext uri="{BB962C8B-B14F-4D97-AF65-F5344CB8AC3E}">
+        <p14:creationId xmlns:p14="http://schemas.microsoft.com/office/powerpoint/2010/main" val="1908560697"/>
+      </p:ext>
+    </p:extLst>
+  </p:cSld>
+  <p:clrMapOvr>
+    <a:masterClrMapping/>
+  </p:clrMapOvr>
+</p:sld>
+</file>
+
+<file path=ppt/slides/slide22.xml><?xml version="1.0" encoding="utf-8"?>
+<p:sld xmlns:a="http://schemas.openxmlformats.org/drawingml/2006/main" xmlns:r="http://schemas.openxmlformats.org/officeDocument/2006/relationships" xmlns:p="http://schemas.openxmlformats.org/presentationml/2006/main">
+  <p:cSld>
+    <p:spTree>
+      <p:nvGrpSpPr>
+        <p:cNvPr id="1" name=""/>
+        <p:cNvGrpSpPr/>
+        <p:nvPr/>
+      </p:nvGrpSpPr>
+      <p:grpSpPr>
+        <a:xfrm>
+          <a:off x="0" y="0"/>
+          <a:ext cx="0" cy="0"/>
+          <a:chOff x="0" y="0"/>
+          <a:chExt cx="0" cy="0"/>
+        </a:xfrm>
+      </p:grpSpPr>
+      <p:sp>
+        <p:nvSpPr>
+          <p:cNvPr id="3" name="Content Placeholder 2">
+            <a:extLst>
+              <a:ext uri="{FF2B5EF4-FFF2-40B4-BE49-F238E27FC236}">
+                <a16:creationId xmlns:a16="http://schemas.microsoft.com/office/drawing/2014/main" xmlns="" id="{6697D1DE-6459-A6AB-2DAD-364950CCEACC}"/>
+              </a:ext>
+            </a:extLst>
+          </p:cNvPr>
+          <p:cNvSpPr>
+            <a:spLocks noGrp="1"/>
+          </p:cNvSpPr>
+          <p:nvPr>
+            <p:ph idx="1"/>
+          </p:nvPr>
+        </p:nvSpPr>
+        <p:spPr>
+          <a:xfrm>
+            <a:off x="628650" y="476672"/>
+            <a:ext cx="7886700" cy="5700292"/>
+          </a:xfrm>
+        </p:spPr>
+        <p:txBody>
+          <a:bodyPr>
+            <a:normAutofit fontScale="92500" lnSpcReduction="20000"/>
+          </a:bodyPr>
+          <a:lstStyle/>
+          <a:p>
+            <a:pPr marL="0" indent="0" algn="ctr">
+              <a:buNone/>
+            </a:pPr>
+            <a:r>
+              <a:rPr lang="en-GB" dirty="0"/>
+              <a:t>Conclusion</a:t>
+            </a:r>
+          </a:p>
+          <a:p>
+            <a:pPr marL="0" indent="0">
+              <a:buNone/>
+            </a:pPr>
+            <a:endParaRPr lang="en-GB" dirty="0"/>
+          </a:p>
+          <a:p>
+            <a:pPr marL="0" indent="0">
+              <a:buNone/>
+            </a:pPr>
+            <a:r>
+              <a:rPr lang="en-GB" dirty="0"/>
+              <a:t>Based on the analysis that has been conducted in this project, we can answer the main research question:</a:t>
+            </a:r>
+          </a:p>
+          <a:p>
+            <a:pPr marL="0" indent="0">
+              <a:buNone/>
+            </a:pPr>
+            <a:r>
+              <a:rPr lang="en-GB" dirty="0"/>
+              <a:t>“Does they type of vehicle involved in an accident impact the severity of the accident?”</a:t>
+            </a:r>
+          </a:p>
+          <a:p>
+            <a:pPr marL="0" indent="0">
+              <a:buNone/>
+            </a:pPr>
+            <a:endParaRPr lang="en-GB" dirty="0"/>
+          </a:p>
+          <a:p>
+            <a:pPr marL="0" indent="0">
+              <a:buNone/>
+            </a:pPr>
+            <a:r>
+              <a:rPr lang="en-GB" dirty="0"/>
+              <a:t>Answer :Yes, </a:t>
+            </a:r>
+            <a:r>
+              <a:rPr lang="en-GB" dirty="0" smtClean="0"/>
+              <a:t>the </a:t>
+            </a:r>
+            <a:r>
+              <a:rPr lang="en-GB" dirty="0"/>
+              <a:t>type of vehicle involved in an accident does impact the severity of the accident, we could see in both our bar </a:t>
+            </a:r>
+            <a:r>
+              <a:rPr lang="en-GB" dirty="0" smtClean="0"/>
+              <a:t>chart </a:t>
+            </a:r>
+            <a:r>
+              <a:rPr lang="en-GB" dirty="0"/>
+              <a:t>and pie </a:t>
+            </a:r>
+            <a:r>
+              <a:rPr lang="en-GB" dirty="0" smtClean="0"/>
+              <a:t>chart </a:t>
+            </a:r>
+            <a:r>
+              <a:rPr lang="en-GB" dirty="0"/>
+              <a:t>that there was a noticeable difference in accident severity based on the type of vehicle involved, and also number of vehicles involved also plays  a role in accident severity. Multiple-vehicle collisions were more likely to result in high-severity accidents compared to single-vehicle incidents.</a:t>
+            </a:r>
+          </a:p>
+        </p:txBody>
+      </p:sp>
+    </p:spTree>
+    <p:extLst>
+      <p:ext uri="{BB962C8B-B14F-4D97-AF65-F5344CB8AC3E}">
+        <p14:creationId xmlns:p14="http://schemas.microsoft.com/office/powerpoint/2010/main" val="983707126"/>
       </p:ext>
     </p:extLst>
   </p:cSld>
@@ -7228,8 +10029,20 @@
               <a:t>We </a:t>
             </a:r>
             <a:r>
+              <a:rPr lang="en-US" sz="1600" dirty="0" smtClean="0"/>
+              <a:t>combined the </a:t>
+            </a:r>
+            <a:r>
               <a:rPr lang="en-US" sz="1600" dirty="0"/>
-              <a:t>are going to combine the data under key 5 and 6, as both involve the roads being unlit. We will be dropping the data points from key 7 and -1 as this could potentially skew or create bias in our data because we do not know if the roads were lit or not.</a:t>
+              <a:t>data under key 5 and 6, as both </a:t>
+            </a:r>
+            <a:r>
+              <a:rPr lang="en-US" sz="1600" dirty="0" smtClean="0"/>
+              <a:t>involved </a:t>
+            </a:r>
+            <a:r>
+              <a:rPr lang="en-US" sz="1600" dirty="0"/>
+              <a:t>the roads being unlit. We will be dropping the data points from key 7 and -1 as this could potentially skew or create bias in our data because we do not know if the roads were lit or not.</a:t>
             </a:r>
           </a:p>
           <a:p>
@@ -7298,6 +10111,35 @@
               <a:t>Light Conditions- Jo</a:t>
             </a:r>
             <a:endParaRPr lang="en-GB" dirty="0"/>
+          </a:p>
+        </p:txBody>
+      </p:sp>
+      <p:sp>
+        <p:nvSpPr>
+          <p:cNvPr id="8" name="Content Placeholder 2"/>
+          <p:cNvSpPr>
+            <a:spLocks noGrp="1"/>
+          </p:cNvSpPr>
+          <p:nvPr>
+            <p:ph sz="quarter" idx="1"/>
+          </p:nvPr>
+        </p:nvSpPr>
+        <p:spPr>
+          <a:xfrm>
+            <a:off x="3769216" y="3983856"/>
+            <a:ext cx="3528392" cy="2093984"/>
+          </a:xfrm>
+        </p:spPr>
+        <p:txBody>
+          <a:bodyPr>
+            <a:normAutofit/>
+          </a:bodyPr>
+          <a:lstStyle/>
+          <a:p>
+            <a:r>
+              <a:rPr lang="en-US" sz="1600" dirty="0" smtClean="0"/>
+              <a:t>Majority of accidents, happen during daylight hours – so what could be the reason for this?</a:t>
+            </a:r>
           </a:p>
         </p:txBody>
       </p:sp>
@@ -7406,35 +10248,6 @@
       </p:pic>
       <p:sp>
         <p:nvSpPr>
-          <p:cNvPr id="8" name="Content Placeholder 2"/>
-          <p:cNvSpPr>
-            <a:spLocks noGrp="1"/>
-          </p:cNvSpPr>
-          <p:nvPr>
-            <p:ph sz="quarter" idx="1"/>
-          </p:nvPr>
-        </p:nvSpPr>
-        <p:spPr>
-          <a:xfrm>
-            <a:off x="3769216" y="3983856"/>
-            <a:ext cx="3528392" cy="2093984"/>
-          </a:xfrm>
-        </p:spPr>
-        <p:txBody>
-          <a:bodyPr>
-            <a:normAutofit/>
-          </a:bodyPr>
-          <a:lstStyle/>
-          <a:p>
-            <a:r>
-              <a:rPr lang="en-US" sz="1600" dirty="0" smtClean="0"/>
-              <a:t>Majority of accidents, happen during daylight hours – so what could be the reason for this?</a:t>
-            </a:r>
-          </a:p>
-        </p:txBody>
-      </p:sp>
-      <p:sp>
-        <p:nvSpPr>
           <p:cNvPr id="7" name="AutoShape 5" descr="data:image/png;base64,iVBORw0KGgoAAAANSUhEUgAAAjsAAAHFCAYAAAAUpjivAAAAOXRFWHRTb2Z0d2FyZQBNYXRwbG90bGliIHZlcnNpb24zLjcuMSwgaHR0cHM6Ly9tYXRwbG90bGliLm9yZy/bCgiHAAAACXBIWXMAAA9hAAAPYQGoP6dpAABQN0lEQVR4nO3deVhU5f8//udRYNgRkF0ENBQVUBM1wVRU3HdL1Eo0ssVcSElRU3BJTHPNd7zLDNRM/fTOLVPTVHBBDRfc18ItITdkFwXu3x9+OT/HAZ2BIeD4fFzXXJdzn3vOeZ2Z48yT+2ySEEKAiIiISKFqVHYBRERERBWJYYeIiIgUjWGHiIiIFI1hh4iIiBSNYYeIiIgUjWGHiIiIFI1hh4iIiBSNYYeIiIgUjWGHiIiIFI1hh6qFuLg4SJJU4iM8PFzr+dy6dQtRUVFITk4ucy3x8fGQJAnx8fFav2bLli2QJAm2trbIz88v87K14e7ujuHDh7+wX1nWoyzmzJmDTZs2Vegy9Kl4Wzt69Gipfa5evQpJkhAXF1emZUiShNGjR7+wX2JiIqKiovDgwQOd5r9//34MGjQILi4uMDIygpWVFfz9/RETE4OcnJwy1Vwexe/p1atX5bYOHTqgQ4cO8vPc3FxERUWVuD2W9HoiXRhUdgFEuoiNjYWXl5dam7Ozs9avv3XrFmbMmAF3d3c0a9ZMz9WVbsWKFQCA+/fvY9OmTQgODq6wZW3cuBGWlpYVNn9dzZkzB2+88Qb69etX2aXojZOTEw4dOoT69etX6HISExMxY8YMDB8+HLVq1dLqNZGRkZg5cyb8/f0xa9Ys1K9fH7m5uXJwunTpEhYtWlShdWvj66+/Vnuem5uLGTNmAIBaCAKAnj174tChQ3Bycvq3yiOFYdihasXb2xt+fn6VXYZO0tLSsG3bNnTs2BGJiYlYsWJFhYad5s2bV9i86QmVSoXXXnutssvQ8NNPP2HmzJkIDQ3F8uXLIUmSPK179+6YOHEiDh06VIkV/v8aN26sdV87OzvY2dlVYDWkdNyNRYpw5coVjBgxAp6enjA1NYWLiwt69+6N06dPy33i4+PRsmVLAMCIESPk3WBRUVEAgKNHj2Lw4MFwd3eHiYkJ3N3dMWTIEFy7dq1cta1cuRIFBQX45JNPMGDAAOzevbvEeT548AATJkxAvXr1oFKpYG9vjx49euDChQtyn/z8fMycORONGjWCsbExbG1tERgYiMTERLlPSbuxLly4gG7dusHU1BS1a9fGhx9+iKysrBLr/f3339GpUydYWlrC1NQUAQEB2L17t1qfqKgoSJKEs2fPYsiQIbCysoKDgwPeffddZGRkyP0kSUJOTg5Wrlwpv9/Ff7Xn5uYiPDwcHh4eMDY2ho2NDfz8/LB27dpS38uTJ09CkiR5pOxp27dvhyRJ2LJlCwDgzp07eP/99+Hq6gqVSgU7OzsEBATg999/L3X+2iptN9bmzZvh6+sLlUqFevXqYcmSJfJ7VZLVq1ejUaNGMDU1RdOmTbF161Z5WlRUFD799FMAgIeHh/z+PW+348yZM2FtbY2lS5eWuEwLCwt06dJFfv7w4UNMnjwZHh4eMDIygouLCz7++GON3Wbu7u7o1asXduzYgVdffRUmJibw8vLC999/r7GMw4cPIyAgAMbGxnB2dsbkyZPx+PFjjX5P78a6evWqHGZmzJghr2vxdlzabqzvv/8eTZs2lbef/v374/z582p9hg8fDnNzc1y5cgU9evSAubk5XF1dMWHCBI1dyjExMWjatCnMzc1hYWEBLy8vTJkypcT3mqoXjuxQtVJYWIiCggK1NgMDA9y6dQu2traYO3cu7OzscP/+faxcuRKtW7fGiRMn0LBhQ7z66quIjY3FiBEj8Nlnn6Fnz54AgDp16gB48oXbsGFDDB48GDY2NkhNTUVMTAxatmyJc+fOoXbt2mWq+fvvv4eTkxO6d+8OExMT/Pjjj4iLi0NkZKTcJysrC23btsXVq1cxadIktG7dGtnZ2di3bx9SU1Ph5eWFgoICdO/eHfv370dYWBg6duyIgoICHD58GNevX4e/v3+Jy//nn3/Qvn17GBoa4uuvv4aDgwPWrFlT4jEjP/zwA4YNG4a+ffti5cqVMDQ0xDfffIOuXbvit99+Q6dOndT6Dxw4EMHBwQgNDcXp06cxefJkeZ0B4NChQ+jYsSMCAwMxbdo0AJB3sY0fPx6rV6/G7Nmz0bx5c+Tk5ODMmTO4d+9eqe9l06ZN0bx5c8TGxiI0NFRtWlxcnBwQAeCdd97B8ePH8fnnn6NBgwZ48OABjh8//tz5l8eOHTswYMAAtGvXDuvXr0dBQQG+/PJL/PPPPyX2//XXX5GUlISZM2fC3Nwc8+bNQ//+/XHx4kXUq1cP7733Hu7fv4+vvvoKGzZskHfhlDYikpqaijNnziA4OBimpqYvrFcIgX79+mH37t2YPHkyXn/9dZw6dQqRkZE4dOgQDh06BJVKJfc/efIkJkyYgIiICDg4OOC7775DaGgoXnnlFbRr1w4AcO7cOXTq1Anu7u6Ii4uDqakpvv76a/z444/PrcXJyQk7duxAt27dEBoaivfeew8AnjuaEx0djSlTpmDIkCGIjo7GvXv3EBUVhTZt2iApKQmenp5y38ePH6NPnz4IDQ3FhAkTsG/fPsyaNQtWVlaYPn06AGDdunUYNWoUxowZgy+//BI1atTAlStXcO7cuRe+l1QNCKJqIDY2VgAo8fH48WON/gUFBeLRo0fC09NTfPLJJ3J7UlKSACBiY2NfuMyCggKRnZ0tzMzMxJIlS+T2vXv3CgBi7969L5zHvn37BAAREREhhBCiqKhIeHh4CDc3N1FUVCT3mzlzpgAgdu3aVeq8Vq1aJQCI5cuXP3eZbm5uIiQkRH4+adIkIUmSSE5OVusXFBSkth45OTnCxsZG9O7dW61fYWGhaNq0qWjVqpXcFhkZKQCIefPmqfUdNWqUMDY2Vls3MzMztXqKeXt7i379+j13XUqydOlSAUBcvHhRbrt//75QqVRiwoQJcpu5ubkICwvTef7F21pSUlKpfVJSUjS2o5YtWwpXV1eRn58vt2VlZQlbW1vx7FctAOHg4CAyMzPltrS0NFGjRg0RHR0tt82fP18AECkpKS+s+/Dhw2rb2ovs2LGjxM9w/fr1AoD49ttv5TY3NzdhbGwsrl27Jrfl5eUJGxsb8cEHH8htwcHBwsTERKSlpcltBQUFwsvLS2M92rdvL9q3by8/v3PnjgAgIiMjNWot/kyKX5+eni5MTExEjx491Ppdv35dqFQqMXToULktJCREABD/93//p9a3R48eomHDhvLz0aNHi1q1apXwTpEScDcWVSurVq1CUlKS2sPAwAAFBQWYM2cOGjduDCMjIxgYGMDIyAiXL1/WGNYuTXZ2NiZNmoRXXnkFBgYGMDAwgLm5OXJycrSex7OKd7e8++67ACAPzV+7dk1t19D27dvRoEEDdO7cudR5bd++HcbGxvK8tLV37140adIETZs2VWsfOnSo2vPExETcv38fISEhKCgokB9FRUXo1q0bkpKSNM7k6dOnj9pzX19fPHz4ELdv335hXa1atcL27dsRERGB+Ph45OXlabU+b731FlQqldoupLVr1yI/Px8jRoxQm39cXBxmz56Nw4cPl7grRV9ycnJw9OhR9OvXD0ZGRnK7ubk5evfuXeJrAgMDYWFhIT93cHCAvb19uXebamvPnj0AoLHL880334SZmZnGrstmzZqhbt268nNjY2M0aNBArd69e/eiU6dOcHBwkNtq1qyp92PUDh06hLy8PI3aXV1d0bFjR43aJUnS+Bx8fX3Vam/VqhUePHiAIUOGYPPmzbh7965ea6bKxbBD1UqjRo3g5+en9gCe7BKZNm0a+vXrh19++QVHjhxBUlISmjZtqvWP6NChQ7Fs2TK89957+O233/DHH38gKSkJdnZ2Ws/jaVlZWfjpp5/QqlUr2NnZ4cGDB3jw4AH69++vcdzJnTt35N1ppblz5w6cnZ1Ro4Zu/23v3bsHR0dHjfZn24p3t7zxxhswNDRUe3zxxRcQQuD+/ftqr7G1tVV7XrzbQ5v3a+nSpZg0aRI2bdqEwMBA2NjYoF+/frh8+fJzX2djY4M+ffpg1apVKCwsBPBkF1arVq3QpEkTud/69esREhKC7777Dm3atIGNjQ2GDRuGtLS0F9amq/T0dAgh1H7ki5XUBmi+d8CT968s2xoAOYikpKRo1f/evXswMDDQ2FUkSRIcHR01dvdpU6+221p5FddW0tlZzs7OGrWbmprC2NhYrU2lUuHhw4fy83feeQfff/89rl27hoEDB8Le3h6tW7fGrl279Fo7VQ4es0OKUHysyZw5c9Ta7969q9UpuxkZGdi6dSsiIyMREREht+fn52v8wGtr7dq1yM3NxR9//AFra2uN6Rs3bkR6ejqsra1hZ2eHmzdvPnd+dnZ2OHDgAIqKinQKPLa2tiX+wD/bVnxM0ldffVXqmUal/XCXhZmZGWbMmIEZM2bgn3/+kUd5evfurXZQdklGjBiBn376Cbt27ULdunWRlJSEmJgYtT61a9fG4sWLsXjxYly/fh1btmxBREQEbt++jR07duhtPQDA2toakiSVeHxORYSrkjg5OcHHxwc7d+5Ebm7uC4/bsbW1RUFBAe7cuaMWeIQQSEtLkw/m14W221p5FQev1NRUjWm3bt0q8/F1I0aMwIgRI5CTk4N9+/YhMjISvXr1wqVLl+Dm5laumqlycWSHFEGSJLWDKYEnB4D+/fffam2ljTxIkgQhhMY8vvvuO3n0QFcrVqyAhYUFdu/ejb1796o95s+fj/z8fKxZswbAk9OCL126JO9aKEn37t3x8OFDnS9kFxgYiLNnz+LkyZNq7c8eNBoQEIBatWrh3LlzGqNnxY+nd9FoS5vRCgcHBwwfPhxDhgzBxYsXkZub+9z+Xbp0gYuLC2JjYxEbGwtjY2MMGTKk1P5169bF6NGjERQUhOPHj+u8Di9iZmYGPz8/bNq0CY8ePZLbs7Oz1c6w0pUuI2UAMG3aNKSnp2Ps2LEQQmhMz87Oxs6dOwFAPtj8hx9+UOvz888/IycnR+NgdG0EBgZi9+7daqGvsLAQ69evf+FrdVnXNm3awMTERKP2mzdvYs+ePWWq/WlmZmbo3r07pk6dikePHuHs2bPlmh9VPo7skCL06tULcXFx8PLygq+vL44dO4b58+dr7BqqX78+TExMsGbNGjRq1Ajm5uZwdnaGs7Mz2rVrh/nz56N27dpwd3dHQkICVqxYofXF3J525swZ/PHHH/joo4/QsWNHjekBAQFYsGABVqxYgdGjRyMsLAzr169H3759ERERgVatWiEvLw8JCQno1asXAgMDMWTIEMTGxuLDDz/ExYsXERgYiKKiIhw5cgSNGjXC4MGDS6wlLCwM33//PXr27InZs2fLZ2M9O3pibm6Or776CiEhIbh//z7eeOMN2Nvb486dOzh58iTu3LmjMXqiDR8fH8THx+OXX36Bk5MTLCws0LBhQ7Ru3Rq9evWCr68vrK2tcf78eaxevRpt2rR54ahEzZo1MWzYMCxcuBCWlpYYMGAArKys5OkZGRkIDAzE0KFD4eXlBQsLCyQlJclnTGljz549JV6xt/hsr2fNnDkTPXv2RNeuXTFu3DgUFhZi/vz5MDc3L/PooI+PDwBgyZIlCAkJgaGhIRo2bKh2rM/T3nzzTUybNg2zZs3ChQsXEBoaKl9U8MiRI/jmm28QHByMLl26ICgoCF27dsWkSZOQmZmJgIAA+Wys5s2b45133tG53s8++wxbtmxBx44dMX36dJiamuI///mPVldttrCwgJubGzZv3oxOnTrBxsZG/r/4rFq1amHatGmYMmUKhg0bhiFDhuDevXuYMWMGjI2N1c501NbIkSNhYmKCgIAAODk5IS0tDdHR0bCysirTKBdVMZV6eDSRll50hkx6eroIDQ0V9vb2wtTUVLRt21bs379f44wPIYRYu3at8PLyEoaGhmpnf9y8eVMMHDhQWFtbCwsLC9GtWzdx5swZjbObtDkbKywsTADQOAPqaREREQKAOHbsmLwO48aNE3Xr1hWGhobC3t5e9OzZU1y4cEF+TV5enpg+fbrw9PQURkZGwtbWVnTs2FEkJibKfZ6tVwghzp07J4KCgoSxsbGwsbERoaGhYvPmzSWuR0JCgujZs6ewsbERhoaGwsXFRfTs2VP89NNPcp/is7Hu3Lmj9tpnz5oRQojk5GQREBAgTE1NBQD584iIiBB+fn7C2tpaqFQqUa9ePfHJJ5+Iu3fvlvqePe3SpUvyGXnPnsX28OFD8eGHHwpfX19haWkpTExMRMOGDUVkZKTIycl57nyfd+Zf8bqVdDaWEEJs3LhR+Pj4CCMjI1G3bl0xd+5cMXbsWGFtba3WD4D4+OOPNZZd0mc3efJk4ezsLGrUqKH1WYAJCQnijTfeEE5OTsLQ0FBYWlqKNm3aiPnz56udAZaXlycmTZok3NzchKGhoXBychIfffSRSE9P16irZ8+eGssp6f/XwYMHxWuvvSZUKpVwdHQUn376qfj2229feDaWEEL8/vvvonnz5kKlUgkA8ntR0nYlhBDfffed8PX1FUZGRsLKykr07dtXnD17Vq1PSEiIMDMz06i9eBsutnLlShEYGCgcHByEkZGRcHZ2FoMGDRKnTp3SeC1VP5IQJYx1EhFRuT1+/BjNmjWDi4uLvPuIiP593I1FRKQnoaGhCAoKkneD/Pe//8X58+exZMmSyi6N6KXGsENEpCdZWVkIDw/HnTt3YGhoiFdffRXbtm177vWTiKjicTcWERERKRpPPSciIiJFY9ghIiIiRWPYISIiIkXjAcoAioqKcOvWLVhYWECSpMouh4iIiLQghEBWVtYL7xvIsIMn91JxdXWt7DKIiIioDG7cuPHcmykz7ADypddv3LgBS0vLSq6GiIiItJGZmQlXV9dSb6FSjGEHkHddWVpaMuwQERFVMy86BIUHKBMREZGiMewQERGRojHsEBERkaJVatiJiYmBr6+vfKxMmzZtsH37dnm6EAJRUVFwdnaGiYkJOnTogLNnz6rNIz8/H2PGjEHt2rVhZmaGPn364ObNm//2qhAREVEVValhp06dOpg7dy6OHj2Ko0ePomPHjujbt68caObNm4eFCxdi2bJlSEpKgqOjI4KCgpCVlSXPIywsDBs3bsS6detw4MABZGdno1evXigsLKys1SIiIqIqpMrdCNTGxgbz58/Hu+++C2dnZ4SFhWHSpEkAnoziODg44IsvvsAHH3yAjIwM2NnZYfXq1QgODgbw/18zZ9u2bejatatWy8zMzISVlRUyMjJ4NhYREVE1oe3vd5U5ZqewsBDr1q1DTk4O2rRpg5SUFKSlpaFLly5yH5VKhfbt2yMxMREAcOzYMTx+/Fitj7OzM7y9veU+RERE9HKr9OvsnD59Gm3atMHDhw9hbm6OjRs3onHjxnJYcXBwUOvv4OCAa9euAQDS0tJgZGQEa2trjT5paWmlLjM/Px/5+fny88zMTH2tDhEREVUxlT6y07BhQyQnJ+Pw4cP46KOPEBISgnPnzsnTn71QkBDihRcPelGf6OhoWFlZyQ/eKoKIiEi5Kj3sGBkZ4ZVXXoGfnx+io6PRtGlTLFmyBI6OjgCgMUJz+/ZtebTH0dERjx49Qnp6eql9SjJ58mRkZGTIjxs3buh5rYiIiKiqqPSw8ywhBPLz8+Hh4QFHR0fs2rVLnvbo0SMkJCTA398fANCiRQsYGhqq9UlNTcWZM2fkPiVRqVTy6e68RQQREZGyVeoxO1OmTEH37t3h6uqKrKwsrFu3DvHx8dixYwckSUJYWBjmzJkDT09PeHp6Ys6cOTA1NcXQoUMBAFZWVggNDcWECRNga2sLGxsbhIeHw8fHB507d67MVSMiIqIqolLDzj///IN33nkHqampsLKygq+vL3bs2IGgoCAAwMSJE5GXl4dRo0YhPT0drVu3xs6dO9Xubrpo0SIYGBhg0KBByMvLQ6dOnRAXF4eaNWtW1moRERFRFVLlrrNTGXidHSIiouqn2l1nh4iIiKgiVPp1dkgHLzjlnnTAAU0iopcGR3aIiIhI0Rh2iIiISNEYdoiIiEjRGHaIiIhI0Rh2iIiISNEYdoiIiEjRGHaIiIhI0Rh2iIiISNEYdoiIiEjRGHaIiIhI0Rh2iIiISNEYdoiIiEjRGHaIiIhI0Rh2iIiISNEYdoiIiEjRGHaIiIhI0Rh2iIiISNEYdoiIiEjRGHaIiIhI0Rh2iIiISNEYdoiIiEjRGHaIiIhI0Rh2iIiISNEYdoiIiEjRGHaIiIhI0Rh2iIiISNEYdoiIiEjRGHaIiIhI0Rh2iIiISNEYdoiIiEjRGHaIiIhI0Rh2iIiISNEYdoiIiEjRGHaIiIhI0Rh2iIiISNEYdoiIiEjRGHaIiIhI0Rh2iIiISNEYdoiIiEjRGHaIiIhI0Rh2iIiISNEYdoiIiEjRGHaIiIhI0Rh2iIiISNEYdoiIiEjRGHaIiIhI0Rh2iIiISNEqNexER0ejZcuWsLCwgL29Pfr164eLFy+q9Rk+fDgkSVJ7vPbaa2p98vPzMWbMGNSuXRtmZmbo06cPbt68+W+uChEREVVRlRp2EhIS8PHHH+Pw4cPYtWsXCgoK0KVLF+Tk5Kj169atG1JTU+XHtm3b1KaHhYVh48aNWLduHQ4cOIDs7Gz06tULhYWF/+bqEBERURVkUJkL37Fjh9rz2NhY2Nvb49ixY2jXrp3crlKp4OjoWOI8MjIysGLFCqxevRqdO3cGAPzwww9wdXXF77//jq5du1bcChAREVGVV6WO2cnIyAAA2NjYqLXHx8fD3t4eDRo0wMiRI3H79m152rFjx/D48WN06dJFbnN2doa3tzcSExNLXE5+fj4yMzPVHkRERKRMVSbsCCEwfvx4tG3bFt7e3nJ79+7dsWbNGuzZswcLFixAUlISOnbsiPz8fABAWloajIyMYG1trTY/BwcHpKWllbis6OhoWFlZyQ9XV9eKWzEiIiKqVJW6G+tpo0ePxqlTp3DgwAG19uDgYPnf3t7e8PPzg5ubG3799VcMGDCg1PkJISBJUonTJk+ejPHjx8vPMzMzGXiIiIgUqkqM7IwZMwZbtmzB3r17UadOnef2dXJygpubGy5fvgwAcHR0xKNHj5Cenq7W7/bt23BwcChxHiqVCpaWlmoPIiIiUqZKDTtCCIwePRobNmzAnj174OHh8cLX3Lt3Dzdu3ICTkxMAoEWLFjA0NMSuXbvkPqmpqThz5gz8/f0rrHYiIiKqHip1N9bHH3+MH3/8EZs3b4aFhYV8jI2VlRVMTEyQnZ2NqKgoDBw4EE5OTrh69SqmTJmC2rVro3///nLf0NBQTJgwAba2trCxsUF4eDh8fHzks7OIiIjo5VWpYScmJgYA0KFDB7X22NhYDB8+HDVr1sTp06exatUqPHjwAE5OTggMDMT69ethYWEh91+0aBEMDAwwaNAg5OXloVOnToiLi0PNmjX/zdUhIiKiKkgSQojKLqKyZWZmwsrKChkZGVX7+J1SDrimMuBmT0RU7Wn7+10lDlAmIiIiqigMO0RERKRoDDtERESkaAw7REREpGgMO0RERKRoDDtERESkaAw7REREpGgMO0RERKRoDDtERESkaAw7REREpGgMO0RERKRoDDtERESkaAw7REREpGgMO0RERKRoDDtERESkaAw7REREpGgMO0RERKRoDDtERESkaAw7REREpGgMO0RERKRoDDtERESkaAaVXQARVW/SDKmyS1AEESkquwQixeLIDhERESkaww4REREpGsMOERERKRrDDhERESkaww4REREpGsMOERERKRrDDhERESkaww4REREpGsMOERERKRrDDhERESkaww4REREpGsMOERERKRrDDhERESkaww4REREpGsMOERERKRrDDhERESkaww4REREpGsMOERERKRrDDhERESlaucNOZmYmNm3ahPPnz+ujHiIiIiK90jnsDBo0CMuWLQMA5OXlwc/PD4MGDYKvry9+/vlnvRdIREREVB46h519+/bh9ddfBwBs3LgRQgg8ePAAS5cuxezZs/VeIBEREVF56Bx2MjIyYGNjAwDYsWMHBg4cCFNTU/Ts2ROXL1/We4FERERE5aFz2HF1dcWhQ4eQk5ODHTt2oEuXLgCA9PR0GBsb671AIiIiovIw0PUFYWFheOutt2Bubo66deuiQ4cOAJ7s3vLx8dF3fURERETlonPYGTVqFFq1aoUbN24gKCgINWo8GRyqV68ej9khIiKiKkfnsAMAfn5+8PX1RUpKCurXrw8DAwP07NlT37URERERlZvOx+zk5uYiNDQUpqamaNKkCa5fvw4AGDt2LObOnavTvKKjo9GyZUtYWFjA3t4e/fr1w8WLF9X6CCEQFRUFZ2dnmJiYoEOHDjh79qxan/z8fIwZMwa1a9eGmZkZ+vTpg5s3b+q6akRERKRAOoedyZMn4+TJk4iPj1c7ILlz585Yv369TvNKSEjAxx9/jMOHD2PXrl0oKChAly5dkJOTI/eZN28eFi5ciGXLliEpKQmOjo4ICgpCVlaW3CcsLAwbN27EunXrcODAAWRnZ6NXr14oLCzUdfWIiIhIYSQhhNDlBW5ubli/fj1ee+01WFhY4OTJk6hXrx6uXLmCV199FZmZmWUu5s6dO7C3t0dCQgLatWsHIQScnZ0RFhaGSZMmAXgyiuPg4IAvvvgCH3zwATIyMmBnZ4fVq1cjODgYAHDr1i24urpi27Zt6Nq16wuXm5mZCSsrK2RkZMDS0rLM9Vc4SarsCpRDt82enkOawe1SH0Qkt0kiXWn7+63zyE5xIHlWTk4OpHL+GGdkZACAfB2flJQUpKWlyae3A4BKpUL79u2RmJgIADh27BgeP36s1sfZ2Rne3t5yn2fl5+cjMzNT7UFERETKpHPYadmyJX799Vf5eXHAWb58Odq0aVPmQoQQGD9+PNq2bQtvb28AQFpaGgDAwcFBra+Dg4M8LS0tDUZGRrC2ti61z7Oio6NhZWUlP1xdXctcNxEREVVtOp+NFR0djW7duuHcuXMoKCjAkiVLcPbsWRw6dAgJCQllLmT06NE4deoUDhw4oDHt2REjIcQLR5Ge12fy5MkYP368/DwzM5OBh4iISKF0Htnx9/fHwYMHkZubi/r162Pnzp1wcHDAoUOH0KJFizIVMWbMGGzZsgV79+5FnTp15HZHR0cA0BihuX37tjza4+joiEePHiE9Pb3UPs9SqVSwtLRUexAREZEy6Rx2AMDHxwcrV67EmTNncO7cOfzwww9lunqyEAKjR4/Ghg0bsGfPHnh4eKhN9/DwgKOjI3bt2iW3PXr0CAkJCfD39wcAtGjRAoaGhmp9UlNTcebMGbkPERERvby02o2VmZkpj3686GBeXUZJPv74Y/z444/YvHkzLCws5BEcKysrmJiYQJIkhIWFYc6cOfD09ISnpyfmzJkDU1NTDB06VO4bGhqKCRMmwNbWFjY2NggPD4ePjw86d+6sdS1ERESkTFqFHWtra6SmpsLe3h61atUq8ViY4mNkdLm2TUxMDADI99cqFhsbi+HDhwMAJk6ciLy8PIwaNQrp6elo3bo1du7cCQsLC7n/okWLYGBggEGDBiEvLw+dOnVCXFwcatasqXUtREREpExaXWcnISEBAQEBMDAweOFByO3bt9dbcf8WXmfnJcTr7OgNr7OjH7zODpHutP391mpk5+kA4+HhAVdX1xLPkLpx40YZyyUiIiKqGDofoOzh4YE7d+5otN+/f1/jAGMiIiKiyqZz2Cnt+jXZ2dlq98oiIiIiqgq0vqhg8UX4JEnCtGnTYGpqKk8rLCzEkSNH0KxZM70XSERERFQeWoedEydOAHgysnP69GkYGRnJ04yMjNC0aVOEh4frv0IiIiKictA67OzduxcAMGLECCxZsqRqn7VERERE9P/ofG+s2NjYiqiDiIiIqEJoFXYGDBiAuLg4WFpaYsCAAc/tu2HDBr0URkRERKQPWoUdKysr+QwsKyurCi2IiIiISJ+0CjvFu66EEIiKioKdnZ3a2VhEREREVZVO19kRQsDT0xN///13RdVDREREpFc6hZ0aNWrA09MT9+7dq6h6iIiIiPRK5ysoz5s3D59++inOnDlTEfUQERER6ZXOp56//fbbyM3NRdOmTWFkZAQTExO16ffv39dbcURERETlpXPYWbx4cQWUQURERFQxdA47ISEhFVEHERERUYXQ+ZgdAPjzzz/x2WefYciQIbh9+zYAYMeOHTh79qxeiyMiIiIqL53DTkJCAnx8fHDkyBFs2LAB2dnZAIBTp04hMjJS7wUSERERlYfOYSciIgKzZ8/Grl271O58HhgYiEOHDum1OCIiIqLy0jnsnD59Gv3799dot7Oz4/V3iIiIqMrROezUqlULqampGu0nTpyAi4uLXooiIiIi0hedw87QoUMxadIkpKWlQZIkFBUV4eDBgwgPD8ewYcMqokYiIiKiMtM57Hz++eeoW7cuXFxckJ2djcaNG6Ndu3bw9/fHZ599VhE1EhEREZWZztfZMTQ0xJo1azBz5kycOHECRUVFaN68OTw9PSuiPiIiIqJy0TnsJCQkoH379qhfvz7q169fETURERER6Y3Ou7GCgoJQt25dRERE8GagREREVOXpHHZu3bqFiRMnYv/+/fD19YWvry/mzZuHmzdvVkR9REREROWic9ipXbs2Ro8ejYMHD+LPP/9EcHAwVq1aBXd3d3Ts2LEiaiQiIiIqszLdG6uYh4cHIiIiMHfuXPj4+CAhIUFfdRERERHpRZnDzsGDBzFq1Cg4OTlh6NChaNKkCbZu3arP2oiIiIjKTeezsaZMmYK1a9fi1q1b6Ny5MxYvXox+/frB1NS0IuojIiIiKhedw058fDzCw8MRHByM2rVrV0RNRERERHqjc9hJTEysiDqIiIiIKkSZjtlZvXo1AgIC4OzsjGvXrgEAFi9ejM2bN+u1OCIiIqLy0jnsxMTEYPz48ejRowcePHiAwsJCAE/uhr548WJ910dERERULjqHna+++grLly/H1KlTUbNmTbndz88Pp0+f1mtxREREROWlc9hJSUlB8+bNNdpVKhVycnL0UhQRERGRvugcdjw8PJCcnKzRvn37djRu3FgfNRERERHpjc5nY3366af4+OOP8fDhQwgh8Mcff2Dt2rWIjo7Gd999VxE1EhEREZWZzmFnxIgRKCgowMSJE5Gbm4uhQ4fCxcUFS5YsweDBgyuiRiIiIqIy0znsAMDIkSMxcuRI3L17F0VFRbC3t9d3XURERER6ofMxO3l5ecjNzQXw5A7oeXl5WLx4MXbu3Kn34oiIiIjKS+ew07dvX6xatQoA8ODBA7Rq1QoLFixA3759ERMTo/cCiYiIiMpD57Bz/PhxvP766wCA//3vf3B0dMS1a9ewatUqLF26VO8FEhEREZWHzmEnNzcXFhYWAICdO3diwIABqFGjBl577TX51hFEREREVYXOYeeVV17Bpk2bcOPGDfz222/o0qULAOD27duwtLTUe4FERERE5aFz2Jk+fTrCw8Ph7u6O1q1bo02bNgCejPKUdGVlIiIiosqk86nnb7zxBtq2bYvU1FQ0bdpUbu/UqRP69++v1+KIiIiIyqtM19lxdHSEo6OjWlurVq30UhARERGRPum8G0uf9u3bh969e8PZ2RmSJGHTpk1q04cPHw5JktQer732mlqf/Px8jBkzBrVr14aZmRn69OmDmzdv/otrQURERFVZpYadnJwcNG3aFMuWLSu1T7du3ZCamio/tm3bpjY9LCwMGzduxLp163DgwAFkZ2ejV69eKCwsrOjyiYiIqBoo024sfenevTu6d+/+3D4qlUpjl1mxjIwMrFixAqtXr0bnzp0BAD/88ANcXV3x+++/o2vXrnqvmYiIiKqXSh3Z0UZ8fDzs7e3RoEEDjBw5Erdv35anHTt2DI8fP5ZPfwcAZ2dneHt7IzExsdR55ufnIzMzU+1BREREyqTVyM6WLVu0nmGfPn3KXMyzunfvjjfffBNubm5ISUnBtGnT0LFjRxw7dgwqlQppaWkwMjKCtbW12uscHByQlpZW6nyjo6MxY8YMvdVJREREVZdWYadfv35azUySJL0eKxMcHCz/29vbG35+fnBzc8Ovv/6KAQMGlPo6IQQkSSp1+uTJkzF+/Hj5eWZmJlxdXfVTNBEREVUpWoWdoqKiiq5DK05OTnBzc8Ply5cBPDkF/tGjR0hPT1cb3bl9+zb8/f1LnY9KpYJKparweomIiKjyVfljdp5279493LhxA05OTgCAFi1awNDQELt27ZL7pKam4syZM88NO0RERPTyKNPZWDk5OUhISMD169fx6NEjtWljx47Vej7Z2dm4cuWK/DwlJQXJycmwsbGBjY0NoqKiMHDgQDg5OeHq1auYMmUKateuLV+p2crKCqGhoZgwYQJsbW1hY2OD8PBw+Pj4yGdnERER0ctN57Bz4sQJ9OjRA7m5ucjJyYGNjQ3u3r0LU1NT2Nvb6xR2jh49isDAQPl58XE0ISEhiImJwenTp7Fq1So8ePAATk5OCAwMxPr16+W7rgPAokWLYGBggEGDBiEvLw+dOnVCXFwcatasqeuqERERkQJJQgihyws6dOiABg0aICYmBrVq1cLJkydhaGiIt99+G+PGjXvugcNVVWZmJqysrJCRkVG179z+nIOuSUe6bfb0HNIMbpf6ICK5TRLpStvfb52P2UlOTsaECRNQs2ZN1KxZE/n5+XB1dcW8efMwZcqUchVNREREpG86hx1DQ0P5tG4HBwdcv34dwJPjZ4r/TURERFRV6HzMTvPmzXH06FE0aNAAgYGBmD59Ou7evYvVq1fDx8enImokIiIiKjOdR3bmzJkjn/o9a9Ys2Nra4qOPPsLt27fxzTff6L1AIiIiovLQeWTHz89P/rednZ3GXciJiIiIqhKdR3Y6duyIBw8eaLRnZmaiY8eO+qiJiIiISG90Djvx8fEaFxIEgIcPH2L//v16KYqIiIhIX7TejXXq1Cn53+fOnVO7q3hhYSF27NgBFxcX/VZHREREVE5ah51mzZpBkiRIklTi7ioTExN89dVXei2OiIiIqLy0DjspKSkQQqBevXr4448/YGdnJ08zMjKCvb09b9FAREREVY7WYcfNzQ0AUFRUVGHFEBEREelbme56Djw5bqeku5736dOn3EURERER6YvOYeevv/5C//79cfr0aUiShOL7iBbfQqKwsFC/FRIRERGVg86nno8bNw4eHh74559/YGpqirNnz2Lfvn3w8/NDfHx8BZRIREREVHY6j+wcOnQIe/bsgZ2dHWrUqIEaNWqgbdu2iI6OxtixY3HixImKqJOIiIioTHQe2SksLIS5uTkAoHbt2rh16xaAJwcwX7x4Ub/VEREREZWTziM73t7eOHXqFOrVq4fWrVtj3rx5MDIywrfffot69epVRI1EREREZaZz2Pnss8+Qk5MDAJg9ezZ69eqF119/Hba2tli/fr3eCyQiIiIqD63CzqlTp+Dt7Y0aNWqga9eucnu9evVw7tw53L9/H9bW1vIZWURERERVhVbH7DRv3hx3794F8CTg3Lt3T226jY0Ngw4RERFVSVqFnVq1aiElJQUAcPXqVV5FmYiIiKoNrXZjDRw4EO3bt4eTkxMkSYKfn1+p98H666+/9FogERERUXloFXa+/fZbDBgwAFeuXMHYsWMxcuRIWFhYVHRtREREROWm9dlY3bp1AwAcO3YM48aNY9ghIiKiakHnU89jY2Mrog4iIiKiCqHzFZSJiIiIqhOGHSIiIlI0hh0iIiJSNK3Czquvvor09HQAwMyZM5Gbm1uhRRERERHpi1Zh5/z58/L9sGbMmIHs7OwKLYqIiIhIX7Q6G6tZs2YYMWIE2rZtCyEEvvzyS5ibm5fYd/r06XotkIiIiKg8tAo7cXFxiIyMxNatWyFJErZv3w4DA82XSpLEsENERERVilZhp2HDhli3bh0AoEaNGti9ezfs7e0rtDAiIiIifdD5ooK8CSgRERFVJzqHHQD4888/sXjxYpw/fx6SJKFRo0YYN24c6tevr+/6iIiIiMpF5+vs/Pbbb2jcuDH++OMP+Pr6wtvbG0eOHEGTJk2wa9euiqiRiIiIqMx0HtmJiIjAJ598grlz52q0T5o0CUFBQXorjoiIiKi8dB7ZOX/+PEJDQzXa3333XZw7d04vRRERERHpi85hx87ODsnJyRrtycnJPEOLiIiIqhydd2ONHDkS77//Pv766y/4+/tDkiQcOHAAX3zxBSZMmFARNRIRERGVmc5hZ9q0abCwsMCCBQswefJkAICzszOioqIwduxYvRdIREREVB6SEEKU9cVZWVkAAAsLC70VVBkyMzNhZWWFjIwMWFpaVnY5pZOkyq5AOcq+2dMzpBncLvVBRHKbJNKVtr/fZbrOTrHqHnKIiIhI+XQ+QJmIiIioOmHYISIiIkVj2CEiIiJFY9ghIiIiRStT2Bk9ejTu37+v71qIiIiI9E7rsHPz5k353z/++COys7MBAD4+Prhx44b+KyMiIiLSA63DjpeXF9zc3DB06FA8fPhQDjhXr17F48ePy7Twffv2oXfv3nB2doYkSdi0aZPadCEEoqKi4OzsDBMTE3To0AFnz55V65Ofn48xY8agdu3aMDMzQ58+fdSCGREREb3ctA47GRkZ+Omnn9CiRQsUFRWhR48eaNCgAfLz8/Hbb78hLS1N54Xn5OSgadOmWLZsWYnT582bh4ULF2LZsmVISkqCo6MjgoKC5IsZAkBYWBg2btyIdevW4cCBA8jOzkavXr1QWFiocz1ERESkPFpfQfnhw4cwNjYGAFhbW+PYsWNITU1F586d4e3tjXPnzqFOnTq4ePFi2QqRJGzcuBH9+vUD8GRUx9nZGWFhYZg0aRKAJ6M4Dg4O+OKLL/DBBx8gIyMDdnZ2WL16NYKDgwEAt27dgqurK7Zt24auXbtqtWxeQfklxCso6w2voKwfvIIyke60/f3WemTH0tISrVu3xvjx4/Ho0SPk5uYiICAABgYGWL9+PdLT07FixQq9FA8AKSkpSEtLQ5cuXeQ2lUqF9u3bIzExEQBw7NgxPH78WK2Ps7MzvL295T4lyc/PR2ZmptqDiIiIlEnrsHPr1i189tlnUKlUKCgogJ+fH15//XU8evQIx48fhyRJaNu2rd4KK94t5uDgoNbu4OAgT0tLS4ORkRGsra1L7VOS6OhoWFlZyQ9XV1e91U1ERERVi9Zhp3bt2ujduzeio6NhamqKpKQkjBkzBpIkITw8HJaWlmjfvr3eC5Se2XUjhNBoe9aL+kyePBkZGRnyg2eTERERKVeZLypoZWWFQYMGwdDQEHv27EFKSgpGjRqlt8IcHR0BQGOE5vbt2/Joj6OjIx49eoT09PRS+5REpVLB0tJS7UFERETKVKawc+rUKdSpUwcA4ObmBkNDQzg6OsoHCeuDh4cHHB0dsWvXLrnt0aNHSEhIgL+/PwCgRYsWMDQ0VOuTmpqKM2fOyH2IiIjo5WZQlhc9fYzLmTNnyrzw7OxsXLlyRX6ekpKC5ORk2NjYoG7duggLC8OcOXPg6ekJT09PzJkzB6amphg6dCiAJ6NLoaGhmDBhAmxtbWFjY4Pw8HD4+Pigc+fOZa6LiIiIlKNMYUdfjh49isDAQPn5+PHjAQAhISGIi4vDxIkTkZeXh1GjRiE9PR2tW7fGzp07YWFhIb9m0aJFMDAwwKBBg5CXl4dOnTohLi4ONWvW/NfXh4iIiKoera+zo2S8zs5LiJu93vA6O/rB6+wQ6U7v19khIiIiqo4YdoiIiEjRGHaIiIhI0Rh2iIiISNEYdoiIiEjRGHaIiIhI0Rh2iIiISNEYdoiIiEjRGHaIiIhI0Rh2iIiISNEYdoiIiEjRGHaIiIhI0Rh2iIiISNEYdoiIiEjRGHaIiIhI0Rh2iIiISNEYdoiIiEjRGHaIiIhI0Rh2iIiISNEYdoiIiEjRGHaIiIhI0Rh2iIiISNEYdoiIiEjRGHaIiIhI0Rh2iIiISNEYdoiIiEjRGHaIiIhI0Rh2iIiISNEYdoiIiEjRGHaIiIhI0Rh2iIiISNEYdoiIiEjRGHaIiIhI0Rh2iIiISNEYdoiIiEjRGHaIiIhI0Rh2iIiISNEYdoiIiEjRGHaIiIhI0Rh2iIiISNEYdoiIiEjRGHaIiIhI0Rh2iIiISNEYdoiIiEjRGHaIiIhI0Rh2iIiISNEYdoiIiEjRGHaIiIhI0Rh2iIiISNGqdNiJioqCJElqD0dHR3m6EAJRUVFwdnaGiYkJOnTogLNnz1ZixURERFTVVOmwAwBNmjRBamqq/Dh9+rQ8bd68eVi4cCGWLVuGpKQkODo6IigoCFlZWZVYMREREVUlVT7sGBgYwNHRUX7Y2dkBeDKqs3jxYkydOhUDBgyAt7c3Vq5cidzcXPz444+VXDURERFVFVU+7Fy+fBnOzs7w8PDA4MGD8ddffwEAUlJSkJaWhi5dush9VSoV2rdvj8TExOfOMz8/H5mZmWoPIiIiUqYqHXZat26NVatW4bfffsPy5cuRlpYGf39/3Lt3D2lpaQAABwcHtdc4ODjI00oTHR0NKysr+eHq6lph60BERESVq0qHne7du2PgwIHw8fFB586d8euvvwIAVq5cKfeRJEntNUIIjbZnTZ48GRkZGfLjxo0b+i+eiIiIqoQqHXaeZWZmBh8fH1y+fFk+K+vZUZzbt29rjPY8S6VSwdLSUu1BREREylStwk5+fj7Onz8PJycneHh4wNHREbt27ZKnP3r0CAkJCfD396/EKomIiKgqMajsAp4nPDwcvXv3Rt26dXH79m3Mnj0bmZmZCAkJgSRJCAsLw5w5c+Dp6QlPT0/MmTMHpqamGDp0aGWXTkRERFVElQ47N2/exJAhQ3D37l3Y2dnhtddew+HDh+Hm5gYAmDhxIvLy8jBq1Cikp6ejdevW2LlzJywsLCq5ciIiIqoqJCGEqOwiKltmZiasrKyQkZFRtY/fecGB16QDbvZ6I83gdqkPIpLbJJGutP39rlbH7BARERHpimGHiIiIFI1hh4iIiBSNYYeIiIgUjWGHiIiIFI1hh4iIiBSNYYeIiIgUjWGHiIiIFI1hh4iIiBSNYYeIiIgUjWGHiIiIFI1hh4iIiBSNYYeIiIgUjWGHiIiIFI1hh4iIiBSNYYeIiIgUjWGHiIiIFI1hh4iIiBSNYYeIiIgUjWGHiIiIFI1hh4iIiBSNYYeIiIgUjWGHiIiIFI1hh4iIiBSNYYeIiIgUjWGHiIiIFI1hh4iIiBSNYYeIiIgUzaCyCyAiItInSarsCpRDiMquQD84skNERESKxrBDREREisawQ0RERIrGsENERESKxrBDREREisawQ0RERIrGsENERESKxrBDREREisawQ0RERIrGsENERESKxrBDREREisawQ0RERIrGsENERESKxrBDREREisawQ0RERIrGsENERESKxrBDREREisawQ0RERIrGsENERESKppiw8/XXX8PDwwPGxsZo0aIF9u/fX9klERERURWgiLCzfv16hIWFYerUqThx4gRef/11dO/eHdevX6/s0oiIiKiSKSLsLFy4EKGhoXjvvffQqFEjLF68GK6uroiJians0oiIiKiSVfuw8+jRIxw7dgxdunRRa+/SpQsSExMrqSoiIiKqKgwqu4Dyunv3LgoLC+Hg4KDW7uDggLS0tBJfk5+fj/z8fPl5RkYGACAzM7PiCqWqhZ+1/jys7AKUgd8/VBVV9c2y+P+NEOK5/ap92CkmSZLacyGERlux6OhozJgxQ6Pd1dW1QmqjKsjKqrIrIFJjNZfbJFU91eWrMisrC1bPKbbah53atWujZs2aGqM4t2/f1hjtKTZ58mSMHz9efl5UVIT79+/D1ta21IBE2snMzISrqytu3LgBS0vLyi6HiNskVTncJvVHCIGsrCw4Ozs/t1+1DztGRkZo0aIFdu3ahf79+8vtu3btQt++fUt8jUqlgkqlUmurVatWRZb50rG0tOR/YqpSuE1SVcNtUj+eN6JTrNqHHQAYP3483nnnHfj5+aFNmzb49ttvcf36dXz44YeVXRoRERFVMkWEneDgYNy7dw8zZ85EamoqvL29sW3bNri5uVV2aURERFTJFBF2AGDUqFEYNWpUZZfx0lOpVIiMjNTYTUhUWbhNUlXDbfLfJ4kXna9FREREVI1V+4sKEhERET0Pww4REREpGsMOERERKRrDDunN1atXIUkSkpOTAQDx8fGQJAkPHjzQeh5RUVFo1qxZhdRHVZskSdi0aZPW/cuyfVWEDh06ICwsrFJrqIqq6+epi2e/r4YPH45+/fpVWj1lUZaa3d3dsXjx4n9lWfrCsPMSGD58OCRJgiRJMDQ0hIODA4KCgvD999+jqKiowpbr7++P1NRUrS74pAv+uFRPL/qiS01NRffu3fW6TH2E57i4uOdedHTDhg2YNWuW/LysPwTVTXX9PEubx4MHDyBJEuLj48s87yVLliAuLk5+/rzvqmvXrkGlUiEzMxNRUVGQJEnj2nDJycmQJAlXr14tc00vCpHP1qwPz/7hW5HL0hbDzkuiW7duSE1NxdWrV7F9+3YEBgZi3Lhx6NWrFwoKCipkmUZGRnB0dOQtOEgrjo6O1fJUXBsbG1hYWFR2GVVOdf08y8PKykrrq/Fv3rwZHTp0kK+gbGxsjBUrVuDSpUsVWKEmXWquTst6FsPOS0KlUsHR0REuLi549dVXMWXKFGzevBnbt2+Xk/bChQvh4+MDMzMzuLq6YtSoUcjOzgYA5OTkwNLSEv/73//U5vvLL7/AzMwMWVlZGsss6S+K5cuXw9XVFaampujfvz8WLlxY4sa/evVquLu7w8rKCoMHD5bnP3z4cCQkJGDJkiXyaFV5/uqhquPZ3R6JiYlo1qwZjI2N4efnh02bNpX41+KxY8fg5+cHU1NT+Pv74+LFiwCejMjMmDEDJ0+elLeV4m09KioKdevWhUqlgrOzM8aOHVvmup/+671Dhw64du0aPvnkE3mZL6vq+nkWK/7+2r17d4n1lOTp0a4XfVdt3rwZffr0kZ83bNgQgYGB+Oyzz55bV0JCAlq1agWVSgUnJydERESU6w/WZ0fosrKy8NZbb8HMzAxOTk5YtGhRiSNUubm5ePfdd2FhYYG6devi22+/lad5eHgAAJo3bw5JktChQ4cSl9WhQweMHTsWEydOhI2NDRwdHREVFaW2nAsXLqBt27YwNjZG48aN8fvvv+u8ixRg2HmpdezYEU2bNsWGDRsAADVq1MDSpUtx5swZrFy5Env27MHEiRMBAGZmZhg8eDBiY2PV5hEbG4s33nhDq79sDx48iA8//BDjxo1DcnIygoKC8Pnnn2v0+/PPP7Fp0yZs3boVW7duRUJCAubOnQvgyTBomzZtMHLkSKSmpiI1NZV3q1egrKws9O7dGz4+Pjh+/DhmzZqFSZMmldh36tSpWLBgAY4ePQoDAwO8++67AJ5cWX3ChAlo0qSJvK0EBwfjf//7HxYtWoRvvvkGly9fxqZNm+Dj46OXujds2IA6derIV3NPTU3Vy3yru+r6eT6vnhd53nfVgwcPsH//frWwAwBz587Fzz//jKSkpBLn+ffff6NHjx5o2bIlTp48iZiYGKxYsQKzZ88u30o+Zfz48Th48CC2bNmCXbt2Yf/+/Th+/LhGvwULFsDPzw8nTpzAqFGj8NFHH+HChQsAgD/++AMA8PvvvyM1NVX+jSnJypUrYWZmhiNHjmDevHmYOXMmdu3aBeDJTbr79esHU1NTHDlyBN9++y2mTp1apvVSzBWUqWy8vLxw6tQpAFBL7h4eHpg1axY++ugjfP311wCA9957D/7+/rh16xacnZ1x9+5dbN26Vd4wX+Srr75C9+7dER4eDgBo0KABEhMTsXXrVrV+RUVFiIuLkwPUO++8g927d+Pzzz+HlZUVjIyMYGpqCkdHx/KuPlVRa9asgSRJWL58ufwX3d9//42RI0dq9P3888/Rvn17AEBERAR69uyJhw8fwsTEBObm5jAwMFDbVq5fvw5HR0d07twZhoaGqFu3Llq1aqWXum1sbFCzZk1YWFhw+3xKdf08n1ePsbHxc1/3vO+qbdu2wcfHR+MPtVdffRWDBg1CREQEdu/erTHPr7/+Gq6urli2bBkkSYKXlxdu3bqFSZMmYfr06ahRo3zjF1lZWVi5ciV+/PFHdOrUCcCTP2hLuqN4jx495LsWTJo0CYsWLUJ8fDy8vLxgZ2cHALC1tX3h/wNfX19ERkYCADw9PbFs2TLs3r0bQUFB2LlzJ/7880/Ex8fL8/n8888RFBSk87pxZOclJ4SQh9r37t2LoKAguLi4wMLCAsOGDcO9e/eQk5MDAGjVqhWaNGmCVatWAXiyq6lu3bpo166dVsu6ePGixpdQSV9K7u7uaiNFTk5OuH37dpnWj6qnixcvwtfXV+0HpbQfMF9fX/nfTk5OAPDc7eXNN99EXl4e6tWrh5EjR2Ljxo0VdtwaPVGdP09d69HGs7uwnjZ79mzs378fO3fu1Jh2/vx5tGnTRm33aEBAALKzs3Hz5s1y1QQAf/31Fx4/fqz22VhZWaFhw4YafZ9+XyRJgqOjY5nel6fnA6h/31+8eBGurq5qgamsQZZh5yV3/vx5eHh44Nq1a+jRowe8vb3x888/49ixY/jPf/4DAHj8+LHc/7333pN3ZcXGxmLEiBFaH5fwdLB6uu1ZhoaGas8lSarQs8ao6tF2WwHUt5fi1zxve3F1dcXFixfxn//8ByYmJhg1ahTatWuntp2TflWlz9PS0hIZGRka7cXHFj579qiu9bzI48ePsWPHDvTt27fE6fXr18fIkSMRERGh8R49733Ux/Fhpc2rIr+nnzefkta3rBh2XmJ79uzB6dOnMXDgQBw9ehQFBQVYsGABXnvtNTRo0AC3bt3SeM3bb7+N69evY+nSpTh79ixCQkK0Xp6Xl5e8L7fY0aNHda7byMgIhYWFOr+Oqo/i3av5+flymz63FRMTE/Tp0wdLly5FfHw8Dh06hNOnT5er5hct82VWlT5PLy8v3Lx5E2lpaWrtSUlJqFGjBl555RWd69Kl3r1796JWrVrPPYV++vTpuHTpEtatW6fW3rhxYyQmJqqFj8TERFhYWMDFxaXc9davXx+GhoZq39OZmZm4fPmyTvMxMjICgHL/P/Dy8sL169fxzz//yG2lHc/0Ijxm5yWRn5+PtLQ0FBYW4p9//sGOHTsQHR2NXr16YdiwYTh9+jQKCgrw1VdfoXfv3jh48CD++9//aszH2toaAwYMwKeffoouXbqgTp06WtcwZswYtGvXDgsXLkTv3r2xZ88ebN++Xefk7u7ujiNHjuDq1aswNzeHjY1NufdV078jIyND4+wbGxsb1K1bV61t6NChmDp1Kt5//31ERETg+vXr+PLLLwHo9hesu7s7UlJSkJycjDp16sDCwgJr165FYWEhWrduDVNTU6xevRomJiZwc3MrdT6FhYUadRsZGaFx48YlLnPfvn0YPHgwVCoVateurXW91U11/Dy7dOmCRo0aYfDgwfj888/h7OyMU6dOITw8HB9++KFeLyNQ0nfVli1bSt2FVczBwQHjx4/H/Pnz1dpHjRqFxYsXY8yYMRg9ejQuXryIyMhIjB8//oXfgadPn9ZYt2cDl4WFBUJCQvDpp5/CxsYG9vb2iIyMRI0aNXT6nOzt7WFiYoIdO3agTp06MDY2LtP11oKCglC/fn2EhIRg3rx5yMrKkg9Q1vV3g78QL4kdO3bAyckJ7u7u6NatG/bu3YulS5di8+bNqFmzJpo1a4aFCxfiiy++gLe3N9asWYPo6OgS5xUaGopHjx5pfVZCsYCAAPz3v//FwoUL0bRpU+zYsQOffPLJCw/0e1Z4eDhq1qyJxo0bw87ODtevX9fp9VR54uPj0bx5c7XH9OnTNfpZWlril19+QXJyMpo1a4apU6fK/XTZXgYOHIhu3bohMDAQdnZ2WLt2LWrVqoXly5cjICAAvr6+2L17N3755RfY2tqWOp/s7GyNunv06FFi35kzZ+Lq1auoX7++fKCmUlXHz9PAwAA7d+5EvXr18NZbb6FJkyaIiIjAe++9h4ULF5btjShFSd9VW7ZsKXUX1tM+/fRTmJubq7W5uLhg27Zt+OOPP9C0aVN8+OGHCA0NfeHp6gDQrl07jc+qJAsXLkSbNm3Qq1cvdO7cGQEBAWjUqJFOn5OBgQGWLl2Kb775Bs7Ozlqtb0lq1qyJTZs2ITs7Gy1btsR7770nr6uuvxuSKG3HKVEp1qxZg3HjxuHWrVvycGVZjRw5EhcuXMD+/fv1VB0p1Zo1azBixAhkZGTAxMSkssuhcnoZP8/jx4+jY8eOuHPnjsaxKlVVTk4OXFxcsGDBAoSGhlZ2OTh48CDatm2LK1euoH79+lq/jruxSGu5ublISUlBdHQ0PvjggzIFnS+//BJBQUEwMzPD9u3bsXLlSvnUdqKnrVq1CvXq1YOLiwtOnjyJSZMmYdCgQS/ND6PS8POEfKhAVQ46J06cwIULF9CqVStkZGRg5syZAFDm0Zny2rhxI8zNzeHp6YkrV65g3LhxCAgI0CnoAAAEkZYiIyOFgYGB6Nixo8jKyirTPN58801hZ2cnjI2NRePGjUVMTIyeqySl+OKLL4Sbm5tQqVTC3d1dhIWFiZycnMoui8qIn2f1cPz4cfHqq68KMzMzYW1tLTp37ixOnTpVafWsXLlSvPLKK0KlUgkXFxcREhIi7t69q/N8uBuLiIiIFI0HKBMREZGiMewQERGRojHsEBERkaIx7BAREZGiMewQkVYkScKmTZu07h8fHw9JkuR7DlVnw4cPR79+/eTnHTp0QFhY2HNfExcXh1q1alVoXUSkHYYdIgKg+YP+rNTUVHTv3l2vy4yKinruPYKelpmZialTp8LLywvGxsZwdHRE586dsWHDhlJvKllRNmzYgFmzZsnP3d3dsXjxYrU+wcHBuHTp0r9aFxGVjBcVJCKtODo6VtqyHzx4gLZt2yIjIwOzZ89Gy5YtYWBggISEBEycOBEdO3b8V0dRbGxsXtjHxMTkpbpgHlFVxpEdItLKs7uxEhMT0axZMxgbG8PPzw+bNm2CJEkaN4Y8duwY/Pz8YGpqCn9/f1y8eBHAk908M2bMwMmTJyFJEiRJQlxcXInLnjJlCq5evYojR44gJCQEjRs3RoMGDTBy5EgkJyfL9xBKT0/HsGHDYG1tDVNTU3Tv3l3tjs3Fu5Z+++03NGrUCObm5ujWrRtSU1PlPoWFhRg/fjxq1aoFW1tbTJw4UWPk6OndWB06dMC1a9fwySefyOvx9LKeFhMTg/r168PIyAgNGzbE6tWrNd7j7777Dv3794epqSk8PT2xZcsWeXp6ejreeust2NnZwcTEBJ6enoiNjS35AyMiGcMOEeksKysLvXv3ho+PD44fP45Zs2Zh0qRJJfadOnUqFixYgKNHj8LAwEC+gWxwcDAmTJiAJk2aIDU1FampqQgODtZ4fVFREdatW4e33noLzs7OGtPNzc1hYPBkkHr48OE4evQotmzZgkOHDkEIgR49euDx48dy/9zcXHz55ZdYvXo19u3bh+vXryM8PFyevmDBAnz//fdYsWIFDhw4gPv372Pjxo2lvhcbNmxAnTp1MHPmTHk9SrJx40aMGzcOEyZMwJkzZ/DBBx9gxIgR2Lt3r1q/GTNmYNCgQTh16hR69OiBt956C/fv3wcATJs2DefOncP27dtx/vx5xMTEKPqu6kR6o98LOxNRdRUSEiL69u1b6nQAYuPGjUIIIWJiYoStra3Iy8uTpy9fvlwAECdOnBBCCLF3714BQPz+++9yn19//VUAkF8XGRkpmjZt+ty6/vnnHwFALFy48Ln9Ll26JACIgwcPym13794VJiYm4v/+7/+EEELExsYKAOLKlStyn//85z/CwcFBfu7k5CTmzp0rP3/8+LGoU6eO2nvTvn17MW7cOPm5m5ubWLRokVo9sbGxwsrKSn7u7+8vRo4cqdbnzTffFD169JCfAxCfffaZ/Dw7O1tIkiS2b98uhBCid+/eYsSIEc99H4hIE0d2iEhnFy9ehK+vL4yNjeW2Vq1aldjX19dX/reTkxMA4Pbt21ovS/y/XUjFu4dKc/78eRgYGKB169Zym62tLRo2bIjz58/Lbaampmo3EXRycpLrycjIQGpqKtq0aSNPNzAwgJ+fn9b1Pq++gIAAtbaAgAC12gD198vMzAwWFhZyfR999BHWrVuHZs2aYeLEiUhMTCx3XUQvA4YdItKZEEIjfIhSzoh6+g7Pxa8pKirSell2dnawtrbWCAUl1aRNrc/ecVqSpH/tbK6S3rNn20qqr/j96t69O65du4awsDDcunULnTp1UtsFR0QlY9ghIp15eXnh1KlTyM/Pl9uOHj2q83yMjIxQWFj43D41atRAcHAw1qxZg1u3bmlMz8nJQUFBARo3boyCggIcOXJEnnbv3j1cunQJjRo10qoeKysrODk54fDhw3JbQUEBjh07Vu71aNSoEQ4cOKDWlpiYqHVtxezs7DB8+HD88MMPWLx4Mb799ludXk/0MmLYISJZRkYGkpOT1R7Xr1/X6Dd06FAUFRXh/fffx/nz5/Hbb7/hyy+/BPDi3U1Pc3d3R0pKCpKTk3H37l218PS0OXPmwNXVFa1bt8aqVatw7tw5XL58Gd9//z2aNWuG7OxseHp6om/fvhg5ciQOHDiAkydP4u2334aLiwv69u2rdU3jxo3D3LlzsXHjRly4cAGjRo164YUR3d3dsW/fPvz999+4e/duiX0+/fRTxMXF4b///S8uX76MhQsXYsOGDTqNzEyfPh2bN2/GlStXcPbsWWzdulXnsET0MmLYISJZfHw8mjdvrvaYPn26Rj9LS0v88ssvSE5ORrNmzTB16lS539PH8bzIwIED0a1bNwQGBsLOzg5r164tsZ+1tTUOHz6Mt99+G7Nnz0bz5s3x+uuvY+3atZg/fz6srKwAALGxsWjRogV69eqFNm3aQAiBbdu2aewaep4JEyZg2LBhGD58ONq0aQMLCwv079//ua+ZOXMmrl69ivr168POzq7EPv369cOSJUswf/58NGnSBN988w1iY2PRoUMHrWszMjLC5MmT4evri3bt2qFmzZpYt26d1q8nellJ4t/aWU1EirZmzRqMGDECGRkZvJgeEVUpvIIyEZXJqlWrUK9ePbi4uODkyZOYNGkSBg0axKBDRFUOww4RlUlaWhqmT5+OtLQ0ODk54c0338Tnn39e2WUREWngbiwiIiJSNB6gTERERIrGsENERESKxrBDREREisawQ0RERIrGsENERESKxrBDREREisawQ0RERIrGsENERESKxrBDREREivb/AY+KM13tcy4CAAAAAElFTkSuQmCC"/>
           <p:cNvSpPr>
             <a:spLocks noChangeAspect="1" noChangeArrowheads="1"/>
@@ -7578,14 +10391,20 @@
         </p:nvSpPr>
         <p:spPr/>
         <p:txBody>
-          <a:bodyPr/>
-          <a:lstStyle/>
-          <a:p>
-            <a:r>
-              <a:rPr lang="en-GB" dirty="0" smtClean="0"/>
-              <a:t>Journey Purposes</a:t>
-            </a:r>
-            <a:endParaRPr lang="en-GB" dirty="0"/>
+          <a:bodyPr>
+            <a:normAutofit/>
+          </a:bodyPr>
+          <a:lstStyle/>
+          <a:p>
+            <a:r>
+              <a:rPr lang="en-GB" sz="3000" dirty="0" smtClean="0"/>
+              <a:t>Journey </a:t>
+            </a:r>
+            <a:r>
+              <a:rPr lang="en-GB" sz="3000" dirty="0" smtClean="0"/>
+              <a:t>Purposes- Jo</a:t>
+            </a:r>
+            <a:endParaRPr lang="en-GB" sz="3000" dirty="0"/>
           </a:p>
         </p:txBody>
       </p:sp>
@@ -7788,6 +10607,754 @@
     <p:extLst>
       <p:ext uri="{BB962C8B-B14F-4D97-AF65-F5344CB8AC3E}">
         <p14:creationId xmlns:p14="http://schemas.microsoft.com/office/powerpoint/2010/main" val="3068779618"/>
+      </p:ext>
+    </p:extLst>
+  </p:cSld>
+  <p:clrMapOvr>
+    <a:masterClrMapping/>
+  </p:clrMapOvr>
+</p:sld>
+</file>
+
+<file path=ppt/slides/slide7.xml><?xml version="1.0" encoding="utf-8"?>
+<p:sld xmlns:a="http://schemas.openxmlformats.org/drawingml/2006/main" xmlns:r="http://schemas.openxmlformats.org/officeDocument/2006/relationships" xmlns:p="http://schemas.openxmlformats.org/presentationml/2006/main">
+  <p:cSld>
+    <p:spTree>
+      <p:nvGrpSpPr>
+        <p:cNvPr id="1" name=""/>
+        <p:cNvGrpSpPr/>
+        <p:nvPr/>
+      </p:nvGrpSpPr>
+      <p:grpSpPr>
+        <a:xfrm>
+          <a:off x="0" y="0"/>
+          <a:ext cx="0" cy="0"/>
+          <a:chOff x="0" y="0"/>
+          <a:chExt cx="0" cy="0"/>
+        </a:xfrm>
+      </p:grpSpPr>
+      <p:sp>
+        <p:nvSpPr>
+          <p:cNvPr id="2" name="Title 1">
+            <a:extLst>
+              <a:ext uri="{FF2B5EF4-FFF2-40B4-BE49-F238E27FC236}">
+                <a16:creationId xmlns:a16="http://schemas.microsoft.com/office/drawing/2014/main" xmlns="" id="{9CE282E1-7FDF-A4D4-F1AE-9F36D11626BC}"/>
+              </a:ext>
+            </a:extLst>
+          </p:cNvPr>
+          <p:cNvSpPr>
+            <a:spLocks noGrp="1"/>
+          </p:cNvSpPr>
+          <p:nvPr>
+            <p:ph type="title"/>
+          </p:nvPr>
+        </p:nvSpPr>
+        <p:spPr>
+          <a:xfrm>
+            <a:off x="323528" y="332656"/>
+            <a:ext cx="8534400" cy="758952"/>
+          </a:xfrm>
+        </p:spPr>
+        <p:txBody>
+          <a:bodyPr>
+            <a:normAutofit fontScale="90000"/>
+          </a:bodyPr>
+          <a:lstStyle/>
+          <a:p>
+            <a:r>
+              <a:rPr lang="en-GB" dirty="0"/>
+              <a:t>Analysing Distribution of Accidents by their 				‘Severity Levels’ </a:t>
+            </a:r>
+            <a:r>
+              <a:rPr lang="en-GB" dirty="0" smtClean="0"/>
+              <a:t>- </a:t>
+            </a:r>
+            <a:r>
+              <a:rPr lang="en-GB" dirty="0" err="1" smtClean="0"/>
+              <a:t>Maliha</a:t>
+            </a:r>
+            <a:endParaRPr lang="en-GB" dirty="0"/>
+          </a:p>
+        </p:txBody>
+      </p:sp>
+      <p:sp>
+        <p:nvSpPr>
+          <p:cNvPr id="7" name="Content Placeholder 6">
+            <a:extLst>
+              <a:ext uri="{FF2B5EF4-FFF2-40B4-BE49-F238E27FC236}">
+                <a16:creationId xmlns:a16="http://schemas.microsoft.com/office/drawing/2014/main" xmlns="" id="{3AF095E8-C57B-D7EA-3F5E-832E8F457471}"/>
+              </a:ext>
+            </a:extLst>
+          </p:cNvPr>
+          <p:cNvSpPr>
+            <a:spLocks noGrp="1"/>
+          </p:cNvSpPr>
+          <p:nvPr>
+            <p:ph sz="quarter" idx="1"/>
+          </p:nvPr>
+        </p:nvSpPr>
+        <p:spPr/>
+        <p:txBody>
+          <a:bodyPr>
+            <a:normAutofit fontScale="85000" lnSpcReduction="10000"/>
+          </a:bodyPr>
+          <a:lstStyle/>
+          <a:p>
+            <a:pPr marL="0" indent="0">
+              <a:buNone/>
+            </a:pPr>
+            <a:r>
+              <a:rPr lang="en-GB" sz="2000" b="1" i="0" dirty="0">
+                <a:effectLst/>
+                <a:latin typeface="+mj-lt"/>
+              </a:rPr>
+              <a:t>Data Preparation:</a:t>
+            </a:r>
+          </a:p>
+          <a:p>
+            <a:pPr marL="0" indent="0">
+              <a:buNone/>
+            </a:pPr>
+            <a:r>
+              <a:rPr lang="en-GB" sz="1900" b="0" i="0" dirty="0">
+                <a:effectLst/>
+                <a:latin typeface="+mj-lt"/>
+              </a:rPr>
+              <a:t>Utilized Pandas DataFrames to merge 'Accident Severity' and 'Years' columns for decade-wise analysis</a:t>
+            </a:r>
+            <a:r>
+              <a:rPr lang="en-GB" sz="1900" b="0" i="0" dirty="0" smtClean="0">
+                <a:effectLst/>
+                <a:latin typeface="+mj-lt"/>
+              </a:rPr>
+              <a:t>.</a:t>
+            </a:r>
+          </a:p>
+          <a:p>
+            <a:pPr marL="0" indent="0">
+              <a:buNone/>
+            </a:pPr>
+            <a:endParaRPr lang="en-GB" sz="1900" b="0" i="0" dirty="0">
+              <a:effectLst/>
+              <a:latin typeface="+mj-lt"/>
+            </a:endParaRPr>
+          </a:p>
+          <a:p>
+            <a:pPr marL="0" indent="0" algn="l">
+              <a:buNone/>
+            </a:pPr>
+            <a:r>
+              <a:rPr lang="en-GB" sz="1900" b="1" i="0" dirty="0">
+                <a:effectLst/>
+                <a:latin typeface="+mj-lt"/>
+              </a:rPr>
+              <a:t>Filtering:</a:t>
+            </a:r>
+            <a:r>
+              <a:rPr lang="en-GB" sz="1900" b="0" i="0" dirty="0">
+                <a:effectLst/>
+                <a:latin typeface="+mj-lt"/>
+              </a:rPr>
+              <a:t> </a:t>
+            </a:r>
+          </a:p>
+          <a:p>
+            <a:pPr marL="0" indent="0" algn="l">
+              <a:buNone/>
+            </a:pPr>
+            <a:r>
+              <a:rPr lang="en-GB" sz="1900" b="0" i="0" dirty="0">
+                <a:effectLst/>
+                <a:latin typeface="+mj-lt"/>
+              </a:rPr>
+              <a:t>Applied conditional logic to filter data for specific accident severities (Fatal, Serious, Slight) within a five-year timeframe</a:t>
+            </a:r>
+            <a:r>
+              <a:rPr lang="en-GB" sz="1900" b="0" i="0" dirty="0" smtClean="0">
+                <a:effectLst/>
+                <a:latin typeface="+mj-lt"/>
+              </a:rPr>
+              <a:t>.</a:t>
+            </a:r>
+          </a:p>
+          <a:p>
+            <a:pPr marL="0" indent="0" algn="l">
+              <a:buNone/>
+            </a:pPr>
+            <a:endParaRPr lang="en-GB" sz="1900" b="0" i="0" dirty="0">
+              <a:effectLst/>
+              <a:latin typeface="+mj-lt"/>
+            </a:endParaRPr>
+          </a:p>
+          <a:p>
+            <a:pPr marL="0" indent="0" algn="l">
+              <a:buNone/>
+            </a:pPr>
+            <a:r>
+              <a:rPr lang="en-GB" sz="1900" b="1" i="0" dirty="0">
+                <a:effectLst/>
+                <a:latin typeface="+mj-lt"/>
+              </a:rPr>
+              <a:t>Data Exploration:</a:t>
+            </a:r>
+            <a:r>
+              <a:rPr lang="en-GB" sz="1900" b="0" i="0" dirty="0">
+                <a:effectLst/>
+                <a:latin typeface="+mj-lt"/>
+              </a:rPr>
+              <a:t> </a:t>
+            </a:r>
+          </a:p>
+          <a:p>
+            <a:pPr marL="0" indent="0" algn="l">
+              <a:buNone/>
+            </a:pPr>
+            <a:r>
+              <a:rPr lang="en-GB" sz="1900" b="0" i="0" dirty="0">
+                <a:effectLst/>
+                <a:latin typeface="+mj-lt"/>
+              </a:rPr>
+              <a:t>Employed sorting and grouping techniques to gain deeper insights into the dataset.</a:t>
+            </a:r>
+          </a:p>
+          <a:p>
+            <a:pPr marL="0" indent="0" algn="l">
+              <a:buNone/>
+            </a:pPr>
+            <a:r>
+              <a:rPr lang="en-GB" sz="1900" b="1" i="0" dirty="0">
+                <a:effectLst/>
+                <a:latin typeface="+mj-lt"/>
+              </a:rPr>
+              <a:t>Visualization:</a:t>
+            </a:r>
+          </a:p>
+          <a:p>
+            <a:pPr marL="0" indent="0" algn="l">
+              <a:buNone/>
+            </a:pPr>
+            <a:r>
+              <a:rPr lang="en-GB" sz="1900" b="0" i="0" dirty="0">
+                <a:effectLst/>
+                <a:latin typeface="+mj-lt"/>
+              </a:rPr>
+              <a:t>Matplotlib has been used to create various graphical representations:</a:t>
+            </a:r>
+          </a:p>
+          <a:p>
+            <a:pPr marL="742950" lvl="1" indent="-285750" algn="l">
+              <a:buFont typeface="+mj-lt"/>
+              <a:buAutoNum type="arabicPeriod"/>
+            </a:pPr>
+            <a:r>
+              <a:rPr lang="en-GB" sz="1900" b="1" i="0" dirty="0">
+                <a:effectLst/>
+                <a:latin typeface="+mj-lt"/>
+              </a:rPr>
+              <a:t>Pie Charts</a:t>
+            </a:r>
+            <a:r>
+              <a:rPr lang="en-GB" sz="1900" b="0" i="0" dirty="0">
+                <a:effectLst/>
+                <a:latin typeface="+mj-lt"/>
+              </a:rPr>
+              <a:t>: Used to depict the distribution of accident severities.</a:t>
+            </a:r>
+          </a:p>
+          <a:p>
+            <a:pPr marL="742950" lvl="1" indent="-285750" algn="l">
+              <a:buFont typeface="+mj-lt"/>
+              <a:buAutoNum type="arabicPeriod"/>
+            </a:pPr>
+            <a:r>
+              <a:rPr lang="en-GB" sz="1900" b="1" i="0" dirty="0">
+                <a:effectLst/>
+                <a:latin typeface="+mj-lt"/>
+              </a:rPr>
+              <a:t>Bar Graphs</a:t>
+            </a:r>
+            <a:r>
+              <a:rPr lang="en-GB" sz="1900" b="0" i="0" dirty="0">
+                <a:effectLst/>
+                <a:latin typeface="+mj-lt"/>
+              </a:rPr>
+              <a:t>: Visualized the frequency of accidents based on different parameters.</a:t>
+            </a:r>
+          </a:p>
+          <a:p>
+            <a:pPr marL="742950" lvl="1" indent="-285750" algn="l">
+              <a:buFont typeface="+mj-lt"/>
+              <a:buAutoNum type="arabicPeriod"/>
+            </a:pPr>
+            <a:r>
+              <a:rPr lang="en-GB" sz="1900" b="1" i="0" dirty="0">
+                <a:effectLst/>
+                <a:latin typeface="+mj-lt"/>
+              </a:rPr>
+              <a:t>Line Charts</a:t>
+            </a:r>
+            <a:r>
+              <a:rPr lang="en-GB" sz="1900" b="0" i="0" dirty="0">
+                <a:effectLst/>
+                <a:latin typeface="+mj-lt"/>
+              </a:rPr>
+              <a:t>: Utilized for trend analysis and visualizing changes over time.</a:t>
+            </a:r>
+          </a:p>
+          <a:p>
+            <a:endParaRPr lang="en-GB" dirty="0">
+              <a:latin typeface="+mj-lt"/>
+            </a:endParaRPr>
+          </a:p>
+        </p:txBody>
+      </p:sp>
+    </p:spTree>
+    <p:extLst>
+      <p:ext uri="{BB962C8B-B14F-4D97-AF65-F5344CB8AC3E}">
+        <p14:creationId xmlns:p14="http://schemas.microsoft.com/office/powerpoint/2010/main" val="2748999166"/>
+      </p:ext>
+    </p:extLst>
+  </p:cSld>
+  <p:clrMapOvr>
+    <a:masterClrMapping/>
+  </p:clrMapOvr>
+</p:sld>
+</file>
+
+<file path=ppt/slides/slide8.xml><?xml version="1.0" encoding="utf-8"?>
+<p:sld xmlns:a="http://schemas.openxmlformats.org/drawingml/2006/main" xmlns:r="http://schemas.openxmlformats.org/officeDocument/2006/relationships" xmlns:p="http://schemas.openxmlformats.org/presentationml/2006/main">
+  <p:cSld>
+    <p:spTree>
+      <p:nvGrpSpPr>
+        <p:cNvPr id="1" name=""/>
+        <p:cNvGrpSpPr/>
+        <p:nvPr/>
+      </p:nvGrpSpPr>
+      <p:grpSpPr>
+        <a:xfrm>
+          <a:off x="0" y="0"/>
+          <a:ext cx="0" cy="0"/>
+          <a:chOff x="0" y="0"/>
+          <a:chExt cx="0" cy="0"/>
+        </a:xfrm>
+      </p:grpSpPr>
+      <p:sp>
+        <p:nvSpPr>
+          <p:cNvPr id="2" name="Title 1">
+            <a:extLst>
+              <a:ext uri="{FF2B5EF4-FFF2-40B4-BE49-F238E27FC236}">
+                <a16:creationId xmlns:a16="http://schemas.microsoft.com/office/drawing/2014/main" xmlns="" id="{40319A7F-AC9C-F39F-1471-FF321D97CBB0}"/>
+              </a:ext>
+            </a:extLst>
+          </p:cNvPr>
+          <p:cNvSpPr>
+            <a:spLocks noGrp="1"/>
+          </p:cNvSpPr>
+          <p:nvPr>
+            <p:ph type="title"/>
+          </p:nvPr>
+        </p:nvSpPr>
+        <p:spPr>
+          <a:xfrm>
+            <a:off x="-180528" y="404664"/>
+            <a:ext cx="7236296" cy="648072"/>
+          </a:xfrm>
+        </p:spPr>
+        <p:txBody>
+          <a:bodyPr>
+            <a:normAutofit fontScale="90000"/>
+          </a:bodyPr>
+          <a:lstStyle/>
+          <a:p>
+            <a:r>
+              <a:rPr lang="en-GB" sz="3000" b="0" i="0" dirty="0">
+                <a:effectLst/>
+              </a:rPr>
+              <a:t>		Accident Severity </a:t>
+            </a:r>
+            <a:r>
+              <a:rPr lang="en-GB" sz="3000" b="0" i="0" dirty="0" smtClean="0">
+                <a:effectLst/>
+              </a:rPr>
+              <a:t>Levels</a:t>
+            </a:r>
+            <a:r>
+              <a:rPr lang="en-GB" sz="3000" dirty="0" smtClean="0"/>
+              <a:t>- </a:t>
+            </a:r>
+            <a:r>
+              <a:rPr lang="en-GB" sz="3000" dirty="0" err="1" smtClean="0"/>
+              <a:t>Maliha</a:t>
+            </a:r>
+            <a:endParaRPr lang="en-GB" sz="3000" dirty="0"/>
+          </a:p>
+        </p:txBody>
+      </p:sp>
+      <p:sp>
+        <p:nvSpPr>
+          <p:cNvPr id="3" name="Content Placeholder 2">
+            <a:extLst>
+              <a:ext uri="{FF2B5EF4-FFF2-40B4-BE49-F238E27FC236}">
+                <a16:creationId xmlns:a16="http://schemas.microsoft.com/office/drawing/2014/main" xmlns="" id="{4E3A9EF6-A5FF-F187-4C21-01DEB1267D6B}"/>
+              </a:ext>
+            </a:extLst>
+          </p:cNvPr>
+          <p:cNvSpPr>
+            <a:spLocks noGrp="1"/>
+          </p:cNvSpPr>
+          <p:nvPr>
+            <p:ph sz="quarter" idx="1"/>
+          </p:nvPr>
+        </p:nvSpPr>
+        <p:spPr>
+          <a:xfrm>
+            <a:off x="628650" y="1852785"/>
+            <a:ext cx="7886700" cy="4351338"/>
+          </a:xfrm>
+        </p:spPr>
+        <p:txBody>
+          <a:bodyPr>
+            <a:normAutofit/>
+          </a:bodyPr>
+          <a:lstStyle/>
+          <a:p>
+            <a:pPr marL="0" indent="0">
+              <a:buNone/>
+            </a:pPr>
+            <a:r>
+              <a:rPr lang="en-GB" sz="2400" dirty="0">
+                <a:latin typeface="+mj-lt"/>
+              </a:rPr>
+              <a:t>There are three different Severity levels in our data set:</a:t>
+            </a:r>
+          </a:p>
+          <a:p>
+            <a:r>
+              <a:rPr lang="en-GB" sz="2800" b="0" i="0" dirty="0">
+                <a:effectLst/>
+                <a:latin typeface="+mj-lt"/>
+              </a:rPr>
+              <a:t>Fatal: </a:t>
+            </a:r>
+            <a:r>
+              <a:rPr lang="en-GB" sz="2000" b="0" i="0" dirty="0">
+                <a:effectLst/>
+                <a:latin typeface="+mj-lt"/>
+              </a:rPr>
+              <a:t>killed</a:t>
+            </a:r>
+          </a:p>
+          <a:p>
+            <a:r>
+              <a:rPr lang="en-GB" sz="2800" b="0" i="0" dirty="0">
+                <a:effectLst/>
+                <a:latin typeface="+mj-lt"/>
+              </a:rPr>
+              <a:t>Serious</a:t>
+            </a:r>
+            <a:r>
+              <a:rPr lang="en-GB" sz="2800" i="0" dirty="0">
+                <a:effectLst/>
+                <a:latin typeface="+mj-lt"/>
+              </a:rPr>
+              <a:t>: </a:t>
+            </a:r>
+            <a:r>
+              <a:rPr lang="en-GB" sz="1800" i="0" dirty="0">
+                <a:effectLst/>
+                <a:latin typeface="+mj-lt"/>
+              </a:rPr>
+              <a:t>Broken neck or back,</a:t>
+            </a:r>
+            <a:r>
+              <a:rPr lang="en-GB" sz="1800" i="0" dirty="0">
+                <a:solidFill>
+                  <a:srgbClr val="0B0C0C"/>
+                </a:solidFill>
+                <a:effectLst/>
+                <a:latin typeface="+mj-lt"/>
+              </a:rPr>
+              <a:t> Severe chest injury, any difficulty breathing, Loss of arm or leg (or part), </a:t>
+            </a:r>
+          </a:p>
+          <a:p>
+            <a:pPr marL="0" indent="0">
+              <a:buNone/>
+            </a:pPr>
+            <a:r>
+              <a:rPr lang="en-GB" sz="1800" i="0" dirty="0">
+                <a:solidFill>
+                  <a:srgbClr val="0B0C0C"/>
+                </a:solidFill>
+                <a:effectLst/>
+                <a:latin typeface="+mj-lt"/>
+              </a:rPr>
+              <a:t>     Severe head injury, unconscious…</a:t>
+            </a:r>
+            <a:endParaRPr lang="en-GB" sz="1800" i="0" dirty="0">
+              <a:effectLst/>
+              <a:latin typeface="+mj-lt"/>
+            </a:endParaRPr>
+          </a:p>
+          <a:p>
+            <a:r>
+              <a:rPr lang="en-GB" sz="2800" i="0" dirty="0">
+                <a:effectLst/>
+                <a:latin typeface="+mj-lt"/>
+              </a:rPr>
+              <a:t>Slight: </a:t>
+            </a:r>
+            <a:r>
+              <a:rPr lang="en-GB" sz="1800" b="0" i="0" dirty="0">
+                <a:solidFill>
+                  <a:srgbClr val="0B0C0C"/>
+                </a:solidFill>
+                <a:effectLst/>
+                <a:latin typeface="+mj-lt"/>
+              </a:rPr>
+              <a:t>Whiplash or neck pain, Sprains and strains, Bruising, Shock</a:t>
+            </a:r>
+            <a:endParaRPr lang="en-GB" sz="1800" dirty="0">
+              <a:latin typeface="+mj-lt"/>
+            </a:endParaRPr>
+          </a:p>
+        </p:txBody>
+      </p:sp>
+    </p:spTree>
+    <p:extLst>
+      <p:ext uri="{BB962C8B-B14F-4D97-AF65-F5344CB8AC3E}">
+        <p14:creationId xmlns:p14="http://schemas.microsoft.com/office/powerpoint/2010/main" val="2332887667"/>
+      </p:ext>
+    </p:extLst>
+  </p:cSld>
+  <p:clrMapOvr>
+    <a:masterClrMapping/>
+  </p:clrMapOvr>
+</p:sld>
+</file>
+
+<file path=ppt/slides/slide9.xml><?xml version="1.0" encoding="utf-8"?>
+<p:sld xmlns:a="http://schemas.openxmlformats.org/drawingml/2006/main" xmlns:r="http://schemas.openxmlformats.org/officeDocument/2006/relationships" xmlns:p="http://schemas.openxmlformats.org/presentationml/2006/main">
+  <p:cSld>
+    <p:spTree>
+      <p:nvGrpSpPr>
+        <p:cNvPr id="1" name=""/>
+        <p:cNvGrpSpPr/>
+        <p:nvPr/>
+      </p:nvGrpSpPr>
+      <p:grpSpPr>
+        <a:xfrm>
+          <a:off x="0" y="0"/>
+          <a:ext cx="0" cy="0"/>
+          <a:chOff x="0" y="0"/>
+          <a:chExt cx="0" cy="0"/>
+        </a:xfrm>
+      </p:grpSpPr>
+      <p:sp>
+        <p:nvSpPr>
+          <p:cNvPr id="3" name="Text Placeholder 2">
+            <a:extLst>
+              <a:ext uri="{FF2B5EF4-FFF2-40B4-BE49-F238E27FC236}">
+                <a16:creationId xmlns:a16="http://schemas.microsoft.com/office/drawing/2014/main" xmlns="" id="{A1A3667F-832F-2062-6C4E-D5894C6207C6}"/>
+              </a:ext>
+            </a:extLst>
+          </p:cNvPr>
+          <p:cNvSpPr>
+            <a:spLocks noGrp="1"/>
+          </p:cNvSpPr>
+          <p:nvPr>
+            <p:ph type="body" idx="1"/>
+          </p:nvPr>
+        </p:nvSpPr>
+        <p:spPr>
+          <a:xfrm>
+            <a:off x="301752" y="1412776"/>
+            <a:ext cx="4040188" cy="732974"/>
+          </a:xfrm>
+        </p:spPr>
+        <p:txBody>
+          <a:bodyPr/>
+          <a:lstStyle/>
+          <a:p>
+            <a:pPr algn="ctr"/>
+            <a:r>
+              <a:rPr lang="en-GB" dirty="0"/>
+              <a:t>Accident Severity Levels from 2005 to 2014</a:t>
+            </a:r>
+          </a:p>
+        </p:txBody>
+      </p:sp>
+      <p:sp>
+        <p:nvSpPr>
+          <p:cNvPr id="5" name="Text Placeholder 4">
+            <a:extLst>
+              <a:ext uri="{FF2B5EF4-FFF2-40B4-BE49-F238E27FC236}">
+                <a16:creationId xmlns:a16="http://schemas.microsoft.com/office/drawing/2014/main" xmlns="" id="{BCD58AD2-8405-AC5B-E8F3-38BA3E2A34FF}"/>
+              </a:ext>
+            </a:extLst>
+          </p:cNvPr>
+          <p:cNvSpPr>
+            <a:spLocks noGrp="1"/>
+          </p:cNvSpPr>
+          <p:nvPr>
+            <p:ph type="body" sz="half" idx="3"/>
+          </p:nvPr>
+        </p:nvSpPr>
+        <p:spPr>
+          <a:xfrm>
+            <a:off x="4791330" y="1412776"/>
+            <a:ext cx="4041775" cy="731520"/>
+          </a:xfrm>
+        </p:spPr>
+        <p:txBody>
+          <a:bodyPr/>
+          <a:lstStyle/>
+          <a:p>
+            <a:r>
+              <a:rPr lang="en-GB" dirty="0"/>
+              <a:t>Accident Severity Levels From 2010 to 2014</a:t>
+            </a:r>
+          </a:p>
+        </p:txBody>
+      </p:sp>
+      <p:pic>
+        <p:nvPicPr>
+          <p:cNvPr id="18" name="Content Placeholder 17">
+            <a:extLst>
+              <a:ext uri="{FF2B5EF4-FFF2-40B4-BE49-F238E27FC236}">
+                <a16:creationId xmlns:a16="http://schemas.microsoft.com/office/drawing/2014/main" xmlns="" id="{F6A15B69-9009-5ECE-8C2A-ED71EF337916}"/>
+              </a:ext>
+            </a:extLst>
+          </p:cNvPr>
+          <p:cNvPicPr>
+            <a:picLocks noGrp="1" noChangeAspect="1"/>
+          </p:cNvPicPr>
+          <p:nvPr>
+            <p:ph sz="quarter" idx="2"/>
+          </p:nvPr>
+        </p:nvPicPr>
+        <p:blipFill>
+          <a:blip r:embed="rId2">
+            <a:extLst>
+              <a:ext uri="{28A0092B-C50C-407E-A947-70E740481C1C}">
+                <a14:useLocalDpi xmlns:a14="http://schemas.microsoft.com/office/drawing/2010/main" val="0"/>
+              </a:ext>
+            </a:extLst>
+          </a:blip>
+          <a:stretch>
+            <a:fillRect/>
+          </a:stretch>
+        </p:blipFill>
+        <p:spPr>
+          <a:xfrm>
+            <a:off x="251520" y="2708920"/>
+            <a:ext cx="4249936" cy="3187452"/>
+          </a:xfrm>
+        </p:spPr>
+      </p:pic>
+      <p:pic>
+        <p:nvPicPr>
+          <p:cNvPr id="20" name="Content Placeholder 19">
+            <a:extLst>
+              <a:ext uri="{FF2B5EF4-FFF2-40B4-BE49-F238E27FC236}">
+                <a16:creationId xmlns:a16="http://schemas.microsoft.com/office/drawing/2014/main" xmlns="" id="{FF9E2A75-8891-6C0F-326E-B0C7D4C68EAF}"/>
+              </a:ext>
+            </a:extLst>
+          </p:cNvPr>
+          <p:cNvPicPr>
+            <a:picLocks noGrp="1" noChangeAspect="1"/>
+          </p:cNvPicPr>
+          <p:nvPr>
+            <p:ph sz="quarter" idx="4"/>
+          </p:nvPr>
+        </p:nvPicPr>
+        <p:blipFill>
+          <a:blip r:embed="rId3">
+            <a:extLst>
+              <a:ext uri="{28A0092B-C50C-407E-A947-70E740481C1C}">
+                <a14:useLocalDpi xmlns:a14="http://schemas.microsoft.com/office/drawing/2010/main" val="0"/>
+              </a:ext>
+            </a:extLst>
+          </a:blip>
+          <a:stretch>
+            <a:fillRect/>
+          </a:stretch>
+        </p:blipFill>
+        <p:spPr>
+          <a:xfrm>
+            <a:off x="4499992" y="2276872"/>
+            <a:ext cx="4536504" cy="3888432"/>
+          </a:xfrm>
+        </p:spPr>
+      </p:pic>
+      <p:sp>
+        <p:nvSpPr>
+          <p:cNvPr id="2" name="Title 1">
+            <a:extLst>
+              <a:ext uri="{FF2B5EF4-FFF2-40B4-BE49-F238E27FC236}">
+                <a16:creationId xmlns:a16="http://schemas.microsoft.com/office/drawing/2014/main" xmlns="" id="{55E541DF-C10B-34BF-1C91-CDEAB1A3B99F}"/>
+              </a:ext>
+            </a:extLst>
+          </p:cNvPr>
+          <p:cNvSpPr>
+            <a:spLocks noGrp="1"/>
+          </p:cNvSpPr>
+          <p:nvPr>
+            <p:ph type="title"/>
+          </p:nvPr>
+        </p:nvSpPr>
+        <p:spPr>
+          <a:xfrm>
+            <a:off x="323528" y="332656"/>
+            <a:ext cx="8534400" cy="758952"/>
+          </a:xfrm>
+        </p:spPr>
+        <p:txBody>
+          <a:bodyPr>
+            <a:noAutofit/>
+          </a:bodyPr>
+          <a:lstStyle/>
+          <a:p>
+            <a:r>
+              <a:rPr lang="en-GB" sz="3000" dirty="0"/>
+              <a:t>P</a:t>
+            </a:r>
+            <a:r>
+              <a:rPr lang="en-GB" sz="3000" b="0" i="0" dirty="0">
+                <a:effectLst/>
+              </a:rPr>
+              <a:t>ie charts showing the distribution of Accident </a:t>
+            </a:r>
+            <a:r>
+              <a:rPr lang="en-GB" sz="3000" dirty="0"/>
+              <a:t>S</a:t>
+            </a:r>
+            <a:r>
+              <a:rPr lang="en-GB" sz="3000" b="0" i="0" dirty="0">
+                <a:effectLst/>
+              </a:rPr>
+              <a:t>everities (Fatal, Slight, Serious) </a:t>
+            </a:r>
+            <a:r>
+              <a:rPr lang="en-GB" sz="3000" b="0" i="0" dirty="0" smtClean="0">
+                <a:effectLst/>
+              </a:rPr>
+              <a:t>- </a:t>
+            </a:r>
+            <a:r>
+              <a:rPr lang="en-GB" sz="3000" b="0" i="0" dirty="0" err="1" smtClean="0">
+                <a:effectLst/>
+              </a:rPr>
+              <a:t>Maliha</a:t>
+            </a:r>
+            <a:endParaRPr lang="en-GB" sz="3000" dirty="0"/>
+          </a:p>
+        </p:txBody>
+      </p:sp>
+    </p:spTree>
+    <p:extLst>
+      <p:ext uri="{BB962C8B-B14F-4D97-AF65-F5344CB8AC3E}">
+        <p14:creationId xmlns:p14="http://schemas.microsoft.com/office/powerpoint/2010/main" val="3302768903"/>
       </p:ext>
     </p:extLst>
   </p:cSld>

--- a/Car Accidents Data Analysis.pptx
+++ b/Car Accidents Data Analysis.pptx
@@ -16,17 +16,22 @@
     <p:sldId id="264" r:id="rId10"/>
     <p:sldId id="265" r:id="rId11"/>
     <p:sldId id="266" r:id="rId12"/>
-    <p:sldId id="267" r:id="rId13"/>
-    <p:sldId id="268" r:id="rId14"/>
+    <p:sldId id="268" r:id="rId13"/>
+    <p:sldId id="267" r:id="rId14"/>
     <p:sldId id="269" r:id="rId15"/>
     <p:sldId id="270" r:id="rId16"/>
-    <p:sldId id="271" r:id="rId17"/>
-    <p:sldId id="272" r:id="rId18"/>
+    <p:sldId id="272" r:id="rId17"/>
+    <p:sldId id="271" r:id="rId18"/>
     <p:sldId id="273" r:id="rId19"/>
     <p:sldId id="274" r:id="rId20"/>
     <p:sldId id="275" r:id="rId21"/>
     <p:sldId id="276" r:id="rId22"/>
     <p:sldId id="277" r:id="rId23"/>
+    <p:sldId id="278" r:id="rId24"/>
+    <p:sldId id="279" r:id="rId25"/>
+    <p:sldId id="280" r:id="rId26"/>
+    <p:sldId id="282" r:id="rId27"/>
+    <p:sldId id="283" r:id="rId28"/>
   </p:sldIdLst>
   <p:sldSz cx="9144000" cy="6858000" type="screen4x3"/>
   <p:notesSz cx="6858000" cy="9144000"/>
@@ -408,7 +413,7 @@
           <a:p>
             <a:fld id="{6CFDFB40-D172-4DF3-9339-A0E659DB4E67}" type="datetimeFigureOut">
               <a:rPr lang="en-GB" smtClean="0"/>
-              <a:t>24/09/2023</a:t>
+              <a:t>25/09/2023</a:t>
             </a:fld>
             <a:endParaRPr lang="en-GB"/>
           </a:p>
@@ -801,7 +806,7 @@
           <a:p>
             <a:fld id="{6CFDFB40-D172-4DF3-9339-A0E659DB4E67}" type="datetimeFigureOut">
               <a:rPr lang="en-GB" smtClean="0"/>
-              <a:t>24/09/2023</a:t>
+              <a:t>25/09/2023</a:t>
             </a:fld>
             <a:endParaRPr lang="en-GB"/>
           </a:p>
@@ -1333,7 +1338,7 @@
           <a:p>
             <a:fld id="{6CFDFB40-D172-4DF3-9339-A0E659DB4E67}" type="datetimeFigureOut">
               <a:rPr lang="en-GB" smtClean="0"/>
-              <a:t>24/09/2023</a:t>
+              <a:t>25/09/2023</a:t>
             </a:fld>
             <a:endParaRPr lang="en-GB"/>
           </a:p>
@@ -1466,7 +1471,7 @@
           <a:p>
             <a:fld id="{6CFDFB40-D172-4DF3-9339-A0E659DB4E67}" type="datetimeFigureOut">
               <a:rPr lang="en-GB" smtClean="0"/>
-              <a:t>24/09/2023</a:t>
+              <a:t>25/09/2023</a:t>
             </a:fld>
             <a:endParaRPr lang="en-GB"/>
           </a:p>
@@ -2009,7 +2014,7 @@
           <a:p>
             <a:fld id="{6CFDFB40-D172-4DF3-9339-A0E659DB4E67}" type="datetimeFigureOut">
               <a:rPr lang="en-GB" smtClean="0"/>
-              <a:t>24/09/2023</a:t>
+              <a:t>25/09/2023</a:t>
             </a:fld>
             <a:endParaRPr lang="en-GB"/>
           </a:p>
@@ -2304,7 +2309,7 @@
           <a:p>
             <a:fld id="{6CFDFB40-D172-4DF3-9339-A0E659DB4E67}" type="datetimeFigureOut">
               <a:rPr lang="en-GB" smtClean="0"/>
-              <a:t>24/09/2023</a:t>
+              <a:t>25/09/2023</a:t>
             </a:fld>
             <a:endParaRPr lang="en-GB"/>
           </a:p>
@@ -2963,7 +2968,7 @@
           <a:p>
             <a:fld id="{6CFDFB40-D172-4DF3-9339-A0E659DB4E67}" type="datetimeFigureOut">
               <a:rPr lang="en-GB" smtClean="0"/>
-              <a:t>24/09/2023</a:t>
+              <a:t>25/09/2023</a:t>
             </a:fld>
             <a:endParaRPr lang="en-GB"/>
           </a:p>
@@ -3399,7 +3404,7 @@
           <a:p>
             <a:fld id="{6CFDFB40-D172-4DF3-9339-A0E659DB4E67}" type="datetimeFigureOut">
               <a:rPr lang="en-GB" smtClean="0"/>
-              <a:t>24/09/2023</a:t>
+              <a:t>25/09/2023</a:t>
             </a:fld>
             <a:endParaRPr lang="en-GB"/>
           </a:p>
@@ -3712,7 +3717,7 @@
           <a:p>
             <a:fld id="{6CFDFB40-D172-4DF3-9339-A0E659DB4E67}" type="datetimeFigureOut">
               <a:rPr lang="en-GB" smtClean="0"/>
-              <a:t>24/09/2023</a:t>
+              <a:t>25/09/2023</a:t>
             </a:fld>
             <a:endParaRPr lang="en-GB"/>
           </a:p>
@@ -4444,7 +4449,7 @@
           <a:p>
             <a:fld id="{6CFDFB40-D172-4DF3-9339-A0E659DB4E67}" type="datetimeFigureOut">
               <a:rPr lang="en-GB" smtClean="0"/>
-              <a:t>24/09/2023</a:t>
+              <a:t>25/09/2023</a:t>
             </a:fld>
             <a:endParaRPr lang="en-GB"/>
           </a:p>
@@ -5108,7 +5113,7 @@
           <a:p>
             <a:fld id="{6CFDFB40-D172-4DF3-9339-A0E659DB4E67}" type="datetimeFigureOut">
               <a:rPr lang="en-GB" smtClean="0"/>
-              <a:t>24/09/2023</a:t>
+              <a:t>25/09/2023</a:t>
             </a:fld>
             <a:endParaRPr lang="en-GB"/>
           </a:p>
@@ -5381,7 +5386,7 @@
           <a:p>
             <a:fld id="{6CFDFB40-D172-4DF3-9339-A0E659DB4E67}" type="datetimeFigureOut">
               <a:rPr lang="en-GB" smtClean="0"/>
-              <a:t>24/09/2023</a:t>
+              <a:t>25/09/2023</a:t>
             </a:fld>
             <a:endParaRPr lang="en-GB"/>
           </a:p>
@@ -6580,7 +6585,7 @@
           <p:cNvPr id="3" name="Text Placeholder 2">
             <a:extLst>
               <a:ext uri="{FF2B5EF4-FFF2-40B4-BE49-F238E27FC236}">
-                <a16:creationId xmlns:a16="http://schemas.microsoft.com/office/drawing/2014/main" xmlns="" id="{9CBE5A70-FE2E-69C6-B582-4E7AAE17C9E0}"/>
+                <a16:creationId xmlns="" xmlns:a16="http://schemas.microsoft.com/office/drawing/2014/main" id="{9CBE5A70-FE2E-69C6-B582-4E7AAE17C9E0}"/>
               </a:ext>
             </a:extLst>
           </p:cNvPr>
@@ -6622,7 +6627,7 @@
           <p:cNvPr id="5" name="Text Placeholder 4">
             <a:extLst>
               <a:ext uri="{FF2B5EF4-FFF2-40B4-BE49-F238E27FC236}">
-                <a16:creationId xmlns:a16="http://schemas.microsoft.com/office/drawing/2014/main" xmlns="" id="{BC264E91-6BA2-413B-CB7A-E57413615546}"/>
+                <a16:creationId xmlns="" xmlns:a16="http://schemas.microsoft.com/office/drawing/2014/main" id="{BC264E91-6BA2-413B-CB7A-E57413615546}"/>
               </a:ext>
             </a:extLst>
           </p:cNvPr>
@@ -6661,7 +6666,7 @@
           <p:cNvPr id="14" name="Content Placeholder 13">
             <a:extLst>
               <a:ext uri="{FF2B5EF4-FFF2-40B4-BE49-F238E27FC236}">
-                <a16:creationId xmlns:a16="http://schemas.microsoft.com/office/drawing/2014/main" xmlns="" id="{06258AB1-68ED-E6CB-1290-0C2F3B5593EB}"/>
+                <a16:creationId xmlns="" xmlns:a16="http://schemas.microsoft.com/office/drawing/2014/main" id="{06258AB1-68ED-E6CB-1290-0C2F3B5593EB}"/>
               </a:ext>
             </a:extLst>
           </p:cNvPr>
@@ -6696,7 +6701,7 @@
           <p:cNvPr id="18" name="Content Placeholder 17">
             <a:extLst>
               <a:ext uri="{FF2B5EF4-FFF2-40B4-BE49-F238E27FC236}">
-                <a16:creationId xmlns:a16="http://schemas.microsoft.com/office/drawing/2014/main" xmlns="" id="{0EDF03F3-A494-584B-172E-DDEC1386284F}"/>
+                <a16:creationId xmlns="" xmlns:a16="http://schemas.microsoft.com/office/drawing/2014/main" id="{0EDF03F3-A494-584B-172E-DDEC1386284F}"/>
               </a:ext>
             </a:extLst>
           </p:cNvPr>
@@ -6731,7 +6736,7 @@
           <p:cNvPr id="2" name="Title 1">
             <a:extLst>
               <a:ext uri="{FF2B5EF4-FFF2-40B4-BE49-F238E27FC236}">
-                <a16:creationId xmlns:a16="http://schemas.microsoft.com/office/drawing/2014/main" xmlns="" id="{C03A3DF4-8AA9-C4D1-D4CF-5A51FAD38B43}"/>
+                <a16:creationId xmlns="" xmlns:a16="http://schemas.microsoft.com/office/drawing/2014/main" id="{C03A3DF4-8AA9-C4D1-D4CF-5A51FAD38B43}"/>
               </a:ext>
             </a:extLst>
           </p:cNvPr>
@@ -6813,7 +6818,7 @@
           <p:cNvPr id="3" name="Text Placeholder 2">
             <a:extLst>
               <a:ext uri="{FF2B5EF4-FFF2-40B4-BE49-F238E27FC236}">
-                <a16:creationId xmlns:a16="http://schemas.microsoft.com/office/drawing/2014/main" xmlns="" id="{D2004615-E427-7A83-8F69-8DC80D0EA894}"/>
+                <a16:creationId xmlns="" xmlns:a16="http://schemas.microsoft.com/office/drawing/2014/main" id="{D2004615-E427-7A83-8F69-8DC80D0EA894}"/>
               </a:ext>
             </a:extLst>
           </p:cNvPr>
@@ -6846,7 +6851,7 @@
           <p:cNvPr id="5" name="Text Placeholder 4">
             <a:extLst>
               <a:ext uri="{FF2B5EF4-FFF2-40B4-BE49-F238E27FC236}">
-                <a16:creationId xmlns:a16="http://schemas.microsoft.com/office/drawing/2014/main" xmlns="" id="{3629384D-A8B7-D55E-0EEF-534E417F200A}"/>
+                <a16:creationId xmlns="" xmlns:a16="http://schemas.microsoft.com/office/drawing/2014/main" id="{3629384D-A8B7-D55E-0EEF-534E417F200A}"/>
               </a:ext>
             </a:extLst>
           </p:cNvPr>
@@ -6865,7 +6870,15 @@
             <a:pPr algn="ctr"/>
             <a:r>
               <a:rPr lang="en-GB" sz="2000" dirty="0"/>
-              <a:t>Accident Severity Levels from 2005 to 2014</a:t>
+              <a:t>Accident Severity Levels from </a:t>
+            </a:r>
+            <a:r>
+              <a:rPr lang="en-GB" sz="2000" dirty="0" smtClean="0"/>
+              <a:t>2010 </a:t>
+            </a:r>
+            <a:r>
+              <a:rPr lang="en-GB" sz="2000" dirty="0"/>
+              <a:t>to 2014</a:t>
             </a:r>
           </a:p>
           <a:p>
@@ -6878,7 +6891,7 @@
           <p:cNvPr id="8" name="Content Placeholder 7">
             <a:extLst>
               <a:ext uri="{FF2B5EF4-FFF2-40B4-BE49-F238E27FC236}">
-                <a16:creationId xmlns:a16="http://schemas.microsoft.com/office/drawing/2014/main" xmlns="" id="{EEC644D3-50EF-C099-700D-33055BA0BAB7}"/>
+                <a16:creationId xmlns="" xmlns:a16="http://schemas.microsoft.com/office/drawing/2014/main" id="{EEC644D3-50EF-C099-700D-33055BA0BAB7}"/>
               </a:ext>
             </a:extLst>
           </p:cNvPr>
@@ -6913,7 +6926,7 @@
           <p:cNvPr id="10" name="Content Placeholder 9">
             <a:extLst>
               <a:ext uri="{FF2B5EF4-FFF2-40B4-BE49-F238E27FC236}">
-                <a16:creationId xmlns:a16="http://schemas.microsoft.com/office/drawing/2014/main" xmlns="" id="{8804B62D-13CC-20AE-9736-8DD8211B2D7A}"/>
+                <a16:creationId xmlns="" xmlns:a16="http://schemas.microsoft.com/office/drawing/2014/main" id="{8804B62D-13CC-20AE-9736-8DD8211B2D7A}"/>
               </a:ext>
             </a:extLst>
           </p:cNvPr>
@@ -6948,7 +6961,7 @@
           <p:cNvPr id="2" name="Title 1">
             <a:extLst>
               <a:ext uri="{FF2B5EF4-FFF2-40B4-BE49-F238E27FC236}">
-                <a16:creationId xmlns:a16="http://schemas.microsoft.com/office/drawing/2014/main" xmlns="" id="{98AFE39E-07EF-6DB5-DF35-16C241BEB80B}"/>
+                <a16:creationId xmlns="" xmlns:a16="http://schemas.microsoft.com/office/drawing/2014/main" id="{98AFE39E-07EF-6DB5-DF35-16C241BEB80B}"/>
               </a:ext>
             </a:extLst>
           </p:cNvPr>
@@ -7039,10 +7052,10 @@
       </p:grpSpPr>
       <p:sp>
         <p:nvSpPr>
-          <p:cNvPr id="8" name="Title 7">
+          <p:cNvPr id="2" name="Title 1">
             <a:extLst>
               <a:ext uri="{FF2B5EF4-FFF2-40B4-BE49-F238E27FC236}">
-                <a16:creationId xmlns:a16="http://schemas.microsoft.com/office/drawing/2014/main" xmlns="" id="{5F3BC96A-6175-32C8-05E3-2DB890106C79}"/>
+                <a16:creationId xmlns="" xmlns:a16="http://schemas.microsoft.com/office/drawing/2014/main" id="{7BBFDFA0-4990-650D-5D0E-4907B13A7073}"/>
               </a:ext>
             </a:extLst>
           </p:cNvPr>
@@ -7055,7 +7068,7 @@
         </p:nvSpPr>
         <p:spPr>
           <a:xfrm>
-            <a:off x="216528" y="332656"/>
+            <a:off x="301752" y="365792"/>
             <a:ext cx="8534400" cy="758952"/>
           </a:xfrm>
         </p:spPr>
@@ -7067,7 +7080,7 @@
           <a:p>
             <a:r>
               <a:rPr lang="en-GB" dirty="0"/>
-              <a:t>	Distribution of Fatal Accidents </a:t>
+              <a:t>Interpretation of ‘Fatal’ Accidents </a:t>
             </a:r>
             <a:r>
               <a:rPr lang="en-GB" dirty="0" smtClean="0"/>
@@ -7081,46 +7094,438 @@
           </a:p>
         </p:txBody>
       </p:sp>
-      <p:pic>
-        <p:nvPicPr>
-          <p:cNvPr id="12" name="Picture 11">
+      <p:sp>
+        <p:nvSpPr>
+          <p:cNvPr id="3" name="Content Placeholder 2">
             <a:extLst>
               <a:ext uri="{FF2B5EF4-FFF2-40B4-BE49-F238E27FC236}">
-                <a16:creationId xmlns:a16="http://schemas.microsoft.com/office/drawing/2014/main" xmlns="" id="{0684C7C1-F7CE-8CAD-E83B-AACFED33603B}"/>
+                <a16:creationId xmlns="" xmlns:a16="http://schemas.microsoft.com/office/drawing/2014/main" id="{7DD4CFC9-636E-F406-91B7-0364B34A020F}"/>
               </a:ext>
             </a:extLst>
           </p:cNvPr>
-          <p:cNvPicPr>
-            <a:picLocks noChangeAspect="1"/>
-          </p:cNvPicPr>
-          <p:nvPr/>
-        </p:nvPicPr>
-        <p:blipFill>
-          <a:blip r:embed="rId2">
-            <a:extLst>
-              <a:ext uri="{28A0092B-C50C-407E-A947-70E740481C1C}">
-                <a14:useLocalDpi xmlns:a14="http://schemas.microsoft.com/office/drawing/2010/main" val="0"/>
-              </a:ext>
-            </a:extLst>
-          </a:blip>
-          <a:stretch>
-            <a:fillRect/>
-          </a:stretch>
-        </p:blipFill>
-        <p:spPr>
-          <a:xfrm>
-            <a:off x="2555776" y="1700808"/>
-            <a:ext cx="4248472" cy="4248472"/>
-          </a:xfrm>
-          <a:prstGeom prst="rect">
-            <a:avLst/>
-          </a:prstGeom>
-        </p:spPr>
-      </p:pic>
+          <p:cNvSpPr>
+            <a:spLocks noGrp="1"/>
+          </p:cNvSpPr>
+          <p:nvPr>
+            <p:ph sz="quarter" idx="1"/>
+          </p:nvPr>
+        </p:nvSpPr>
+        <p:spPr/>
+        <p:txBody>
+          <a:bodyPr>
+            <a:noAutofit/>
+          </a:bodyPr>
+          <a:lstStyle/>
+          <a:p>
+            <a:pPr marL="0" indent="0">
+              <a:buNone/>
+            </a:pPr>
+            <a:r>
+              <a:rPr lang="en-GB" sz="1400" b="1" i="0" dirty="0">
+                <a:effectLst/>
+                <a:latin typeface="+mj-lt"/>
+              </a:rPr>
+              <a:t>Single Carriageway</a:t>
+            </a:r>
+            <a:r>
+              <a:rPr lang="en-GB" sz="1400" b="0" i="0" dirty="0" smtClean="0">
+                <a:effectLst/>
+                <a:latin typeface="+mj-lt"/>
+              </a:rPr>
+              <a:t>:</a:t>
+            </a:r>
+          </a:p>
+          <a:p>
+            <a:pPr marL="0" indent="0" algn="l">
+              <a:buNone/>
+            </a:pPr>
+            <a:r>
+              <a:rPr lang="en-GB" sz="1400" b="0" i="0" dirty="0" smtClean="0">
+                <a:effectLst/>
+                <a:latin typeface="+mj-lt"/>
+              </a:rPr>
+              <a:t>The </a:t>
+            </a:r>
+            <a:r>
+              <a:rPr lang="en-GB" sz="1400" b="0" i="0" dirty="0">
+                <a:effectLst/>
+                <a:latin typeface="+mj-lt"/>
+              </a:rPr>
+              <a:t>highest number of fatal accidents occurred on </a:t>
+            </a:r>
+            <a:r>
+              <a:rPr lang="en-GB" sz="1400" b="1" i="1" dirty="0">
+                <a:latin typeface="+mj-lt"/>
+              </a:rPr>
+              <a:t>Single Carriageway</a:t>
+            </a:r>
+            <a:r>
+              <a:rPr lang="en-GB" sz="1400" b="0" i="1" dirty="0">
+                <a:latin typeface="+mj-lt"/>
+              </a:rPr>
+              <a:t> </a:t>
+            </a:r>
+            <a:r>
+              <a:rPr lang="en-GB" sz="1400" b="0" i="0" dirty="0">
+                <a:effectLst/>
+                <a:latin typeface="+mj-lt"/>
+              </a:rPr>
+              <a:t>compared to other road types</a:t>
+            </a:r>
+            <a:r>
+              <a:rPr lang="en-GB" sz="1400" b="0" i="0" dirty="0" smtClean="0">
+                <a:effectLst/>
+                <a:latin typeface="+mj-lt"/>
+              </a:rPr>
+              <a:t>.</a:t>
+            </a:r>
+            <a:endParaRPr lang="en-GB" sz="1400" b="0" i="0" dirty="0">
+              <a:effectLst/>
+              <a:latin typeface="+mj-lt"/>
+            </a:endParaRPr>
+          </a:p>
+          <a:p>
+            <a:pPr marL="0" indent="0" algn="l">
+              <a:buNone/>
+            </a:pPr>
+            <a:r>
+              <a:rPr lang="en-GB" sz="1400" b="1" i="1" dirty="0">
+                <a:effectLst/>
+                <a:latin typeface="+mj-lt"/>
+              </a:rPr>
+              <a:t>Single Carriageway</a:t>
+            </a:r>
+            <a:r>
+              <a:rPr lang="en-GB" sz="1400" b="0" i="1" dirty="0">
+                <a:effectLst/>
+                <a:latin typeface="+mj-lt"/>
+              </a:rPr>
+              <a:t> </a:t>
+            </a:r>
+            <a:r>
+              <a:rPr lang="en-GB" sz="1400" b="0" i="0" dirty="0">
+                <a:effectLst/>
+                <a:latin typeface="+mj-lt"/>
+              </a:rPr>
+              <a:t>have the highest risk of fatal accidents among the specified road types.</a:t>
+            </a:r>
+          </a:p>
+          <a:p>
+            <a:pPr marL="0" indent="0">
+              <a:buNone/>
+            </a:pPr>
+            <a:r>
+              <a:rPr lang="en-GB" sz="1400" b="0" i="0" dirty="0">
+                <a:solidFill>
+                  <a:srgbClr val="333333"/>
+                </a:solidFill>
+                <a:effectLst/>
+                <a:latin typeface="+mj-lt"/>
+              </a:rPr>
+              <a:t>Travel on single carriageways is several times more risky than on dual carriageways</a:t>
+            </a:r>
+            <a:r>
+              <a:rPr lang="en-GB" sz="1400" b="0" i="0" dirty="0" smtClean="0">
+                <a:solidFill>
+                  <a:srgbClr val="333333"/>
+                </a:solidFill>
+                <a:effectLst/>
+                <a:latin typeface="+mj-lt"/>
+              </a:rPr>
+              <a:t>.</a:t>
+            </a:r>
+          </a:p>
+          <a:p>
+            <a:pPr marL="0" indent="0">
+              <a:buNone/>
+            </a:pPr>
+            <a:endParaRPr lang="en-GB" sz="1400" b="0" i="0" dirty="0">
+              <a:solidFill>
+                <a:srgbClr val="333333"/>
+              </a:solidFill>
+              <a:effectLst/>
+              <a:latin typeface="+mj-lt"/>
+            </a:endParaRPr>
+          </a:p>
+          <a:p>
+            <a:pPr marL="0" indent="0">
+              <a:buNone/>
+            </a:pPr>
+            <a:r>
+              <a:rPr lang="en-GB" sz="1400" b="1" i="0" dirty="0">
+                <a:effectLst/>
+                <a:latin typeface="+mj-lt"/>
+              </a:rPr>
+              <a:t>Dual Carriageways:</a:t>
+            </a:r>
+          </a:p>
+          <a:p>
+            <a:pPr marL="0" indent="0" algn="l">
+              <a:buNone/>
+            </a:pPr>
+            <a:r>
+              <a:rPr lang="en-GB" sz="1400" b="0" i="0" dirty="0">
+                <a:effectLst/>
+                <a:latin typeface="+mj-lt"/>
+              </a:rPr>
+              <a:t>Dual carriageways experienced a significant number of fatal accidents, but it is lower than </a:t>
+            </a:r>
+            <a:r>
+              <a:rPr lang="en-GB" sz="1400" b="1" i="1" dirty="0">
+                <a:effectLst/>
+                <a:latin typeface="+mj-lt"/>
+              </a:rPr>
+              <a:t>Single Carriageway</a:t>
+            </a:r>
+            <a:r>
+              <a:rPr lang="en-GB" sz="1400" b="0" i="0" dirty="0" smtClean="0">
+                <a:effectLst/>
+                <a:latin typeface="+mj-lt"/>
+              </a:rPr>
+              <a:t>.</a:t>
+            </a:r>
+            <a:endParaRPr lang="en-GB" sz="1400" b="0" i="0" dirty="0">
+              <a:effectLst/>
+              <a:latin typeface="+mj-lt"/>
+            </a:endParaRPr>
+          </a:p>
+          <a:p>
+            <a:pPr marL="0" indent="0" algn="l">
+              <a:buNone/>
+            </a:pPr>
+            <a:r>
+              <a:rPr lang="en-GB" sz="1400" b="0" i="0" dirty="0">
+                <a:effectLst/>
+                <a:latin typeface="+mj-lt"/>
+              </a:rPr>
+              <a:t>It's the second-highest contributor to fatal accidents</a:t>
+            </a:r>
+            <a:r>
+              <a:rPr lang="en-GB" sz="1400" b="0" i="0" dirty="0" smtClean="0">
+                <a:effectLst/>
+                <a:latin typeface="+mj-lt"/>
+              </a:rPr>
+              <a:t>.</a:t>
+            </a:r>
+          </a:p>
+          <a:p>
+            <a:pPr marL="0" indent="0" algn="l">
+              <a:buNone/>
+            </a:pPr>
+            <a:endParaRPr lang="en-GB" sz="1400" b="0" i="0" dirty="0">
+              <a:effectLst/>
+              <a:latin typeface="+mj-lt"/>
+            </a:endParaRPr>
+          </a:p>
+          <a:p>
+            <a:pPr marL="0" indent="0">
+              <a:buNone/>
+            </a:pPr>
+            <a:r>
+              <a:rPr lang="en-GB" sz="1400" b="1" i="0" dirty="0">
+                <a:effectLst/>
+                <a:latin typeface="+mj-lt"/>
+              </a:rPr>
+              <a:t>Roundabouts</a:t>
+            </a:r>
+            <a:r>
+              <a:rPr lang="en-GB" sz="1400" b="0" i="0" dirty="0">
+                <a:effectLst/>
+                <a:latin typeface="+mj-lt"/>
+              </a:rPr>
+              <a:t>:</a:t>
+            </a:r>
+          </a:p>
+          <a:p>
+            <a:pPr marL="0" indent="0" algn="l">
+              <a:buNone/>
+            </a:pPr>
+            <a:r>
+              <a:rPr lang="en-GB" sz="1400" b="0" i="0" dirty="0">
+                <a:effectLst/>
+                <a:latin typeface="+mj-lt"/>
+              </a:rPr>
+              <a:t>Roundabouts have a lower number of fatal accidents compared to </a:t>
+            </a:r>
+            <a:r>
+              <a:rPr lang="en-GB" sz="1400" b="0" i="0" dirty="0" err="1">
+                <a:effectLst/>
+                <a:latin typeface="+mj-lt"/>
+              </a:rPr>
+              <a:t>single_carriageway</a:t>
+            </a:r>
+            <a:r>
+              <a:rPr lang="en-GB" sz="1400" b="0" i="0" dirty="0">
+                <a:effectLst/>
+                <a:latin typeface="+mj-lt"/>
+              </a:rPr>
+              <a:t> and dual carriageways.</a:t>
+            </a:r>
+          </a:p>
+          <a:p>
+            <a:pPr marL="0" indent="0" algn="l">
+              <a:buNone/>
+            </a:pPr>
+            <a:r>
+              <a:rPr lang="en-GB" sz="1400" b="0" i="0" dirty="0">
+                <a:effectLst/>
+                <a:latin typeface="+mj-lt"/>
+              </a:rPr>
+              <a:t>They pose a relatively lower risk of fatal </a:t>
+            </a:r>
+            <a:r>
+              <a:rPr lang="en-GB" sz="1400" b="0" i="0" dirty="0" smtClean="0">
+                <a:effectLst/>
+                <a:latin typeface="+mj-lt"/>
+              </a:rPr>
+              <a:t>accidents</a:t>
+            </a:r>
+            <a:r>
+              <a:rPr lang="en-GB" sz="1400" dirty="0" smtClean="0">
+                <a:latin typeface="+mj-lt"/>
+              </a:rPr>
+              <a:t>.</a:t>
+            </a:r>
+          </a:p>
+          <a:p>
+            <a:pPr marL="0" indent="0" algn="l">
+              <a:buNone/>
+            </a:pPr>
+            <a:endParaRPr lang="en-GB" sz="1400" b="0" i="0" dirty="0">
+              <a:effectLst/>
+              <a:latin typeface="+mj-lt"/>
+            </a:endParaRPr>
+          </a:p>
+          <a:p>
+            <a:pPr marL="0" indent="0">
+              <a:buNone/>
+            </a:pPr>
+            <a:r>
+              <a:rPr lang="en-GB" sz="1400" b="1" i="0" dirty="0">
+                <a:effectLst/>
+                <a:latin typeface="+mj-lt"/>
+              </a:rPr>
+              <a:t>One-way Streets</a:t>
+            </a:r>
+            <a:r>
+              <a:rPr lang="en-GB" sz="1400" b="0" i="0" dirty="0">
+                <a:effectLst/>
+                <a:latin typeface="+mj-lt"/>
+              </a:rPr>
+              <a:t>: &amp; </a:t>
+            </a:r>
+            <a:r>
+              <a:rPr lang="en-GB" sz="1400" b="1" i="0" dirty="0">
+                <a:effectLst/>
+                <a:latin typeface="+mj-lt"/>
+              </a:rPr>
+              <a:t>Slip Roads</a:t>
+            </a:r>
+            <a:r>
+              <a:rPr lang="en-GB" sz="1400" b="0" i="0" dirty="0">
+                <a:effectLst/>
+                <a:latin typeface="+mj-lt"/>
+              </a:rPr>
+              <a:t>:</a:t>
+            </a:r>
+          </a:p>
+          <a:p>
+            <a:pPr marL="0" indent="0" algn="l">
+              <a:buNone/>
+            </a:pPr>
+            <a:r>
+              <a:rPr lang="en-GB" sz="1400" b="0" i="0" dirty="0">
+                <a:effectLst/>
+                <a:latin typeface="+mj-lt"/>
+              </a:rPr>
+              <a:t>One-way streets have a very low number of fatal accidents.</a:t>
+            </a:r>
+          </a:p>
+          <a:p>
+            <a:pPr marL="0" indent="0" algn="l">
+              <a:buNone/>
+            </a:pPr>
+            <a:r>
+              <a:rPr lang="en-GB" sz="1400" b="0" i="0" dirty="0">
+                <a:effectLst/>
+                <a:latin typeface="+mj-lt"/>
+              </a:rPr>
+              <a:t>They are the safest among the specified road types.</a:t>
+            </a:r>
+            <a:r>
+              <a:rPr lang="en-GB" sz="1400" b="0" i="0" dirty="0">
+                <a:solidFill>
+                  <a:srgbClr val="D1D5DB"/>
+                </a:solidFill>
+                <a:effectLst/>
+                <a:latin typeface="+mj-lt"/>
+              </a:rPr>
+              <a:t> </a:t>
+            </a:r>
+            <a:r>
+              <a:rPr lang="en-GB" sz="1400" b="0" i="0" dirty="0">
+                <a:effectLst/>
+                <a:latin typeface="+mj-lt"/>
+              </a:rPr>
+              <a:t>Slip roads have the lowest number of fatal accidents.</a:t>
+            </a:r>
+          </a:p>
+          <a:p>
+            <a:pPr marL="0" indent="0" algn="l">
+              <a:buNone/>
+            </a:pPr>
+            <a:r>
+              <a:rPr lang="en-GB" sz="1400" b="0" i="0" dirty="0">
+                <a:effectLst/>
+                <a:latin typeface="+mj-lt"/>
+              </a:rPr>
+              <a:t>They are the least risky among the specified road types.</a:t>
+            </a:r>
+          </a:p>
+          <a:p>
+            <a:pPr marL="0" indent="0" algn="l">
+              <a:buNone/>
+            </a:pPr>
+            <a:endParaRPr lang="en-GB" sz="1400" b="0" i="0" dirty="0">
+              <a:effectLst/>
+              <a:latin typeface="+mj-lt"/>
+            </a:endParaRPr>
+          </a:p>
+          <a:p>
+            <a:pPr marL="0" indent="0" algn="l">
+              <a:buNone/>
+            </a:pPr>
+            <a:endParaRPr lang="en-GB" sz="1400" b="0" i="0" dirty="0">
+              <a:effectLst/>
+              <a:latin typeface="+mj-lt"/>
+            </a:endParaRPr>
+          </a:p>
+          <a:p>
+            <a:pPr marL="0" indent="0">
+              <a:buNone/>
+            </a:pPr>
+            <a:endParaRPr lang="en-GB" sz="1400" b="0" i="0" dirty="0">
+              <a:solidFill>
+                <a:srgbClr val="333333"/>
+              </a:solidFill>
+              <a:effectLst/>
+              <a:latin typeface="+mj-lt"/>
+            </a:endParaRPr>
+          </a:p>
+          <a:p>
+            <a:pPr marL="0" indent="0">
+              <a:buNone/>
+            </a:pPr>
+            <a:endParaRPr lang="en-GB" sz="1400" dirty="0">
+              <a:latin typeface="+mj-lt"/>
+            </a:endParaRPr>
+          </a:p>
+        </p:txBody>
+      </p:sp>
     </p:spTree>
     <p:extLst>
       <p:ext uri="{BB962C8B-B14F-4D97-AF65-F5344CB8AC3E}">
-        <p14:creationId xmlns:p14="http://schemas.microsoft.com/office/powerpoint/2010/main" val="625314186"/>
+        <p14:creationId xmlns:p14="http://schemas.microsoft.com/office/powerpoint/2010/main" val="3287992475"/>
       </p:ext>
     </p:extLst>
   </p:cSld>
@@ -7149,10 +7554,10 @@
       </p:grpSpPr>
       <p:sp>
         <p:nvSpPr>
-          <p:cNvPr id="2" name="Title 1">
+          <p:cNvPr id="8" name="Title 7">
             <a:extLst>
               <a:ext uri="{FF2B5EF4-FFF2-40B4-BE49-F238E27FC236}">
-                <a16:creationId xmlns:a16="http://schemas.microsoft.com/office/drawing/2014/main" xmlns="" id="{7BBFDFA0-4990-650D-5D0E-4907B13A7073}"/>
+                <a16:creationId xmlns="" xmlns:a16="http://schemas.microsoft.com/office/drawing/2014/main" id="{5F3BC96A-6175-32C8-05E3-2DB890106C79}"/>
               </a:ext>
             </a:extLst>
           </p:cNvPr>
@@ -7165,7 +7570,7 @@
         </p:nvSpPr>
         <p:spPr>
           <a:xfrm>
-            <a:off x="301752" y="365792"/>
+            <a:off x="216528" y="332656"/>
             <a:ext cx="8534400" cy="758952"/>
           </a:xfrm>
         </p:spPr>
@@ -7177,7 +7582,7 @@
           <a:p>
             <a:r>
               <a:rPr lang="en-GB" dirty="0"/>
-              <a:t>Interpretation of ‘Fatal’ Accidents </a:t>
+              <a:t>	Distribution of Fatal Accidents </a:t>
             </a:r>
             <a:r>
               <a:rPr lang="en-GB" dirty="0" smtClean="0"/>
@@ -7191,438 +7596,46 @@
           </a:p>
         </p:txBody>
       </p:sp>
-      <p:sp>
-        <p:nvSpPr>
-          <p:cNvPr id="3" name="Content Placeholder 2">
+      <p:pic>
+        <p:nvPicPr>
+          <p:cNvPr id="12" name="Picture 11">
             <a:extLst>
               <a:ext uri="{FF2B5EF4-FFF2-40B4-BE49-F238E27FC236}">
-                <a16:creationId xmlns:a16="http://schemas.microsoft.com/office/drawing/2014/main" xmlns="" id="{7DD4CFC9-636E-F406-91B7-0364B34A020F}"/>
+                <a16:creationId xmlns="" xmlns:a16="http://schemas.microsoft.com/office/drawing/2014/main" id="{0684C7C1-F7CE-8CAD-E83B-AACFED33603B}"/>
               </a:ext>
             </a:extLst>
           </p:cNvPr>
-          <p:cNvSpPr>
-            <a:spLocks noGrp="1"/>
-          </p:cNvSpPr>
-          <p:nvPr>
-            <p:ph sz="quarter" idx="1"/>
-          </p:nvPr>
-        </p:nvSpPr>
-        <p:spPr/>
-        <p:txBody>
-          <a:bodyPr>
-            <a:noAutofit/>
-          </a:bodyPr>
-          <a:lstStyle/>
-          <a:p>
-            <a:pPr marL="0" indent="0">
-              <a:buNone/>
-            </a:pPr>
-            <a:r>
-              <a:rPr lang="en-GB" sz="1400" b="1" i="0" dirty="0">
-                <a:effectLst/>
-                <a:latin typeface="+mj-lt"/>
-              </a:rPr>
-              <a:t>Single Carriageway</a:t>
-            </a:r>
-            <a:r>
-              <a:rPr lang="en-GB" sz="1400" b="0" i="0" dirty="0" smtClean="0">
-                <a:effectLst/>
-                <a:latin typeface="+mj-lt"/>
-              </a:rPr>
-              <a:t>:</a:t>
-            </a:r>
-          </a:p>
-          <a:p>
-            <a:pPr marL="0" indent="0" algn="l">
-              <a:buNone/>
-            </a:pPr>
-            <a:r>
-              <a:rPr lang="en-GB" sz="1400" b="0" i="0" dirty="0" smtClean="0">
-                <a:effectLst/>
-                <a:latin typeface="+mj-lt"/>
-              </a:rPr>
-              <a:t>The </a:t>
-            </a:r>
-            <a:r>
-              <a:rPr lang="en-GB" sz="1400" b="0" i="0" dirty="0">
-                <a:effectLst/>
-                <a:latin typeface="+mj-lt"/>
-              </a:rPr>
-              <a:t>highest number of fatal accidents occurred on </a:t>
-            </a:r>
-            <a:r>
-              <a:rPr lang="en-GB" sz="1400" b="1" i="1" dirty="0">
-                <a:latin typeface="+mj-lt"/>
-              </a:rPr>
-              <a:t>Single Carriageway</a:t>
-            </a:r>
-            <a:r>
-              <a:rPr lang="en-GB" sz="1400" b="0" i="1" dirty="0">
-                <a:latin typeface="+mj-lt"/>
-              </a:rPr>
-              <a:t> </a:t>
-            </a:r>
-            <a:r>
-              <a:rPr lang="en-GB" sz="1400" b="0" i="0" dirty="0">
-                <a:effectLst/>
-                <a:latin typeface="+mj-lt"/>
-              </a:rPr>
-              <a:t>compared to other road types</a:t>
-            </a:r>
-            <a:r>
-              <a:rPr lang="en-GB" sz="1400" b="0" i="0" dirty="0" smtClean="0">
-                <a:effectLst/>
-                <a:latin typeface="+mj-lt"/>
-              </a:rPr>
-              <a:t>.</a:t>
-            </a:r>
-            <a:endParaRPr lang="en-GB" sz="1400" b="0" i="0" dirty="0">
-              <a:effectLst/>
-              <a:latin typeface="+mj-lt"/>
-            </a:endParaRPr>
-          </a:p>
-          <a:p>
-            <a:pPr marL="0" indent="0" algn="l">
-              <a:buNone/>
-            </a:pPr>
-            <a:r>
-              <a:rPr lang="en-GB" sz="1400" b="1" i="1" dirty="0">
-                <a:effectLst/>
-                <a:latin typeface="+mj-lt"/>
-              </a:rPr>
-              <a:t>Single Carriageway</a:t>
-            </a:r>
-            <a:r>
-              <a:rPr lang="en-GB" sz="1400" b="0" i="1" dirty="0">
-                <a:effectLst/>
-                <a:latin typeface="+mj-lt"/>
-              </a:rPr>
-              <a:t> </a:t>
-            </a:r>
-            <a:r>
-              <a:rPr lang="en-GB" sz="1400" b="0" i="0" dirty="0">
-                <a:effectLst/>
-                <a:latin typeface="+mj-lt"/>
-              </a:rPr>
-              <a:t>have the highest risk of fatal accidents among the specified road types.</a:t>
-            </a:r>
-          </a:p>
-          <a:p>
-            <a:pPr marL="0" indent="0">
-              <a:buNone/>
-            </a:pPr>
-            <a:r>
-              <a:rPr lang="en-GB" sz="1400" b="0" i="0" dirty="0">
-                <a:solidFill>
-                  <a:srgbClr val="333333"/>
-                </a:solidFill>
-                <a:effectLst/>
-                <a:latin typeface="+mj-lt"/>
-              </a:rPr>
-              <a:t>Travel on single carriageways is several times more risky than on dual carriageways</a:t>
-            </a:r>
-            <a:r>
-              <a:rPr lang="en-GB" sz="1400" b="0" i="0" dirty="0" smtClean="0">
-                <a:solidFill>
-                  <a:srgbClr val="333333"/>
-                </a:solidFill>
-                <a:effectLst/>
-                <a:latin typeface="+mj-lt"/>
-              </a:rPr>
-              <a:t>.</a:t>
-            </a:r>
-          </a:p>
-          <a:p>
-            <a:pPr marL="0" indent="0">
-              <a:buNone/>
-            </a:pPr>
-            <a:endParaRPr lang="en-GB" sz="1400" b="0" i="0" dirty="0">
-              <a:solidFill>
-                <a:srgbClr val="333333"/>
-              </a:solidFill>
-              <a:effectLst/>
-              <a:latin typeface="+mj-lt"/>
-            </a:endParaRPr>
-          </a:p>
-          <a:p>
-            <a:pPr marL="0" indent="0">
-              <a:buNone/>
-            </a:pPr>
-            <a:r>
-              <a:rPr lang="en-GB" sz="1400" b="1" i="0" dirty="0">
-                <a:effectLst/>
-                <a:latin typeface="+mj-lt"/>
-              </a:rPr>
-              <a:t>Dual Carriageways:</a:t>
-            </a:r>
-          </a:p>
-          <a:p>
-            <a:pPr marL="0" indent="0" algn="l">
-              <a:buNone/>
-            </a:pPr>
-            <a:r>
-              <a:rPr lang="en-GB" sz="1400" b="0" i="0" dirty="0">
-                <a:effectLst/>
-                <a:latin typeface="+mj-lt"/>
-              </a:rPr>
-              <a:t>Dual carriageways experienced a significant number of fatal accidents, but it is lower than </a:t>
-            </a:r>
-            <a:r>
-              <a:rPr lang="en-GB" sz="1400" b="1" i="1" dirty="0">
-                <a:effectLst/>
-                <a:latin typeface="+mj-lt"/>
-              </a:rPr>
-              <a:t>Single Carriageway</a:t>
-            </a:r>
-            <a:r>
-              <a:rPr lang="en-GB" sz="1400" b="0" i="0" dirty="0" smtClean="0">
-                <a:effectLst/>
-                <a:latin typeface="+mj-lt"/>
-              </a:rPr>
-              <a:t>.</a:t>
-            </a:r>
-            <a:endParaRPr lang="en-GB" sz="1400" b="0" i="0" dirty="0">
-              <a:effectLst/>
-              <a:latin typeface="+mj-lt"/>
-            </a:endParaRPr>
-          </a:p>
-          <a:p>
-            <a:pPr marL="0" indent="0" algn="l">
-              <a:buNone/>
-            </a:pPr>
-            <a:r>
-              <a:rPr lang="en-GB" sz="1400" b="0" i="0" dirty="0">
-                <a:effectLst/>
-                <a:latin typeface="+mj-lt"/>
-              </a:rPr>
-              <a:t>It's the second-highest contributor to fatal accidents</a:t>
-            </a:r>
-            <a:r>
-              <a:rPr lang="en-GB" sz="1400" b="0" i="0" dirty="0" smtClean="0">
-                <a:effectLst/>
-                <a:latin typeface="+mj-lt"/>
-              </a:rPr>
-              <a:t>.</a:t>
-            </a:r>
-          </a:p>
-          <a:p>
-            <a:pPr marL="0" indent="0" algn="l">
-              <a:buNone/>
-            </a:pPr>
-            <a:endParaRPr lang="en-GB" sz="1400" b="0" i="0" dirty="0">
-              <a:effectLst/>
-              <a:latin typeface="+mj-lt"/>
-            </a:endParaRPr>
-          </a:p>
-          <a:p>
-            <a:pPr marL="0" indent="0">
-              <a:buNone/>
-            </a:pPr>
-            <a:r>
-              <a:rPr lang="en-GB" sz="1400" b="1" i="0" dirty="0">
-                <a:effectLst/>
-                <a:latin typeface="+mj-lt"/>
-              </a:rPr>
-              <a:t>Roundabouts</a:t>
-            </a:r>
-            <a:r>
-              <a:rPr lang="en-GB" sz="1400" b="0" i="0" dirty="0">
-                <a:effectLst/>
-                <a:latin typeface="+mj-lt"/>
-              </a:rPr>
-              <a:t>:</a:t>
-            </a:r>
-          </a:p>
-          <a:p>
-            <a:pPr marL="0" indent="0" algn="l">
-              <a:buNone/>
-            </a:pPr>
-            <a:r>
-              <a:rPr lang="en-GB" sz="1400" b="0" i="0" dirty="0">
-                <a:effectLst/>
-                <a:latin typeface="+mj-lt"/>
-              </a:rPr>
-              <a:t>Roundabouts have a lower number of fatal accidents compared to </a:t>
-            </a:r>
-            <a:r>
-              <a:rPr lang="en-GB" sz="1400" b="0" i="0" dirty="0" err="1">
-                <a:effectLst/>
-                <a:latin typeface="+mj-lt"/>
-              </a:rPr>
-              <a:t>single_carriageway</a:t>
-            </a:r>
-            <a:r>
-              <a:rPr lang="en-GB" sz="1400" b="0" i="0" dirty="0">
-                <a:effectLst/>
-                <a:latin typeface="+mj-lt"/>
-              </a:rPr>
-              <a:t> and dual carriageways.</a:t>
-            </a:r>
-          </a:p>
-          <a:p>
-            <a:pPr marL="0" indent="0" algn="l">
-              <a:buNone/>
-            </a:pPr>
-            <a:r>
-              <a:rPr lang="en-GB" sz="1400" b="0" i="0" dirty="0">
-                <a:effectLst/>
-                <a:latin typeface="+mj-lt"/>
-              </a:rPr>
-              <a:t>They pose a relatively lower risk of fatal </a:t>
-            </a:r>
-            <a:r>
-              <a:rPr lang="en-GB" sz="1400" b="0" i="0" dirty="0" smtClean="0">
-                <a:effectLst/>
-                <a:latin typeface="+mj-lt"/>
-              </a:rPr>
-              <a:t>accidents</a:t>
-            </a:r>
-            <a:r>
-              <a:rPr lang="en-GB" sz="1400" dirty="0" smtClean="0">
-                <a:latin typeface="+mj-lt"/>
-              </a:rPr>
-              <a:t>.</a:t>
-            </a:r>
-          </a:p>
-          <a:p>
-            <a:pPr marL="0" indent="0" algn="l">
-              <a:buNone/>
-            </a:pPr>
-            <a:endParaRPr lang="en-GB" sz="1400" b="0" i="0" dirty="0">
-              <a:effectLst/>
-              <a:latin typeface="+mj-lt"/>
-            </a:endParaRPr>
-          </a:p>
-          <a:p>
-            <a:pPr marL="0" indent="0">
-              <a:buNone/>
-            </a:pPr>
-            <a:r>
-              <a:rPr lang="en-GB" sz="1400" b="1" i="0" dirty="0">
-                <a:effectLst/>
-                <a:latin typeface="+mj-lt"/>
-              </a:rPr>
-              <a:t>One-way Streets</a:t>
-            </a:r>
-            <a:r>
-              <a:rPr lang="en-GB" sz="1400" b="0" i="0" dirty="0">
-                <a:effectLst/>
-                <a:latin typeface="+mj-lt"/>
-              </a:rPr>
-              <a:t>: &amp; </a:t>
-            </a:r>
-            <a:r>
-              <a:rPr lang="en-GB" sz="1400" b="1" i="0" dirty="0">
-                <a:effectLst/>
-                <a:latin typeface="+mj-lt"/>
-              </a:rPr>
-              <a:t>Slip Roads</a:t>
-            </a:r>
-            <a:r>
-              <a:rPr lang="en-GB" sz="1400" b="0" i="0" dirty="0">
-                <a:effectLst/>
-                <a:latin typeface="+mj-lt"/>
-              </a:rPr>
-              <a:t>:</a:t>
-            </a:r>
-          </a:p>
-          <a:p>
-            <a:pPr marL="0" indent="0" algn="l">
-              <a:buNone/>
-            </a:pPr>
-            <a:r>
-              <a:rPr lang="en-GB" sz="1400" b="0" i="0" dirty="0">
-                <a:effectLst/>
-                <a:latin typeface="+mj-lt"/>
-              </a:rPr>
-              <a:t>One-way streets have a very low number of fatal accidents.</a:t>
-            </a:r>
-          </a:p>
-          <a:p>
-            <a:pPr marL="0" indent="0" algn="l">
-              <a:buNone/>
-            </a:pPr>
-            <a:r>
-              <a:rPr lang="en-GB" sz="1400" b="0" i="0" dirty="0">
-                <a:effectLst/>
-                <a:latin typeface="+mj-lt"/>
-              </a:rPr>
-              <a:t>They are the safest among the specified road types.</a:t>
-            </a:r>
-            <a:r>
-              <a:rPr lang="en-GB" sz="1400" b="0" i="0" dirty="0">
-                <a:solidFill>
-                  <a:srgbClr val="D1D5DB"/>
-                </a:solidFill>
-                <a:effectLst/>
-                <a:latin typeface="+mj-lt"/>
-              </a:rPr>
-              <a:t> </a:t>
-            </a:r>
-            <a:r>
-              <a:rPr lang="en-GB" sz="1400" b="0" i="0" dirty="0">
-                <a:effectLst/>
-                <a:latin typeface="+mj-lt"/>
-              </a:rPr>
-              <a:t>Slip roads have the lowest number of fatal accidents.</a:t>
-            </a:r>
-          </a:p>
-          <a:p>
-            <a:pPr marL="0" indent="0" algn="l">
-              <a:buNone/>
-            </a:pPr>
-            <a:r>
-              <a:rPr lang="en-GB" sz="1400" b="0" i="0" dirty="0">
-                <a:effectLst/>
-                <a:latin typeface="+mj-lt"/>
-              </a:rPr>
-              <a:t>They are the least risky among the specified road types.</a:t>
-            </a:r>
-          </a:p>
-          <a:p>
-            <a:pPr marL="0" indent="0" algn="l">
-              <a:buNone/>
-            </a:pPr>
-            <a:endParaRPr lang="en-GB" sz="1400" b="0" i="0" dirty="0">
-              <a:effectLst/>
-              <a:latin typeface="+mj-lt"/>
-            </a:endParaRPr>
-          </a:p>
-          <a:p>
-            <a:pPr marL="0" indent="0" algn="l">
-              <a:buNone/>
-            </a:pPr>
-            <a:endParaRPr lang="en-GB" sz="1400" b="0" i="0" dirty="0">
-              <a:effectLst/>
-              <a:latin typeface="+mj-lt"/>
-            </a:endParaRPr>
-          </a:p>
-          <a:p>
-            <a:pPr marL="0" indent="0">
-              <a:buNone/>
-            </a:pPr>
-            <a:endParaRPr lang="en-GB" sz="1400" b="0" i="0" dirty="0">
-              <a:solidFill>
-                <a:srgbClr val="333333"/>
-              </a:solidFill>
-              <a:effectLst/>
-              <a:latin typeface="+mj-lt"/>
-            </a:endParaRPr>
-          </a:p>
-          <a:p>
-            <a:pPr marL="0" indent="0">
-              <a:buNone/>
-            </a:pPr>
-            <a:endParaRPr lang="en-GB" sz="1400" dirty="0">
-              <a:latin typeface="+mj-lt"/>
-            </a:endParaRPr>
-          </a:p>
-        </p:txBody>
-      </p:sp>
+          <p:cNvPicPr>
+            <a:picLocks noChangeAspect="1"/>
+          </p:cNvPicPr>
+          <p:nvPr/>
+        </p:nvPicPr>
+        <p:blipFill>
+          <a:blip r:embed="rId2">
+            <a:extLst>
+              <a:ext uri="{28A0092B-C50C-407E-A947-70E740481C1C}">
+                <a14:useLocalDpi xmlns:a14="http://schemas.microsoft.com/office/drawing/2010/main" val="0"/>
+              </a:ext>
+            </a:extLst>
+          </a:blip>
+          <a:stretch>
+            <a:fillRect/>
+          </a:stretch>
+        </p:blipFill>
+        <p:spPr>
+          <a:xfrm>
+            <a:off x="2555776" y="1700808"/>
+            <a:ext cx="4248472" cy="4248472"/>
+          </a:xfrm>
+          <a:prstGeom prst="rect">
+            <a:avLst/>
+          </a:prstGeom>
+        </p:spPr>
+      </p:pic>
     </p:spTree>
     <p:extLst>
       <p:ext uri="{BB962C8B-B14F-4D97-AF65-F5344CB8AC3E}">
-        <p14:creationId xmlns:p14="http://schemas.microsoft.com/office/powerpoint/2010/main" val="3287992475"/>
+        <p14:creationId xmlns:p14="http://schemas.microsoft.com/office/powerpoint/2010/main" val="625314186"/>
       </p:ext>
     </p:extLst>
   </p:cSld>
@@ -7654,7 +7667,7 @@
           <p:cNvPr id="2" name="Title 1">
             <a:extLst>
               <a:ext uri="{FF2B5EF4-FFF2-40B4-BE49-F238E27FC236}">
-                <a16:creationId xmlns:a16="http://schemas.microsoft.com/office/drawing/2014/main" xmlns="" id="{9AB70618-8549-E880-077C-423B9081E61B}"/>
+                <a16:creationId xmlns="" xmlns:a16="http://schemas.microsoft.com/office/drawing/2014/main" id="{9AB70618-8549-E880-077C-423B9081E61B}"/>
               </a:ext>
             </a:extLst>
           </p:cNvPr>
@@ -7698,7 +7711,7 @@
           <p:cNvPr id="4" name="Picture 3">
             <a:extLst>
               <a:ext uri="{FF2B5EF4-FFF2-40B4-BE49-F238E27FC236}">
-                <a16:creationId xmlns:a16="http://schemas.microsoft.com/office/drawing/2014/main" xmlns="" id="{32705068-5950-C297-B66D-057A695DA129}"/>
+                <a16:creationId xmlns="" xmlns:a16="http://schemas.microsoft.com/office/drawing/2014/main" id="{32705068-5950-C297-B66D-057A695DA129}"/>
               </a:ext>
             </a:extLst>
           </p:cNvPr>
@@ -7764,7 +7777,7 @@
           <p:cNvPr id="2" name="Title 1">
             <a:extLst>
               <a:ext uri="{FF2B5EF4-FFF2-40B4-BE49-F238E27FC236}">
-                <a16:creationId xmlns:a16="http://schemas.microsoft.com/office/drawing/2014/main" xmlns="" id="{089AFC19-53DD-1807-8767-04FCAE77EC67}"/>
+                <a16:creationId xmlns="" xmlns:a16="http://schemas.microsoft.com/office/drawing/2014/main" id="{089AFC19-53DD-1807-8767-04FCAE77EC67}"/>
               </a:ext>
             </a:extLst>
           </p:cNvPr>
@@ -7808,7 +7821,7 @@
           <p:cNvPr id="3" name="Content Placeholder 2">
             <a:extLst>
               <a:ext uri="{FF2B5EF4-FFF2-40B4-BE49-F238E27FC236}">
-                <a16:creationId xmlns:a16="http://schemas.microsoft.com/office/drawing/2014/main" xmlns="" id="{D502E60C-4359-41E5-21D6-598974416D21}"/>
+                <a16:creationId xmlns="" xmlns:a16="http://schemas.microsoft.com/office/drawing/2014/main" id="{D502E60C-4359-41E5-21D6-598974416D21}"/>
               </a:ext>
             </a:extLst>
           </p:cNvPr>
@@ -7988,7 +8001,7 @@
           <p:cNvPr id="2" name="Title 1">
             <a:extLst>
               <a:ext uri="{FF2B5EF4-FFF2-40B4-BE49-F238E27FC236}">
-                <a16:creationId xmlns:a16="http://schemas.microsoft.com/office/drawing/2014/main" xmlns="" id="{05DAE180-CD01-B0CC-2926-174085F71358}"/>
+                <a16:creationId xmlns="" xmlns:a16="http://schemas.microsoft.com/office/drawing/2014/main" id="{A54116A5-5FE5-0EF5-C418-8C64417FA3DB}"/>
               </a:ext>
             </a:extLst>
           </p:cNvPr>
@@ -8013,11 +8026,11 @@
           <a:p>
             <a:r>
               <a:rPr lang="en-GB" dirty="0"/>
-              <a:t>	Distribution of Slight Accidents </a:t>
+              <a:t>Distribution of ‘Slight’ Accidents by </a:t>
             </a:r>
             <a:r>
               <a:rPr lang="en-GB" dirty="0" smtClean="0"/>
-              <a:t>by Road Type -  </a:t>
+              <a:t>Road Type - </a:t>
             </a:r>
             <a:r>
               <a:rPr lang="en-GB" dirty="0" err="1" smtClean="0"/>
@@ -8027,46 +8040,166 @@
           </a:p>
         </p:txBody>
       </p:sp>
-      <p:pic>
-        <p:nvPicPr>
-          <p:cNvPr id="4" name="Picture 3">
+      <p:sp>
+        <p:nvSpPr>
+          <p:cNvPr id="3" name="Content Placeholder 2">
             <a:extLst>
               <a:ext uri="{FF2B5EF4-FFF2-40B4-BE49-F238E27FC236}">
-                <a16:creationId xmlns:a16="http://schemas.microsoft.com/office/drawing/2014/main" xmlns="" id="{3996560E-E9CD-799E-46BF-C5E674524616}"/>
+                <a16:creationId xmlns="" xmlns:a16="http://schemas.microsoft.com/office/drawing/2014/main" id="{2F3BD7ED-E3D1-8C43-1B8D-D1B7C814BFE9}"/>
               </a:ext>
             </a:extLst>
           </p:cNvPr>
-          <p:cNvPicPr>
-            <a:picLocks noChangeAspect="1"/>
-          </p:cNvPicPr>
-          <p:nvPr/>
-        </p:nvPicPr>
-        <p:blipFill>
-          <a:blip r:embed="rId2">
-            <a:extLst>
-              <a:ext uri="{28A0092B-C50C-407E-A947-70E740481C1C}">
-                <a14:useLocalDpi xmlns:a14="http://schemas.microsoft.com/office/drawing/2010/main" val="0"/>
-              </a:ext>
-            </a:extLst>
-          </a:blip>
-          <a:stretch>
-            <a:fillRect/>
-          </a:stretch>
-        </p:blipFill>
-        <p:spPr>
-          <a:xfrm>
-            <a:off x="2377436" y="1886285"/>
-            <a:ext cx="4389129" cy="4389129"/>
-          </a:xfrm>
-          <a:prstGeom prst="rect">
-            <a:avLst/>
-          </a:prstGeom>
-        </p:spPr>
-      </p:pic>
+          <p:cNvSpPr>
+            <a:spLocks noGrp="1"/>
+          </p:cNvSpPr>
+          <p:nvPr>
+            <p:ph sz="quarter" idx="1"/>
+          </p:nvPr>
+        </p:nvSpPr>
+        <p:spPr/>
+        <p:txBody>
+          <a:bodyPr>
+            <a:normAutofit/>
+          </a:bodyPr>
+          <a:lstStyle/>
+          <a:p>
+            <a:pPr marL="0" indent="0" algn="l">
+              <a:buNone/>
+            </a:pPr>
+            <a:r>
+              <a:rPr lang="en-GB" sz="1400" b="1" i="0" dirty="0">
+                <a:effectLst/>
+                <a:latin typeface="+mj-lt"/>
+              </a:rPr>
+              <a:t>Single Carriageway</a:t>
+            </a:r>
+            <a:r>
+              <a:rPr lang="en-GB" sz="1400" b="0" i="0" dirty="0">
+                <a:effectLst/>
+                <a:latin typeface="+mj-lt"/>
+              </a:rPr>
+              <a:t>: </a:t>
+            </a:r>
+          </a:p>
+          <a:p>
+            <a:pPr marL="0" indent="0" algn="l">
+              <a:buNone/>
+            </a:pPr>
+            <a:r>
+              <a:rPr lang="en-GB" sz="1400" b="0" i="0" dirty="0">
+                <a:effectLst/>
+                <a:latin typeface="+mj-lt"/>
+              </a:rPr>
+              <a:t>This type of road has the highest number of slight accidents. This indicates that single carriageway roads may be associated with a higher risk of slight accidents compared to other road types.</a:t>
+            </a:r>
+          </a:p>
+          <a:p>
+            <a:pPr marL="0" indent="0" algn="l">
+              <a:buNone/>
+            </a:pPr>
+            <a:r>
+              <a:rPr lang="en-GB" sz="1400" b="1" i="0" dirty="0">
+                <a:effectLst/>
+                <a:latin typeface="+mj-lt"/>
+              </a:rPr>
+              <a:t>Roundabouts</a:t>
+            </a:r>
+            <a:r>
+              <a:rPr lang="en-GB" sz="1400" b="0" i="0" dirty="0">
+                <a:effectLst/>
+                <a:latin typeface="+mj-lt"/>
+              </a:rPr>
+              <a:t>: </a:t>
+            </a:r>
+          </a:p>
+          <a:p>
+            <a:pPr marL="0" indent="0" algn="l">
+              <a:buNone/>
+            </a:pPr>
+            <a:r>
+              <a:rPr lang="en-GB" sz="1400" b="0" i="0" dirty="0">
+                <a:effectLst/>
+                <a:latin typeface="+mj-lt"/>
+              </a:rPr>
+              <a:t>Roundabouts have a relatively moderate number of slight accidents. They are safer than single carriageways but still pose a significant risk.</a:t>
+            </a:r>
+          </a:p>
+          <a:p>
+            <a:pPr marL="0" indent="0" algn="l">
+              <a:buNone/>
+            </a:pPr>
+            <a:r>
+              <a:rPr lang="en-GB" sz="1400" b="1" i="0" dirty="0">
+                <a:effectLst/>
+                <a:latin typeface="+mj-lt"/>
+              </a:rPr>
+              <a:t>Dual Carriageway</a:t>
+            </a:r>
+            <a:r>
+              <a:rPr lang="en-GB" sz="1400" b="0" i="0" dirty="0">
+                <a:effectLst/>
+                <a:latin typeface="+mj-lt"/>
+              </a:rPr>
+              <a:t>: </a:t>
+            </a:r>
+          </a:p>
+          <a:p>
+            <a:pPr marL="0" indent="0" algn="l">
+              <a:buNone/>
+            </a:pPr>
+            <a:r>
+              <a:rPr lang="en-GB" sz="1400" b="0" i="0" dirty="0">
+                <a:effectLst/>
+                <a:latin typeface="+mj-lt"/>
+              </a:rPr>
+              <a:t>Dual carriageways have a lower number of slight accidents compared to single carriageways. This suggests that dual carriageways may be comparatively safer in terms of slight accidents.</a:t>
+            </a:r>
+          </a:p>
+          <a:p>
+            <a:pPr marL="0" indent="0" algn="l">
+              <a:buNone/>
+            </a:pPr>
+            <a:r>
+              <a:rPr lang="en-GB" sz="1400" b="1" i="0" dirty="0">
+                <a:effectLst/>
+                <a:latin typeface="+mj-lt"/>
+              </a:rPr>
+              <a:t>One-way Streets and Slip Roads</a:t>
+            </a:r>
+            <a:r>
+              <a:rPr lang="en-GB" sz="1400" b="0" i="0" dirty="0">
+                <a:effectLst/>
+                <a:latin typeface="+mj-lt"/>
+              </a:rPr>
+              <a:t>: </a:t>
+            </a:r>
+          </a:p>
+          <a:p>
+            <a:pPr marL="0" indent="0" algn="l">
+              <a:buNone/>
+            </a:pPr>
+            <a:r>
+              <a:rPr lang="en-GB" sz="1400" b="0" i="0" dirty="0">
+                <a:effectLst/>
+                <a:latin typeface="+mj-lt"/>
+              </a:rPr>
+              <a:t>These road types have the lowest number of slight accidents. This indicates that these types of roads may be relatively safer in terms of slight accidents.</a:t>
+            </a:r>
+          </a:p>
+          <a:p>
+            <a:pPr marL="0" indent="0">
+              <a:buNone/>
+            </a:pPr>
+            <a:endParaRPr lang="en-GB" dirty="0">
+              <a:latin typeface="+mj-lt"/>
+            </a:endParaRPr>
+          </a:p>
+        </p:txBody>
+      </p:sp>
     </p:spTree>
     <p:extLst>
       <p:ext uri="{BB962C8B-B14F-4D97-AF65-F5344CB8AC3E}">
-        <p14:creationId xmlns:p14="http://schemas.microsoft.com/office/powerpoint/2010/main" val="189082595"/>
+        <p14:creationId xmlns:p14="http://schemas.microsoft.com/office/powerpoint/2010/main" val="60469402"/>
       </p:ext>
     </p:extLst>
   </p:cSld>
@@ -8098,7 +8231,7 @@
           <p:cNvPr id="2" name="Title 1">
             <a:extLst>
               <a:ext uri="{FF2B5EF4-FFF2-40B4-BE49-F238E27FC236}">
-                <a16:creationId xmlns:a16="http://schemas.microsoft.com/office/drawing/2014/main" xmlns="" id="{A54116A5-5FE5-0EF5-C418-8C64417FA3DB}"/>
+                <a16:creationId xmlns="" xmlns:a16="http://schemas.microsoft.com/office/drawing/2014/main" id="{05DAE180-CD01-B0CC-2926-174085F71358}"/>
               </a:ext>
             </a:extLst>
           </p:cNvPr>
@@ -8123,11 +8256,11 @@
           <a:p>
             <a:r>
               <a:rPr lang="en-GB" dirty="0"/>
-              <a:t>Distribution of ‘Slight’ Accidents by </a:t>
+              <a:t>	Distribution of Slight Accidents </a:t>
             </a:r>
             <a:r>
               <a:rPr lang="en-GB" dirty="0" smtClean="0"/>
-              <a:t>Road Type - </a:t>
+              <a:t>by Road Type -  </a:t>
             </a:r>
             <a:r>
               <a:rPr lang="en-GB" dirty="0" err="1" smtClean="0"/>
@@ -8137,166 +8270,46 @@
           </a:p>
         </p:txBody>
       </p:sp>
-      <p:sp>
-        <p:nvSpPr>
-          <p:cNvPr id="3" name="Content Placeholder 2">
+      <p:pic>
+        <p:nvPicPr>
+          <p:cNvPr id="4" name="Picture 3">
             <a:extLst>
               <a:ext uri="{FF2B5EF4-FFF2-40B4-BE49-F238E27FC236}">
-                <a16:creationId xmlns:a16="http://schemas.microsoft.com/office/drawing/2014/main" xmlns="" id="{2F3BD7ED-E3D1-8C43-1B8D-D1B7C814BFE9}"/>
+                <a16:creationId xmlns="" xmlns:a16="http://schemas.microsoft.com/office/drawing/2014/main" id="{3996560E-E9CD-799E-46BF-C5E674524616}"/>
               </a:ext>
             </a:extLst>
           </p:cNvPr>
-          <p:cNvSpPr>
-            <a:spLocks noGrp="1"/>
-          </p:cNvSpPr>
-          <p:nvPr>
-            <p:ph sz="quarter" idx="1"/>
-          </p:nvPr>
-        </p:nvSpPr>
-        <p:spPr/>
-        <p:txBody>
-          <a:bodyPr>
-            <a:normAutofit/>
-          </a:bodyPr>
-          <a:lstStyle/>
-          <a:p>
-            <a:pPr marL="0" indent="0" algn="l">
-              <a:buNone/>
-            </a:pPr>
-            <a:r>
-              <a:rPr lang="en-GB" sz="1400" b="1" i="0" dirty="0">
-                <a:effectLst/>
-                <a:latin typeface="+mj-lt"/>
-              </a:rPr>
-              <a:t>Single Carriageway</a:t>
-            </a:r>
-            <a:r>
-              <a:rPr lang="en-GB" sz="1400" b="0" i="0" dirty="0">
-                <a:effectLst/>
-                <a:latin typeface="+mj-lt"/>
-              </a:rPr>
-              <a:t>: </a:t>
-            </a:r>
-          </a:p>
-          <a:p>
-            <a:pPr marL="0" indent="0" algn="l">
-              <a:buNone/>
-            </a:pPr>
-            <a:r>
-              <a:rPr lang="en-GB" sz="1400" b="0" i="0" dirty="0">
-                <a:effectLst/>
-                <a:latin typeface="+mj-lt"/>
-              </a:rPr>
-              <a:t>This type of road has the highest number of slight accidents. This indicates that single carriageway roads may be associated with a higher risk of slight accidents compared to other road types.</a:t>
-            </a:r>
-          </a:p>
-          <a:p>
-            <a:pPr marL="0" indent="0" algn="l">
-              <a:buNone/>
-            </a:pPr>
-            <a:r>
-              <a:rPr lang="en-GB" sz="1400" b="1" i="0" dirty="0">
-                <a:effectLst/>
-                <a:latin typeface="+mj-lt"/>
-              </a:rPr>
-              <a:t>Roundabouts</a:t>
-            </a:r>
-            <a:r>
-              <a:rPr lang="en-GB" sz="1400" b="0" i="0" dirty="0">
-                <a:effectLst/>
-                <a:latin typeface="+mj-lt"/>
-              </a:rPr>
-              <a:t>: </a:t>
-            </a:r>
-          </a:p>
-          <a:p>
-            <a:pPr marL="0" indent="0" algn="l">
-              <a:buNone/>
-            </a:pPr>
-            <a:r>
-              <a:rPr lang="en-GB" sz="1400" b="0" i="0" dirty="0">
-                <a:effectLst/>
-                <a:latin typeface="+mj-lt"/>
-              </a:rPr>
-              <a:t>Roundabouts have a relatively moderate number of slight accidents. They are safer than single carriageways but still pose a significant risk.</a:t>
-            </a:r>
-          </a:p>
-          <a:p>
-            <a:pPr marL="0" indent="0" algn="l">
-              <a:buNone/>
-            </a:pPr>
-            <a:r>
-              <a:rPr lang="en-GB" sz="1400" b="1" i="0" dirty="0">
-                <a:effectLst/>
-                <a:latin typeface="+mj-lt"/>
-              </a:rPr>
-              <a:t>Dual Carriageway</a:t>
-            </a:r>
-            <a:r>
-              <a:rPr lang="en-GB" sz="1400" b="0" i="0" dirty="0">
-                <a:effectLst/>
-                <a:latin typeface="+mj-lt"/>
-              </a:rPr>
-              <a:t>: </a:t>
-            </a:r>
-          </a:p>
-          <a:p>
-            <a:pPr marL="0" indent="0" algn="l">
-              <a:buNone/>
-            </a:pPr>
-            <a:r>
-              <a:rPr lang="en-GB" sz="1400" b="0" i="0" dirty="0">
-                <a:effectLst/>
-                <a:latin typeface="+mj-lt"/>
-              </a:rPr>
-              <a:t>Dual carriageways have a lower number of slight accidents compared to single carriageways. This suggests that dual carriageways may be comparatively safer in terms of slight accidents.</a:t>
-            </a:r>
-          </a:p>
-          <a:p>
-            <a:pPr marL="0" indent="0" algn="l">
-              <a:buNone/>
-            </a:pPr>
-            <a:r>
-              <a:rPr lang="en-GB" sz="1400" b="1" i="0" dirty="0">
-                <a:effectLst/>
-                <a:latin typeface="+mj-lt"/>
-              </a:rPr>
-              <a:t>One-way Streets and Slip Roads</a:t>
-            </a:r>
-            <a:r>
-              <a:rPr lang="en-GB" sz="1400" b="0" i="0" dirty="0">
-                <a:effectLst/>
-                <a:latin typeface="+mj-lt"/>
-              </a:rPr>
-              <a:t>: </a:t>
-            </a:r>
-          </a:p>
-          <a:p>
-            <a:pPr marL="0" indent="0" algn="l">
-              <a:buNone/>
-            </a:pPr>
-            <a:r>
-              <a:rPr lang="en-GB" sz="1400" b="0" i="0" dirty="0">
-                <a:effectLst/>
-                <a:latin typeface="+mj-lt"/>
-              </a:rPr>
-              <a:t>These road types have the lowest number of slight accidents. This indicates that these types of roads may be relatively safer in terms of slight accidents.</a:t>
-            </a:r>
-          </a:p>
-          <a:p>
-            <a:pPr marL="0" indent="0">
-              <a:buNone/>
-            </a:pPr>
-            <a:endParaRPr lang="en-GB" dirty="0">
-              <a:latin typeface="+mj-lt"/>
-            </a:endParaRPr>
-          </a:p>
-        </p:txBody>
-      </p:sp>
+          <p:cNvPicPr>
+            <a:picLocks noChangeAspect="1"/>
+          </p:cNvPicPr>
+          <p:nvPr/>
+        </p:nvPicPr>
+        <p:blipFill>
+          <a:blip r:embed="rId2">
+            <a:extLst>
+              <a:ext uri="{28A0092B-C50C-407E-A947-70E740481C1C}">
+                <a14:useLocalDpi xmlns:a14="http://schemas.microsoft.com/office/drawing/2010/main" val="0"/>
+              </a:ext>
+            </a:extLst>
+          </a:blip>
+          <a:stretch>
+            <a:fillRect/>
+          </a:stretch>
+        </p:blipFill>
+        <p:spPr>
+          <a:xfrm>
+            <a:off x="2377436" y="1886285"/>
+            <a:ext cx="4389129" cy="4389129"/>
+          </a:xfrm>
+          <a:prstGeom prst="rect">
+            <a:avLst/>
+          </a:prstGeom>
+        </p:spPr>
+      </p:pic>
     </p:spTree>
     <p:extLst>
       <p:ext uri="{BB962C8B-B14F-4D97-AF65-F5344CB8AC3E}">
-        <p14:creationId xmlns:p14="http://schemas.microsoft.com/office/powerpoint/2010/main" val="60469402"/>
+        <p14:creationId xmlns:p14="http://schemas.microsoft.com/office/powerpoint/2010/main" val="189082595"/>
       </p:ext>
     </p:extLst>
   </p:cSld>
@@ -8328,7 +8341,7 @@
           <p:cNvPr id="2" name="Title 1">
             <a:extLst>
               <a:ext uri="{FF2B5EF4-FFF2-40B4-BE49-F238E27FC236}">
-                <a16:creationId xmlns:a16="http://schemas.microsoft.com/office/drawing/2014/main" xmlns="" id="{22D7089A-6C9A-6DE2-77DB-B4FF7E6D3FD7}"/>
+                <a16:creationId xmlns="" xmlns:a16="http://schemas.microsoft.com/office/drawing/2014/main" id="{22D7089A-6C9A-6DE2-77DB-B4FF7E6D3FD7}"/>
               </a:ext>
             </a:extLst>
           </p:cNvPr>
@@ -8356,7 +8369,7 @@
           <p:cNvPr id="3" name="Content Placeholder 2">
             <a:extLst>
               <a:ext uri="{FF2B5EF4-FFF2-40B4-BE49-F238E27FC236}">
-                <a16:creationId xmlns:a16="http://schemas.microsoft.com/office/drawing/2014/main" xmlns="" id="{34BCC1FA-58C4-E0EC-D0C2-F43563F0FEF1}"/>
+                <a16:creationId xmlns="" xmlns:a16="http://schemas.microsoft.com/office/drawing/2014/main" id="{34BCC1FA-58C4-E0EC-D0C2-F43563F0FEF1}"/>
               </a:ext>
             </a:extLst>
           </p:cNvPr>
@@ -8568,7 +8581,7 @@
           <p:cNvPr id="3" name="Content Placeholder 2">
             <a:extLst>
               <a:ext uri="{FF2B5EF4-FFF2-40B4-BE49-F238E27FC236}">
-                <a16:creationId xmlns:a16="http://schemas.microsoft.com/office/drawing/2014/main" xmlns="" id="{A984A632-7D80-C0E0-0BE3-2563B67C8E8C}"/>
+                <a16:creationId xmlns="" xmlns:a16="http://schemas.microsoft.com/office/drawing/2014/main" id="{A984A632-7D80-C0E0-0BE3-2563B67C8E8C}"/>
               </a:ext>
             </a:extLst>
           </p:cNvPr>
@@ -8587,7 +8600,7 @@
         </p:spPr>
         <p:txBody>
           <a:bodyPr>
-            <a:normAutofit fontScale="70000" lnSpcReduction="20000"/>
+            <a:normAutofit fontScale="77500" lnSpcReduction="20000"/>
           </a:bodyPr>
           <a:lstStyle/>
           <a:p>
@@ -8596,35 +8609,7 @@
             </a:pPr>
             <a:r>
               <a:rPr lang="en-GB" dirty="0" smtClean="0"/>
-              <a:t>“</a:t>
-            </a:r>
-            <a:r>
-              <a:rPr lang="en-GB" sz="3200" dirty="0"/>
-              <a:t>Vehicle Types vs. Accident Severity</a:t>
-            </a:r>
-            <a:r>
-              <a:rPr lang="en-GB" sz="3200" dirty="0" smtClean="0"/>
-              <a:t>”</a:t>
-            </a:r>
-            <a:endParaRPr lang="en-GB" sz="3200" dirty="0"/>
-          </a:p>
-          <a:p>
-            <a:pPr marL="0" indent="0">
-              <a:buNone/>
-            </a:pPr>
-            <a:endParaRPr lang="en-GB" dirty="0"/>
-          </a:p>
-          <a:p>
-            <a:pPr marL="0" indent="0">
-              <a:buNone/>
-            </a:pPr>
-            <a:r>
-              <a:rPr lang="en-GB" dirty="0"/>
-              <a:t>Objectives</a:t>
-            </a:r>
-            <a:r>
-              <a:rPr lang="en-GB" dirty="0" smtClean="0"/>
-              <a:t>:</a:t>
+              <a:t>Objectives:</a:t>
             </a:r>
           </a:p>
           <a:p>
@@ -8650,11 +8635,7 @@
             </a:pPr>
             <a:r>
               <a:rPr lang="en-GB" dirty="0" smtClean="0"/>
-              <a:t> </a:t>
-            </a:r>
-            <a:r>
-              <a:rPr lang="en-GB" dirty="0" smtClean="0"/>
-              <a:t>The </a:t>
+              <a:t> The </a:t>
             </a:r>
             <a:r>
               <a:rPr lang="en-GB" dirty="0"/>
@@ -8698,7 +8679,7 @@
           <p:cNvPr id="4" name="Title 1">
             <a:extLst>
               <a:ext uri="{FF2B5EF4-FFF2-40B4-BE49-F238E27FC236}">
-                <a16:creationId xmlns:a16="http://schemas.microsoft.com/office/drawing/2014/main" xmlns="" id="{22D7089A-6C9A-6DE2-77DB-B4FF7E6D3FD7}"/>
+                <a16:creationId xmlns="" xmlns:a16="http://schemas.microsoft.com/office/drawing/2014/main" id="{22D7089A-6C9A-6DE2-77DB-B4FF7E6D3FD7}"/>
               </a:ext>
             </a:extLst>
           </p:cNvPr>
@@ -8719,10 +8700,20 @@
           <a:bodyPr/>
           <a:lstStyle/>
           <a:p>
-            <a:r>
-              <a:rPr lang="en-GB" dirty="0"/>
-              <a:t>Further Inferences</a:t>
-            </a:r>
+            <a:pPr marL="0" indent="0"/>
+            <a:r>
+              <a:rPr lang="en-GB" sz="3600" dirty="0" smtClean="0"/>
+              <a:t>Vehicle </a:t>
+            </a:r>
+            <a:r>
+              <a:rPr lang="en-GB" sz="3600" dirty="0"/>
+              <a:t>Types vs. Accident </a:t>
+            </a:r>
+            <a:r>
+              <a:rPr lang="en-GB" sz="3600" dirty="0" smtClean="0"/>
+              <a:t>Severity - Saki</a:t>
+            </a:r>
+            <a:endParaRPr lang="en-GB" sz="3600" dirty="0"/>
           </a:p>
         </p:txBody>
       </p:sp>
@@ -8773,7 +8764,7 @@
           <a:p>
             <a:r>
               <a:rPr lang="en-GB" dirty="0" smtClean="0"/>
-              <a:t>Cleaning and narrowing down of data</a:t>
+              <a:t>Cleaning and narrowing down of data - Jo</a:t>
             </a:r>
             <a:endParaRPr lang="en-GB" dirty="0"/>
           </a:p>
@@ -8802,15 +8793,7 @@
           <a:p>
             <a:r>
               <a:rPr lang="en-GB" dirty="0" smtClean="0"/>
-              <a:t>Data cleaned by the </a:t>
-            </a:r>
-            <a:r>
-              <a:rPr lang="en-GB" dirty="0" smtClean="0"/>
-              <a:t>following local authority </a:t>
-            </a:r>
-            <a:r>
-              <a:rPr lang="en-GB" dirty="0" smtClean="0"/>
-              <a:t>areas:</a:t>
+              <a:t>Data cleaned by the following local authority areas:</a:t>
             </a:r>
           </a:p>
           <a:p>
@@ -8865,11 +8848,7 @@
           <a:p>
             <a:r>
               <a:rPr lang="en-GB" dirty="0" smtClean="0"/>
-              <a:t>Merged on </a:t>
-            </a:r>
-            <a:r>
-              <a:rPr lang="en-GB" dirty="0" smtClean="0"/>
-              <a:t>‘</a:t>
+              <a:t>Merged on ‘</a:t>
             </a:r>
             <a:r>
               <a:rPr lang="en-GB" dirty="0" err="1" smtClean="0"/>
@@ -8877,11 +8856,7 @@
             </a:r>
             <a:r>
               <a:rPr lang="en-GB" dirty="0" smtClean="0"/>
-              <a:t>’ </a:t>
-            </a:r>
-            <a:r>
-              <a:rPr lang="en-GB" dirty="0" smtClean="0"/>
-              <a:t>as this column had matched values across all 3 csv files</a:t>
+              <a:t>’ as this column had matched values across all 3 csv files</a:t>
             </a:r>
           </a:p>
           <a:p>
@@ -8927,7 +8902,7 @@
           <p:cNvPr id="3" name="Content Placeholder 2">
             <a:extLst>
               <a:ext uri="{FF2B5EF4-FFF2-40B4-BE49-F238E27FC236}">
-                <a16:creationId xmlns:a16="http://schemas.microsoft.com/office/drawing/2014/main" xmlns="" id="{8C63218E-134C-90EF-07D6-CB8D1757379E}"/>
+                <a16:creationId xmlns="" xmlns:a16="http://schemas.microsoft.com/office/drawing/2014/main" id="{8C63218E-134C-90EF-07D6-CB8D1757379E}"/>
               </a:ext>
             </a:extLst>
           </p:cNvPr>
@@ -8940,8 +8915,8 @@
         </p:nvSpPr>
         <p:spPr>
           <a:xfrm>
-            <a:off x="323528" y="1196752"/>
-            <a:ext cx="2664295" cy="4328594"/>
+            <a:off x="323529" y="1412776"/>
+            <a:ext cx="2376264" cy="4112570"/>
           </a:xfrm>
         </p:spPr>
         <p:txBody>
@@ -8954,7 +8929,7 @@
               <a:buNone/>
             </a:pPr>
             <a:r>
-              <a:rPr lang="en-GB" sz="1100" dirty="0"/>
+              <a:rPr lang="en-GB" sz="1000" dirty="0"/>
               <a:t>Bar charts showing the vehicle types and Accident severity</a:t>
             </a:r>
           </a:p>
@@ -8963,7 +8938,7 @@
               <a:buNone/>
             </a:pPr>
             <a:r>
-              <a:rPr lang="en-GB" sz="1100" dirty="0"/>
+              <a:rPr lang="en-GB" sz="1000" dirty="0"/>
               <a:t>1: 'Pedal cycle',                    </a:t>
             </a:r>
           </a:p>
@@ -8972,7 +8947,7 @@
               <a:buNone/>
             </a:pPr>
             <a:r>
-              <a:rPr lang="en-GB" sz="1100" dirty="0"/>
+              <a:rPr lang="en-GB" sz="1000" dirty="0"/>
               <a:t>2:'Motorcycle 50cc and under',            </a:t>
             </a:r>
           </a:p>
@@ -8981,7 +8956,7 @@
               <a:buNone/>
             </a:pPr>
             <a:r>
-              <a:rPr lang="en-GB" sz="1100" dirty="0"/>
+              <a:rPr lang="en-GB" sz="1000" dirty="0"/>
               <a:t>3:'Motorcycle 125cc and under',                                                                                             </a:t>
             </a:r>
           </a:p>
@@ -8990,7 +8965,7 @@
               <a:buNone/>
             </a:pPr>
             <a:r>
-              <a:rPr lang="en-GB" sz="1100" dirty="0"/>
+              <a:rPr lang="en-GB" sz="1000" dirty="0"/>
               <a:t>4:'Motorcycle over 125cc and up to 500cc', </a:t>
             </a:r>
           </a:p>
@@ -8999,7 +8974,7 @@
               <a:buNone/>
             </a:pPr>
             <a:r>
-              <a:rPr lang="en-GB" sz="1100" dirty="0"/>
+              <a:rPr lang="en-GB" sz="1000" dirty="0"/>
               <a:t>5:'Motorcycle over 500cc',                </a:t>
             </a:r>
           </a:p>
@@ -9008,7 +8983,7 @@
               <a:buNone/>
             </a:pPr>
             <a:r>
-              <a:rPr lang="en-GB" sz="1100" dirty="0"/>
+              <a:rPr lang="en-GB" sz="1000" dirty="0"/>
               <a:t>8:'Taxi/Private hire car',               </a:t>
             </a:r>
           </a:p>
@@ -9017,7 +8992,7 @@
               <a:buNone/>
             </a:pPr>
             <a:r>
-              <a:rPr lang="en-GB" sz="1100" dirty="0"/>
+              <a:rPr lang="en-GB" sz="1000" dirty="0"/>
               <a:t>9:'Car',                                  </a:t>
             </a:r>
           </a:p>
@@ -9026,7 +9001,7 @@
               <a:buNone/>
             </a:pPr>
             <a:r>
-              <a:rPr lang="en-GB" sz="1100" dirty="0"/>
+              <a:rPr lang="en-GB" sz="1000" dirty="0"/>
               <a:t>10:'Minibus (8 - 16 passenger seats)',     </a:t>
             </a:r>
           </a:p>
@@ -9035,7 +9010,7 @@
               <a:buNone/>
             </a:pPr>
             <a:r>
-              <a:rPr lang="en-GB" sz="1100" dirty="0"/>
+              <a:rPr lang="en-GB" sz="1000" dirty="0"/>
               <a:t>11:'Bus or coach (17 or more pass seats)', </a:t>
             </a:r>
           </a:p>
@@ -9043,14 +9018,14 @@
             <a:pPr marL="0" indent="0">
               <a:buNone/>
             </a:pPr>
-            <a:endParaRPr lang="en-GB" sz="1100" dirty="0"/>
+            <a:endParaRPr lang="en-GB" sz="1000" dirty="0"/>
           </a:p>
           <a:p>
             <a:pPr marL="0" indent="0">
               <a:buNone/>
             </a:pPr>
             <a:r>
-              <a:rPr lang="en-GB" sz="1100" dirty="0"/>
+              <a:rPr lang="en-GB" sz="1000" dirty="0"/>
               <a:t>16:'Ridden horse',                       </a:t>
             </a:r>
           </a:p>
@@ -9059,7 +9034,7 @@
               <a:buNone/>
             </a:pPr>
             <a:r>
-              <a:rPr lang="en-GB" sz="1100" dirty="0"/>
+              <a:rPr lang="en-GB" sz="1000" dirty="0"/>
               <a:t>17:'Agricultural vehicle',                </a:t>
             </a:r>
           </a:p>
@@ -9068,7 +9043,7 @@
               <a:buNone/>
             </a:pPr>
             <a:r>
-              <a:rPr lang="en-GB" sz="1100" dirty="0"/>
+              <a:rPr lang="en-GB" sz="1000" dirty="0"/>
               <a:t>18:'Tram',                                </a:t>
             </a:r>
           </a:p>
@@ -9077,15 +9052,15 @@
               <a:buNone/>
             </a:pPr>
             <a:r>
-              <a:rPr lang="en-GB" sz="1100" dirty="0"/>
+              <a:rPr lang="en-GB" sz="1000" dirty="0"/>
               <a:t>19:'Van / Goods 3.5 tonnes </a:t>
             </a:r>
             <a:r>
-              <a:rPr lang="en-GB" sz="1100" dirty="0" err="1"/>
+              <a:rPr lang="en-GB" sz="1000" dirty="0" err="1"/>
               <a:t>mgw</a:t>
             </a:r>
             <a:r>
-              <a:rPr lang="en-GB" sz="1100" dirty="0"/>
+              <a:rPr lang="en-GB" sz="1000" dirty="0"/>
               <a:t> or under',</a:t>
             </a:r>
           </a:p>
@@ -9094,7 +9069,7 @@
               <a:buNone/>
             </a:pPr>
             <a:r>
-              <a:rPr lang="en-GB" sz="1100" dirty="0"/>
+              <a:rPr lang="en-GB" sz="1000" dirty="0"/>
               <a:t>20:'Goods over 3.5t. and under 7.5t',      </a:t>
             </a:r>
           </a:p>
@@ -9103,15 +9078,15 @@
               <a:buNone/>
             </a:pPr>
             <a:r>
-              <a:rPr lang="en-GB" sz="1100" dirty="0"/>
+              <a:rPr lang="en-GB" sz="1000" dirty="0"/>
               <a:t>21:'Goods 7.5 tonnes </a:t>
             </a:r>
             <a:r>
-              <a:rPr lang="en-GB" sz="1100" dirty="0" err="1"/>
+              <a:rPr lang="en-GB" sz="1000" dirty="0" err="1"/>
               <a:t>mgw</a:t>
             </a:r>
             <a:r>
-              <a:rPr lang="en-GB" sz="1100" dirty="0"/>
+              <a:rPr lang="en-GB" sz="1000" dirty="0"/>
               <a:t> and over',       </a:t>
             </a:r>
           </a:p>
@@ -9120,7 +9095,7 @@
               <a:buNone/>
             </a:pPr>
             <a:r>
-              <a:rPr lang="en-GB" sz="1100" dirty="0"/>
+              <a:rPr lang="en-GB" sz="1000" dirty="0"/>
               <a:t>22:'Mobility scooter',                   </a:t>
             </a:r>
           </a:p>
@@ -9129,7 +9104,7 @@
               <a:buNone/>
             </a:pPr>
             <a:r>
-              <a:rPr lang="en-GB" sz="1100" dirty="0"/>
+              <a:rPr lang="en-GB" sz="1000" dirty="0"/>
               <a:t>23:'ElecElectric motorcycle',              </a:t>
             </a:r>
           </a:p>
@@ -9138,7 +9113,7 @@
               <a:buNone/>
             </a:pPr>
             <a:r>
-              <a:rPr lang="en-GB" sz="1100" dirty="0"/>
+              <a:rPr lang="en-GB" sz="1000" dirty="0"/>
               <a:t>90:'Other vehicle',                   </a:t>
             </a:r>
           </a:p>
@@ -9147,7 +9122,7 @@
               <a:buNone/>
             </a:pPr>
             <a:r>
-              <a:rPr lang="en-GB" sz="1100" dirty="0"/>
+              <a:rPr lang="en-GB" sz="1000" dirty="0"/>
               <a:t>97:'Motorcycle - unknown cc',</a:t>
             </a:r>
           </a:p>
@@ -9156,7 +9131,7 @@
               <a:buNone/>
             </a:pPr>
             <a:r>
-              <a:rPr lang="en-GB" sz="1100" dirty="0"/>
+              <a:rPr lang="en-GB" sz="1000" dirty="0"/>
               <a:t>98:'Goods vehicle - unknown weight',      </a:t>
             </a:r>
           </a:p>
@@ -9165,7 +9140,7 @@
               <a:buNone/>
             </a:pPr>
             <a:r>
-              <a:rPr lang="en-GB" sz="1100" dirty="0"/>
+              <a:rPr lang="en-GB" sz="1000" dirty="0"/>
               <a:t>-1:'Data missing or out of range',        </a:t>
             </a:r>
           </a:p>
@@ -9173,13 +9148,13 @@
             <a:pPr marL="0" indent="0">
               <a:buNone/>
             </a:pPr>
-            <a:endParaRPr lang="en-GB" sz="1100" dirty="0"/>
+            <a:endParaRPr lang="en-GB" sz="1000" dirty="0"/>
           </a:p>
           <a:p>
             <a:pPr marL="0" indent="0">
               <a:buNone/>
             </a:pPr>
-            <a:endParaRPr lang="en-GB" sz="1100" dirty="0"/>
+            <a:endParaRPr lang="en-GB" sz="1000" dirty="0"/>
           </a:p>
         </p:txBody>
       </p:sp>
@@ -9188,7 +9163,7 @@
           <p:cNvPr id="1026" name="Picture 2">
             <a:extLst>
               <a:ext uri="{FF2B5EF4-FFF2-40B4-BE49-F238E27FC236}">
-                <a16:creationId xmlns:a16="http://schemas.microsoft.com/office/drawing/2014/main" xmlns="" id="{2709A83A-E27A-5EB6-5109-4875EB493C67}"/>
+                <a16:creationId xmlns="" xmlns:a16="http://schemas.microsoft.com/office/drawing/2014/main" id="{2709A83A-E27A-5EB6-5109-4875EB493C67}"/>
               </a:ext>
             </a:extLst>
           </p:cNvPr>
@@ -9260,58 +9235,12 @@
           <a:chExt cx="0" cy="0"/>
         </a:xfrm>
       </p:grpSpPr>
-      <p:sp>
-        <p:nvSpPr>
-          <p:cNvPr id="3" name="Content Placeholder 2">
-            <a:extLst>
-              <a:ext uri="{FF2B5EF4-FFF2-40B4-BE49-F238E27FC236}">
-                <a16:creationId xmlns:a16="http://schemas.microsoft.com/office/drawing/2014/main" xmlns="" id="{B81A6022-30C7-57E3-B5B7-4C2EBBF7CB7A}"/>
-              </a:ext>
-            </a:extLst>
-          </p:cNvPr>
-          <p:cNvSpPr>
-            <a:spLocks noGrp="1"/>
-          </p:cNvSpPr>
-          <p:nvPr>
-            <p:ph idx="1"/>
-          </p:nvPr>
-        </p:nvSpPr>
-        <p:spPr>
-          <a:xfrm>
-            <a:off x="628650" y="119271"/>
-            <a:ext cx="8435837" cy="6057693"/>
-          </a:xfrm>
-        </p:spPr>
-        <p:txBody>
-          <a:bodyPr/>
-          <a:lstStyle/>
-          <a:p>
-            <a:pPr marL="0" indent="0" algn="ctr">
-              <a:buNone/>
-            </a:pPr>
-            <a:r>
-              <a:rPr lang="en-GB"/>
-              <a:t>Pie chart showing the distribution of Accident Severity</a:t>
-            </a:r>
-          </a:p>
-          <a:p>
-            <a:pPr marL="0" indent="0" algn="ctr">
-              <a:buNone/>
-            </a:pPr>
-            <a:r>
-              <a:rPr lang="en-GB"/>
-              <a:t>(High, Medium, Low)</a:t>
-            </a:r>
-            <a:endParaRPr lang="en-GB" dirty="0"/>
-          </a:p>
-        </p:txBody>
-      </p:sp>
       <p:pic>
         <p:nvPicPr>
           <p:cNvPr id="2050" name="Picture 2" descr="A blue circle with orange and blue text&#10;&#10;Description automatically generated">
             <a:extLst>
               <a:ext uri="{FF2B5EF4-FFF2-40B4-BE49-F238E27FC236}">
-                <a16:creationId xmlns:a16="http://schemas.microsoft.com/office/drawing/2014/main" xmlns="" id="{ADDD11F5-5507-9C80-E267-12A3C2174F20}"/>
+                <a16:creationId xmlns="" xmlns:a16="http://schemas.microsoft.com/office/drawing/2014/main" id="{ADDD11F5-5507-9C80-E267-12A3C2174F20}"/>
               </a:ext>
             </a:extLst>
           </p:cNvPr>
@@ -9353,6 +9282,55 @@
           </a:extLst>
         </p:spPr>
       </p:pic>
+      <p:sp>
+        <p:nvSpPr>
+          <p:cNvPr id="5" name="Title 1">
+            <a:extLst>
+              <a:ext uri="{FF2B5EF4-FFF2-40B4-BE49-F238E27FC236}">
+                <a16:creationId xmlns="" xmlns:a16="http://schemas.microsoft.com/office/drawing/2014/main" id="{22D7089A-6C9A-6DE2-77DB-B4FF7E6D3FD7}"/>
+              </a:ext>
+            </a:extLst>
+          </p:cNvPr>
+          <p:cNvSpPr>
+            <a:spLocks noGrp="1"/>
+          </p:cNvSpPr>
+          <p:nvPr>
+            <p:ph type="title"/>
+          </p:nvPr>
+        </p:nvSpPr>
+        <p:spPr>
+          <a:xfrm>
+            <a:off x="301752" y="365792"/>
+            <a:ext cx="8534400" cy="758952"/>
+          </a:xfrm>
+        </p:spPr>
+        <p:txBody>
+          <a:bodyPr>
+            <a:noAutofit/>
+          </a:bodyPr>
+          <a:lstStyle/>
+          <a:p>
+            <a:pPr marL="0" indent="0"/>
+            <a:r>
+              <a:rPr lang="en-GB" sz="3000" dirty="0"/>
+              <a:t>Pie chart showing the distribution of Accident </a:t>
+            </a:r>
+            <a:r>
+              <a:rPr lang="en-GB" sz="3000" dirty="0" smtClean="0"/>
+              <a:t>Severity(High</a:t>
+            </a:r>
+            <a:r>
+              <a:rPr lang="en-GB" sz="3000" dirty="0"/>
+              <a:t>, Medium, Low) – </a:t>
+            </a:r>
+            <a:r>
+              <a:rPr lang="en-GB" sz="3000" dirty="0" smtClean="0"/>
+              <a:t>Saki</a:t>
+            </a:r>
+            <a:endParaRPr lang="en-GB" sz="3000" dirty="0"/>
+          </a:p>
+        </p:txBody>
+      </p:sp>
     </p:spTree>
     <p:extLst>
       <p:ext uri="{BB962C8B-B14F-4D97-AF65-F5344CB8AC3E}">
@@ -9388,7 +9366,7 @@
           <p:cNvPr id="3" name="Content Placeholder 2">
             <a:extLst>
               <a:ext uri="{FF2B5EF4-FFF2-40B4-BE49-F238E27FC236}">
-                <a16:creationId xmlns:a16="http://schemas.microsoft.com/office/drawing/2014/main" xmlns="" id="{6697D1DE-6459-A6AB-2DAD-364950CCEACC}"/>
+                <a16:creationId xmlns="" xmlns:a16="http://schemas.microsoft.com/office/drawing/2014/main" id="{6697D1DE-6459-A6AB-2DAD-364950CCEACC}"/>
               </a:ext>
             </a:extLst>
           </p:cNvPr>
@@ -9401,24 +9379,15 @@
         </p:nvSpPr>
         <p:spPr>
           <a:xfrm>
-            <a:off x="628650" y="476672"/>
-            <a:ext cx="7886700" cy="5700292"/>
+            <a:off x="395536" y="1484784"/>
+            <a:ext cx="7886700" cy="4908204"/>
           </a:xfrm>
         </p:spPr>
         <p:txBody>
           <a:bodyPr>
-            <a:normAutofit fontScale="92500" lnSpcReduction="20000"/>
+            <a:normAutofit fontScale="85000" lnSpcReduction="20000"/>
           </a:bodyPr>
           <a:lstStyle/>
-          <a:p>
-            <a:pPr marL="0" indent="0" algn="ctr">
-              <a:buNone/>
-            </a:pPr>
-            <a:r>
-              <a:rPr lang="en-GB" dirty="0"/>
-              <a:t>Conclusion</a:t>
-            </a:r>
-          </a:p>
           <a:p>
             <a:pPr marL="0" indent="0">
               <a:buNone/>
@@ -9479,8 +9448,67 @@
             </a:r>
             <a:r>
               <a:rPr lang="en-GB" dirty="0"/>
-              <a:t>that there was a noticeable difference in accident severity based on the type of vehicle involved, and also number of vehicles involved also plays  a role in accident severity. Multiple-vehicle collisions were more likely to result in high-severity accidents compared to single-vehicle incidents.</a:t>
-            </a:r>
+              <a:t>that there was a noticeable difference in accident severity based on the type of vehicle </a:t>
+            </a:r>
+            <a:r>
+              <a:rPr lang="en-GB" dirty="0" smtClean="0"/>
+              <a:t>involved</a:t>
+            </a:r>
+            <a:r>
+              <a:rPr lang="en-GB" dirty="0" smtClean="0"/>
+              <a:t>.</a:t>
+            </a:r>
+          </a:p>
+          <a:p>
+            <a:pPr marL="0" indent="0">
+              <a:buNone/>
+            </a:pPr>
+            <a:endParaRPr lang="en-GB" dirty="0"/>
+          </a:p>
+          <a:p>
+            <a:pPr marL="0" indent="0">
+              <a:buNone/>
+            </a:pPr>
+            <a:r>
+              <a:rPr lang="en-GB" dirty="0" smtClean="0"/>
+              <a:t>It appears that HGVs have lower number of accidents, compared to cars. This shows that cars have a much higher risk of being involved in accidents.</a:t>
+            </a:r>
+            <a:endParaRPr lang="en-GB" dirty="0"/>
+          </a:p>
+        </p:txBody>
+      </p:sp>
+      <p:sp>
+        <p:nvSpPr>
+          <p:cNvPr id="5" name="Title 1">
+            <a:extLst>
+              <a:ext uri="{FF2B5EF4-FFF2-40B4-BE49-F238E27FC236}">
+                <a16:creationId xmlns="" xmlns:a16="http://schemas.microsoft.com/office/drawing/2014/main" id="{22D7089A-6C9A-6DE2-77DB-B4FF7E6D3FD7}"/>
+              </a:ext>
+            </a:extLst>
+          </p:cNvPr>
+          <p:cNvSpPr>
+            <a:spLocks noGrp="1"/>
+          </p:cNvSpPr>
+          <p:nvPr>
+            <p:ph type="title"/>
+          </p:nvPr>
+        </p:nvSpPr>
+        <p:spPr>
+          <a:xfrm>
+            <a:off x="301752" y="228600"/>
+            <a:ext cx="8534400" cy="758952"/>
+          </a:xfrm>
+        </p:spPr>
+        <p:txBody>
+          <a:bodyPr/>
+          <a:lstStyle/>
+          <a:p>
+            <a:pPr marL="0" indent="0"/>
+            <a:r>
+              <a:rPr lang="en-GB" sz="3600" dirty="0" smtClean="0"/>
+              <a:t>Conclusion- Saki</a:t>
+            </a:r>
+            <a:endParaRPr lang="en-GB" sz="3600" dirty="0"/>
           </a:p>
         </p:txBody>
       </p:sp>
@@ -9488,6 +9516,1921 @@
     <p:extLst>
       <p:ext uri="{BB962C8B-B14F-4D97-AF65-F5344CB8AC3E}">
         <p14:creationId xmlns:p14="http://schemas.microsoft.com/office/powerpoint/2010/main" val="983707126"/>
+      </p:ext>
+    </p:extLst>
+  </p:cSld>
+  <p:clrMapOvr>
+    <a:masterClrMapping/>
+  </p:clrMapOvr>
+</p:sld>
+</file>
+
+<file path=ppt/slides/slide23.xml><?xml version="1.0" encoding="utf-8"?>
+<p:sld xmlns:a="http://schemas.openxmlformats.org/drawingml/2006/main" xmlns:r="http://schemas.openxmlformats.org/officeDocument/2006/relationships" xmlns:p="http://schemas.openxmlformats.org/presentationml/2006/main">
+  <p:cSld>
+    <p:spTree>
+      <p:nvGrpSpPr>
+        <p:cNvPr id="1" name=""/>
+        <p:cNvGrpSpPr/>
+        <p:nvPr/>
+      </p:nvGrpSpPr>
+      <p:grpSpPr>
+        <a:xfrm>
+          <a:off x="0" y="0"/>
+          <a:ext cx="0" cy="0"/>
+          <a:chOff x="0" y="0"/>
+          <a:chExt cx="0" cy="0"/>
+        </a:xfrm>
+      </p:grpSpPr>
+      <p:sp>
+        <p:nvSpPr>
+          <p:cNvPr id="2" name="Title 1"/>
+          <p:cNvSpPr>
+            <a:spLocks noGrp="1"/>
+          </p:cNvSpPr>
+          <p:nvPr>
+            <p:ph type="title"/>
+          </p:nvPr>
+        </p:nvSpPr>
+        <p:spPr>
+          <a:xfrm>
+            <a:off x="301752" y="365792"/>
+            <a:ext cx="8534400" cy="758952"/>
+          </a:xfrm>
+        </p:spPr>
+        <p:txBody>
+          <a:bodyPr>
+            <a:normAutofit fontScale="90000"/>
+          </a:bodyPr>
+          <a:lstStyle/>
+          <a:p>
+            <a:r>
+              <a:rPr lang="en-GB" dirty="0"/>
+              <a:t>Analysing Distribution of Fatal accidents by </a:t>
+            </a:r>
+            <a:r>
+              <a:rPr lang="en-GB" dirty="0" smtClean="0"/>
+              <a:t>age band and gender- Habib</a:t>
+            </a:r>
+            <a:endParaRPr lang="en-GB" dirty="0"/>
+          </a:p>
+        </p:txBody>
+      </p:sp>
+      <p:sp>
+        <p:nvSpPr>
+          <p:cNvPr id="3" name="Content Placeholder 2"/>
+          <p:cNvSpPr>
+            <a:spLocks noGrp="1"/>
+          </p:cNvSpPr>
+          <p:nvPr>
+            <p:ph sz="quarter" idx="1"/>
+          </p:nvPr>
+        </p:nvSpPr>
+        <p:spPr/>
+        <p:txBody>
+          <a:bodyPr/>
+          <a:lstStyle/>
+          <a:p>
+            <a:r>
+              <a:rPr lang="en-US" altLang="en-US" sz="2800" dirty="0"/>
+              <a:t>Accident severity </a:t>
+            </a:r>
+            <a:r>
+              <a:rPr lang="en-US" altLang="en-US" sz="2800" dirty="0" smtClean="0"/>
+              <a:t>breakdown:</a:t>
+            </a:r>
+          </a:p>
+          <a:p>
+            <a:endParaRPr lang="en-GB" dirty="0"/>
+          </a:p>
+        </p:txBody>
+      </p:sp>
+      <p:sp>
+        <p:nvSpPr>
+          <p:cNvPr id="4" name="Rectangle 3">
+            <a:extLst>
+              <a:ext uri="{FF2B5EF4-FFF2-40B4-BE49-F238E27FC236}">
+                <a16:creationId xmlns:lc="http://schemas.openxmlformats.org/drawingml/2006/lockedCanvas" xmlns:a16="http://schemas.microsoft.com/office/drawing/2014/main" xmlns="" id="{72FE6531-E070-A08A-0382-07C7B667EDE0}"/>
+              </a:ext>
+            </a:extLst>
+          </p:cNvPr>
+          <p:cNvSpPr>
+            <a:spLocks noGrp="1" noChangeArrowheads="1"/>
+          </p:cNvSpPr>
+          <p:nvPr/>
+        </p:nvSpPr>
+        <p:spPr bwMode="auto">
+          <a:xfrm>
+            <a:off x="323528" y="2132856"/>
+            <a:ext cx="5328592" cy="3268587"/>
+          </a:xfrm>
+          <a:prstGeom prst="rect">
+            <a:avLst/>
+          </a:prstGeom>
+          <a:solidFill>
+            <a:srgbClr val="FFFFFF"/>
+          </a:solidFill>
+          <a:ln>
+            <a:noFill/>
+          </a:ln>
+          <a:effectLst/>
+          <a:extLst>
+            <a:ext uri="{91240B29-F687-4F45-9708-019B960494DF}">
+              <a14:hiddenLine xmlns:a14="http://schemas.microsoft.com/office/drawing/2010/main" w="9525">
+                <a:solidFill>
+                  <a:schemeClr val="tx1"/>
+                </a:solidFill>
+                <a:miter lim="800000"/>
+                <a:headEnd/>
+                <a:tailEnd/>
+              </a14:hiddenLine>
+            </a:ext>
+            <a:ext uri="{AF507438-7753-43E0-B8FC-AC1667EBCBE1}">
+              <a14:hiddenEffects xmlns:a14="http://schemas.microsoft.com/office/drawing/2010/main">
+                <a:effectLst>
+                  <a:outerShdw dist="35921" dir="2700000" algn="ctr" rotWithShape="0">
+                    <a:schemeClr val="bg2"/>
+                  </a:outerShdw>
+                </a:effectLst>
+              </a14:hiddenEffects>
+            </a:ext>
+          </a:extLst>
+        </p:spPr>
+        <p:txBody>
+          <a:bodyPr vert="horz" wrap="square" lIns="0" tIns="0" rIns="0" bIns="0" numCol="1" rtlCol="0" anchor="ctr" anchorCtr="0" compatLnSpc="1">
+            <a:prstTxWarp prst="textNoShape">
+              <a:avLst/>
+            </a:prstTxWarp>
+            <a:spAutoFit/>
+          </a:bodyPr>
+          <a:lstStyle>
+            <a:lvl1pPr marL="228600" indent="-228600" algn="l" defTabSz="914400" rtl="0" eaLnBrk="1" latinLnBrk="0" hangingPunct="1">
+              <a:lnSpc>
+                <a:spcPct val="90000"/>
+              </a:lnSpc>
+              <a:spcBef>
+                <a:spcPts val="1000"/>
+              </a:spcBef>
+              <a:buFont typeface="Arial" panose="020B0604020202020204" pitchFamily="34" charset="0"/>
+              <a:buChar char="•"/>
+              <a:defRPr sz="2800" kern="1200">
+                <a:solidFill>
+                  <a:schemeClr val="tx1"/>
+                </a:solidFill>
+                <a:latin typeface="+mn-lt"/>
+                <a:ea typeface="+mn-ea"/>
+                <a:cs typeface="+mn-cs"/>
+              </a:defRPr>
+            </a:lvl1pPr>
+            <a:lvl2pPr marL="685800" indent="-228600" algn="l" defTabSz="914400" rtl="0" eaLnBrk="1" latinLnBrk="0" hangingPunct="1">
+              <a:lnSpc>
+                <a:spcPct val="90000"/>
+              </a:lnSpc>
+              <a:spcBef>
+                <a:spcPts val="500"/>
+              </a:spcBef>
+              <a:buFont typeface="Arial" panose="020B0604020202020204" pitchFamily="34" charset="0"/>
+              <a:buChar char="•"/>
+              <a:defRPr sz="2400" kern="1200">
+                <a:solidFill>
+                  <a:schemeClr val="tx1"/>
+                </a:solidFill>
+                <a:latin typeface="+mn-lt"/>
+                <a:ea typeface="+mn-ea"/>
+                <a:cs typeface="+mn-cs"/>
+              </a:defRPr>
+            </a:lvl2pPr>
+            <a:lvl3pPr marL="1143000" indent="-228600" algn="l" defTabSz="914400" rtl="0" eaLnBrk="1" latinLnBrk="0" hangingPunct="1">
+              <a:lnSpc>
+                <a:spcPct val="90000"/>
+              </a:lnSpc>
+              <a:spcBef>
+                <a:spcPts val="500"/>
+              </a:spcBef>
+              <a:buFont typeface="Arial" panose="020B0604020202020204" pitchFamily="34" charset="0"/>
+              <a:buChar char="•"/>
+              <a:defRPr sz="2000" kern="1200">
+                <a:solidFill>
+                  <a:schemeClr val="tx1"/>
+                </a:solidFill>
+                <a:latin typeface="+mn-lt"/>
+                <a:ea typeface="+mn-ea"/>
+                <a:cs typeface="+mn-cs"/>
+              </a:defRPr>
+            </a:lvl3pPr>
+            <a:lvl4pPr marL="1600200" indent="-228600" algn="l" defTabSz="914400" rtl="0" eaLnBrk="1" latinLnBrk="0" hangingPunct="1">
+              <a:lnSpc>
+                <a:spcPct val="90000"/>
+              </a:lnSpc>
+              <a:spcBef>
+                <a:spcPts val="500"/>
+              </a:spcBef>
+              <a:buFont typeface="Arial" panose="020B0604020202020204" pitchFamily="34" charset="0"/>
+              <a:buChar char="•"/>
+              <a:defRPr sz="1800" kern="1200">
+                <a:solidFill>
+                  <a:schemeClr val="tx1"/>
+                </a:solidFill>
+                <a:latin typeface="+mn-lt"/>
+                <a:ea typeface="+mn-ea"/>
+                <a:cs typeface="+mn-cs"/>
+              </a:defRPr>
+            </a:lvl4pPr>
+            <a:lvl5pPr marL="2057400" indent="-228600" algn="l" defTabSz="914400" rtl="0" eaLnBrk="1" latinLnBrk="0" hangingPunct="1">
+              <a:lnSpc>
+                <a:spcPct val="90000"/>
+              </a:lnSpc>
+              <a:spcBef>
+                <a:spcPts val="500"/>
+              </a:spcBef>
+              <a:buFont typeface="Arial" panose="020B0604020202020204" pitchFamily="34" charset="0"/>
+              <a:buChar char="•"/>
+              <a:defRPr sz="1800" kern="1200">
+                <a:solidFill>
+                  <a:schemeClr val="tx1"/>
+                </a:solidFill>
+                <a:latin typeface="+mn-lt"/>
+                <a:ea typeface="+mn-ea"/>
+                <a:cs typeface="+mn-cs"/>
+              </a:defRPr>
+            </a:lvl5pPr>
+            <a:lvl6pPr marL="2514600" indent="-228600" algn="l" defTabSz="914400" rtl="0" eaLnBrk="1" latinLnBrk="0" hangingPunct="1">
+              <a:lnSpc>
+                <a:spcPct val="90000"/>
+              </a:lnSpc>
+              <a:spcBef>
+                <a:spcPts val="500"/>
+              </a:spcBef>
+              <a:buFont typeface="Arial" panose="020B0604020202020204" pitchFamily="34" charset="0"/>
+              <a:buChar char="•"/>
+              <a:defRPr sz="1800" kern="1200">
+                <a:solidFill>
+                  <a:schemeClr val="tx1"/>
+                </a:solidFill>
+                <a:latin typeface="+mn-lt"/>
+                <a:ea typeface="+mn-ea"/>
+                <a:cs typeface="+mn-cs"/>
+              </a:defRPr>
+            </a:lvl6pPr>
+            <a:lvl7pPr marL="2971800" indent="-228600" algn="l" defTabSz="914400" rtl="0" eaLnBrk="1" latinLnBrk="0" hangingPunct="1">
+              <a:lnSpc>
+                <a:spcPct val="90000"/>
+              </a:lnSpc>
+              <a:spcBef>
+                <a:spcPts val="500"/>
+              </a:spcBef>
+              <a:buFont typeface="Arial" panose="020B0604020202020204" pitchFamily="34" charset="0"/>
+              <a:buChar char="•"/>
+              <a:defRPr sz="1800" kern="1200">
+                <a:solidFill>
+                  <a:schemeClr val="tx1"/>
+                </a:solidFill>
+                <a:latin typeface="+mn-lt"/>
+                <a:ea typeface="+mn-ea"/>
+                <a:cs typeface="+mn-cs"/>
+              </a:defRPr>
+            </a:lvl7pPr>
+            <a:lvl8pPr marL="3429000" indent="-228600" algn="l" defTabSz="914400" rtl="0" eaLnBrk="1" latinLnBrk="0" hangingPunct="1">
+              <a:lnSpc>
+                <a:spcPct val="90000"/>
+              </a:lnSpc>
+              <a:spcBef>
+                <a:spcPts val="500"/>
+              </a:spcBef>
+              <a:buFont typeface="Arial" panose="020B0604020202020204" pitchFamily="34" charset="0"/>
+              <a:buChar char="•"/>
+              <a:defRPr sz="1800" kern="1200">
+                <a:solidFill>
+                  <a:schemeClr val="tx1"/>
+                </a:solidFill>
+                <a:latin typeface="+mn-lt"/>
+                <a:ea typeface="+mn-ea"/>
+                <a:cs typeface="+mn-cs"/>
+              </a:defRPr>
+            </a:lvl8pPr>
+            <a:lvl9pPr marL="3886200" indent="-228600" algn="l" defTabSz="914400" rtl="0" eaLnBrk="1" latinLnBrk="0" hangingPunct="1">
+              <a:lnSpc>
+                <a:spcPct val="90000"/>
+              </a:lnSpc>
+              <a:spcBef>
+                <a:spcPts val="500"/>
+              </a:spcBef>
+              <a:buFont typeface="Arial" panose="020B0604020202020204" pitchFamily="34" charset="0"/>
+              <a:buChar char="•"/>
+              <a:defRPr sz="1800" kern="1200">
+                <a:solidFill>
+                  <a:schemeClr val="tx1"/>
+                </a:solidFill>
+                <a:latin typeface="+mn-lt"/>
+                <a:ea typeface="+mn-ea"/>
+                <a:cs typeface="+mn-cs"/>
+              </a:defRPr>
+            </a:lvl9pPr>
+          </a:lstStyle>
+          <a:p>
+            <a:pPr marL="0" marR="0" lvl="0" indent="0" fontAlgn="base">
+              <a:spcBef>
+                <a:spcPct val="0"/>
+              </a:spcBef>
+              <a:spcAft>
+                <a:spcPct val="0"/>
+              </a:spcAft>
+              <a:buClrTx/>
+              <a:buSzTx/>
+              <a:buNone/>
+              <a:tabLst/>
+            </a:pPr>
+            <a:r>
+              <a:rPr lang="en-US" altLang="en-US" sz="2400" dirty="0">
+                <a:latin typeface="+mj-lt"/>
+                <a:ea typeface="+mj-ea"/>
+                <a:cs typeface="+mj-cs"/>
+              </a:rPr>
+              <a:t>Filtered data shows the accident Severity break down in the west midlands area, the figures are as follows:</a:t>
+            </a:r>
+          </a:p>
+          <a:p>
+            <a:pPr marL="0" marR="0" lvl="0" indent="0" fontAlgn="base">
+              <a:spcBef>
+                <a:spcPct val="0"/>
+              </a:spcBef>
+              <a:spcAft>
+                <a:spcPct val="0"/>
+              </a:spcAft>
+              <a:buClrTx/>
+              <a:buSzTx/>
+              <a:buNone/>
+              <a:tabLst/>
+            </a:pPr>
+            <a:endParaRPr lang="en-US" altLang="en-US" sz="2400" dirty="0">
+              <a:latin typeface="+mj-lt"/>
+              <a:ea typeface="+mj-ea"/>
+              <a:cs typeface="+mj-cs"/>
+            </a:endParaRPr>
+          </a:p>
+          <a:p>
+            <a:pPr marL="0" indent="0" fontAlgn="base">
+              <a:spcBef>
+                <a:spcPct val="0"/>
+              </a:spcBef>
+              <a:spcAft>
+                <a:spcPct val="0"/>
+              </a:spcAft>
+              <a:buNone/>
+            </a:pPr>
+            <a:r>
+              <a:rPr lang="en-US" altLang="en-US" sz="2400" dirty="0">
+                <a:latin typeface="+mj-lt"/>
+                <a:ea typeface="+mj-ea"/>
+                <a:cs typeface="+mj-cs"/>
+              </a:rPr>
+              <a:t>Key: 1 – Fatal 630</a:t>
+            </a:r>
+          </a:p>
+          <a:p>
+            <a:pPr marL="0" indent="0" fontAlgn="base">
+              <a:spcBef>
+                <a:spcPct val="0"/>
+              </a:spcBef>
+              <a:spcAft>
+                <a:spcPct val="0"/>
+              </a:spcAft>
+              <a:buNone/>
+            </a:pPr>
+            <a:r>
+              <a:rPr lang="en-US" altLang="en-US" sz="2400" dirty="0">
+                <a:latin typeface="+mj-lt"/>
+                <a:ea typeface="+mj-ea"/>
+                <a:cs typeface="+mj-cs"/>
+              </a:rPr>
+              <a:t>Key: 2 – Serious 8546 </a:t>
+            </a:r>
+          </a:p>
+          <a:p>
+            <a:pPr marL="0" indent="0" fontAlgn="base">
+              <a:spcBef>
+                <a:spcPct val="0"/>
+              </a:spcBef>
+              <a:spcAft>
+                <a:spcPct val="0"/>
+              </a:spcAft>
+              <a:buNone/>
+            </a:pPr>
+            <a:r>
+              <a:rPr lang="en-US" altLang="en-US" sz="2400" dirty="0">
+                <a:latin typeface="+mj-lt"/>
+                <a:ea typeface="+mj-ea"/>
+                <a:cs typeface="+mj-cs"/>
+              </a:rPr>
+              <a:t>Key: 3 – Slight 59135 </a:t>
+            </a:r>
+          </a:p>
+          <a:p>
+            <a:pPr marL="0" indent="0" fontAlgn="base">
+              <a:spcBef>
+                <a:spcPct val="0"/>
+              </a:spcBef>
+              <a:spcAft>
+                <a:spcPct val="0"/>
+              </a:spcAft>
+              <a:buNone/>
+            </a:pPr>
+            <a:endParaRPr lang="en-US" altLang="en-US" sz="4400" dirty="0">
+              <a:latin typeface="+mj-lt"/>
+              <a:ea typeface="+mj-ea"/>
+              <a:cs typeface="+mj-cs"/>
+            </a:endParaRPr>
+          </a:p>
+        </p:txBody>
+      </p:sp>
+      <p:pic>
+        <p:nvPicPr>
+          <p:cNvPr id="5" name="Picture 4">
+            <a:extLst>
+              <a:ext uri="{FF2B5EF4-FFF2-40B4-BE49-F238E27FC236}">
+                <a16:creationId xmlns:lc="http://schemas.openxmlformats.org/drawingml/2006/lockedCanvas" xmlns:a16="http://schemas.microsoft.com/office/drawing/2014/main" xmlns="" id="{F35E1B0B-9E3B-6F4F-0800-9A5EAFFAAA34}"/>
+              </a:ext>
+            </a:extLst>
+          </p:cNvPr>
+          <p:cNvPicPr>
+            <a:picLocks noChangeAspect="1"/>
+          </p:cNvPicPr>
+          <p:nvPr/>
+        </p:nvPicPr>
+        <p:blipFill>
+          <a:blip r:embed="rId2"/>
+          <a:stretch>
+            <a:fillRect/>
+          </a:stretch>
+        </p:blipFill>
+        <p:spPr>
+          <a:xfrm>
+            <a:off x="4355976" y="3241550"/>
+            <a:ext cx="4536504" cy="3082051"/>
+          </a:xfrm>
+          <a:prstGeom prst="rect">
+            <a:avLst/>
+          </a:prstGeom>
+        </p:spPr>
+      </p:pic>
+    </p:spTree>
+    <p:extLst>
+      <p:ext uri="{BB962C8B-B14F-4D97-AF65-F5344CB8AC3E}">
+        <p14:creationId xmlns:p14="http://schemas.microsoft.com/office/powerpoint/2010/main" val="1189648503"/>
+      </p:ext>
+    </p:extLst>
+  </p:cSld>
+  <p:clrMapOvr>
+    <a:masterClrMapping/>
+  </p:clrMapOvr>
+</p:sld>
+</file>
+
+<file path=ppt/slides/slide24.xml><?xml version="1.0" encoding="utf-8"?>
+<p:sld xmlns:a="http://schemas.openxmlformats.org/drawingml/2006/main" xmlns:r="http://schemas.openxmlformats.org/officeDocument/2006/relationships" xmlns:p="http://schemas.openxmlformats.org/presentationml/2006/main">
+  <p:cSld>
+    <p:spTree>
+      <p:nvGrpSpPr>
+        <p:cNvPr id="1" name=""/>
+        <p:cNvGrpSpPr/>
+        <p:nvPr/>
+      </p:nvGrpSpPr>
+      <p:grpSpPr>
+        <a:xfrm>
+          <a:off x="0" y="0"/>
+          <a:ext cx="0" cy="0"/>
+          <a:chOff x="0" y="0"/>
+          <a:chExt cx="0" cy="0"/>
+        </a:xfrm>
+      </p:grpSpPr>
+      <p:sp>
+        <p:nvSpPr>
+          <p:cNvPr id="2" name="Title 1"/>
+          <p:cNvSpPr>
+            <a:spLocks noGrp="1"/>
+          </p:cNvSpPr>
+          <p:nvPr>
+            <p:ph type="title"/>
+          </p:nvPr>
+        </p:nvSpPr>
+        <p:spPr>
+          <a:xfrm>
+            <a:off x="301752" y="365792"/>
+            <a:ext cx="8534400" cy="758952"/>
+          </a:xfrm>
+        </p:spPr>
+        <p:txBody>
+          <a:bodyPr>
+            <a:normAutofit fontScale="90000"/>
+          </a:bodyPr>
+          <a:lstStyle/>
+          <a:p>
+            <a:r>
+              <a:rPr lang="en-GB" dirty="0"/>
+              <a:t>Analysis of Fatal accidents vs Gender -  Habib</a:t>
+            </a:r>
+          </a:p>
+        </p:txBody>
+      </p:sp>
+      <p:sp>
+        <p:nvSpPr>
+          <p:cNvPr id="6" name="TextBox 5">
+            <a:extLst>
+              <a:ext uri="{FF2B5EF4-FFF2-40B4-BE49-F238E27FC236}">
+                <a16:creationId xmlns:lc="http://schemas.openxmlformats.org/drawingml/2006/lockedCanvas" xmlns:a16="http://schemas.microsoft.com/office/drawing/2014/main" xmlns="" id="{33696AF3-0FE8-CD89-D685-2F5D7982BD71}"/>
+              </a:ext>
+            </a:extLst>
+          </p:cNvPr>
+          <p:cNvSpPr txBox="1">
+            <a:spLocks noChangeArrowheads="1"/>
+          </p:cNvSpPr>
+          <p:nvPr/>
+        </p:nvSpPr>
+        <p:spPr bwMode="auto">
+          <a:xfrm>
+            <a:off x="179512" y="1412776"/>
+            <a:ext cx="4061604" cy="4862870"/>
+          </a:xfrm>
+          <a:prstGeom prst="rect">
+            <a:avLst/>
+          </a:prstGeom>
+          <a:solidFill>
+            <a:srgbClr val="FFFFFF"/>
+          </a:solidFill>
+          <a:ln>
+            <a:noFill/>
+          </a:ln>
+          <a:effectLst/>
+          <a:extLst>
+            <a:ext uri="{91240B29-F687-4F45-9708-019B960494DF}">
+              <a14:hiddenLine xmlns:a14="http://schemas.microsoft.com/office/drawing/2010/main" w="9525">
+                <a:solidFill>
+                  <a:schemeClr val="tx1"/>
+                </a:solidFill>
+                <a:miter lim="800000"/>
+                <a:headEnd/>
+                <a:tailEnd/>
+              </a14:hiddenLine>
+            </a:ext>
+            <a:ext uri="{AF507438-7753-43E0-B8FC-AC1667EBCBE1}">
+              <a14:hiddenEffects xmlns:a14="http://schemas.microsoft.com/office/drawing/2010/main">
+                <a:effectLst>
+                  <a:outerShdw dist="35921" dir="2700000" algn="ctr" rotWithShape="0">
+                    <a:schemeClr val="bg2"/>
+                  </a:outerShdw>
+                </a:effectLst>
+              </a14:hiddenEffects>
+            </a:ext>
+          </a:extLst>
+        </p:spPr>
+        <p:txBody>
+          <a:bodyPr vert="horz" wrap="square" lIns="0" tIns="0" rIns="0" bIns="0" numCol="1" rtlCol="0" anchor="t" anchorCtr="0" compatLnSpc="1">
+            <a:prstTxWarp prst="textNoShape">
+              <a:avLst/>
+            </a:prstTxWarp>
+            <a:spAutoFit/>
+          </a:bodyPr>
+          <a:lstStyle>
+            <a:defPPr>
+              <a:defRPr lang="en-US"/>
+            </a:defPPr>
+            <a:lvl1pPr marL="0" algn="l" defTabSz="914400" rtl="0" eaLnBrk="1" latinLnBrk="0" hangingPunct="1">
+              <a:defRPr sz="1800" kern="1200">
+                <a:solidFill>
+                  <a:schemeClr val="tx1"/>
+                </a:solidFill>
+                <a:latin typeface="+mn-lt"/>
+                <a:ea typeface="+mn-ea"/>
+                <a:cs typeface="+mn-cs"/>
+              </a:defRPr>
+            </a:lvl1pPr>
+            <a:lvl2pPr marL="457200" algn="l" defTabSz="914400" rtl="0" eaLnBrk="1" latinLnBrk="0" hangingPunct="1">
+              <a:defRPr sz="1800" kern="1200">
+                <a:solidFill>
+                  <a:schemeClr val="tx1"/>
+                </a:solidFill>
+                <a:latin typeface="+mn-lt"/>
+                <a:ea typeface="+mn-ea"/>
+                <a:cs typeface="+mn-cs"/>
+              </a:defRPr>
+            </a:lvl2pPr>
+            <a:lvl3pPr marL="914400" algn="l" defTabSz="914400" rtl="0" eaLnBrk="1" latinLnBrk="0" hangingPunct="1">
+              <a:defRPr sz="1800" kern="1200">
+                <a:solidFill>
+                  <a:schemeClr val="tx1"/>
+                </a:solidFill>
+                <a:latin typeface="+mn-lt"/>
+                <a:ea typeface="+mn-ea"/>
+                <a:cs typeface="+mn-cs"/>
+              </a:defRPr>
+            </a:lvl3pPr>
+            <a:lvl4pPr marL="1371600" algn="l" defTabSz="914400" rtl="0" eaLnBrk="1" latinLnBrk="0" hangingPunct="1">
+              <a:defRPr sz="1800" kern="1200">
+                <a:solidFill>
+                  <a:schemeClr val="tx1"/>
+                </a:solidFill>
+                <a:latin typeface="+mn-lt"/>
+                <a:ea typeface="+mn-ea"/>
+                <a:cs typeface="+mn-cs"/>
+              </a:defRPr>
+            </a:lvl4pPr>
+            <a:lvl5pPr marL="1828800" algn="l" defTabSz="914400" rtl="0" eaLnBrk="1" latinLnBrk="0" hangingPunct="1">
+              <a:defRPr sz="1800" kern="1200">
+                <a:solidFill>
+                  <a:schemeClr val="tx1"/>
+                </a:solidFill>
+                <a:latin typeface="+mn-lt"/>
+                <a:ea typeface="+mn-ea"/>
+                <a:cs typeface="+mn-cs"/>
+              </a:defRPr>
+            </a:lvl5pPr>
+            <a:lvl6pPr marL="2286000" algn="l" defTabSz="914400" rtl="0" eaLnBrk="1" latinLnBrk="0" hangingPunct="1">
+              <a:defRPr sz="1800" kern="1200">
+                <a:solidFill>
+                  <a:schemeClr val="tx1"/>
+                </a:solidFill>
+                <a:latin typeface="+mn-lt"/>
+                <a:ea typeface="+mn-ea"/>
+                <a:cs typeface="+mn-cs"/>
+              </a:defRPr>
+            </a:lvl6pPr>
+            <a:lvl7pPr marL="2743200" algn="l" defTabSz="914400" rtl="0" eaLnBrk="1" latinLnBrk="0" hangingPunct="1">
+              <a:defRPr sz="1800" kern="1200">
+                <a:solidFill>
+                  <a:schemeClr val="tx1"/>
+                </a:solidFill>
+                <a:latin typeface="+mn-lt"/>
+                <a:ea typeface="+mn-ea"/>
+                <a:cs typeface="+mn-cs"/>
+              </a:defRPr>
+            </a:lvl7pPr>
+            <a:lvl8pPr marL="3200400" algn="l" defTabSz="914400" rtl="0" eaLnBrk="1" latinLnBrk="0" hangingPunct="1">
+              <a:defRPr sz="1800" kern="1200">
+                <a:solidFill>
+                  <a:schemeClr val="tx1"/>
+                </a:solidFill>
+                <a:latin typeface="+mn-lt"/>
+                <a:ea typeface="+mn-ea"/>
+                <a:cs typeface="+mn-cs"/>
+              </a:defRPr>
+            </a:lvl8pPr>
+            <a:lvl9pPr marL="3657600" algn="l" defTabSz="914400" rtl="0" eaLnBrk="1" latinLnBrk="0" hangingPunct="1">
+              <a:defRPr sz="1800" kern="1200">
+                <a:solidFill>
+                  <a:schemeClr val="tx1"/>
+                </a:solidFill>
+                <a:latin typeface="+mn-lt"/>
+                <a:ea typeface="+mn-ea"/>
+                <a:cs typeface="+mn-cs"/>
+              </a:defRPr>
+            </a:lvl9pPr>
+          </a:lstStyle>
+          <a:p>
+            <a:pPr marL="0" indent="0" fontAlgn="base">
+              <a:spcBef>
+                <a:spcPct val="0"/>
+              </a:spcBef>
+              <a:spcAft>
+                <a:spcPct val="0"/>
+              </a:spcAft>
+              <a:buFont typeface="Arial" panose="020B0604020202020204" pitchFamily="34" charset="0"/>
+              <a:buNone/>
+            </a:pPr>
+            <a:r>
+              <a:rPr lang="en-US" altLang="en-US" sz="1600" dirty="0">
+                <a:latin typeface="+mj-lt"/>
+                <a:ea typeface="+mj-ea"/>
+                <a:cs typeface="+mj-cs"/>
+              </a:rPr>
+              <a:t>Question:  Out of the Fatal </a:t>
+            </a:r>
+            <a:r>
+              <a:rPr lang="en-US" altLang="en-US" sz="1600" dirty="0" smtClean="0">
+                <a:latin typeface="+mj-lt"/>
+                <a:ea typeface="+mj-ea"/>
+                <a:cs typeface="+mj-cs"/>
+              </a:rPr>
+              <a:t>accidents, </a:t>
+            </a:r>
+            <a:r>
+              <a:rPr lang="en-US" altLang="en-US" sz="1600" dirty="0">
+                <a:latin typeface="+mj-lt"/>
+                <a:ea typeface="+mj-ea"/>
+                <a:cs typeface="+mj-cs"/>
+              </a:rPr>
+              <a:t>is there a specific gender that is more prominent in </a:t>
+            </a:r>
+            <a:r>
+              <a:rPr lang="en-US" altLang="en-US" sz="1600" dirty="0" smtClean="0">
+                <a:latin typeface="+mj-lt"/>
+                <a:ea typeface="+mj-ea"/>
+                <a:cs typeface="+mj-cs"/>
+              </a:rPr>
+              <a:t>these accidents?</a:t>
+            </a:r>
+            <a:endParaRPr lang="en-US" altLang="en-US" sz="1600" dirty="0">
+              <a:latin typeface="+mj-lt"/>
+              <a:ea typeface="+mj-ea"/>
+              <a:cs typeface="+mj-cs"/>
+            </a:endParaRPr>
+          </a:p>
+          <a:p>
+            <a:pPr marL="0" indent="0" fontAlgn="base">
+              <a:spcBef>
+                <a:spcPct val="0"/>
+              </a:spcBef>
+              <a:spcAft>
+                <a:spcPct val="0"/>
+              </a:spcAft>
+              <a:buFont typeface="Arial" panose="020B0604020202020204" pitchFamily="34" charset="0"/>
+              <a:buNone/>
+            </a:pPr>
+            <a:endParaRPr lang="en-US" altLang="en-US" sz="1600" dirty="0">
+              <a:latin typeface="+mj-lt"/>
+              <a:ea typeface="+mj-ea"/>
+              <a:cs typeface="+mj-cs"/>
+            </a:endParaRPr>
+          </a:p>
+          <a:p>
+            <a:pPr marL="0" indent="0" fontAlgn="base">
+              <a:spcBef>
+                <a:spcPct val="0"/>
+              </a:spcBef>
+              <a:spcAft>
+                <a:spcPct val="0"/>
+              </a:spcAft>
+              <a:buFont typeface="Arial" panose="020B0604020202020204" pitchFamily="34" charset="0"/>
+              <a:buNone/>
+            </a:pPr>
+            <a:r>
+              <a:rPr lang="en-US" altLang="en-US" sz="1600" dirty="0">
+                <a:latin typeface="+mj-lt"/>
+                <a:ea typeface="+mj-ea"/>
+                <a:cs typeface="+mj-cs"/>
+              </a:rPr>
+              <a:t>After exploring the initial </a:t>
+            </a:r>
+            <a:r>
+              <a:rPr lang="en-US" altLang="en-US" sz="1600" dirty="0" smtClean="0">
+                <a:latin typeface="+mj-lt"/>
+                <a:ea typeface="+mj-ea"/>
+                <a:cs typeface="+mj-cs"/>
+              </a:rPr>
+              <a:t>dataset </a:t>
+            </a:r>
+            <a:r>
+              <a:rPr lang="en-US" altLang="en-US" sz="1600" dirty="0">
+                <a:latin typeface="+mj-lt"/>
+                <a:ea typeface="+mj-ea"/>
+                <a:cs typeface="+mj-cs"/>
+              </a:rPr>
+              <a:t>of accidents, we can see in the </a:t>
+            </a:r>
+            <a:r>
+              <a:rPr lang="en-US" altLang="en-US" sz="1600" dirty="0" smtClean="0">
+                <a:latin typeface="+mj-lt"/>
+                <a:ea typeface="+mj-ea"/>
+                <a:cs typeface="+mj-cs"/>
+              </a:rPr>
+              <a:t>West </a:t>
+            </a:r>
+            <a:r>
+              <a:rPr lang="en-US" altLang="en-US" sz="1600" dirty="0">
+                <a:latin typeface="+mj-lt"/>
+                <a:ea typeface="+mj-ea"/>
+                <a:cs typeface="+mj-cs"/>
+              </a:rPr>
+              <a:t>M</a:t>
+            </a:r>
+            <a:r>
+              <a:rPr lang="en-US" altLang="en-US" sz="1600" dirty="0" smtClean="0">
+                <a:latin typeface="+mj-lt"/>
+                <a:ea typeface="+mj-ea"/>
+                <a:cs typeface="+mj-cs"/>
+              </a:rPr>
+              <a:t>idlands </a:t>
+            </a:r>
+            <a:r>
+              <a:rPr lang="en-US" altLang="en-US" sz="1600" dirty="0">
+                <a:latin typeface="+mj-lt"/>
+                <a:ea typeface="+mj-ea"/>
+                <a:cs typeface="+mj-cs"/>
+              </a:rPr>
+              <a:t>there are a total of 630 fatal accident. We can further investigate this by </a:t>
+            </a:r>
+            <a:r>
+              <a:rPr lang="en-US" altLang="en-US" sz="1600" dirty="0" smtClean="0">
+                <a:latin typeface="+mj-lt"/>
+                <a:ea typeface="+mj-ea"/>
+                <a:cs typeface="+mj-cs"/>
+              </a:rPr>
+              <a:t>sorting by gender amongst these fatal accidents. </a:t>
+            </a:r>
+            <a:endParaRPr lang="en-US" altLang="en-US" sz="1600" dirty="0">
+              <a:latin typeface="+mj-lt"/>
+              <a:ea typeface="+mj-ea"/>
+              <a:cs typeface="+mj-cs"/>
+            </a:endParaRPr>
+          </a:p>
+          <a:p>
+            <a:pPr marL="0" indent="0" fontAlgn="base">
+              <a:spcBef>
+                <a:spcPct val="0"/>
+              </a:spcBef>
+              <a:spcAft>
+                <a:spcPct val="0"/>
+              </a:spcAft>
+              <a:buFont typeface="Arial" panose="020B0604020202020204" pitchFamily="34" charset="0"/>
+              <a:buNone/>
+            </a:pPr>
+            <a:endParaRPr lang="en-US" altLang="en-US" sz="1600" dirty="0">
+              <a:latin typeface="+mj-lt"/>
+              <a:ea typeface="+mj-ea"/>
+              <a:cs typeface="+mj-cs"/>
+            </a:endParaRPr>
+          </a:p>
+          <a:p>
+            <a:pPr marL="0" indent="0" fontAlgn="base">
+              <a:spcBef>
+                <a:spcPct val="0"/>
+              </a:spcBef>
+              <a:spcAft>
+                <a:spcPct val="0"/>
+              </a:spcAft>
+              <a:buFont typeface="Arial" panose="020B0604020202020204" pitchFamily="34" charset="0"/>
+              <a:buNone/>
+            </a:pPr>
+            <a:r>
+              <a:rPr lang="en-US" altLang="en-US" sz="1600" dirty="0">
+                <a:latin typeface="+mj-lt"/>
+                <a:ea typeface="+mj-ea"/>
+                <a:cs typeface="+mj-cs"/>
+              </a:rPr>
+              <a:t>The data shows that out of the 630 fatal accidents 84.8% (534) are male. </a:t>
+            </a:r>
+            <a:r>
+              <a:rPr lang="en-US" altLang="en-US" sz="1600" dirty="0" smtClean="0">
+                <a:latin typeface="+mj-lt"/>
+                <a:ea typeface="+mj-ea"/>
+                <a:cs typeface="+mj-cs"/>
+              </a:rPr>
+              <a:t>We can deduce that </a:t>
+            </a:r>
+            <a:r>
+              <a:rPr lang="en-US" altLang="en-US" sz="1600" dirty="0">
+                <a:latin typeface="+mj-lt"/>
+                <a:ea typeface="+mj-ea"/>
+                <a:cs typeface="+mj-cs"/>
+              </a:rPr>
+              <a:t>a male has a higher likelihood being involved in a fatal accident. </a:t>
+            </a:r>
+          </a:p>
+          <a:p>
+            <a:pPr marL="0" indent="0" fontAlgn="base">
+              <a:spcBef>
+                <a:spcPct val="0"/>
+              </a:spcBef>
+              <a:spcAft>
+                <a:spcPct val="0"/>
+              </a:spcAft>
+              <a:buFont typeface="Arial" panose="020B0604020202020204" pitchFamily="34" charset="0"/>
+              <a:buNone/>
+            </a:pPr>
+            <a:endParaRPr lang="en-US" altLang="en-US" sz="1600" dirty="0">
+              <a:latin typeface="+mj-lt"/>
+              <a:ea typeface="+mj-ea"/>
+              <a:cs typeface="+mj-cs"/>
+            </a:endParaRPr>
+          </a:p>
+          <a:p>
+            <a:pPr marL="0" indent="0" fontAlgn="base">
+              <a:spcBef>
+                <a:spcPct val="0"/>
+              </a:spcBef>
+              <a:spcAft>
+                <a:spcPct val="0"/>
+              </a:spcAft>
+              <a:buFont typeface="Arial" panose="020B0604020202020204" pitchFamily="34" charset="0"/>
+              <a:buNone/>
+            </a:pPr>
+            <a:endParaRPr lang="en-US" altLang="en-US" sz="1600" dirty="0">
+              <a:latin typeface="+mj-lt"/>
+              <a:ea typeface="+mj-ea"/>
+              <a:cs typeface="+mj-cs"/>
+            </a:endParaRPr>
+          </a:p>
+          <a:p>
+            <a:pPr marL="0" indent="0" fontAlgn="base">
+              <a:spcBef>
+                <a:spcPct val="0"/>
+              </a:spcBef>
+              <a:spcAft>
+                <a:spcPct val="0"/>
+              </a:spcAft>
+              <a:buFont typeface="Arial" panose="020B0604020202020204" pitchFamily="34" charset="0"/>
+              <a:buNone/>
+            </a:pPr>
+            <a:endParaRPr lang="en-US" altLang="en-US" sz="1600" dirty="0">
+              <a:latin typeface="+mj-lt"/>
+              <a:ea typeface="+mj-ea"/>
+              <a:cs typeface="+mj-cs"/>
+            </a:endParaRPr>
+          </a:p>
+          <a:p>
+            <a:pPr marL="0" indent="0" fontAlgn="base">
+              <a:spcBef>
+                <a:spcPct val="0"/>
+              </a:spcBef>
+              <a:spcAft>
+                <a:spcPct val="0"/>
+              </a:spcAft>
+              <a:buFont typeface="Arial" panose="020B0604020202020204" pitchFamily="34" charset="0"/>
+              <a:buNone/>
+            </a:pPr>
+            <a:endParaRPr lang="en-US" altLang="en-US" sz="4400" dirty="0">
+              <a:latin typeface="+mj-lt"/>
+              <a:ea typeface="+mj-ea"/>
+              <a:cs typeface="+mj-cs"/>
+            </a:endParaRPr>
+          </a:p>
+        </p:txBody>
+      </p:sp>
+      <p:pic>
+        <p:nvPicPr>
+          <p:cNvPr id="7" name="Content Placeholder 4">
+            <a:extLst>
+              <a:ext uri="{FF2B5EF4-FFF2-40B4-BE49-F238E27FC236}">
+                <a16:creationId xmlns:lc="http://schemas.openxmlformats.org/drawingml/2006/lockedCanvas" xmlns:a16="http://schemas.microsoft.com/office/drawing/2014/main" xmlns="" id="{EF1D6072-4C23-60C7-3EFA-29653179BFD6}"/>
+              </a:ext>
+            </a:extLst>
+          </p:cNvPr>
+          <p:cNvPicPr>
+            <a:picLocks noGrp="1" noChangeAspect="1"/>
+          </p:cNvPicPr>
+          <p:nvPr/>
+        </p:nvPicPr>
+        <p:blipFill>
+          <a:blip r:embed="rId2"/>
+          <a:stretch>
+            <a:fillRect/>
+          </a:stretch>
+        </p:blipFill>
+        <p:spPr>
+          <a:xfrm>
+            <a:off x="4355976" y="2003301"/>
+            <a:ext cx="4489532" cy="3577317"/>
+          </a:xfrm>
+          <a:prstGeom prst="rect">
+            <a:avLst/>
+          </a:prstGeom>
+        </p:spPr>
+      </p:pic>
+    </p:spTree>
+    <p:extLst>
+      <p:ext uri="{BB962C8B-B14F-4D97-AF65-F5344CB8AC3E}">
+        <p14:creationId xmlns:p14="http://schemas.microsoft.com/office/powerpoint/2010/main" val="3390703872"/>
+      </p:ext>
+    </p:extLst>
+  </p:cSld>
+  <p:clrMapOvr>
+    <a:masterClrMapping/>
+  </p:clrMapOvr>
+</p:sld>
+</file>
+
+<file path=ppt/slides/slide25.xml><?xml version="1.0" encoding="utf-8"?>
+<p:sld xmlns:a="http://schemas.openxmlformats.org/drawingml/2006/main" xmlns:r="http://schemas.openxmlformats.org/officeDocument/2006/relationships" xmlns:p="http://schemas.openxmlformats.org/presentationml/2006/main">
+  <p:cSld>
+    <p:spTree>
+      <p:nvGrpSpPr>
+        <p:cNvPr id="1" name=""/>
+        <p:cNvGrpSpPr/>
+        <p:nvPr/>
+      </p:nvGrpSpPr>
+      <p:grpSpPr>
+        <a:xfrm>
+          <a:off x="0" y="0"/>
+          <a:ext cx="0" cy="0"/>
+          <a:chOff x="0" y="0"/>
+          <a:chExt cx="0" cy="0"/>
+        </a:xfrm>
+      </p:grpSpPr>
+      <p:sp>
+        <p:nvSpPr>
+          <p:cNvPr id="2" name="Title 1"/>
+          <p:cNvSpPr>
+            <a:spLocks noGrp="1"/>
+          </p:cNvSpPr>
+          <p:nvPr>
+            <p:ph type="title"/>
+          </p:nvPr>
+        </p:nvSpPr>
+        <p:spPr>
+          <a:xfrm>
+            <a:off x="301752" y="365792"/>
+            <a:ext cx="8534400" cy="758952"/>
+          </a:xfrm>
+        </p:spPr>
+        <p:txBody>
+          <a:bodyPr>
+            <a:normAutofit fontScale="90000"/>
+          </a:bodyPr>
+          <a:lstStyle/>
+          <a:p>
+            <a:r>
+              <a:rPr lang="en-GB" dirty="0"/>
+              <a:t>Analysis of Fatal accidents vs Age band -  Habib</a:t>
+            </a:r>
+          </a:p>
+        </p:txBody>
+      </p:sp>
+      <p:sp>
+        <p:nvSpPr>
+          <p:cNvPr id="5" name="TextBox 7">
+            <a:extLst>
+              <a:ext uri="{FF2B5EF4-FFF2-40B4-BE49-F238E27FC236}">
+                <a16:creationId xmlns:lc="http://schemas.openxmlformats.org/drawingml/2006/lockedCanvas" xmlns:a16="http://schemas.microsoft.com/office/drawing/2014/main" xmlns="" id="{5289B5A1-BEBC-3A9D-D72F-0C4DAE8EFB64}"/>
+              </a:ext>
+            </a:extLst>
+          </p:cNvPr>
+          <p:cNvSpPr txBox="1"/>
+          <p:nvPr/>
+        </p:nvSpPr>
+        <p:spPr>
+          <a:xfrm>
+            <a:off x="539552" y="1412776"/>
+            <a:ext cx="5734522" cy="2031325"/>
+          </a:xfrm>
+          <a:prstGeom prst="rect">
+            <a:avLst/>
+          </a:prstGeom>
+          <a:noFill/>
+        </p:spPr>
+        <p:txBody>
+          <a:bodyPr wrap="square">
+            <a:spAutoFit/>
+          </a:bodyPr>
+          <a:lstStyle>
+            <a:defPPr>
+              <a:defRPr lang="en-US"/>
+            </a:defPPr>
+            <a:lvl1pPr marL="0" algn="l" defTabSz="914400" rtl="0" eaLnBrk="1" latinLnBrk="0" hangingPunct="1">
+              <a:defRPr sz="1800" kern="1200">
+                <a:solidFill>
+                  <a:schemeClr val="tx1"/>
+                </a:solidFill>
+                <a:latin typeface="+mn-lt"/>
+                <a:ea typeface="+mn-ea"/>
+                <a:cs typeface="+mn-cs"/>
+              </a:defRPr>
+            </a:lvl1pPr>
+            <a:lvl2pPr marL="457200" algn="l" defTabSz="914400" rtl="0" eaLnBrk="1" latinLnBrk="0" hangingPunct="1">
+              <a:defRPr sz="1800" kern="1200">
+                <a:solidFill>
+                  <a:schemeClr val="tx1"/>
+                </a:solidFill>
+                <a:latin typeface="+mn-lt"/>
+                <a:ea typeface="+mn-ea"/>
+                <a:cs typeface="+mn-cs"/>
+              </a:defRPr>
+            </a:lvl2pPr>
+            <a:lvl3pPr marL="914400" algn="l" defTabSz="914400" rtl="0" eaLnBrk="1" latinLnBrk="0" hangingPunct="1">
+              <a:defRPr sz="1800" kern="1200">
+                <a:solidFill>
+                  <a:schemeClr val="tx1"/>
+                </a:solidFill>
+                <a:latin typeface="+mn-lt"/>
+                <a:ea typeface="+mn-ea"/>
+                <a:cs typeface="+mn-cs"/>
+              </a:defRPr>
+            </a:lvl3pPr>
+            <a:lvl4pPr marL="1371600" algn="l" defTabSz="914400" rtl="0" eaLnBrk="1" latinLnBrk="0" hangingPunct="1">
+              <a:defRPr sz="1800" kern="1200">
+                <a:solidFill>
+                  <a:schemeClr val="tx1"/>
+                </a:solidFill>
+                <a:latin typeface="+mn-lt"/>
+                <a:ea typeface="+mn-ea"/>
+                <a:cs typeface="+mn-cs"/>
+              </a:defRPr>
+            </a:lvl4pPr>
+            <a:lvl5pPr marL="1828800" algn="l" defTabSz="914400" rtl="0" eaLnBrk="1" latinLnBrk="0" hangingPunct="1">
+              <a:defRPr sz="1800" kern="1200">
+                <a:solidFill>
+                  <a:schemeClr val="tx1"/>
+                </a:solidFill>
+                <a:latin typeface="+mn-lt"/>
+                <a:ea typeface="+mn-ea"/>
+                <a:cs typeface="+mn-cs"/>
+              </a:defRPr>
+            </a:lvl5pPr>
+            <a:lvl6pPr marL="2286000" algn="l" defTabSz="914400" rtl="0" eaLnBrk="1" latinLnBrk="0" hangingPunct="1">
+              <a:defRPr sz="1800" kern="1200">
+                <a:solidFill>
+                  <a:schemeClr val="tx1"/>
+                </a:solidFill>
+                <a:latin typeface="+mn-lt"/>
+                <a:ea typeface="+mn-ea"/>
+                <a:cs typeface="+mn-cs"/>
+              </a:defRPr>
+            </a:lvl6pPr>
+            <a:lvl7pPr marL="2743200" algn="l" defTabSz="914400" rtl="0" eaLnBrk="1" latinLnBrk="0" hangingPunct="1">
+              <a:defRPr sz="1800" kern="1200">
+                <a:solidFill>
+                  <a:schemeClr val="tx1"/>
+                </a:solidFill>
+                <a:latin typeface="+mn-lt"/>
+                <a:ea typeface="+mn-ea"/>
+                <a:cs typeface="+mn-cs"/>
+              </a:defRPr>
+            </a:lvl7pPr>
+            <a:lvl8pPr marL="3200400" algn="l" defTabSz="914400" rtl="0" eaLnBrk="1" latinLnBrk="0" hangingPunct="1">
+              <a:defRPr sz="1800" kern="1200">
+                <a:solidFill>
+                  <a:schemeClr val="tx1"/>
+                </a:solidFill>
+                <a:latin typeface="+mn-lt"/>
+                <a:ea typeface="+mn-ea"/>
+                <a:cs typeface="+mn-cs"/>
+              </a:defRPr>
+            </a:lvl8pPr>
+            <a:lvl9pPr marL="3657600" algn="l" defTabSz="914400" rtl="0" eaLnBrk="1" latinLnBrk="0" hangingPunct="1">
+              <a:defRPr sz="1800" kern="1200">
+                <a:solidFill>
+                  <a:schemeClr val="tx1"/>
+                </a:solidFill>
+                <a:latin typeface="+mn-lt"/>
+                <a:ea typeface="+mn-ea"/>
+                <a:cs typeface="+mn-cs"/>
+              </a:defRPr>
+            </a:lvl9pPr>
+          </a:lstStyle>
+          <a:p>
+            <a:pPr marL="0" indent="0" fontAlgn="base">
+              <a:spcBef>
+                <a:spcPct val="0"/>
+              </a:spcBef>
+              <a:spcAft>
+                <a:spcPct val="0"/>
+              </a:spcAft>
+              <a:buFont typeface="Arial" panose="020B0604020202020204" pitchFamily="34" charset="0"/>
+              <a:buNone/>
+            </a:pPr>
+            <a:r>
+              <a:rPr lang="en-US" altLang="en-US" sz="1400" dirty="0">
+                <a:latin typeface="+mj-lt"/>
+                <a:ea typeface="+mj-ea"/>
+                <a:cs typeface="+mj-cs"/>
+              </a:rPr>
+              <a:t>Question:  Out of the Fatal </a:t>
+            </a:r>
+            <a:r>
+              <a:rPr lang="en-US" altLang="en-US" sz="1400" dirty="0" smtClean="0">
+                <a:latin typeface="+mj-lt"/>
+                <a:ea typeface="+mj-ea"/>
+                <a:cs typeface="+mj-cs"/>
+              </a:rPr>
+              <a:t>accidents, </a:t>
+            </a:r>
+            <a:r>
+              <a:rPr lang="en-US" altLang="en-US" sz="1400" dirty="0">
+                <a:latin typeface="+mj-lt"/>
+                <a:ea typeface="+mj-ea"/>
+                <a:cs typeface="+mj-cs"/>
+              </a:rPr>
+              <a:t>is there a specific age band that is more prominent in being involved in the accidents? </a:t>
+            </a:r>
+          </a:p>
+          <a:p>
+            <a:pPr marL="0" indent="0" fontAlgn="base">
+              <a:spcBef>
+                <a:spcPct val="0"/>
+              </a:spcBef>
+              <a:spcAft>
+                <a:spcPct val="0"/>
+              </a:spcAft>
+              <a:buFont typeface="Arial" panose="020B0604020202020204" pitchFamily="34" charset="0"/>
+              <a:buNone/>
+            </a:pPr>
+            <a:endParaRPr lang="en-US" altLang="en-US" sz="1400" dirty="0">
+              <a:latin typeface="+mj-lt"/>
+              <a:ea typeface="+mj-ea"/>
+              <a:cs typeface="+mj-cs"/>
+            </a:endParaRPr>
+          </a:p>
+          <a:p>
+            <a:pPr marL="0" indent="0" fontAlgn="base">
+              <a:spcBef>
+                <a:spcPct val="0"/>
+              </a:spcBef>
+              <a:spcAft>
+                <a:spcPct val="0"/>
+              </a:spcAft>
+              <a:buFont typeface="Arial" panose="020B0604020202020204" pitchFamily="34" charset="0"/>
+              <a:buNone/>
+            </a:pPr>
+            <a:r>
+              <a:rPr lang="en-US" altLang="en-US" sz="1400" dirty="0">
+                <a:latin typeface="+mj-lt"/>
+                <a:ea typeface="+mj-ea"/>
+                <a:cs typeface="+mj-cs"/>
+              </a:rPr>
+              <a:t>After exploring gender </a:t>
+            </a:r>
+            <a:r>
+              <a:rPr lang="en-US" altLang="en-US" sz="1400" dirty="0" smtClean="0">
+                <a:latin typeface="+mj-lt"/>
+                <a:ea typeface="+mj-ea"/>
+                <a:cs typeface="+mj-cs"/>
+              </a:rPr>
+              <a:t>factor, we </a:t>
+            </a:r>
+            <a:r>
+              <a:rPr lang="en-US" altLang="en-US" sz="1400" dirty="0">
+                <a:latin typeface="+mj-lt"/>
+                <a:ea typeface="+mj-ea"/>
+                <a:cs typeface="+mj-cs"/>
+              </a:rPr>
+              <a:t>then moved </a:t>
+            </a:r>
+            <a:r>
+              <a:rPr lang="en-US" altLang="en-US" sz="1400" dirty="0" smtClean="0">
+                <a:latin typeface="+mj-lt"/>
+                <a:ea typeface="+mj-ea"/>
+                <a:cs typeface="+mj-cs"/>
+              </a:rPr>
+              <a:t>to </a:t>
+            </a:r>
+            <a:r>
+              <a:rPr lang="en-US" altLang="en-US" sz="1400" dirty="0">
+                <a:latin typeface="+mj-lt"/>
+                <a:ea typeface="+mj-ea"/>
+                <a:cs typeface="+mj-cs"/>
+              </a:rPr>
+              <a:t>looking at the age band to understand the correlation of age and fatal accident. </a:t>
+            </a:r>
+          </a:p>
+          <a:p>
+            <a:pPr marL="0" indent="0" fontAlgn="base">
+              <a:spcBef>
+                <a:spcPct val="0"/>
+              </a:spcBef>
+              <a:spcAft>
+                <a:spcPct val="0"/>
+              </a:spcAft>
+              <a:buFont typeface="Arial" panose="020B0604020202020204" pitchFamily="34" charset="0"/>
+              <a:buNone/>
+            </a:pPr>
+            <a:endParaRPr lang="en-US" altLang="en-US" sz="1400" dirty="0">
+              <a:latin typeface="+mj-lt"/>
+              <a:ea typeface="+mj-ea"/>
+              <a:cs typeface="+mj-cs"/>
+            </a:endParaRPr>
+          </a:p>
+          <a:p>
+            <a:pPr marL="0" indent="0" fontAlgn="base">
+              <a:spcBef>
+                <a:spcPct val="0"/>
+              </a:spcBef>
+              <a:spcAft>
+                <a:spcPct val="0"/>
+              </a:spcAft>
+              <a:buFont typeface="Arial" panose="020B0604020202020204" pitchFamily="34" charset="0"/>
+              <a:buNone/>
+            </a:pPr>
+            <a:r>
+              <a:rPr lang="en-US" altLang="en-US" sz="1400" dirty="0">
+                <a:latin typeface="+mj-lt"/>
+                <a:ea typeface="+mj-ea"/>
+                <a:cs typeface="+mj-cs"/>
+              </a:rPr>
+              <a:t>The data shows that out of the 630 fatal accidents 24.1% are aged between 26 – 35 across both genders. Which can imply that the age band 26 – 35 are more prone to being involved in fatal accident. </a:t>
+            </a:r>
+          </a:p>
+        </p:txBody>
+      </p:sp>
+      <p:pic>
+        <p:nvPicPr>
+          <p:cNvPr id="8" name="Content Placeholder 4">
+            <a:extLst>
+              <a:ext uri="{FF2B5EF4-FFF2-40B4-BE49-F238E27FC236}">
+                <a16:creationId xmlns:lc="http://schemas.openxmlformats.org/drawingml/2006/lockedCanvas" xmlns:a16="http://schemas.microsoft.com/office/drawing/2014/main" xmlns="" id="{CBC84466-89F7-46C6-ECED-9A822B7D7AF6}"/>
+              </a:ext>
+            </a:extLst>
+          </p:cNvPr>
+          <p:cNvPicPr>
+            <a:picLocks noChangeAspect="1"/>
+          </p:cNvPicPr>
+          <p:nvPr/>
+        </p:nvPicPr>
+        <p:blipFill>
+          <a:blip r:embed="rId2"/>
+          <a:stretch>
+            <a:fillRect/>
+          </a:stretch>
+        </p:blipFill>
+        <p:spPr>
+          <a:xfrm>
+            <a:off x="251520" y="3573016"/>
+            <a:ext cx="5421640" cy="2674452"/>
+          </a:xfrm>
+          <a:prstGeom prst="rect">
+            <a:avLst/>
+          </a:prstGeom>
+        </p:spPr>
+      </p:pic>
+      <p:pic>
+        <p:nvPicPr>
+          <p:cNvPr id="9" name="Content Placeholder 4">
+            <a:extLst>
+              <a:ext uri="{FF2B5EF4-FFF2-40B4-BE49-F238E27FC236}">
+                <a16:creationId xmlns:lc="http://schemas.openxmlformats.org/drawingml/2006/lockedCanvas" xmlns:a16="http://schemas.microsoft.com/office/drawing/2014/main" xmlns="" id="{288D79A6-177A-A324-24B0-DD019063839D}"/>
+              </a:ext>
+            </a:extLst>
+          </p:cNvPr>
+          <p:cNvPicPr>
+            <a:picLocks noGrp="1" noChangeAspect="1"/>
+          </p:cNvPicPr>
+          <p:nvPr/>
+        </p:nvPicPr>
+        <p:blipFill>
+          <a:blip r:embed="rId3"/>
+          <a:stretch>
+            <a:fillRect/>
+          </a:stretch>
+        </p:blipFill>
+        <p:spPr>
+          <a:xfrm>
+            <a:off x="5796136" y="3606383"/>
+            <a:ext cx="2986529" cy="2607717"/>
+          </a:xfrm>
+          <a:prstGeom prst="rect">
+            <a:avLst/>
+          </a:prstGeom>
+        </p:spPr>
+      </p:pic>
+    </p:spTree>
+    <p:extLst>
+      <p:ext uri="{BB962C8B-B14F-4D97-AF65-F5344CB8AC3E}">
+        <p14:creationId xmlns:p14="http://schemas.microsoft.com/office/powerpoint/2010/main" val="3441744681"/>
+      </p:ext>
+    </p:extLst>
+  </p:cSld>
+  <p:clrMapOvr>
+    <a:masterClrMapping/>
+  </p:clrMapOvr>
+</p:sld>
+</file>
+
+<file path=ppt/slides/slide26.xml><?xml version="1.0" encoding="utf-8"?>
+<p:sld xmlns:a="http://schemas.openxmlformats.org/drawingml/2006/main" xmlns:r="http://schemas.openxmlformats.org/officeDocument/2006/relationships" xmlns:p="http://schemas.openxmlformats.org/presentationml/2006/main">
+  <p:cSld>
+    <p:spTree>
+      <p:nvGrpSpPr>
+        <p:cNvPr id="1" name=""/>
+        <p:cNvGrpSpPr/>
+        <p:nvPr/>
+      </p:nvGrpSpPr>
+      <p:grpSpPr>
+        <a:xfrm>
+          <a:off x="0" y="0"/>
+          <a:ext cx="0" cy="0"/>
+          <a:chOff x="0" y="0"/>
+          <a:chExt cx="0" cy="0"/>
+        </a:xfrm>
+      </p:grpSpPr>
+      <p:sp>
+        <p:nvSpPr>
+          <p:cNvPr id="2" name="Title 1"/>
+          <p:cNvSpPr>
+            <a:spLocks noGrp="1"/>
+          </p:cNvSpPr>
+          <p:nvPr>
+            <p:ph type="title"/>
+          </p:nvPr>
+        </p:nvSpPr>
+        <p:spPr>
+          <a:xfrm>
+            <a:off x="301752" y="365792"/>
+            <a:ext cx="8534400" cy="758952"/>
+          </a:xfrm>
+        </p:spPr>
+        <p:txBody>
+          <a:bodyPr>
+            <a:normAutofit fontScale="90000"/>
+          </a:bodyPr>
+          <a:lstStyle/>
+          <a:p>
+            <a:r>
+              <a:rPr lang="en-GB" dirty="0"/>
+              <a:t>Analysis of Fatal accidents vs Gender and age band -  Habib</a:t>
+            </a:r>
+          </a:p>
+        </p:txBody>
+      </p:sp>
+      <p:pic>
+        <p:nvPicPr>
+          <p:cNvPr id="6" name="Picture 5">
+            <a:extLst>
+              <a:ext uri="{FF2B5EF4-FFF2-40B4-BE49-F238E27FC236}">
+                <a16:creationId xmlns:lc="http://schemas.openxmlformats.org/drawingml/2006/lockedCanvas" xmlns:a16="http://schemas.microsoft.com/office/drawing/2014/main" xmlns="" id="{BA74A6ED-756F-4C65-B22A-E561763A9FF8}"/>
+              </a:ext>
+            </a:extLst>
+          </p:cNvPr>
+          <p:cNvPicPr>
+            <a:picLocks noChangeAspect="1"/>
+          </p:cNvPicPr>
+          <p:nvPr/>
+        </p:nvPicPr>
+        <p:blipFill>
+          <a:blip r:embed="rId2"/>
+          <a:stretch>
+            <a:fillRect/>
+          </a:stretch>
+        </p:blipFill>
+        <p:spPr>
+          <a:xfrm>
+            <a:off x="277571" y="4005064"/>
+            <a:ext cx="6526677" cy="2366577"/>
+          </a:xfrm>
+          <a:prstGeom prst="rect">
+            <a:avLst/>
+          </a:prstGeom>
+        </p:spPr>
+      </p:pic>
+      <p:pic>
+        <p:nvPicPr>
+          <p:cNvPr id="7" name="Picture 6">
+            <a:extLst>
+              <a:ext uri="{FF2B5EF4-FFF2-40B4-BE49-F238E27FC236}">
+                <a16:creationId xmlns:lc="http://schemas.openxmlformats.org/drawingml/2006/lockedCanvas" xmlns:a16="http://schemas.microsoft.com/office/drawing/2014/main" xmlns="" id="{302A48AB-6E9D-C4EC-8925-9FBC4A3B3D9B}"/>
+              </a:ext>
+            </a:extLst>
+          </p:cNvPr>
+          <p:cNvPicPr>
+            <a:picLocks noChangeAspect="1"/>
+          </p:cNvPicPr>
+          <p:nvPr/>
+        </p:nvPicPr>
+        <p:blipFill>
+          <a:blip r:embed="rId3"/>
+          <a:stretch>
+            <a:fillRect/>
+          </a:stretch>
+        </p:blipFill>
+        <p:spPr>
+          <a:xfrm>
+            <a:off x="6800377" y="4005064"/>
+            <a:ext cx="2159111" cy="2366577"/>
+          </a:xfrm>
+          <a:prstGeom prst="rect">
+            <a:avLst/>
+          </a:prstGeom>
+        </p:spPr>
+      </p:pic>
+      <p:sp>
+        <p:nvSpPr>
+          <p:cNvPr id="3" name="Rectangle 2"/>
+          <p:cNvSpPr/>
+          <p:nvPr/>
+        </p:nvSpPr>
+        <p:spPr>
+          <a:xfrm>
+            <a:off x="179512" y="1412776"/>
+            <a:ext cx="8783846" cy="1815882"/>
+          </a:xfrm>
+          <a:prstGeom prst="rect">
+            <a:avLst/>
+          </a:prstGeom>
+        </p:spPr>
+        <p:txBody>
+          <a:bodyPr wrap="square">
+            <a:spAutoFit/>
+          </a:bodyPr>
+          <a:lstStyle/>
+          <a:p>
+            <a:pPr fontAlgn="base">
+              <a:spcBef>
+                <a:spcPct val="0"/>
+              </a:spcBef>
+              <a:spcAft>
+                <a:spcPct val="0"/>
+              </a:spcAft>
+            </a:pPr>
+            <a:r>
+              <a:rPr lang="en-US" altLang="en-US" sz="1400" dirty="0"/>
+              <a:t>Question:  Out of the Fatal </a:t>
+            </a:r>
+            <a:r>
+              <a:rPr lang="en-US" altLang="en-US" sz="1400" dirty="0" smtClean="0"/>
+              <a:t>accidents, </a:t>
+            </a:r>
+            <a:r>
+              <a:rPr lang="en-US" altLang="en-US" sz="1400" dirty="0"/>
+              <a:t>what is the relationship between age and gender? </a:t>
+            </a:r>
+          </a:p>
+          <a:p>
+            <a:pPr fontAlgn="base">
+              <a:spcBef>
+                <a:spcPct val="0"/>
+              </a:spcBef>
+              <a:spcAft>
+                <a:spcPct val="0"/>
+              </a:spcAft>
+            </a:pPr>
+            <a:endParaRPr lang="en-US" altLang="en-US" sz="1400" dirty="0"/>
+          </a:p>
+          <a:p>
+            <a:pPr fontAlgn="base">
+              <a:spcBef>
+                <a:spcPct val="0"/>
+              </a:spcBef>
+              <a:spcAft>
+                <a:spcPct val="0"/>
+              </a:spcAft>
+            </a:pPr>
+            <a:r>
+              <a:rPr lang="en-US" altLang="en-US" sz="1400" dirty="0"/>
+              <a:t>After exploring both gender and age as factors. We then moved onto looking at the relationship of age band and gender to gain a better insight on the data of fatal car accidents. </a:t>
+            </a:r>
+          </a:p>
+          <a:p>
+            <a:pPr fontAlgn="base">
+              <a:spcBef>
+                <a:spcPct val="0"/>
+              </a:spcBef>
+              <a:spcAft>
+                <a:spcPct val="0"/>
+              </a:spcAft>
+            </a:pPr>
+            <a:endParaRPr lang="en-US" altLang="en-US" sz="1400" dirty="0"/>
+          </a:p>
+          <a:p>
+            <a:pPr fontAlgn="base">
+              <a:spcBef>
+                <a:spcPct val="0"/>
+              </a:spcBef>
+              <a:spcAft>
+                <a:spcPct val="0"/>
+              </a:spcAft>
+            </a:pPr>
+            <a:r>
+              <a:rPr lang="en-US" altLang="en-US" sz="1400" dirty="0"/>
+              <a:t>The data shows that out of the 630 fatal accidents across both genders is the age band of 26-35. The discovery in the data can be used in Car insurance premiums as marker to show if the individuals are high risk thus generating the insurance </a:t>
+            </a:r>
+            <a:r>
+              <a:rPr lang="en-US" altLang="en-US" sz="1400" dirty="0" smtClean="0"/>
+              <a:t>premium for </a:t>
+            </a:r>
+            <a:r>
+              <a:rPr lang="en-US" altLang="en-US" sz="1400" dirty="0"/>
+              <a:t>the year. </a:t>
+            </a:r>
+          </a:p>
+        </p:txBody>
+      </p:sp>
+    </p:spTree>
+    <p:extLst>
+      <p:ext uri="{BB962C8B-B14F-4D97-AF65-F5344CB8AC3E}">
+        <p14:creationId xmlns:p14="http://schemas.microsoft.com/office/powerpoint/2010/main" val="2338479372"/>
+      </p:ext>
+    </p:extLst>
+  </p:cSld>
+  <p:clrMapOvr>
+    <a:masterClrMapping/>
+  </p:clrMapOvr>
+</p:sld>
+</file>
+
+<file path=ppt/slides/slide27.xml><?xml version="1.0" encoding="utf-8"?>
+<p:sld xmlns:a="http://schemas.openxmlformats.org/drawingml/2006/main" xmlns:r="http://schemas.openxmlformats.org/officeDocument/2006/relationships" xmlns:p="http://schemas.openxmlformats.org/presentationml/2006/main">
+  <p:cSld>
+    <p:spTree>
+      <p:nvGrpSpPr>
+        <p:cNvPr id="1" name=""/>
+        <p:cNvGrpSpPr/>
+        <p:nvPr/>
+      </p:nvGrpSpPr>
+      <p:grpSpPr>
+        <a:xfrm>
+          <a:off x="0" y="0"/>
+          <a:ext cx="0" cy="0"/>
+          <a:chOff x="0" y="0"/>
+          <a:chExt cx="0" cy="0"/>
+        </a:xfrm>
+      </p:grpSpPr>
+      <p:sp>
+        <p:nvSpPr>
+          <p:cNvPr id="2" name="Title 1"/>
+          <p:cNvSpPr>
+            <a:spLocks noGrp="1"/>
+          </p:cNvSpPr>
+          <p:nvPr>
+            <p:ph type="title"/>
+          </p:nvPr>
+        </p:nvSpPr>
+        <p:spPr>
+          <a:xfrm>
+            <a:off x="301752" y="365792"/>
+            <a:ext cx="8534400" cy="758952"/>
+          </a:xfrm>
+        </p:spPr>
+        <p:txBody>
+          <a:bodyPr>
+            <a:normAutofit/>
+          </a:bodyPr>
+          <a:lstStyle/>
+          <a:p>
+            <a:r>
+              <a:rPr lang="en-GB" dirty="0" smtClean="0"/>
+              <a:t>Summary - Jo</a:t>
+            </a:r>
+            <a:endParaRPr lang="en-GB" dirty="0"/>
+          </a:p>
+        </p:txBody>
+      </p:sp>
+      <p:sp>
+        <p:nvSpPr>
+          <p:cNvPr id="8" name="Content Placeholder 2">
+            <a:extLst>
+              <a:ext uri="{FF2B5EF4-FFF2-40B4-BE49-F238E27FC236}">
+                <a16:creationId xmlns:lc="http://schemas.openxmlformats.org/drawingml/2006/lockedCanvas" xmlns:a16="http://schemas.microsoft.com/office/drawing/2014/main" xmlns="" id="{DEA12BF2-78D6-6C64-03EC-9BDE4C1AEF00}"/>
+              </a:ext>
+            </a:extLst>
+          </p:cNvPr>
+          <p:cNvSpPr>
+            <a:spLocks noGrp="1"/>
+          </p:cNvSpPr>
+          <p:nvPr/>
+        </p:nvSpPr>
+        <p:spPr>
+          <a:xfrm>
+            <a:off x="179512" y="1412776"/>
+            <a:ext cx="8784976" cy="5328592"/>
+          </a:xfrm>
+          <a:prstGeom prst="rect">
+            <a:avLst/>
+          </a:prstGeom>
+        </p:spPr>
+        <p:txBody>
+          <a:bodyPr vert="horz" lIns="91440" tIns="45720" rIns="91440" bIns="45720" rtlCol="0">
+            <a:normAutofit/>
+          </a:bodyPr>
+          <a:lstStyle>
+            <a:lvl1pPr marL="228600" indent="-228600" algn="l" defTabSz="914400" rtl="0" eaLnBrk="1" latinLnBrk="0" hangingPunct="1">
+              <a:lnSpc>
+                <a:spcPct val="90000"/>
+              </a:lnSpc>
+              <a:spcBef>
+                <a:spcPts val="1000"/>
+              </a:spcBef>
+              <a:buFont typeface="Arial" panose="020B0604020202020204" pitchFamily="34" charset="0"/>
+              <a:buChar char="•"/>
+              <a:defRPr sz="2800" kern="1200">
+                <a:solidFill>
+                  <a:schemeClr val="tx1"/>
+                </a:solidFill>
+                <a:latin typeface="+mn-lt"/>
+                <a:ea typeface="+mn-ea"/>
+                <a:cs typeface="+mn-cs"/>
+              </a:defRPr>
+            </a:lvl1pPr>
+            <a:lvl2pPr marL="685800" indent="-228600" algn="l" defTabSz="914400" rtl="0" eaLnBrk="1" latinLnBrk="0" hangingPunct="1">
+              <a:lnSpc>
+                <a:spcPct val="90000"/>
+              </a:lnSpc>
+              <a:spcBef>
+                <a:spcPts val="500"/>
+              </a:spcBef>
+              <a:buFont typeface="Arial" panose="020B0604020202020204" pitchFamily="34" charset="0"/>
+              <a:buChar char="•"/>
+              <a:defRPr sz="2400" kern="1200">
+                <a:solidFill>
+                  <a:schemeClr val="tx1"/>
+                </a:solidFill>
+                <a:latin typeface="+mn-lt"/>
+                <a:ea typeface="+mn-ea"/>
+                <a:cs typeface="+mn-cs"/>
+              </a:defRPr>
+            </a:lvl2pPr>
+            <a:lvl3pPr marL="1143000" indent="-228600" algn="l" defTabSz="914400" rtl="0" eaLnBrk="1" latinLnBrk="0" hangingPunct="1">
+              <a:lnSpc>
+                <a:spcPct val="90000"/>
+              </a:lnSpc>
+              <a:spcBef>
+                <a:spcPts val="500"/>
+              </a:spcBef>
+              <a:buFont typeface="Arial" panose="020B0604020202020204" pitchFamily="34" charset="0"/>
+              <a:buChar char="•"/>
+              <a:defRPr sz="2000" kern="1200">
+                <a:solidFill>
+                  <a:schemeClr val="tx1"/>
+                </a:solidFill>
+                <a:latin typeface="+mn-lt"/>
+                <a:ea typeface="+mn-ea"/>
+                <a:cs typeface="+mn-cs"/>
+              </a:defRPr>
+            </a:lvl3pPr>
+            <a:lvl4pPr marL="1600200" indent="-228600" algn="l" defTabSz="914400" rtl="0" eaLnBrk="1" latinLnBrk="0" hangingPunct="1">
+              <a:lnSpc>
+                <a:spcPct val="90000"/>
+              </a:lnSpc>
+              <a:spcBef>
+                <a:spcPts val="500"/>
+              </a:spcBef>
+              <a:buFont typeface="Arial" panose="020B0604020202020204" pitchFamily="34" charset="0"/>
+              <a:buChar char="•"/>
+              <a:defRPr sz="1800" kern="1200">
+                <a:solidFill>
+                  <a:schemeClr val="tx1"/>
+                </a:solidFill>
+                <a:latin typeface="+mn-lt"/>
+                <a:ea typeface="+mn-ea"/>
+                <a:cs typeface="+mn-cs"/>
+              </a:defRPr>
+            </a:lvl4pPr>
+            <a:lvl5pPr marL="2057400" indent="-228600" algn="l" defTabSz="914400" rtl="0" eaLnBrk="1" latinLnBrk="0" hangingPunct="1">
+              <a:lnSpc>
+                <a:spcPct val="90000"/>
+              </a:lnSpc>
+              <a:spcBef>
+                <a:spcPts val="500"/>
+              </a:spcBef>
+              <a:buFont typeface="Arial" panose="020B0604020202020204" pitchFamily="34" charset="0"/>
+              <a:buChar char="•"/>
+              <a:defRPr sz="1800" kern="1200">
+                <a:solidFill>
+                  <a:schemeClr val="tx1"/>
+                </a:solidFill>
+                <a:latin typeface="+mn-lt"/>
+                <a:ea typeface="+mn-ea"/>
+                <a:cs typeface="+mn-cs"/>
+              </a:defRPr>
+            </a:lvl5pPr>
+            <a:lvl6pPr marL="2514600" indent="-228600" algn="l" defTabSz="914400" rtl="0" eaLnBrk="1" latinLnBrk="0" hangingPunct="1">
+              <a:lnSpc>
+                <a:spcPct val="90000"/>
+              </a:lnSpc>
+              <a:spcBef>
+                <a:spcPts val="500"/>
+              </a:spcBef>
+              <a:buFont typeface="Arial" panose="020B0604020202020204" pitchFamily="34" charset="0"/>
+              <a:buChar char="•"/>
+              <a:defRPr sz="1800" kern="1200">
+                <a:solidFill>
+                  <a:schemeClr val="tx1"/>
+                </a:solidFill>
+                <a:latin typeface="+mn-lt"/>
+                <a:ea typeface="+mn-ea"/>
+                <a:cs typeface="+mn-cs"/>
+              </a:defRPr>
+            </a:lvl6pPr>
+            <a:lvl7pPr marL="2971800" indent="-228600" algn="l" defTabSz="914400" rtl="0" eaLnBrk="1" latinLnBrk="0" hangingPunct="1">
+              <a:lnSpc>
+                <a:spcPct val="90000"/>
+              </a:lnSpc>
+              <a:spcBef>
+                <a:spcPts val="500"/>
+              </a:spcBef>
+              <a:buFont typeface="Arial" panose="020B0604020202020204" pitchFamily="34" charset="0"/>
+              <a:buChar char="•"/>
+              <a:defRPr sz="1800" kern="1200">
+                <a:solidFill>
+                  <a:schemeClr val="tx1"/>
+                </a:solidFill>
+                <a:latin typeface="+mn-lt"/>
+                <a:ea typeface="+mn-ea"/>
+                <a:cs typeface="+mn-cs"/>
+              </a:defRPr>
+            </a:lvl7pPr>
+            <a:lvl8pPr marL="3429000" indent="-228600" algn="l" defTabSz="914400" rtl="0" eaLnBrk="1" latinLnBrk="0" hangingPunct="1">
+              <a:lnSpc>
+                <a:spcPct val="90000"/>
+              </a:lnSpc>
+              <a:spcBef>
+                <a:spcPts val="500"/>
+              </a:spcBef>
+              <a:buFont typeface="Arial" panose="020B0604020202020204" pitchFamily="34" charset="0"/>
+              <a:buChar char="•"/>
+              <a:defRPr sz="1800" kern="1200">
+                <a:solidFill>
+                  <a:schemeClr val="tx1"/>
+                </a:solidFill>
+                <a:latin typeface="+mn-lt"/>
+                <a:ea typeface="+mn-ea"/>
+                <a:cs typeface="+mn-cs"/>
+              </a:defRPr>
+            </a:lvl8pPr>
+            <a:lvl9pPr marL="3886200" indent="-228600" algn="l" defTabSz="914400" rtl="0" eaLnBrk="1" latinLnBrk="0" hangingPunct="1">
+              <a:lnSpc>
+                <a:spcPct val="90000"/>
+              </a:lnSpc>
+              <a:spcBef>
+                <a:spcPts val="500"/>
+              </a:spcBef>
+              <a:buFont typeface="Arial" panose="020B0604020202020204" pitchFamily="34" charset="0"/>
+              <a:buChar char="•"/>
+              <a:defRPr sz="1800" kern="1200">
+                <a:solidFill>
+                  <a:schemeClr val="tx1"/>
+                </a:solidFill>
+                <a:latin typeface="+mn-lt"/>
+                <a:ea typeface="+mn-ea"/>
+                <a:cs typeface="+mn-cs"/>
+              </a:defRPr>
+            </a:lvl9pPr>
+          </a:lstStyle>
+          <a:p>
+            <a:r>
+              <a:rPr lang="en-GB" sz="1400" dirty="0"/>
+              <a:t>Insurance companies could create insurance premiums looking at the possible factors of the car accidents </a:t>
+            </a:r>
+            <a:r>
+              <a:rPr lang="en-GB" sz="1400" dirty="0" smtClean="0"/>
+              <a:t>using our </a:t>
+            </a:r>
+            <a:r>
+              <a:rPr lang="en-GB" sz="1400" dirty="0" smtClean="0"/>
+              <a:t>analysis.</a:t>
+            </a:r>
+          </a:p>
+          <a:p>
+            <a:r>
+              <a:rPr lang="en-GB" sz="1400" dirty="0" smtClean="0"/>
+              <a:t>Life insurance companies could also look at this data for ages 26-35 adults, suggesting that their premiums could also be higher due to their higher risk of fatality.</a:t>
+            </a:r>
+          </a:p>
+          <a:p>
+            <a:r>
+              <a:rPr lang="en-GB" sz="1400" dirty="0" smtClean="0"/>
+              <a:t>Similarly, other analysis shows that single carriageways driving have the highest risk of accidents.</a:t>
+            </a:r>
+          </a:p>
+          <a:p>
+            <a:r>
+              <a:rPr lang="en-GB" sz="1400" dirty="0" smtClean="0"/>
+              <a:t>Lastly, car drivers have higher risks of accidents above other types.</a:t>
+            </a:r>
+          </a:p>
+          <a:p>
+            <a:r>
+              <a:rPr lang="en-GB" sz="1400" dirty="0" smtClean="0"/>
+              <a:t>There </a:t>
+            </a:r>
+            <a:r>
+              <a:rPr lang="en-GB" sz="1400" dirty="0" smtClean="0"/>
+              <a:t>are some limitations to the data – </a:t>
+            </a:r>
+          </a:p>
+          <a:p>
+            <a:pPr marL="514350" indent="-514350">
+              <a:buFont typeface="+mj-lt"/>
+              <a:buAutoNum type="arabicPeriod"/>
+            </a:pPr>
+            <a:r>
+              <a:rPr lang="en-GB" sz="1400" dirty="0" smtClean="0"/>
+              <a:t>We only looked at data from the West Midlands – note that some cities, for example London, are more densely populated therefore will have some sort of an impact on the data. This data analysis would only allow us to infer relationships in car accidents vs its factors in the West Midlands only.</a:t>
+            </a:r>
+            <a:endParaRPr lang="en-GB" sz="1400" dirty="0"/>
+          </a:p>
+          <a:p>
+            <a:pPr marL="514350" indent="-514350">
+              <a:buFont typeface="+mj-lt"/>
+              <a:buAutoNum type="arabicPeriod"/>
+            </a:pPr>
+            <a:r>
+              <a:rPr lang="en-GB" sz="1400" dirty="0" smtClean="0"/>
+              <a:t>We also note that the dataset only provides us data until 2015. Since then, we have had a pandemic as well a change in people’s working conditions. More people work from home, and follow hybrid working patterns than before.</a:t>
+            </a:r>
+          </a:p>
+          <a:p>
+            <a:pPr marL="514350" indent="-514350">
+              <a:buFont typeface="+mj-lt"/>
+              <a:buAutoNum type="arabicPeriod"/>
+            </a:pPr>
+            <a:r>
+              <a:rPr lang="en-GB" sz="1400" dirty="0" smtClean="0"/>
+              <a:t>More up-to-date data would be required to look at current trends, thereby facilitating more accurate pricing of insurance premiums</a:t>
+            </a:r>
+            <a:r>
+              <a:rPr lang="en-GB" sz="1400" dirty="0" smtClean="0"/>
+              <a:t>.</a:t>
+            </a:r>
+          </a:p>
+          <a:p>
+            <a:pPr marL="514350" indent="-514350">
+              <a:buFont typeface="+mj-lt"/>
+              <a:buAutoNum type="arabicPeriod"/>
+            </a:pPr>
+            <a:endParaRPr lang="en-GB" sz="1400" dirty="0" smtClean="0"/>
+          </a:p>
+        </p:txBody>
+      </p:sp>
+    </p:spTree>
+    <p:extLst>
+      <p:ext uri="{BB962C8B-B14F-4D97-AF65-F5344CB8AC3E}">
+        <p14:creationId xmlns:p14="http://schemas.microsoft.com/office/powerpoint/2010/main" val="1418884478"/>
       </p:ext>
     </p:extLst>
   </p:cSld>
@@ -10026,11 +11969,7 @@
           <a:p>
             <a:r>
               <a:rPr lang="en-US" sz="1600" dirty="0" smtClean="0"/>
-              <a:t>We </a:t>
-            </a:r>
-            <a:r>
-              <a:rPr lang="en-US" sz="1600" dirty="0" smtClean="0"/>
-              <a:t>combined the </a:t>
+              <a:t>We combined the </a:t>
             </a:r>
             <a:r>
               <a:rPr lang="en-US" sz="1600" dirty="0"/>
@@ -10398,11 +12337,7 @@
           <a:p>
             <a:r>
               <a:rPr lang="en-GB" sz="3000" dirty="0" smtClean="0"/>
-              <a:t>Journey </a:t>
-            </a:r>
-            <a:r>
-              <a:rPr lang="en-GB" sz="3000" dirty="0" smtClean="0"/>
-              <a:t>Purposes- Jo</a:t>
+              <a:t>Journey Purposes- Jo</a:t>
             </a:r>
             <a:endParaRPr lang="en-GB" sz="3000" dirty="0"/>
           </a:p>
@@ -10638,7 +12573,7 @@
           <p:cNvPr id="2" name="Title 1">
             <a:extLst>
               <a:ext uri="{FF2B5EF4-FFF2-40B4-BE49-F238E27FC236}">
-                <a16:creationId xmlns:a16="http://schemas.microsoft.com/office/drawing/2014/main" xmlns="" id="{9CE282E1-7FDF-A4D4-F1AE-9F36D11626BC}"/>
+                <a16:creationId xmlns="" xmlns:a16="http://schemas.microsoft.com/office/drawing/2014/main" id="{9CE282E1-7FDF-A4D4-F1AE-9F36D11626BC}"/>
               </a:ext>
             </a:extLst>
           </p:cNvPr>
@@ -10682,7 +12617,7 @@
           <p:cNvPr id="7" name="Content Placeholder 6">
             <a:extLst>
               <a:ext uri="{FF2B5EF4-FFF2-40B4-BE49-F238E27FC236}">
-                <a16:creationId xmlns:a16="http://schemas.microsoft.com/office/drawing/2014/main" xmlns="" id="{3AF095E8-C57B-D7EA-3F5E-832E8F457471}"/>
+                <a16:creationId xmlns="" xmlns:a16="http://schemas.microsoft.com/office/drawing/2014/main" id="{3AF095E8-C57B-D7EA-3F5E-832E8F457471}"/>
               </a:ext>
             </a:extLst>
           </p:cNvPr>
@@ -10943,7 +12878,7 @@
           <p:cNvPr id="2" name="Title 1">
             <a:extLst>
               <a:ext uri="{FF2B5EF4-FFF2-40B4-BE49-F238E27FC236}">
-                <a16:creationId xmlns:a16="http://schemas.microsoft.com/office/drawing/2014/main" xmlns="" id="{40319A7F-AC9C-F39F-1471-FF321D97CBB0}"/>
+                <a16:creationId xmlns="" xmlns:a16="http://schemas.microsoft.com/office/drawing/2014/main" id="{40319A7F-AC9C-F39F-1471-FF321D97CBB0}"/>
               </a:ext>
             </a:extLst>
           </p:cNvPr>
@@ -10995,7 +12930,7 @@
           <p:cNvPr id="3" name="Content Placeholder 2">
             <a:extLst>
               <a:ext uri="{FF2B5EF4-FFF2-40B4-BE49-F238E27FC236}">
-                <a16:creationId xmlns:a16="http://schemas.microsoft.com/office/drawing/2014/main" xmlns="" id="{4E3A9EF6-A5FF-F187-4C21-01DEB1267D6B}"/>
+                <a16:creationId xmlns="" xmlns:a16="http://schemas.microsoft.com/office/drawing/2014/main" id="{4E3A9EF6-A5FF-F187-4C21-01DEB1267D6B}"/>
               </a:ext>
             </a:extLst>
           </p:cNvPr>
@@ -11155,7 +13090,7 @@
           <p:cNvPr id="3" name="Text Placeholder 2">
             <a:extLst>
               <a:ext uri="{FF2B5EF4-FFF2-40B4-BE49-F238E27FC236}">
-                <a16:creationId xmlns:a16="http://schemas.microsoft.com/office/drawing/2014/main" xmlns="" id="{A1A3667F-832F-2062-6C4E-D5894C6207C6}"/>
+                <a16:creationId xmlns="" xmlns:a16="http://schemas.microsoft.com/office/drawing/2014/main" id="{A1A3667F-832F-2062-6C4E-D5894C6207C6}"/>
               </a:ext>
             </a:extLst>
           </p:cNvPr>
@@ -11189,7 +13124,7 @@
           <p:cNvPr id="5" name="Text Placeholder 4">
             <a:extLst>
               <a:ext uri="{FF2B5EF4-FFF2-40B4-BE49-F238E27FC236}">
-                <a16:creationId xmlns:a16="http://schemas.microsoft.com/office/drawing/2014/main" xmlns="" id="{BCD58AD2-8405-AC5B-E8F3-38BA3E2A34FF}"/>
+                <a16:creationId xmlns="" xmlns:a16="http://schemas.microsoft.com/office/drawing/2014/main" id="{BCD58AD2-8405-AC5B-E8F3-38BA3E2A34FF}"/>
               </a:ext>
             </a:extLst>
           </p:cNvPr>
@@ -11222,7 +13157,7 @@
           <p:cNvPr id="18" name="Content Placeholder 17">
             <a:extLst>
               <a:ext uri="{FF2B5EF4-FFF2-40B4-BE49-F238E27FC236}">
-                <a16:creationId xmlns:a16="http://schemas.microsoft.com/office/drawing/2014/main" xmlns="" id="{F6A15B69-9009-5ECE-8C2A-ED71EF337916}"/>
+                <a16:creationId xmlns="" xmlns:a16="http://schemas.microsoft.com/office/drawing/2014/main" id="{F6A15B69-9009-5ECE-8C2A-ED71EF337916}"/>
               </a:ext>
             </a:extLst>
           </p:cNvPr>
@@ -11233,7 +13168,7 @@
             <p:ph sz="quarter" idx="2"/>
           </p:nvPr>
         </p:nvPicPr>
-        <p:blipFill>
+        <p:blipFill rotWithShape="1">
           <a:blip r:embed="rId2">
             <a:extLst>
               <a:ext uri="{28A0092B-C50C-407E-A947-70E740481C1C}">
@@ -11241,14 +13176,13 @@
               </a:ext>
             </a:extLst>
           </a:blip>
-          <a:stretch>
-            <a:fillRect/>
-          </a:stretch>
+          <a:srcRect l="12500" r="12500"/>
+          <a:stretch/>
         </p:blipFill>
         <p:spPr>
           <a:xfrm>
-            <a:off x="251520" y="2708920"/>
-            <a:ext cx="4249936" cy="3187452"/>
+            <a:off x="395536" y="2276872"/>
+            <a:ext cx="4104456" cy="4104456"/>
           </a:xfrm>
         </p:spPr>
       </p:pic>
@@ -11257,7 +13191,7 @@
           <p:cNvPr id="20" name="Content Placeholder 19">
             <a:extLst>
               <a:ext uri="{FF2B5EF4-FFF2-40B4-BE49-F238E27FC236}">
-                <a16:creationId xmlns:a16="http://schemas.microsoft.com/office/drawing/2014/main" xmlns="" id="{FF9E2A75-8891-6C0F-326E-B0C7D4C68EAF}"/>
+                <a16:creationId xmlns="" xmlns:a16="http://schemas.microsoft.com/office/drawing/2014/main" id="{FF9E2A75-8891-6C0F-326E-B0C7D4C68EAF}"/>
               </a:ext>
             </a:extLst>
           </p:cNvPr>
@@ -11268,7 +13202,7 @@
             <p:ph sz="quarter" idx="4"/>
           </p:nvPr>
         </p:nvPicPr>
-        <p:blipFill>
+        <p:blipFill rotWithShape="1">
           <a:blip r:embed="rId3">
             <a:extLst>
               <a:ext uri="{28A0092B-C50C-407E-A947-70E740481C1C}">
@@ -11276,14 +13210,13 @@
               </a:ext>
             </a:extLst>
           </a:blip>
-          <a:stretch>
-            <a:fillRect/>
-          </a:stretch>
+          <a:srcRect l="6729" r="12522"/>
+          <a:stretch/>
         </p:blipFill>
         <p:spPr>
           <a:xfrm>
-            <a:off x="4499992" y="2276872"/>
-            <a:ext cx="4536504" cy="3888432"/>
+            <a:off x="4644008" y="2276872"/>
+            <a:ext cx="4104456" cy="4104456"/>
           </a:xfrm>
         </p:spPr>
       </p:pic>
@@ -11292,7 +13225,7 @@
           <p:cNvPr id="2" name="Title 1">
             <a:extLst>
               <a:ext uri="{FF2B5EF4-FFF2-40B4-BE49-F238E27FC236}">
-                <a16:creationId xmlns:a16="http://schemas.microsoft.com/office/drawing/2014/main" xmlns="" id="{55E541DF-C10B-34BF-1C91-CDEAB1A3B99F}"/>
+                <a16:creationId xmlns="" xmlns:a16="http://schemas.microsoft.com/office/drawing/2014/main" id="{55E541DF-C10B-34BF-1C91-CDEAB1A3B99F}"/>
               </a:ext>
             </a:extLst>
           </p:cNvPr>

--- a/Car Accidents Data Analysis.pptx
+++ b/Car Accidents Data Analysis.pptx
@@ -6585,7 +6585,7 @@
           <p:cNvPr id="3" name="Text Placeholder 2">
             <a:extLst>
               <a:ext uri="{FF2B5EF4-FFF2-40B4-BE49-F238E27FC236}">
-                <a16:creationId xmlns="" xmlns:a16="http://schemas.microsoft.com/office/drawing/2014/main" id="{9CBE5A70-FE2E-69C6-B582-4E7AAE17C9E0}"/>
+                <a16:creationId xmlns:a16="http://schemas.microsoft.com/office/drawing/2014/main" xmlns="" id="{9CBE5A70-FE2E-69C6-B582-4E7AAE17C9E0}"/>
               </a:ext>
             </a:extLst>
           </p:cNvPr>
@@ -6627,7 +6627,7 @@
           <p:cNvPr id="5" name="Text Placeholder 4">
             <a:extLst>
               <a:ext uri="{FF2B5EF4-FFF2-40B4-BE49-F238E27FC236}">
-                <a16:creationId xmlns="" xmlns:a16="http://schemas.microsoft.com/office/drawing/2014/main" id="{BC264E91-6BA2-413B-CB7A-E57413615546}"/>
+                <a16:creationId xmlns:a16="http://schemas.microsoft.com/office/drawing/2014/main" xmlns="" id="{BC264E91-6BA2-413B-CB7A-E57413615546}"/>
               </a:ext>
             </a:extLst>
           </p:cNvPr>
@@ -6666,7 +6666,7 @@
           <p:cNvPr id="14" name="Content Placeholder 13">
             <a:extLst>
               <a:ext uri="{FF2B5EF4-FFF2-40B4-BE49-F238E27FC236}">
-                <a16:creationId xmlns="" xmlns:a16="http://schemas.microsoft.com/office/drawing/2014/main" id="{06258AB1-68ED-E6CB-1290-0C2F3B5593EB}"/>
+                <a16:creationId xmlns:a16="http://schemas.microsoft.com/office/drawing/2014/main" xmlns="" id="{06258AB1-68ED-E6CB-1290-0C2F3B5593EB}"/>
               </a:ext>
             </a:extLst>
           </p:cNvPr>
@@ -6701,7 +6701,7 @@
           <p:cNvPr id="18" name="Content Placeholder 17">
             <a:extLst>
               <a:ext uri="{FF2B5EF4-FFF2-40B4-BE49-F238E27FC236}">
-                <a16:creationId xmlns="" xmlns:a16="http://schemas.microsoft.com/office/drawing/2014/main" id="{0EDF03F3-A494-584B-172E-DDEC1386284F}"/>
+                <a16:creationId xmlns:a16="http://schemas.microsoft.com/office/drawing/2014/main" xmlns="" id="{0EDF03F3-A494-584B-172E-DDEC1386284F}"/>
               </a:ext>
             </a:extLst>
           </p:cNvPr>
@@ -6736,7 +6736,7 @@
           <p:cNvPr id="2" name="Title 1">
             <a:extLst>
               <a:ext uri="{FF2B5EF4-FFF2-40B4-BE49-F238E27FC236}">
-                <a16:creationId xmlns="" xmlns:a16="http://schemas.microsoft.com/office/drawing/2014/main" id="{C03A3DF4-8AA9-C4D1-D4CF-5A51FAD38B43}"/>
+                <a16:creationId xmlns:a16="http://schemas.microsoft.com/office/drawing/2014/main" xmlns="" id="{C03A3DF4-8AA9-C4D1-D4CF-5A51FAD38B43}"/>
               </a:ext>
             </a:extLst>
           </p:cNvPr>
@@ -6818,7 +6818,7 @@
           <p:cNvPr id="3" name="Text Placeholder 2">
             <a:extLst>
               <a:ext uri="{FF2B5EF4-FFF2-40B4-BE49-F238E27FC236}">
-                <a16:creationId xmlns="" xmlns:a16="http://schemas.microsoft.com/office/drawing/2014/main" id="{D2004615-E427-7A83-8F69-8DC80D0EA894}"/>
+                <a16:creationId xmlns:a16="http://schemas.microsoft.com/office/drawing/2014/main" xmlns="" id="{D2004615-E427-7A83-8F69-8DC80D0EA894}"/>
               </a:ext>
             </a:extLst>
           </p:cNvPr>
@@ -6851,7 +6851,7 @@
           <p:cNvPr id="5" name="Text Placeholder 4">
             <a:extLst>
               <a:ext uri="{FF2B5EF4-FFF2-40B4-BE49-F238E27FC236}">
-                <a16:creationId xmlns="" xmlns:a16="http://schemas.microsoft.com/office/drawing/2014/main" id="{3629384D-A8B7-D55E-0EEF-534E417F200A}"/>
+                <a16:creationId xmlns:a16="http://schemas.microsoft.com/office/drawing/2014/main" xmlns="" id="{3629384D-A8B7-D55E-0EEF-534E417F200A}"/>
               </a:ext>
             </a:extLst>
           </p:cNvPr>
@@ -6891,7 +6891,7 @@
           <p:cNvPr id="8" name="Content Placeholder 7">
             <a:extLst>
               <a:ext uri="{FF2B5EF4-FFF2-40B4-BE49-F238E27FC236}">
-                <a16:creationId xmlns="" xmlns:a16="http://schemas.microsoft.com/office/drawing/2014/main" id="{EEC644D3-50EF-C099-700D-33055BA0BAB7}"/>
+                <a16:creationId xmlns:a16="http://schemas.microsoft.com/office/drawing/2014/main" xmlns="" id="{EEC644D3-50EF-C099-700D-33055BA0BAB7}"/>
               </a:ext>
             </a:extLst>
           </p:cNvPr>
@@ -6926,7 +6926,7 @@
           <p:cNvPr id="10" name="Content Placeholder 9">
             <a:extLst>
               <a:ext uri="{FF2B5EF4-FFF2-40B4-BE49-F238E27FC236}">
-                <a16:creationId xmlns="" xmlns:a16="http://schemas.microsoft.com/office/drawing/2014/main" id="{8804B62D-13CC-20AE-9736-8DD8211B2D7A}"/>
+                <a16:creationId xmlns:a16="http://schemas.microsoft.com/office/drawing/2014/main" xmlns="" id="{8804B62D-13CC-20AE-9736-8DD8211B2D7A}"/>
               </a:ext>
             </a:extLst>
           </p:cNvPr>
@@ -6961,7 +6961,7 @@
           <p:cNvPr id="2" name="Title 1">
             <a:extLst>
               <a:ext uri="{FF2B5EF4-FFF2-40B4-BE49-F238E27FC236}">
-                <a16:creationId xmlns="" xmlns:a16="http://schemas.microsoft.com/office/drawing/2014/main" id="{98AFE39E-07EF-6DB5-DF35-16C241BEB80B}"/>
+                <a16:creationId xmlns:a16="http://schemas.microsoft.com/office/drawing/2014/main" xmlns="" id="{98AFE39E-07EF-6DB5-DF35-16C241BEB80B}"/>
               </a:ext>
             </a:extLst>
           </p:cNvPr>
@@ -7055,7 +7055,7 @@
           <p:cNvPr id="2" name="Title 1">
             <a:extLst>
               <a:ext uri="{FF2B5EF4-FFF2-40B4-BE49-F238E27FC236}">
-                <a16:creationId xmlns="" xmlns:a16="http://schemas.microsoft.com/office/drawing/2014/main" id="{7BBFDFA0-4990-650D-5D0E-4907B13A7073}"/>
+                <a16:creationId xmlns:a16="http://schemas.microsoft.com/office/drawing/2014/main" xmlns="" id="{7BBFDFA0-4990-650D-5D0E-4907B13A7073}"/>
               </a:ext>
             </a:extLst>
           </p:cNvPr>
@@ -7099,7 +7099,7 @@
           <p:cNvPr id="3" name="Content Placeholder 2">
             <a:extLst>
               <a:ext uri="{FF2B5EF4-FFF2-40B4-BE49-F238E27FC236}">
-                <a16:creationId xmlns="" xmlns:a16="http://schemas.microsoft.com/office/drawing/2014/main" id="{7DD4CFC9-636E-F406-91B7-0364B34A020F}"/>
+                <a16:creationId xmlns:a16="http://schemas.microsoft.com/office/drawing/2014/main" xmlns="" id="{7DD4CFC9-636E-F406-91B7-0364B34A020F}"/>
               </a:ext>
             </a:extLst>
           </p:cNvPr>
@@ -7557,7 +7557,7 @@
           <p:cNvPr id="8" name="Title 7">
             <a:extLst>
               <a:ext uri="{FF2B5EF4-FFF2-40B4-BE49-F238E27FC236}">
-                <a16:creationId xmlns="" xmlns:a16="http://schemas.microsoft.com/office/drawing/2014/main" id="{5F3BC96A-6175-32C8-05E3-2DB890106C79}"/>
+                <a16:creationId xmlns:a16="http://schemas.microsoft.com/office/drawing/2014/main" xmlns="" id="{5F3BC96A-6175-32C8-05E3-2DB890106C79}"/>
               </a:ext>
             </a:extLst>
           </p:cNvPr>
@@ -7601,7 +7601,7 @@
           <p:cNvPr id="12" name="Picture 11">
             <a:extLst>
               <a:ext uri="{FF2B5EF4-FFF2-40B4-BE49-F238E27FC236}">
-                <a16:creationId xmlns="" xmlns:a16="http://schemas.microsoft.com/office/drawing/2014/main" id="{0684C7C1-F7CE-8CAD-E83B-AACFED33603B}"/>
+                <a16:creationId xmlns:a16="http://schemas.microsoft.com/office/drawing/2014/main" xmlns="" id="{0684C7C1-F7CE-8CAD-E83B-AACFED33603B}"/>
               </a:ext>
             </a:extLst>
           </p:cNvPr>
@@ -7667,7 +7667,7 @@
           <p:cNvPr id="2" name="Title 1">
             <a:extLst>
               <a:ext uri="{FF2B5EF4-FFF2-40B4-BE49-F238E27FC236}">
-                <a16:creationId xmlns="" xmlns:a16="http://schemas.microsoft.com/office/drawing/2014/main" id="{9AB70618-8549-E880-077C-423B9081E61B}"/>
+                <a16:creationId xmlns:a16="http://schemas.microsoft.com/office/drawing/2014/main" xmlns="" id="{9AB70618-8549-E880-077C-423B9081E61B}"/>
               </a:ext>
             </a:extLst>
           </p:cNvPr>
@@ -7711,7 +7711,7 @@
           <p:cNvPr id="4" name="Picture 3">
             <a:extLst>
               <a:ext uri="{FF2B5EF4-FFF2-40B4-BE49-F238E27FC236}">
-                <a16:creationId xmlns="" xmlns:a16="http://schemas.microsoft.com/office/drawing/2014/main" id="{32705068-5950-C297-B66D-057A695DA129}"/>
+                <a16:creationId xmlns:a16="http://schemas.microsoft.com/office/drawing/2014/main" xmlns="" id="{32705068-5950-C297-B66D-057A695DA129}"/>
               </a:ext>
             </a:extLst>
           </p:cNvPr>
@@ -7777,7 +7777,7 @@
           <p:cNvPr id="2" name="Title 1">
             <a:extLst>
               <a:ext uri="{FF2B5EF4-FFF2-40B4-BE49-F238E27FC236}">
-                <a16:creationId xmlns="" xmlns:a16="http://schemas.microsoft.com/office/drawing/2014/main" id="{089AFC19-53DD-1807-8767-04FCAE77EC67}"/>
+                <a16:creationId xmlns:a16="http://schemas.microsoft.com/office/drawing/2014/main" xmlns="" id="{089AFC19-53DD-1807-8767-04FCAE77EC67}"/>
               </a:ext>
             </a:extLst>
           </p:cNvPr>
@@ -7821,7 +7821,7 @@
           <p:cNvPr id="3" name="Content Placeholder 2">
             <a:extLst>
               <a:ext uri="{FF2B5EF4-FFF2-40B4-BE49-F238E27FC236}">
-                <a16:creationId xmlns="" xmlns:a16="http://schemas.microsoft.com/office/drawing/2014/main" id="{D502E60C-4359-41E5-21D6-598974416D21}"/>
+                <a16:creationId xmlns:a16="http://schemas.microsoft.com/office/drawing/2014/main" xmlns="" id="{D502E60C-4359-41E5-21D6-598974416D21}"/>
               </a:ext>
             </a:extLst>
           </p:cNvPr>
@@ -8001,7 +8001,7 @@
           <p:cNvPr id="2" name="Title 1">
             <a:extLst>
               <a:ext uri="{FF2B5EF4-FFF2-40B4-BE49-F238E27FC236}">
-                <a16:creationId xmlns="" xmlns:a16="http://schemas.microsoft.com/office/drawing/2014/main" id="{A54116A5-5FE5-0EF5-C418-8C64417FA3DB}"/>
+                <a16:creationId xmlns:a16="http://schemas.microsoft.com/office/drawing/2014/main" xmlns="" id="{A54116A5-5FE5-0EF5-C418-8C64417FA3DB}"/>
               </a:ext>
             </a:extLst>
           </p:cNvPr>
@@ -8045,7 +8045,7 @@
           <p:cNvPr id="3" name="Content Placeholder 2">
             <a:extLst>
               <a:ext uri="{FF2B5EF4-FFF2-40B4-BE49-F238E27FC236}">
-                <a16:creationId xmlns="" xmlns:a16="http://schemas.microsoft.com/office/drawing/2014/main" id="{2F3BD7ED-E3D1-8C43-1B8D-D1B7C814BFE9}"/>
+                <a16:creationId xmlns:a16="http://schemas.microsoft.com/office/drawing/2014/main" xmlns="" id="{2F3BD7ED-E3D1-8C43-1B8D-D1B7C814BFE9}"/>
               </a:ext>
             </a:extLst>
           </p:cNvPr>
@@ -8231,7 +8231,7 @@
           <p:cNvPr id="2" name="Title 1">
             <a:extLst>
               <a:ext uri="{FF2B5EF4-FFF2-40B4-BE49-F238E27FC236}">
-                <a16:creationId xmlns="" xmlns:a16="http://schemas.microsoft.com/office/drawing/2014/main" id="{05DAE180-CD01-B0CC-2926-174085F71358}"/>
+                <a16:creationId xmlns:a16="http://schemas.microsoft.com/office/drawing/2014/main" xmlns="" id="{05DAE180-CD01-B0CC-2926-174085F71358}"/>
               </a:ext>
             </a:extLst>
           </p:cNvPr>
@@ -8275,7 +8275,7 @@
           <p:cNvPr id="4" name="Picture 3">
             <a:extLst>
               <a:ext uri="{FF2B5EF4-FFF2-40B4-BE49-F238E27FC236}">
-                <a16:creationId xmlns="" xmlns:a16="http://schemas.microsoft.com/office/drawing/2014/main" id="{3996560E-E9CD-799E-46BF-C5E674524616}"/>
+                <a16:creationId xmlns:a16="http://schemas.microsoft.com/office/drawing/2014/main" xmlns="" id="{3996560E-E9CD-799E-46BF-C5E674524616}"/>
               </a:ext>
             </a:extLst>
           </p:cNvPr>
@@ -8341,7 +8341,7 @@
           <p:cNvPr id="2" name="Title 1">
             <a:extLst>
               <a:ext uri="{FF2B5EF4-FFF2-40B4-BE49-F238E27FC236}">
-                <a16:creationId xmlns="" xmlns:a16="http://schemas.microsoft.com/office/drawing/2014/main" id="{22D7089A-6C9A-6DE2-77DB-B4FF7E6D3FD7}"/>
+                <a16:creationId xmlns:a16="http://schemas.microsoft.com/office/drawing/2014/main" xmlns="" id="{22D7089A-6C9A-6DE2-77DB-B4FF7E6D3FD7}"/>
               </a:ext>
             </a:extLst>
           </p:cNvPr>
@@ -8369,7 +8369,7 @@
           <p:cNvPr id="3" name="Content Placeholder 2">
             <a:extLst>
               <a:ext uri="{FF2B5EF4-FFF2-40B4-BE49-F238E27FC236}">
-                <a16:creationId xmlns="" xmlns:a16="http://schemas.microsoft.com/office/drawing/2014/main" id="{34BCC1FA-58C4-E0EC-D0C2-F43563F0FEF1}"/>
+                <a16:creationId xmlns:a16="http://schemas.microsoft.com/office/drawing/2014/main" xmlns="" id="{34BCC1FA-58C4-E0EC-D0C2-F43563F0FEF1}"/>
               </a:ext>
             </a:extLst>
           </p:cNvPr>
@@ -8581,7 +8581,7 @@
           <p:cNvPr id="3" name="Content Placeholder 2">
             <a:extLst>
               <a:ext uri="{FF2B5EF4-FFF2-40B4-BE49-F238E27FC236}">
-                <a16:creationId xmlns="" xmlns:a16="http://schemas.microsoft.com/office/drawing/2014/main" id="{A984A632-7D80-C0E0-0BE3-2563B67C8E8C}"/>
+                <a16:creationId xmlns:a16="http://schemas.microsoft.com/office/drawing/2014/main" xmlns="" id="{A984A632-7D80-C0E0-0BE3-2563B67C8E8C}"/>
               </a:ext>
             </a:extLst>
           </p:cNvPr>
@@ -8679,7 +8679,7 @@
           <p:cNvPr id="4" name="Title 1">
             <a:extLst>
               <a:ext uri="{FF2B5EF4-FFF2-40B4-BE49-F238E27FC236}">
-                <a16:creationId xmlns="" xmlns:a16="http://schemas.microsoft.com/office/drawing/2014/main" id="{22D7089A-6C9A-6DE2-77DB-B4FF7E6D3FD7}"/>
+                <a16:creationId xmlns:a16="http://schemas.microsoft.com/office/drawing/2014/main" xmlns="" id="{22D7089A-6C9A-6DE2-77DB-B4FF7E6D3FD7}"/>
               </a:ext>
             </a:extLst>
           </p:cNvPr>
@@ -8902,7 +8902,7 @@
           <p:cNvPr id="3" name="Content Placeholder 2">
             <a:extLst>
               <a:ext uri="{FF2B5EF4-FFF2-40B4-BE49-F238E27FC236}">
-                <a16:creationId xmlns="" xmlns:a16="http://schemas.microsoft.com/office/drawing/2014/main" id="{8C63218E-134C-90EF-07D6-CB8D1757379E}"/>
+                <a16:creationId xmlns:a16="http://schemas.microsoft.com/office/drawing/2014/main" xmlns="" id="{8C63218E-134C-90EF-07D6-CB8D1757379E}"/>
               </a:ext>
             </a:extLst>
           </p:cNvPr>
@@ -9163,7 +9163,7 @@
           <p:cNvPr id="1026" name="Picture 2">
             <a:extLst>
               <a:ext uri="{FF2B5EF4-FFF2-40B4-BE49-F238E27FC236}">
-                <a16:creationId xmlns="" xmlns:a16="http://schemas.microsoft.com/office/drawing/2014/main" id="{2709A83A-E27A-5EB6-5109-4875EB493C67}"/>
+                <a16:creationId xmlns:a16="http://schemas.microsoft.com/office/drawing/2014/main" xmlns="" id="{2709A83A-E27A-5EB6-5109-4875EB493C67}"/>
               </a:ext>
             </a:extLst>
           </p:cNvPr>
@@ -9240,7 +9240,7 @@
           <p:cNvPr id="2050" name="Picture 2" descr="A blue circle with orange and blue text&#10;&#10;Description automatically generated">
             <a:extLst>
               <a:ext uri="{FF2B5EF4-FFF2-40B4-BE49-F238E27FC236}">
-                <a16:creationId xmlns="" xmlns:a16="http://schemas.microsoft.com/office/drawing/2014/main" id="{ADDD11F5-5507-9C80-E267-12A3C2174F20}"/>
+                <a16:creationId xmlns:a16="http://schemas.microsoft.com/office/drawing/2014/main" xmlns="" id="{ADDD11F5-5507-9C80-E267-12A3C2174F20}"/>
               </a:ext>
             </a:extLst>
           </p:cNvPr>
@@ -9287,7 +9287,7 @@
           <p:cNvPr id="5" name="Title 1">
             <a:extLst>
               <a:ext uri="{FF2B5EF4-FFF2-40B4-BE49-F238E27FC236}">
-                <a16:creationId xmlns="" xmlns:a16="http://schemas.microsoft.com/office/drawing/2014/main" id="{22D7089A-6C9A-6DE2-77DB-B4FF7E6D3FD7}"/>
+                <a16:creationId xmlns:a16="http://schemas.microsoft.com/office/drawing/2014/main" xmlns="" id="{22D7089A-6C9A-6DE2-77DB-B4FF7E6D3FD7}"/>
               </a:ext>
             </a:extLst>
           </p:cNvPr>
@@ -9366,7 +9366,7 @@
           <p:cNvPr id="3" name="Content Placeholder 2">
             <a:extLst>
               <a:ext uri="{FF2B5EF4-FFF2-40B4-BE49-F238E27FC236}">
-                <a16:creationId xmlns="" xmlns:a16="http://schemas.microsoft.com/office/drawing/2014/main" id="{6697D1DE-6459-A6AB-2DAD-364950CCEACC}"/>
+                <a16:creationId xmlns:a16="http://schemas.microsoft.com/office/drawing/2014/main" xmlns="" id="{6697D1DE-6459-A6AB-2DAD-364950CCEACC}"/>
               </a:ext>
             </a:extLst>
           </p:cNvPr>
@@ -9409,7 +9409,15 @@
             </a:pPr>
             <a:r>
               <a:rPr lang="en-GB" dirty="0"/>
-              <a:t>“Does they type of vehicle involved in an accident impact the severity of the accident?”</a:t>
+              <a:t>“Does </a:t>
+            </a:r>
+            <a:r>
+              <a:rPr lang="en-GB" dirty="0" smtClean="0"/>
+              <a:t>the </a:t>
+            </a:r>
+            <a:r>
+              <a:rPr lang="en-GB" dirty="0"/>
+              <a:t>type of vehicle involved in an accident impact the severity of the accident?”</a:t>
             </a:r>
           </a:p>
           <a:p>
@@ -9452,11 +9460,7 @@
             </a:r>
             <a:r>
               <a:rPr lang="en-GB" dirty="0" smtClean="0"/>
-              <a:t>involved</a:t>
-            </a:r>
-            <a:r>
-              <a:rPr lang="en-GB" dirty="0" smtClean="0"/>
-              <a:t>.</a:t>
+              <a:t>involved.</a:t>
             </a:r>
           </a:p>
           <a:p>
@@ -9482,7 +9486,7 @@
           <p:cNvPr id="5" name="Title 1">
             <a:extLst>
               <a:ext uri="{FF2B5EF4-FFF2-40B4-BE49-F238E27FC236}">
-                <a16:creationId xmlns="" xmlns:a16="http://schemas.microsoft.com/office/drawing/2014/main" id="{22D7089A-6C9A-6DE2-77DB-B4FF7E6D3FD7}"/>
+                <a16:creationId xmlns:a16="http://schemas.microsoft.com/office/drawing/2014/main" xmlns="" id="{22D7089A-6C9A-6DE2-77DB-B4FF7E6D3FD7}"/>
               </a:ext>
             </a:extLst>
           </p:cNvPr>
@@ -9610,7 +9614,7 @@
           <p:cNvPr id="4" name="Rectangle 3">
             <a:extLst>
               <a:ext uri="{FF2B5EF4-FFF2-40B4-BE49-F238E27FC236}">
-                <a16:creationId xmlns:lc="http://schemas.openxmlformats.org/drawingml/2006/lockedCanvas" xmlns:a16="http://schemas.microsoft.com/office/drawing/2014/main" xmlns="" id="{72FE6531-E070-A08A-0382-07C7B667EDE0}"/>
+                <a16:creationId xmlns="" xmlns:a16="http://schemas.microsoft.com/office/drawing/2014/main" xmlns:lc="http://schemas.openxmlformats.org/drawingml/2006/lockedCanvas" id="{72FE6531-E070-A08A-0382-07C7B667EDE0}"/>
               </a:ext>
             </a:extLst>
           </p:cNvPr>
@@ -9948,7 +9952,7 @@
           <p:cNvPr id="5" name="Picture 4">
             <a:extLst>
               <a:ext uri="{FF2B5EF4-FFF2-40B4-BE49-F238E27FC236}">
-                <a16:creationId xmlns:lc="http://schemas.openxmlformats.org/drawingml/2006/lockedCanvas" xmlns:a16="http://schemas.microsoft.com/office/drawing/2014/main" xmlns="" id="{F35E1B0B-9E3B-6F4F-0800-9A5EAFFAAA34}"/>
+                <a16:creationId xmlns="" xmlns:a16="http://schemas.microsoft.com/office/drawing/2014/main" xmlns:lc="http://schemas.openxmlformats.org/drawingml/2006/lockedCanvas" id="{F35E1B0B-9E3B-6F4F-0800-9A5EAFFAAA34}"/>
               </a:ext>
             </a:extLst>
           </p:cNvPr>
@@ -10037,7 +10041,7 @@
           <p:cNvPr id="6" name="TextBox 5">
             <a:extLst>
               <a:ext uri="{FF2B5EF4-FFF2-40B4-BE49-F238E27FC236}">
-                <a16:creationId xmlns:lc="http://schemas.openxmlformats.org/drawingml/2006/lockedCanvas" xmlns:a16="http://schemas.microsoft.com/office/drawing/2014/main" xmlns="" id="{33696AF3-0FE8-CD89-D685-2F5D7982BD71}"/>
+                <a16:creationId xmlns="" xmlns:a16="http://schemas.microsoft.com/office/drawing/2014/main" xmlns:lc="http://schemas.openxmlformats.org/drawingml/2006/lockedCanvas" id="{33696AF3-0FE8-CD89-D685-2F5D7982BD71}"/>
               </a:ext>
             </a:extLst>
           </p:cNvPr>
@@ -10460,7 +10464,7 @@
           <p:cNvPr id="7" name="Content Placeholder 4">
             <a:extLst>
               <a:ext uri="{FF2B5EF4-FFF2-40B4-BE49-F238E27FC236}">
-                <a16:creationId xmlns:lc="http://schemas.openxmlformats.org/drawingml/2006/lockedCanvas" xmlns:a16="http://schemas.microsoft.com/office/drawing/2014/main" xmlns="" id="{EF1D6072-4C23-60C7-3EFA-29653179BFD6}"/>
+                <a16:creationId xmlns="" xmlns:a16="http://schemas.microsoft.com/office/drawing/2014/main" xmlns:lc="http://schemas.openxmlformats.org/drawingml/2006/lockedCanvas" id="{EF1D6072-4C23-60C7-3EFA-29653179BFD6}"/>
               </a:ext>
             </a:extLst>
           </p:cNvPr>
@@ -10549,7 +10553,7 @@
           <p:cNvPr id="5" name="TextBox 7">
             <a:extLst>
               <a:ext uri="{FF2B5EF4-FFF2-40B4-BE49-F238E27FC236}">
-                <a16:creationId xmlns:lc="http://schemas.openxmlformats.org/drawingml/2006/lockedCanvas" xmlns:a16="http://schemas.microsoft.com/office/drawing/2014/main" xmlns="" id="{5289B5A1-BEBC-3A9D-D72F-0C4DAE8EFB64}"/>
+                <a16:creationId xmlns="" xmlns:a16="http://schemas.microsoft.com/office/drawing/2014/main" xmlns:lc="http://schemas.openxmlformats.org/drawingml/2006/lockedCanvas" id="{5289B5A1-BEBC-3A9D-D72F-0C4DAE8EFB64}"/>
               </a:ext>
             </a:extLst>
           </p:cNvPr>
@@ -10814,7 +10818,7 @@
           <p:cNvPr id="8" name="Content Placeholder 4">
             <a:extLst>
               <a:ext uri="{FF2B5EF4-FFF2-40B4-BE49-F238E27FC236}">
-                <a16:creationId xmlns:lc="http://schemas.openxmlformats.org/drawingml/2006/lockedCanvas" xmlns:a16="http://schemas.microsoft.com/office/drawing/2014/main" xmlns="" id="{CBC84466-89F7-46C6-ECED-9A822B7D7AF6}"/>
+                <a16:creationId xmlns="" xmlns:a16="http://schemas.microsoft.com/office/drawing/2014/main" xmlns:lc="http://schemas.openxmlformats.org/drawingml/2006/lockedCanvas" id="{CBC84466-89F7-46C6-ECED-9A822B7D7AF6}"/>
               </a:ext>
             </a:extLst>
           </p:cNvPr>
@@ -10844,7 +10848,7 @@
           <p:cNvPr id="9" name="Content Placeholder 4">
             <a:extLst>
               <a:ext uri="{FF2B5EF4-FFF2-40B4-BE49-F238E27FC236}">
-                <a16:creationId xmlns:lc="http://schemas.openxmlformats.org/drawingml/2006/lockedCanvas" xmlns:a16="http://schemas.microsoft.com/office/drawing/2014/main" xmlns="" id="{288D79A6-177A-A324-24B0-DD019063839D}"/>
+                <a16:creationId xmlns="" xmlns:a16="http://schemas.microsoft.com/office/drawing/2014/main" xmlns:lc="http://schemas.openxmlformats.org/drawingml/2006/lockedCanvas" id="{288D79A6-177A-A324-24B0-DD019063839D}"/>
               </a:ext>
             </a:extLst>
           </p:cNvPr>
@@ -10933,7 +10937,7 @@
           <p:cNvPr id="6" name="Picture 5">
             <a:extLst>
               <a:ext uri="{FF2B5EF4-FFF2-40B4-BE49-F238E27FC236}">
-                <a16:creationId xmlns:lc="http://schemas.openxmlformats.org/drawingml/2006/lockedCanvas" xmlns:a16="http://schemas.microsoft.com/office/drawing/2014/main" xmlns="" id="{BA74A6ED-756F-4C65-B22A-E561763A9FF8}"/>
+                <a16:creationId xmlns="" xmlns:a16="http://schemas.microsoft.com/office/drawing/2014/main" xmlns:lc="http://schemas.openxmlformats.org/drawingml/2006/lockedCanvas" id="{BA74A6ED-756F-4C65-B22A-E561763A9FF8}"/>
               </a:ext>
             </a:extLst>
           </p:cNvPr>
@@ -10963,7 +10967,7 @@
           <p:cNvPr id="7" name="Picture 6">
             <a:extLst>
               <a:ext uri="{FF2B5EF4-FFF2-40B4-BE49-F238E27FC236}">
-                <a16:creationId xmlns:lc="http://schemas.openxmlformats.org/drawingml/2006/lockedCanvas" xmlns:a16="http://schemas.microsoft.com/office/drawing/2014/main" xmlns="" id="{302A48AB-6E9D-C4EC-8925-9FBC4A3B3D9B}"/>
+                <a16:creationId xmlns="" xmlns:a16="http://schemas.microsoft.com/office/drawing/2014/main" xmlns:lc="http://schemas.openxmlformats.org/drawingml/2006/lockedCanvas" id="{302A48AB-6E9D-C4EC-8925-9FBC4A3B3D9B}"/>
               </a:ext>
             </a:extLst>
           </p:cNvPr>
@@ -11155,7 +11159,7 @@
           <p:cNvPr id="8" name="Content Placeholder 2">
             <a:extLst>
               <a:ext uri="{FF2B5EF4-FFF2-40B4-BE49-F238E27FC236}">
-                <a16:creationId xmlns:lc="http://schemas.openxmlformats.org/drawingml/2006/lockedCanvas" xmlns:a16="http://schemas.microsoft.com/office/drawing/2014/main" xmlns="" id="{DEA12BF2-78D6-6C64-03EC-9BDE4C1AEF00}"/>
+                <a16:creationId xmlns="" xmlns:a16="http://schemas.microsoft.com/office/drawing/2014/main" xmlns:lc="http://schemas.openxmlformats.org/drawingml/2006/lockedCanvas" id="{DEA12BF2-78D6-6C64-03EC-9BDE4C1AEF00}"/>
               </a:ext>
             </a:extLst>
           </p:cNvPr>
@@ -11348,11 +11352,7 @@
             </a:r>
             <a:r>
               <a:rPr lang="en-GB" sz="1400" dirty="0" smtClean="0"/>
-              <a:t>using our </a:t>
-            </a:r>
-            <a:r>
-              <a:rPr lang="en-GB" sz="1400" dirty="0" smtClean="0"/>
-              <a:t>analysis.</a:t>
+              <a:t>using our analysis.</a:t>
             </a:r>
           </a:p>
           <a:p>
@@ -11376,11 +11376,7 @@
           <a:p>
             <a:r>
               <a:rPr lang="en-GB" sz="1400" dirty="0" smtClean="0"/>
-              <a:t>There </a:t>
-            </a:r>
-            <a:r>
-              <a:rPr lang="en-GB" sz="1400" dirty="0" smtClean="0"/>
-              <a:t>are some limitations to the data – </a:t>
+              <a:t>There are some limitations to the data – </a:t>
             </a:r>
           </a:p>
           <a:p>
@@ -11411,11 +11407,7 @@
             </a:pPr>
             <a:r>
               <a:rPr lang="en-GB" sz="1400" dirty="0" smtClean="0"/>
-              <a:t>More up-to-date data would be required to look at current trends, thereby facilitating more accurate pricing of insurance premiums</a:t>
-            </a:r>
-            <a:r>
-              <a:rPr lang="en-GB" sz="1400" dirty="0" smtClean="0"/>
-              <a:t>.</a:t>
+              <a:t>More up-to-date data would be required to look at current trends, thereby facilitating more accurate pricing of insurance premiums.</a:t>
             </a:r>
           </a:p>
           <a:p>
@@ -12573,7 +12565,7 @@
           <p:cNvPr id="2" name="Title 1">
             <a:extLst>
               <a:ext uri="{FF2B5EF4-FFF2-40B4-BE49-F238E27FC236}">
-                <a16:creationId xmlns="" xmlns:a16="http://schemas.microsoft.com/office/drawing/2014/main" id="{9CE282E1-7FDF-A4D4-F1AE-9F36D11626BC}"/>
+                <a16:creationId xmlns:a16="http://schemas.microsoft.com/office/drawing/2014/main" xmlns="" id="{9CE282E1-7FDF-A4D4-F1AE-9F36D11626BC}"/>
               </a:ext>
             </a:extLst>
           </p:cNvPr>
@@ -12617,7 +12609,7 @@
           <p:cNvPr id="7" name="Content Placeholder 6">
             <a:extLst>
               <a:ext uri="{FF2B5EF4-FFF2-40B4-BE49-F238E27FC236}">
-                <a16:creationId xmlns="" xmlns:a16="http://schemas.microsoft.com/office/drawing/2014/main" id="{3AF095E8-C57B-D7EA-3F5E-832E8F457471}"/>
+                <a16:creationId xmlns:a16="http://schemas.microsoft.com/office/drawing/2014/main" xmlns="" id="{3AF095E8-C57B-D7EA-3F5E-832E8F457471}"/>
               </a:ext>
             </a:extLst>
           </p:cNvPr>
@@ -12878,7 +12870,7 @@
           <p:cNvPr id="2" name="Title 1">
             <a:extLst>
               <a:ext uri="{FF2B5EF4-FFF2-40B4-BE49-F238E27FC236}">
-                <a16:creationId xmlns="" xmlns:a16="http://schemas.microsoft.com/office/drawing/2014/main" id="{40319A7F-AC9C-F39F-1471-FF321D97CBB0}"/>
+                <a16:creationId xmlns:a16="http://schemas.microsoft.com/office/drawing/2014/main" xmlns="" id="{40319A7F-AC9C-F39F-1471-FF321D97CBB0}"/>
               </a:ext>
             </a:extLst>
           </p:cNvPr>
@@ -12930,7 +12922,7 @@
           <p:cNvPr id="3" name="Content Placeholder 2">
             <a:extLst>
               <a:ext uri="{FF2B5EF4-FFF2-40B4-BE49-F238E27FC236}">
-                <a16:creationId xmlns="" xmlns:a16="http://schemas.microsoft.com/office/drawing/2014/main" id="{4E3A9EF6-A5FF-F187-4C21-01DEB1267D6B}"/>
+                <a16:creationId xmlns:a16="http://schemas.microsoft.com/office/drawing/2014/main" xmlns="" id="{4E3A9EF6-A5FF-F187-4C21-01DEB1267D6B}"/>
               </a:ext>
             </a:extLst>
           </p:cNvPr>
@@ -13090,7 +13082,7 @@
           <p:cNvPr id="3" name="Text Placeholder 2">
             <a:extLst>
               <a:ext uri="{FF2B5EF4-FFF2-40B4-BE49-F238E27FC236}">
-                <a16:creationId xmlns="" xmlns:a16="http://schemas.microsoft.com/office/drawing/2014/main" id="{A1A3667F-832F-2062-6C4E-D5894C6207C6}"/>
+                <a16:creationId xmlns:a16="http://schemas.microsoft.com/office/drawing/2014/main" xmlns="" id="{A1A3667F-832F-2062-6C4E-D5894C6207C6}"/>
               </a:ext>
             </a:extLst>
           </p:cNvPr>
@@ -13124,7 +13116,7 @@
           <p:cNvPr id="5" name="Text Placeholder 4">
             <a:extLst>
               <a:ext uri="{FF2B5EF4-FFF2-40B4-BE49-F238E27FC236}">
-                <a16:creationId xmlns="" xmlns:a16="http://schemas.microsoft.com/office/drawing/2014/main" id="{BCD58AD2-8405-AC5B-E8F3-38BA3E2A34FF}"/>
+                <a16:creationId xmlns:a16="http://schemas.microsoft.com/office/drawing/2014/main" xmlns="" id="{BCD58AD2-8405-AC5B-E8F3-38BA3E2A34FF}"/>
               </a:ext>
             </a:extLst>
           </p:cNvPr>
@@ -13157,7 +13149,7 @@
           <p:cNvPr id="18" name="Content Placeholder 17">
             <a:extLst>
               <a:ext uri="{FF2B5EF4-FFF2-40B4-BE49-F238E27FC236}">
-                <a16:creationId xmlns="" xmlns:a16="http://schemas.microsoft.com/office/drawing/2014/main" id="{F6A15B69-9009-5ECE-8C2A-ED71EF337916}"/>
+                <a16:creationId xmlns:a16="http://schemas.microsoft.com/office/drawing/2014/main" xmlns="" id="{F6A15B69-9009-5ECE-8C2A-ED71EF337916}"/>
               </a:ext>
             </a:extLst>
           </p:cNvPr>
@@ -13191,7 +13183,7 @@
           <p:cNvPr id="20" name="Content Placeholder 19">
             <a:extLst>
               <a:ext uri="{FF2B5EF4-FFF2-40B4-BE49-F238E27FC236}">
-                <a16:creationId xmlns="" xmlns:a16="http://schemas.microsoft.com/office/drawing/2014/main" id="{FF9E2A75-8891-6C0F-326E-B0C7D4C68EAF}"/>
+                <a16:creationId xmlns:a16="http://schemas.microsoft.com/office/drawing/2014/main" xmlns="" id="{FF9E2A75-8891-6C0F-326E-B0C7D4C68EAF}"/>
               </a:ext>
             </a:extLst>
           </p:cNvPr>
@@ -13225,7 +13217,7 @@
           <p:cNvPr id="2" name="Title 1">
             <a:extLst>
               <a:ext uri="{FF2B5EF4-FFF2-40B4-BE49-F238E27FC236}">
-                <a16:creationId xmlns="" xmlns:a16="http://schemas.microsoft.com/office/drawing/2014/main" id="{55E541DF-C10B-34BF-1C91-CDEAB1A3B99F}"/>
+                <a16:creationId xmlns:a16="http://schemas.microsoft.com/office/drawing/2014/main" xmlns="" id="{55E541DF-C10B-34BF-1C91-CDEAB1A3B99F}"/>
               </a:ext>
             </a:extLst>
           </p:cNvPr>

--- a/Car Accidents Data Analysis.pptx
+++ b/Car Accidents Data Analysis.pptx
@@ -18,8 +18,8 @@
     <p:sldId id="266" r:id="rId12"/>
     <p:sldId id="268" r:id="rId13"/>
     <p:sldId id="267" r:id="rId14"/>
-    <p:sldId id="269" r:id="rId15"/>
-    <p:sldId id="270" r:id="rId16"/>
+    <p:sldId id="270" r:id="rId15"/>
+    <p:sldId id="269" r:id="rId16"/>
     <p:sldId id="272" r:id="rId17"/>
     <p:sldId id="271" r:id="rId18"/>
     <p:sldId id="273" r:id="rId19"/>
@@ -6560,6 +6560,13 @@
   <p:clrMapOvr>
     <a:masterClrMapping/>
   </p:clrMapOvr>
+  <p:timing>
+    <p:tnLst>
+      <p:par>
+        <p:cTn id="1" dur="indefinite" restart="never" nodeType="tmRoot"/>
+      </p:par>
+    </p:tnLst>
+  </p:timing>
 </p:sld>
 </file>
 
@@ -6585,7 +6592,7 @@
           <p:cNvPr id="3" name="Text Placeholder 2">
             <a:extLst>
               <a:ext uri="{FF2B5EF4-FFF2-40B4-BE49-F238E27FC236}">
-                <a16:creationId xmlns:a16="http://schemas.microsoft.com/office/drawing/2014/main" xmlns="" id="{9CBE5A70-FE2E-69C6-B582-4E7AAE17C9E0}"/>
+                <a16:creationId xmlns="" xmlns:a16="http://schemas.microsoft.com/office/drawing/2014/main" id="{9CBE5A70-FE2E-69C6-B582-4E7AAE17C9E0}"/>
               </a:ext>
             </a:extLst>
           </p:cNvPr>
@@ -6627,7 +6634,7 @@
           <p:cNvPr id="5" name="Text Placeholder 4">
             <a:extLst>
               <a:ext uri="{FF2B5EF4-FFF2-40B4-BE49-F238E27FC236}">
-                <a16:creationId xmlns:a16="http://schemas.microsoft.com/office/drawing/2014/main" xmlns="" id="{BC264E91-6BA2-413B-CB7A-E57413615546}"/>
+                <a16:creationId xmlns="" xmlns:a16="http://schemas.microsoft.com/office/drawing/2014/main" id="{BC264E91-6BA2-413B-CB7A-E57413615546}"/>
               </a:ext>
             </a:extLst>
           </p:cNvPr>
@@ -6666,7 +6673,7 @@
           <p:cNvPr id="14" name="Content Placeholder 13">
             <a:extLst>
               <a:ext uri="{FF2B5EF4-FFF2-40B4-BE49-F238E27FC236}">
-                <a16:creationId xmlns:a16="http://schemas.microsoft.com/office/drawing/2014/main" xmlns="" id="{06258AB1-68ED-E6CB-1290-0C2F3B5593EB}"/>
+                <a16:creationId xmlns="" xmlns:a16="http://schemas.microsoft.com/office/drawing/2014/main" id="{06258AB1-68ED-E6CB-1290-0C2F3B5593EB}"/>
               </a:ext>
             </a:extLst>
           </p:cNvPr>
@@ -6701,7 +6708,7 @@
           <p:cNvPr id="18" name="Content Placeholder 17">
             <a:extLst>
               <a:ext uri="{FF2B5EF4-FFF2-40B4-BE49-F238E27FC236}">
-                <a16:creationId xmlns:a16="http://schemas.microsoft.com/office/drawing/2014/main" xmlns="" id="{0EDF03F3-A494-584B-172E-DDEC1386284F}"/>
+                <a16:creationId xmlns="" xmlns:a16="http://schemas.microsoft.com/office/drawing/2014/main" id="{0EDF03F3-A494-584B-172E-DDEC1386284F}"/>
               </a:ext>
             </a:extLst>
           </p:cNvPr>
@@ -6736,7 +6743,7 @@
           <p:cNvPr id="2" name="Title 1">
             <a:extLst>
               <a:ext uri="{FF2B5EF4-FFF2-40B4-BE49-F238E27FC236}">
-                <a16:creationId xmlns:a16="http://schemas.microsoft.com/office/drawing/2014/main" xmlns="" id="{C03A3DF4-8AA9-C4D1-D4CF-5A51FAD38B43}"/>
+                <a16:creationId xmlns="" xmlns:a16="http://schemas.microsoft.com/office/drawing/2014/main" id="{C03A3DF4-8AA9-C4D1-D4CF-5A51FAD38B43}"/>
               </a:ext>
             </a:extLst>
           </p:cNvPr>
@@ -6793,6 +6800,13 @@
   <p:clrMapOvr>
     <a:masterClrMapping/>
   </p:clrMapOvr>
+  <p:timing>
+    <p:tnLst>
+      <p:par>
+        <p:cTn id="1" dur="indefinite" restart="never" nodeType="tmRoot"/>
+      </p:par>
+    </p:tnLst>
+  </p:timing>
 </p:sld>
 </file>
 
@@ -6818,7 +6832,7 @@
           <p:cNvPr id="3" name="Text Placeholder 2">
             <a:extLst>
               <a:ext uri="{FF2B5EF4-FFF2-40B4-BE49-F238E27FC236}">
-                <a16:creationId xmlns:a16="http://schemas.microsoft.com/office/drawing/2014/main" xmlns="" id="{D2004615-E427-7A83-8F69-8DC80D0EA894}"/>
+                <a16:creationId xmlns="" xmlns:a16="http://schemas.microsoft.com/office/drawing/2014/main" id="{D2004615-E427-7A83-8F69-8DC80D0EA894}"/>
               </a:ext>
             </a:extLst>
           </p:cNvPr>
@@ -6851,7 +6865,7 @@
           <p:cNvPr id="5" name="Text Placeholder 4">
             <a:extLst>
               <a:ext uri="{FF2B5EF4-FFF2-40B4-BE49-F238E27FC236}">
-                <a16:creationId xmlns:a16="http://schemas.microsoft.com/office/drawing/2014/main" xmlns="" id="{3629384D-A8B7-D55E-0EEF-534E417F200A}"/>
+                <a16:creationId xmlns="" xmlns:a16="http://schemas.microsoft.com/office/drawing/2014/main" id="{3629384D-A8B7-D55E-0EEF-534E417F200A}"/>
               </a:ext>
             </a:extLst>
           </p:cNvPr>
@@ -6891,7 +6905,7 @@
           <p:cNvPr id="8" name="Content Placeholder 7">
             <a:extLst>
               <a:ext uri="{FF2B5EF4-FFF2-40B4-BE49-F238E27FC236}">
-                <a16:creationId xmlns:a16="http://schemas.microsoft.com/office/drawing/2014/main" xmlns="" id="{EEC644D3-50EF-C099-700D-33055BA0BAB7}"/>
+                <a16:creationId xmlns="" xmlns:a16="http://schemas.microsoft.com/office/drawing/2014/main" id="{EEC644D3-50EF-C099-700D-33055BA0BAB7}"/>
               </a:ext>
             </a:extLst>
           </p:cNvPr>
@@ -6926,7 +6940,7 @@
           <p:cNvPr id="10" name="Content Placeholder 9">
             <a:extLst>
               <a:ext uri="{FF2B5EF4-FFF2-40B4-BE49-F238E27FC236}">
-                <a16:creationId xmlns:a16="http://schemas.microsoft.com/office/drawing/2014/main" xmlns="" id="{8804B62D-13CC-20AE-9736-8DD8211B2D7A}"/>
+                <a16:creationId xmlns="" xmlns:a16="http://schemas.microsoft.com/office/drawing/2014/main" id="{8804B62D-13CC-20AE-9736-8DD8211B2D7A}"/>
               </a:ext>
             </a:extLst>
           </p:cNvPr>
@@ -6961,7 +6975,7 @@
           <p:cNvPr id="2" name="Title 1">
             <a:extLst>
               <a:ext uri="{FF2B5EF4-FFF2-40B4-BE49-F238E27FC236}">
-                <a16:creationId xmlns:a16="http://schemas.microsoft.com/office/drawing/2014/main" xmlns="" id="{98AFE39E-07EF-6DB5-DF35-16C241BEB80B}"/>
+                <a16:creationId xmlns="" xmlns:a16="http://schemas.microsoft.com/office/drawing/2014/main" id="{98AFE39E-07EF-6DB5-DF35-16C241BEB80B}"/>
               </a:ext>
             </a:extLst>
           </p:cNvPr>
@@ -7055,7 +7069,7 @@
           <p:cNvPr id="2" name="Title 1">
             <a:extLst>
               <a:ext uri="{FF2B5EF4-FFF2-40B4-BE49-F238E27FC236}">
-                <a16:creationId xmlns:a16="http://schemas.microsoft.com/office/drawing/2014/main" xmlns="" id="{7BBFDFA0-4990-650D-5D0E-4907B13A7073}"/>
+                <a16:creationId xmlns="" xmlns:a16="http://schemas.microsoft.com/office/drawing/2014/main" id="{7BBFDFA0-4990-650D-5D0E-4907B13A7073}"/>
               </a:ext>
             </a:extLst>
           </p:cNvPr>
@@ -7099,7 +7113,7 @@
           <p:cNvPr id="3" name="Content Placeholder 2">
             <a:extLst>
               <a:ext uri="{FF2B5EF4-FFF2-40B4-BE49-F238E27FC236}">
-                <a16:creationId xmlns:a16="http://schemas.microsoft.com/office/drawing/2014/main" xmlns="" id="{7DD4CFC9-636E-F406-91B7-0364B34A020F}"/>
+                <a16:creationId xmlns="" xmlns:a16="http://schemas.microsoft.com/office/drawing/2014/main" id="{7DD4CFC9-636E-F406-91B7-0364B34A020F}"/>
               </a:ext>
             </a:extLst>
           </p:cNvPr>
@@ -7557,7 +7571,7 @@
           <p:cNvPr id="8" name="Title 7">
             <a:extLst>
               <a:ext uri="{FF2B5EF4-FFF2-40B4-BE49-F238E27FC236}">
-                <a16:creationId xmlns:a16="http://schemas.microsoft.com/office/drawing/2014/main" xmlns="" id="{5F3BC96A-6175-32C8-05E3-2DB890106C79}"/>
+                <a16:creationId xmlns="" xmlns:a16="http://schemas.microsoft.com/office/drawing/2014/main" id="{5F3BC96A-6175-32C8-05E3-2DB890106C79}"/>
               </a:ext>
             </a:extLst>
           </p:cNvPr>
@@ -7601,7 +7615,7 @@
           <p:cNvPr id="12" name="Picture 11">
             <a:extLst>
               <a:ext uri="{FF2B5EF4-FFF2-40B4-BE49-F238E27FC236}">
-                <a16:creationId xmlns:a16="http://schemas.microsoft.com/office/drawing/2014/main" xmlns="" id="{0684C7C1-F7CE-8CAD-E83B-AACFED33603B}"/>
+                <a16:creationId xmlns="" xmlns:a16="http://schemas.microsoft.com/office/drawing/2014/main" id="{0684C7C1-F7CE-8CAD-E83B-AACFED33603B}"/>
               </a:ext>
             </a:extLst>
           </p:cNvPr>
@@ -7667,7 +7681,7 @@
           <p:cNvPr id="2" name="Title 1">
             <a:extLst>
               <a:ext uri="{FF2B5EF4-FFF2-40B4-BE49-F238E27FC236}">
-                <a16:creationId xmlns:a16="http://schemas.microsoft.com/office/drawing/2014/main" xmlns="" id="{9AB70618-8549-E880-077C-423B9081E61B}"/>
+                <a16:creationId xmlns="" xmlns:a16="http://schemas.microsoft.com/office/drawing/2014/main" id="{089AFC19-53DD-1807-8767-04FCAE77EC67}"/>
               </a:ext>
             </a:extLst>
           </p:cNvPr>
@@ -7680,7 +7694,7 @@
         </p:nvSpPr>
         <p:spPr>
           <a:xfrm>
-            <a:off x="107504" y="332656"/>
+            <a:off x="301752" y="293784"/>
             <a:ext cx="8534400" cy="758952"/>
           </a:xfrm>
         </p:spPr>
@@ -7692,7 +7706,7 @@
           <a:p>
             <a:r>
               <a:rPr lang="en-GB" dirty="0"/>
-              <a:t>	Distribution of Serious Accidents </a:t>
+              <a:t>Distribution of Serious Accidents </a:t>
             </a:r>
             <a:r>
               <a:rPr lang="en-GB" dirty="0" smtClean="0"/>
@@ -7706,46 +7720,160 @@
           </a:p>
         </p:txBody>
       </p:sp>
-      <p:pic>
-        <p:nvPicPr>
-          <p:cNvPr id="4" name="Picture 3">
+      <p:sp>
+        <p:nvSpPr>
+          <p:cNvPr id="3" name="Content Placeholder 2">
             <a:extLst>
               <a:ext uri="{FF2B5EF4-FFF2-40B4-BE49-F238E27FC236}">
-                <a16:creationId xmlns:a16="http://schemas.microsoft.com/office/drawing/2014/main" xmlns="" id="{32705068-5950-C297-B66D-057A695DA129}"/>
+                <a16:creationId xmlns="" xmlns:a16="http://schemas.microsoft.com/office/drawing/2014/main" id="{D502E60C-4359-41E5-21D6-598974416D21}"/>
               </a:ext>
             </a:extLst>
           </p:cNvPr>
-          <p:cNvPicPr>
-            <a:picLocks noChangeAspect="1"/>
-          </p:cNvPicPr>
-          <p:nvPr/>
-        </p:nvPicPr>
-        <p:blipFill>
-          <a:blip r:embed="rId2">
-            <a:extLst>
-              <a:ext uri="{28A0092B-C50C-407E-A947-70E740481C1C}">
-                <a14:useLocalDpi xmlns:a14="http://schemas.microsoft.com/office/drawing/2010/main" val="0"/>
-              </a:ext>
-            </a:extLst>
-          </a:blip>
-          <a:stretch>
-            <a:fillRect/>
-          </a:stretch>
-        </p:blipFill>
-        <p:spPr>
-          <a:xfrm>
-            <a:off x="2123728" y="1532988"/>
-            <a:ext cx="4642837" cy="4642837"/>
-          </a:xfrm>
-          <a:prstGeom prst="rect">
-            <a:avLst/>
-          </a:prstGeom>
-        </p:spPr>
-      </p:pic>
+          <p:cNvSpPr>
+            <a:spLocks noGrp="1"/>
+          </p:cNvSpPr>
+          <p:nvPr>
+            <p:ph sz="quarter" idx="1"/>
+          </p:nvPr>
+        </p:nvSpPr>
+        <p:spPr/>
+        <p:txBody>
+          <a:bodyPr>
+            <a:normAutofit/>
+          </a:bodyPr>
+          <a:lstStyle/>
+          <a:p>
+            <a:pPr marL="0" indent="0" algn="l">
+              <a:buNone/>
+            </a:pPr>
+            <a:r>
+              <a:rPr lang="en-GB" sz="1500" b="1" i="0" dirty="0">
+                <a:effectLst/>
+                <a:latin typeface="Söhne"/>
+              </a:rPr>
+              <a:t>Single Carriageway</a:t>
+            </a:r>
+            <a:r>
+              <a:rPr lang="en-GB" sz="1500" b="0" i="0" dirty="0">
+                <a:effectLst/>
+                <a:latin typeface="Söhne"/>
+              </a:rPr>
+              <a:t>:</a:t>
+            </a:r>
+          </a:p>
+          <a:p>
+            <a:pPr marL="0" indent="0" algn="l">
+              <a:buNone/>
+            </a:pPr>
+            <a:r>
+              <a:rPr lang="en-GB" sz="1500" b="1" i="1" dirty="0">
+                <a:effectLst/>
+                <a:latin typeface="Söhne"/>
+              </a:rPr>
+              <a:t>Single Carriageway </a:t>
+            </a:r>
+            <a:r>
+              <a:rPr lang="en-GB" sz="1500" b="0" i="0" dirty="0">
+                <a:effectLst/>
+                <a:latin typeface="Söhne"/>
+              </a:rPr>
+              <a:t>of road has the highest number of serious accidents. This indicates that single carriageway roads may be associated with a higher risk of serious accidents compared to other road types.</a:t>
+            </a:r>
+          </a:p>
+          <a:p>
+            <a:pPr algn="l">
+              <a:buFont typeface="+mj-lt"/>
+              <a:buAutoNum type="arabicPeriod"/>
+            </a:pPr>
+            <a:endParaRPr lang="en-GB" sz="1400" b="1" i="0" dirty="0">
+              <a:effectLst/>
+              <a:latin typeface="Söhne"/>
+            </a:endParaRPr>
+          </a:p>
+          <a:p>
+            <a:pPr marL="0" indent="0" algn="l">
+              <a:buNone/>
+            </a:pPr>
+            <a:r>
+              <a:rPr lang="en-GB" sz="1400" b="1" i="0" dirty="0">
+                <a:effectLst/>
+                <a:latin typeface="Söhne"/>
+              </a:rPr>
+              <a:t>Dual Carriageway</a:t>
+            </a:r>
+            <a:r>
+              <a:rPr lang="en-GB" sz="1400" b="0" i="0" dirty="0">
+                <a:effectLst/>
+                <a:latin typeface="Söhne"/>
+              </a:rPr>
+              <a:t>: Dual carriageways have a relatively lower number of serious accidents compared to single carriageways. This suggests that dual carriageways may be comparatively safer in terms of serious accidents.</a:t>
+            </a:r>
+          </a:p>
+          <a:p>
+            <a:pPr marL="0" indent="0" algn="l">
+              <a:buNone/>
+            </a:pPr>
+            <a:endParaRPr lang="en-GB" sz="1400" b="1" i="0" dirty="0">
+              <a:effectLst/>
+              <a:latin typeface="Söhne"/>
+            </a:endParaRPr>
+          </a:p>
+          <a:p>
+            <a:pPr marL="0" indent="0" algn="l">
+              <a:buNone/>
+            </a:pPr>
+            <a:r>
+              <a:rPr lang="en-GB" sz="1400" b="1" i="0" dirty="0">
+                <a:effectLst/>
+                <a:latin typeface="Söhne"/>
+              </a:rPr>
+              <a:t>Roundabouts</a:t>
+            </a:r>
+            <a:r>
+              <a:rPr lang="en-GB" sz="1400" b="0" i="0" dirty="0">
+                <a:effectLst/>
+                <a:latin typeface="Söhne"/>
+              </a:rPr>
+              <a:t>: Roundabouts have a moderate number of serious accidents. While they are safer than single carriageways, they still pose a significant risk compared to dual carriageways.</a:t>
+            </a:r>
+          </a:p>
+          <a:p>
+            <a:pPr marL="0" indent="0" algn="l">
+              <a:buNone/>
+            </a:pPr>
+            <a:endParaRPr lang="en-GB" sz="1400" b="1" i="0" dirty="0">
+              <a:effectLst/>
+              <a:latin typeface="Söhne"/>
+            </a:endParaRPr>
+          </a:p>
+          <a:p>
+            <a:pPr marL="0" indent="0" algn="l">
+              <a:buNone/>
+            </a:pPr>
+            <a:r>
+              <a:rPr lang="en-GB" sz="1400" b="1" i="0" dirty="0">
+                <a:effectLst/>
+                <a:latin typeface="Söhne"/>
+              </a:rPr>
+              <a:t>One-way Streets and Slip Roads</a:t>
+            </a:r>
+            <a:r>
+              <a:rPr lang="en-GB" sz="1400" b="0" i="0" dirty="0">
+                <a:effectLst/>
+                <a:latin typeface="Söhne"/>
+              </a:rPr>
+              <a:t>: These road types have the lowest number of serious accidents. This indicates that these types of roads may be relatively safer in terms of serious accidents.</a:t>
+            </a:r>
+          </a:p>
+          <a:p>
+            <a:endParaRPr lang="en-GB" dirty="0"/>
+          </a:p>
+        </p:txBody>
+      </p:sp>
     </p:spTree>
     <p:extLst>
       <p:ext uri="{BB962C8B-B14F-4D97-AF65-F5344CB8AC3E}">
-        <p14:creationId xmlns:p14="http://schemas.microsoft.com/office/powerpoint/2010/main" val="2220673673"/>
+        <p14:creationId xmlns:p14="http://schemas.microsoft.com/office/powerpoint/2010/main" val="570172508"/>
       </p:ext>
     </p:extLst>
   </p:cSld>
@@ -7777,7 +7905,7 @@
           <p:cNvPr id="2" name="Title 1">
             <a:extLst>
               <a:ext uri="{FF2B5EF4-FFF2-40B4-BE49-F238E27FC236}">
-                <a16:creationId xmlns:a16="http://schemas.microsoft.com/office/drawing/2014/main" xmlns="" id="{089AFC19-53DD-1807-8767-04FCAE77EC67}"/>
+                <a16:creationId xmlns="" xmlns:a16="http://schemas.microsoft.com/office/drawing/2014/main" id="{9AB70618-8549-E880-077C-423B9081E61B}"/>
               </a:ext>
             </a:extLst>
           </p:cNvPr>
@@ -7790,7 +7918,7 @@
         </p:nvSpPr>
         <p:spPr>
           <a:xfrm>
-            <a:off x="301752" y="293784"/>
+            <a:off x="107504" y="332656"/>
             <a:ext cx="8534400" cy="758952"/>
           </a:xfrm>
         </p:spPr>
@@ -7802,7 +7930,7 @@
           <a:p>
             <a:r>
               <a:rPr lang="en-GB" dirty="0"/>
-              <a:t>Distribution of Serious Accidents </a:t>
+              <a:t>	Distribution of Serious Accidents </a:t>
             </a:r>
             <a:r>
               <a:rPr lang="en-GB" dirty="0" smtClean="0"/>
@@ -7816,160 +7944,46 @@
           </a:p>
         </p:txBody>
       </p:sp>
-      <p:sp>
-        <p:nvSpPr>
-          <p:cNvPr id="3" name="Content Placeholder 2">
+      <p:pic>
+        <p:nvPicPr>
+          <p:cNvPr id="4" name="Picture 3">
             <a:extLst>
               <a:ext uri="{FF2B5EF4-FFF2-40B4-BE49-F238E27FC236}">
-                <a16:creationId xmlns:a16="http://schemas.microsoft.com/office/drawing/2014/main" xmlns="" id="{D502E60C-4359-41E5-21D6-598974416D21}"/>
+                <a16:creationId xmlns="" xmlns:a16="http://schemas.microsoft.com/office/drawing/2014/main" id="{32705068-5950-C297-B66D-057A695DA129}"/>
               </a:ext>
             </a:extLst>
           </p:cNvPr>
-          <p:cNvSpPr>
-            <a:spLocks noGrp="1"/>
-          </p:cNvSpPr>
-          <p:nvPr>
-            <p:ph sz="quarter" idx="1"/>
-          </p:nvPr>
-        </p:nvSpPr>
-        <p:spPr/>
-        <p:txBody>
-          <a:bodyPr>
-            <a:normAutofit/>
-          </a:bodyPr>
-          <a:lstStyle/>
-          <a:p>
-            <a:pPr marL="0" indent="0" algn="l">
-              <a:buNone/>
-            </a:pPr>
-            <a:r>
-              <a:rPr lang="en-GB" sz="1500" b="1" i="0" dirty="0">
-                <a:effectLst/>
-                <a:latin typeface="Söhne"/>
-              </a:rPr>
-              <a:t>Single Carriageway</a:t>
-            </a:r>
-            <a:r>
-              <a:rPr lang="en-GB" sz="1500" b="0" i="0" dirty="0">
-                <a:effectLst/>
-                <a:latin typeface="Söhne"/>
-              </a:rPr>
-              <a:t>:</a:t>
-            </a:r>
-          </a:p>
-          <a:p>
-            <a:pPr marL="0" indent="0" algn="l">
-              <a:buNone/>
-            </a:pPr>
-            <a:r>
-              <a:rPr lang="en-GB" sz="1500" b="1" i="1" dirty="0">
-                <a:effectLst/>
-                <a:latin typeface="Söhne"/>
-              </a:rPr>
-              <a:t>Single Carriageway </a:t>
-            </a:r>
-            <a:r>
-              <a:rPr lang="en-GB" sz="1500" b="0" i="0" dirty="0">
-                <a:effectLst/>
-                <a:latin typeface="Söhne"/>
-              </a:rPr>
-              <a:t>of road has the highest number of serious accidents. This indicates that single carriageway roads may be associated with a higher risk of serious accidents compared to other road types.</a:t>
-            </a:r>
-          </a:p>
-          <a:p>
-            <a:pPr algn="l">
-              <a:buFont typeface="+mj-lt"/>
-              <a:buAutoNum type="arabicPeriod"/>
-            </a:pPr>
-            <a:endParaRPr lang="en-GB" sz="1400" b="1" i="0" dirty="0">
-              <a:effectLst/>
-              <a:latin typeface="Söhne"/>
-            </a:endParaRPr>
-          </a:p>
-          <a:p>
-            <a:pPr marL="0" indent="0" algn="l">
-              <a:buNone/>
-            </a:pPr>
-            <a:r>
-              <a:rPr lang="en-GB" sz="1400" b="1" i="0" dirty="0">
-                <a:effectLst/>
-                <a:latin typeface="Söhne"/>
-              </a:rPr>
-              <a:t>Dual Carriageway</a:t>
-            </a:r>
-            <a:r>
-              <a:rPr lang="en-GB" sz="1400" b="0" i="0" dirty="0">
-                <a:effectLst/>
-                <a:latin typeface="Söhne"/>
-              </a:rPr>
-              <a:t>: Dual carriageways have a relatively lower number of serious accidents compared to single carriageways. This suggests that dual carriageways may be comparatively safer in terms of serious accidents.</a:t>
-            </a:r>
-          </a:p>
-          <a:p>
-            <a:pPr marL="0" indent="0" algn="l">
-              <a:buNone/>
-            </a:pPr>
-            <a:endParaRPr lang="en-GB" sz="1400" b="1" i="0" dirty="0">
-              <a:effectLst/>
-              <a:latin typeface="Söhne"/>
-            </a:endParaRPr>
-          </a:p>
-          <a:p>
-            <a:pPr marL="0" indent="0" algn="l">
-              <a:buNone/>
-            </a:pPr>
-            <a:r>
-              <a:rPr lang="en-GB" sz="1400" b="1" i="0" dirty="0">
-                <a:effectLst/>
-                <a:latin typeface="Söhne"/>
-              </a:rPr>
-              <a:t>Roundabouts</a:t>
-            </a:r>
-            <a:r>
-              <a:rPr lang="en-GB" sz="1400" b="0" i="0" dirty="0">
-                <a:effectLst/>
-                <a:latin typeface="Söhne"/>
-              </a:rPr>
-              <a:t>: Roundabouts have a moderate number of serious accidents. While they are safer than single carriageways, they still pose a significant risk compared to dual carriageways.</a:t>
-            </a:r>
-          </a:p>
-          <a:p>
-            <a:pPr marL="0" indent="0" algn="l">
-              <a:buNone/>
-            </a:pPr>
-            <a:endParaRPr lang="en-GB" sz="1400" b="1" i="0" dirty="0">
-              <a:effectLst/>
-              <a:latin typeface="Söhne"/>
-            </a:endParaRPr>
-          </a:p>
-          <a:p>
-            <a:pPr marL="0" indent="0" algn="l">
-              <a:buNone/>
-            </a:pPr>
-            <a:r>
-              <a:rPr lang="en-GB" sz="1400" b="1" i="0" dirty="0">
-                <a:effectLst/>
-                <a:latin typeface="Söhne"/>
-              </a:rPr>
-              <a:t>One-way Streets and Slip Roads</a:t>
-            </a:r>
-            <a:r>
-              <a:rPr lang="en-GB" sz="1400" b="0" i="0" dirty="0">
-                <a:effectLst/>
-                <a:latin typeface="Söhne"/>
-              </a:rPr>
-              <a:t>: These road types have the lowest number of serious accidents. This indicates that these types of roads may be relatively safer in terms of serious accidents.</a:t>
-            </a:r>
-          </a:p>
-          <a:p>
-            <a:endParaRPr lang="en-GB" dirty="0"/>
-          </a:p>
-        </p:txBody>
-      </p:sp>
+          <p:cNvPicPr>
+            <a:picLocks noChangeAspect="1"/>
+          </p:cNvPicPr>
+          <p:nvPr/>
+        </p:nvPicPr>
+        <p:blipFill>
+          <a:blip r:embed="rId2">
+            <a:extLst>
+              <a:ext uri="{28A0092B-C50C-407E-A947-70E740481C1C}">
+                <a14:useLocalDpi xmlns:a14="http://schemas.microsoft.com/office/drawing/2010/main" val="0"/>
+              </a:ext>
+            </a:extLst>
+          </a:blip>
+          <a:stretch>
+            <a:fillRect/>
+          </a:stretch>
+        </p:blipFill>
+        <p:spPr>
+          <a:xfrm>
+            <a:off x="2123728" y="1532988"/>
+            <a:ext cx="4642837" cy="4642837"/>
+          </a:xfrm>
+          <a:prstGeom prst="rect">
+            <a:avLst/>
+          </a:prstGeom>
+        </p:spPr>
+      </p:pic>
     </p:spTree>
     <p:extLst>
       <p:ext uri="{BB962C8B-B14F-4D97-AF65-F5344CB8AC3E}">
-        <p14:creationId xmlns:p14="http://schemas.microsoft.com/office/powerpoint/2010/main" val="570172508"/>
+        <p14:creationId xmlns:p14="http://schemas.microsoft.com/office/powerpoint/2010/main" val="2220673673"/>
       </p:ext>
     </p:extLst>
   </p:cSld>
@@ -8001,7 +8015,7 @@
           <p:cNvPr id="2" name="Title 1">
             <a:extLst>
               <a:ext uri="{FF2B5EF4-FFF2-40B4-BE49-F238E27FC236}">
-                <a16:creationId xmlns:a16="http://schemas.microsoft.com/office/drawing/2014/main" xmlns="" id="{A54116A5-5FE5-0EF5-C418-8C64417FA3DB}"/>
+                <a16:creationId xmlns="" xmlns:a16="http://schemas.microsoft.com/office/drawing/2014/main" id="{A54116A5-5FE5-0EF5-C418-8C64417FA3DB}"/>
               </a:ext>
             </a:extLst>
           </p:cNvPr>
@@ -8045,7 +8059,7 @@
           <p:cNvPr id="3" name="Content Placeholder 2">
             <a:extLst>
               <a:ext uri="{FF2B5EF4-FFF2-40B4-BE49-F238E27FC236}">
-                <a16:creationId xmlns:a16="http://schemas.microsoft.com/office/drawing/2014/main" xmlns="" id="{2F3BD7ED-E3D1-8C43-1B8D-D1B7C814BFE9}"/>
+                <a16:creationId xmlns="" xmlns:a16="http://schemas.microsoft.com/office/drawing/2014/main" id="{2F3BD7ED-E3D1-8C43-1B8D-D1B7C814BFE9}"/>
               </a:ext>
             </a:extLst>
           </p:cNvPr>
@@ -8231,7 +8245,7 @@
           <p:cNvPr id="2" name="Title 1">
             <a:extLst>
               <a:ext uri="{FF2B5EF4-FFF2-40B4-BE49-F238E27FC236}">
-                <a16:creationId xmlns:a16="http://schemas.microsoft.com/office/drawing/2014/main" xmlns="" id="{05DAE180-CD01-B0CC-2926-174085F71358}"/>
+                <a16:creationId xmlns="" xmlns:a16="http://schemas.microsoft.com/office/drawing/2014/main" id="{05DAE180-CD01-B0CC-2926-174085F71358}"/>
               </a:ext>
             </a:extLst>
           </p:cNvPr>
@@ -8275,7 +8289,7 @@
           <p:cNvPr id="4" name="Picture 3">
             <a:extLst>
               <a:ext uri="{FF2B5EF4-FFF2-40B4-BE49-F238E27FC236}">
-                <a16:creationId xmlns:a16="http://schemas.microsoft.com/office/drawing/2014/main" xmlns="" id="{3996560E-E9CD-799E-46BF-C5E674524616}"/>
+                <a16:creationId xmlns="" xmlns:a16="http://schemas.microsoft.com/office/drawing/2014/main" id="{3996560E-E9CD-799E-46BF-C5E674524616}"/>
               </a:ext>
             </a:extLst>
           </p:cNvPr>
@@ -8341,7 +8355,7 @@
           <p:cNvPr id="2" name="Title 1">
             <a:extLst>
               <a:ext uri="{FF2B5EF4-FFF2-40B4-BE49-F238E27FC236}">
-                <a16:creationId xmlns:a16="http://schemas.microsoft.com/office/drawing/2014/main" xmlns="" id="{22D7089A-6C9A-6DE2-77DB-B4FF7E6D3FD7}"/>
+                <a16:creationId xmlns="" xmlns:a16="http://schemas.microsoft.com/office/drawing/2014/main" id="{22D7089A-6C9A-6DE2-77DB-B4FF7E6D3FD7}"/>
               </a:ext>
             </a:extLst>
           </p:cNvPr>
@@ -8369,7 +8383,7 @@
           <p:cNvPr id="3" name="Content Placeholder 2">
             <a:extLst>
               <a:ext uri="{FF2B5EF4-FFF2-40B4-BE49-F238E27FC236}">
-                <a16:creationId xmlns:a16="http://schemas.microsoft.com/office/drawing/2014/main" xmlns="" id="{34BCC1FA-58C4-E0EC-D0C2-F43563F0FEF1}"/>
+                <a16:creationId xmlns="" xmlns:a16="http://schemas.microsoft.com/office/drawing/2014/main" id="{34BCC1FA-58C4-E0EC-D0C2-F43563F0FEF1}"/>
               </a:ext>
             </a:extLst>
           </p:cNvPr>
@@ -8581,7 +8595,7 @@
           <p:cNvPr id="3" name="Content Placeholder 2">
             <a:extLst>
               <a:ext uri="{FF2B5EF4-FFF2-40B4-BE49-F238E27FC236}">
-                <a16:creationId xmlns:a16="http://schemas.microsoft.com/office/drawing/2014/main" xmlns="" id="{A984A632-7D80-C0E0-0BE3-2563B67C8E8C}"/>
+                <a16:creationId xmlns="" xmlns:a16="http://schemas.microsoft.com/office/drawing/2014/main" id="{A984A632-7D80-C0E0-0BE3-2563B67C8E8C}"/>
               </a:ext>
             </a:extLst>
           </p:cNvPr>
@@ -8679,7 +8693,7 @@
           <p:cNvPr id="4" name="Title 1">
             <a:extLst>
               <a:ext uri="{FF2B5EF4-FFF2-40B4-BE49-F238E27FC236}">
-                <a16:creationId xmlns:a16="http://schemas.microsoft.com/office/drawing/2014/main" xmlns="" id="{22D7089A-6C9A-6DE2-77DB-B4FF7E6D3FD7}"/>
+                <a16:creationId xmlns="" xmlns:a16="http://schemas.microsoft.com/office/drawing/2014/main" id="{22D7089A-6C9A-6DE2-77DB-B4FF7E6D3FD7}"/>
               </a:ext>
             </a:extLst>
           </p:cNvPr>
@@ -8877,6 +8891,13 @@
   <p:clrMapOvr>
     <a:masterClrMapping/>
   </p:clrMapOvr>
+  <p:timing>
+    <p:tnLst>
+      <p:par>
+        <p:cTn id="1" dur="indefinite" restart="never" nodeType="tmRoot"/>
+      </p:par>
+    </p:tnLst>
+  </p:timing>
 </p:sld>
 </file>
 
@@ -8902,7 +8923,7 @@
           <p:cNvPr id="3" name="Content Placeholder 2">
             <a:extLst>
               <a:ext uri="{FF2B5EF4-FFF2-40B4-BE49-F238E27FC236}">
-                <a16:creationId xmlns:a16="http://schemas.microsoft.com/office/drawing/2014/main" xmlns="" id="{8C63218E-134C-90EF-07D6-CB8D1757379E}"/>
+                <a16:creationId xmlns="" xmlns:a16="http://schemas.microsoft.com/office/drawing/2014/main" id="{8C63218E-134C-90EF-07D6-CB8D1757379E}"/>
               </a:ext>
             </a:extLst>
           </p:cNvPr>
@@ -9163,7 +9184,7 @@
           <p:cNvPr id="1026" name="Picture 2">
             <a:extLst>
               <a:ext uri="{FF2B5EF4-FFF2-40B4-BE49-F238E27FC236}">
-                <a16:creationId xmlns:a16="http://schemas.microsoft.com/office/drawing/2014/main" xmlns="" id="{2709A83A-E27A-5EB6-5109-4875EB493C67}"/>
+                <a16:creationId xmlns="" xmlns:a16="http://schemas.microsoft.com/office/drawing/2014/main" id="{2709A83A-E27A-5EB6-5109-4875EB493C67}"/>
               </a:ext>
             </a:extLst>
           </p:cNvPr>
@@ -9240,7 +9261,7 @@
           <p:cNvPr id="2050" name="Picture 2" descr="A blue circle with orange and blue text&#10;&#10;Description automatically generated">
             <a:extLst>
               <a:ext uri="{FF2B5EF4-FFF2-40B4-BE49-F238E27FC236}">
-                <a16:creationId xmlns:a16="http://schemas.microsoft.com/office/drawing/2014/main" xmlns="" id="{ADDD11F5-5507-9C80-E267-12A3C2174F20}"/>
+                <a16:creationId xmlns="" xmlns:a16="http://schemas.microsoft.com/office/drawing/2014/main" id="{ADDD11F5-5507-9C80-E267-12A3C2174F20}"/>
               </a:ext>
             </a:extLst>
           </p:cNvPr>
@@ -9287,7 +9308,7 @@
           <p:cNvPr id="5" name="Title 1">
             <a:extLst>
               <a:ext uri="{FF2B5EF4-FFF2-40B4-BE49-F238E27FC236}">
-                <a16:creationId xmlns:a16="http://schemas.microsoft.com/office/drawing/2014/main" xmlns="" id="{22D7089A-6C9A-6DE2-77DB-B4FF7E6D3FD7}"/>
+                <a16:creationId xmlns="" xmlns:a16="http://schemas.microsoft.com/office/drawing/2014/main" id="{22D7089A-6C9A-6DE2-77DB-B4FF7E6D3FD7}"/>
               </a:ext>
             </a:extLst>
           </p:cNvPr>
@@ -9366,7 +9387,7 @@
           <p:cNvPr id="3" name="Content Placeholder 2">
             <a:extLst>
               <a:ext uri="{FF2B5EF4-FFF2-40B4-BE49-F238E27FC236}">
-                <a16:creationId xmlns:a16="http://schemas.microsoft.com/office/drawing/2014/main" xmlns="" id="{6697D1DE-6459-A6AB-2DAD-364950CCEACC}"/>
+                <a16:creationId xmlns="" xmlns:a16="http://schemas.microsoft.com/office/drawing/2014/main" id="{6697D1DE-6459-A6AB-2DAD-364950CCEACC}"/>
               </a:ext>
             </a:extLst>
           </p:cNvPr>
@@ -9486,7 +9507,7 @@
           <p:cNvPr id="5" name="Title 1">
             <a:extLst>
               <a:ext uri="{FF2B5EF4-FFF2-40B4-BE49-F238E27FC236}">
-                <a16:creationId xmlns:a16="http://schemas.microsoft.com/office/drawing/2014/main" xmlns="" id="{22D7089A-6C9A-6DE2-77DB-B4FF7E6D3FD7}"/>
+                <a16:creationId xmlns="" xmlns:a16="http://schemas.microsoft.com/office/drawing/2014/main" id="{22D7089A-6C9A-6DE2-77DB-B4FF7E6D3FD7}"/>
               </a:ext>
             </a:extLst>
           </p:cNvPr>
@@ -9614,7 +9635,7 @@
           <p:cNvPr id="4" name="Rectangle 3">
             <a:extLst>
               <a:ext uri="{FF2B5EF4-FFF2-40B4-BE49-F238E27FC236}">
-                <a16:creationId xmlns="" xmlns:a16="http://schemas.microsoft.com/office/drawing/2014/main" xmlns:lc="http://schemas.openxmlformats.org/drawingml/2006/lockedCanvas" id="{72FE6531-E070-A08A-0382-07C7B667EDE0}"/>
+                <a16:creationId xmlns:lc="http://schemas.openxmlformats.org/drawingml/2006/lockedCanvas" xmlns:a16="http://schemas.microsoft.com/office/drawing/2014/main" xmlns="" id="{72FE6531-E070-A08A-0382-07C7B667EDE0}"/>
               </a:ext>
             </a:extLst>
           </p:cNvPr>
@@ -9952,7 +9973,7 @@
           <p:cNvPr id="5" name="Picture 4">
             <a:extLst>
               <a:ext uri="{FF2B5EF4-FFF2-40B4-BE49-F238E27FC236}">
-                <a16:creationId xmlns="" xmlns:a16="http://schemas.microsoft.com/office/drawing/2014/main" xmlns:lc="http://schemas.openxmlformats.org/drawingml/2006/lockedCanvas" id="{F35E1B0B-9E3B-6F4F-0800-9A5EAFFAAA34}"/>
+                <a16:creationId xmlns:lc="http://schemas.openxmlformats.org/drawingml/2006/lockedCanvas" xmlns:a16="http://schemas.microsoft.com/office/drawing/2014/main" xmlns="" id="{F35E1B0B-9E3B-6F4F-0800-9A5EAFFAAA34}"/>
               </a:ext>
             </a:extLst>
           </p:cNvPr>
@@ -10041,7 +10062,7 @@
           <p:cNvPr id="6" name="TextBox 5">
             <a:extLst>
               <a:ext uri="{FF2B5EF4-FFF2-40B4-BE49-F238E27FC236}">
-                <a16:creationId xmlns="" xmlns:a16="http://schemas.microsoft.com/office/drawing/2014/main" xmlns:lc="http://schemas.openxmlformats.org/drawingml/2006/lockedCanvas" id="{33696AF3-0FE8-CD89-D685-2F5D7982BD71}"/>
+                <a16:creationId xmlns:lc="http://schemas.openxmlformats.org/drawingml/2006/lockedCanvas" xmlns:a16="http://schemas.microsoft.com/office/drawing/2014/main" xmlns="" id="{33696AF3-0FE8-CD89-D685-2F5D7982BD71}"/>
               </a:ext>
             </a:extLst>
           </p:cNvPr>
@@ -10464,7 +10485,7 @@
           <p:cNvPr id="7" name="Content Placeholder 4">
             <a:extLst>
               <a:ext uri="{FF2B5EF4-FFF2-40B4-BE49-F238E27FC236}">
-                <a16:creationId xmlns="" xmlns:a16="http://schemas.microsoft.com/office/drawing/2014/main" xmlns:lc="http://schemas.openxmlformats.org/drawingml/2006/lockedCanvas" id="{EF1D6072-4C23-60C7-3EFA-29653179BFD6}"/>
+                <a16:creationId xmlns:lc="http://schemas.openxmlformats.org/drawingml/2006/lockedCanvas" xmlns:a16="http://schemas.microsoft.com/office/drawing/2014/main" xmlns="" id="{EF1D6072-4C23-60C7-3EFA-29653179BFD6}"/>
               </a:ext>
             </a:extLst>
           </p:cNvPr>
@@ -10553,7 +10574,7 @@
           <p:cNvPr id="5" name="TextBox 7">
             <a:extLst>
               <a:ext uri="{FF2B5EF4-FFF2-40B4-BE49-F238E27FC236}">
-                <a16:creationId xmlns="" xmlns:a16="http://schemas.microsoft.com/office/drawing/2014/main" xmlns:lc="http://schemas.openxmlformats.org/drawingml/2006/lockedCanvas" id="{5289B5A1-BEBC-3A9D-D72F-0C4DAE8EFB64}"/>
+                <a16:creationId xmlns:lc="http://schemas.openxmlformats.org/drawingml/2006/lockedCanvas" xmlns:a16="http://schemas.microsoft.com/office/drawing/2014/main" xmlns="" id="{5289B5A1-BEBC-3A9D-D72F-0C4DAE8EFB64}"/>
               </a:ext>
             </a:extLst>
           </p:cNvPr>
@@ -10818,7 +10839,7 @@
           <p:cNvPr id="8" name="Content Placeholder 4">
             <a:extLst>
               <a:ext uri="{FF2B5EF4-FFF2-40B4-BE49-F238E27FC236}">
-                <a16:creationId xmlns="" xmlns:a16="http://schemas.microsoft.com/office/drawing/2014/main" xmlns:lc="http://schemas.openxmlformats.org/drawingml/2006/lockedCanvas" id="{CBC84466-89F7-46C6-ECED-9A822B7D7AF6}"/>
+                <a16:creationId xmlns:lc="http://schemas.openxmlformats.org/drawingml/2006/lockedCanvas" xmlns:a16="http://schemas.microsoft.com/office/drawing/2014/main" xmlns="" id="{CBC84466-89F7-46C6-ECED-9A822B7D7AF6}"/>
               </a:ext>
             </a:extLst>
           </p:cNvPr>
@@ -10848,7 +10869,7 @@
           <p:cNvPr id="9" name="Content Placeholder 4">
             <a:extLst>
               <a:ext uri="{FF2B5EF4-FFF2-40B4-BE49-F238E27FC236}">
-                <a16:creationId xmlns="" xmlns:a16="http://schemas.microsoft.com/office/drawing/2014/main" xmlns:lc="http://schemas.openxmlformats.org/drawingml/2006/lockedCanvas" id="{288D79A6-177A-A324-24B0-DD019063839D}"/>
+                <a16:creationId xmlns:lc="http://schemas.openxmlformats.org/drawingml/2006/lockedCanvas" xmlns:a16="http://schemas.microsoft.com/office/drawing/2014/main" xmlns="" id="{288D79A6-177A-A324-24B0-DD019063839D}"/>
               </a:ext>
             </a:extLst>
           </p:cNvPr>
@@ -10937,7 +10958,7 @@
           <p:cNvPr id="6" name="Picture 5">
             <a:extLst>
               <a:ext uri="{FF2B5EF4-FFF2-40B4-BE49-F238E27FC236}">
-                <a16:creationId xmlns="" xmlns:a16="http://schemas.microsoft.com/office/drawing/2014/main" xmlns:lc="http://schemas.openxmlformats.org/drawingml/2006/lockedCanvas" id="{BA74A6ED-756F-4C65-B22A-E561763A9FF8}"/>
+                <a16:creationId xmlns:lc="http://schemas.openxmlformats.org/drawingml/2006/lockedCanvas" xmlns:a16="http://schemas.microsoft.com/office/drawing/2014/main" xmlns="" id="{BA74A6ED-756F-4C65-B22A-E561763A9FF8}"/>
               </a:ext>
             </a:extLst>
           </p:cNvPr>
@@ -10967,7 +10988,7 @@
           <p:cNvPr id="7" name="Picture 6">
             <a:extLst>
               <a:ext uri="{FF2B5EF4-FFF2-40B4-BE49-F238E27FC236}">
-                <a16:creationId xmlns="" xmlns:a16="http://schemas.microsoft.com/office/drawing/2014/main" xmlns:lc="http://schemas.openxmlformats.org/drawingml/2006/lockedCanvas" id="{302A48AB-6E9D-C4EC-8925-9FBC4A3B3D9B}"/>
+                <a16:creationId xmlns:lc="http://schemas.openxmlformats.org/drawingml/2006/lockedCanvas" xmlns:a16="http://schemas.microsoft.com/office/drawing/2014/main" xmlns="" id="{302A48AB-6E9D-C4EC-8925-9FBC4A3B3D9B}"/>
               </a:ext>
             </a:extLst>
           </p:cNvPr>
@@ -11159,7 +11180,7 @@
           <p:cNvPr id="8" name="Content Placeholder 2">
             <a:extLst>
               <a:ext uri="{FF2B5EF4-FFF2-40B4-BE49-F238E27FC236}">
-                <a16:creationId xmlns="" xmlns:a16="http://schemas.microsoft.com/office/drawing/2014/main" xmlns:lc="http://schemas.openxmlformats.org/drawingml/2006/lockedCanvas" id="{DEA12BF2-78D6-6C64-03EC-9BDE4C1AEF00}"/>
+                <a16:creationId xmlns:lc="http://schemas.openxmlformats.org/drawingml/2006/lockedCanvas" xmlns:a16="http://schemas.microsoft.com/office/drawing/2014/main" xmlns="" id="{DEA12BF2-78D6-6C64-03EC-9BDE4C1AEF00}"/>
               </a:ext>
             </a:extLst>
           </p:cNvPr>
@@ -11712,6 +11733,13 @@
   <p:clrMapOvr>
     <a:masterClrMapping/>
   </p:clrMapOvr>
+  <p:timing>
+    <p:tnLst>
+      <p:par>
+        <p:cTn id="1" dur="indefinite" restart="never" nodeType="tmRoot"/>
+      </p:par>
+    </p:tnLst>
+  </p:timing>
 </p:sld>
 </file>
 
@@ -11991,6 +12019,13 @@
   <p:clrMapOvr>
     <a:masterClrMapping/>
   </p:clrMapOvr>
+  <p:timing>
+    <p:tnLst>
+      <p:par>
+        <p:cTn id="1" dur="indefinite" restart="never" nodeType="tmRoot"/>
+      </p:par>
+    </p:tnLst>
+  </p:timing>
 </p:sld>
 </file>
 
@@ -12290,6 +12325,13 @@
   <p:clrMapOvr>
     <a:masterClrMapping/>
   </p:clrMapOvr>
+  <p:timing>
+    <p:tnLst>
+      <p:par>
+        <p:cTn id="1" dur="indefinite" restart="never" nodeType="tmRoot"/>
+      </p:par>
+    </p:tnLst>
+  </p:timing>
 </p:sld>
 </file>
 
@@ -12540,6 +12582,13 @@
   <p:clrMapOvr>
     <a:masterClrMapping/>
   </p:clrMapOvr>
+  <p:timing>
+    <p:tnLst>
+      <p:par>
+        <p:cTn id="1" dur="indefinite" restart="never" nodeType="tmRoot"/>
+      </p:par>
+    </p:tnLst>
+  </p:timing>
 </p:sld>
 </file>
 
@@ -12565,7 +12614,7 @@
           <p:cNvPr id="2" name="Title 1">
             <a:extLst>
               <a:ext uri="{FF2B5EF4-FFF2-40B4-BE49-F238E27FC236}">
-                <a16:creationId xmlns:a16="http://schemas.microsoft.com/office/drawing/2014/main" xmlns="" id="{9CE282E1-7FDF-A4D4-F1AE-9F36D11626BC}"/>
+                <a16:creationId xmlns="" xmlns:a16="http://schemas.microsoft.com/office/drawing/2014/main" id="{9CE282E1-7FDF-A4D4-F1AE-9F36D11626BC}"/>
               </a:ext>
             </a:extLst>
           </p:cNvPr>
@@ -12609,7 +12658,7 @@
           <p:cNvPr id="7" name="Content Placeholder 6">
             <a:extLst>
               <a:ext uri="{FF2B5EF4-FFF2-40B4-BE49-F238E27FC236}">
-                <a16:creationId xmlns:a16="http://schemas.microsoft.com/office/drawing/2014/main" xmlns="" id="{3AF095E8-C57B-D7EA-3F5E-832E8F457471}"/>
+                <a16:creationId xmlns="" xmlns:a16="http://schemas.microsoft.com/office/drawing/2014/main" id="{3AF095E8-C57B-D7EA-3F5E-832E8F457471}"/>
               </a:ext>
             </a:extLst>
           </p:cNvPr>
@@ -12845,6 +12894,13 @@
   <p:clrMapOvr>
     <a:masterClrMapping/>
   </p:clrMapOvr>
+  <p:timing>
+    <p:tnLst>
+      <p:par>
+        <p:cTn id="1" dur="indefinite" restart="never" nodeType="tmRoot"/>
+      </p:par>
+    </p:tnLst>
+  </p:timing>
 </p:sld>
 </file>
 
@@ -12870,7 +12926,7 @@
           <p:cNvPr id="2" name="Title 1">
             <a:extLst>
               <a:ext uri="{FF2B5EF4-FFF2-40B4-BE49-F238E27FC236}">
-                <a16:creationId xmlns:a16="http://schemas.microsoft.com/office/drawing/2014/main" xmlns="" id="{40319A7F-AC9C-F39F-1471-FF321D97CBB0}"/>
+                <a16:creationId xmlns="" xmlns:a16="http://schemas.microsoft.com/office/drawing/2014/main" id="{40319A7F-AC9C-F39F-1471-FF321D97CBB0}"/>
               </a:ext>
             </a:extLst>
           </p:cNvPr>
@@ -12922,7 +12978,7 @@
           <p:cNvPr id="3" name="Content Placeholder 2">
             <a:extLst>
               <a:ext uri="{FF2B5EF4-FFF2-40B4-BE49-F238E27FC236}">
-                <a16:creationId xmlns:a16="http://schemas.microsoft.com/office/drawing/2014/main" xmlns="" id="{4E3A9EF6-A5FF-F187-4C21-01DEB1267D6B}"/>
+                <a16:creationId xmlns="" xmlns:a16="http://schemas.microsoft.com/office/drawing/2014/main" id="{4E3A9EF6-A5FF-F187-4C21-01DEB1267D6B}"/>
               </a:ext>
             </a:extLst>
           </p:cNvPr>
@@ -13057,6 +13113,13 @@
   <p:clrMapOvr>
     <a:masterClrMapping/>
   </p:clrMapOvr>
+  <p:timing>
+    <p:tnLst>
+      <p:par>
+        <p:cTn id="1" dur="indefinite" restart="never" nodeType="tmRoot"/>
+      </p:par>
+    </p:tnLst>
+  </p:timing>
 </p:sld>
 </file>
 
@@ -13082,7 +13145,7 @@
           <p:cNvPr id="3" name="Text Placeholder 2">
             <a:extLst>
               <a:ext uri="{FF2B5EF4-FFF2-40B4-BE49-F238E27FC236}">
-                <a16:creationId xmlns:a16="http://schemas.microsoft.com/office/drawing/2014/main" xmlns="" id="{A1A3667F-832F-2062-6C4E-D5894C6207C6}"/>
+                <a16:creationId xmlns="" xmlns:a16="http://schemas.microsoft.com/office/drawing/2014/main" id="{A1A3667F-832F-2062-6C4E-D5894C6207C6}"/>
               </a:ext>
             </a:extLst>
           </p:cNvPr>
@@ -13116,7 +13179,7 @@
           <p:cNvPr id="5" name="Text Placeholder 4">
             <a:extLst>
               <a:ext uri="{FF2B5EF4-FFF2-40B4-BE49-F238E27FC236}">
-                <a16:creationId xmlns:a16="http://schemas.microsoft.com/office/drawing/2014/main" xmlns="" id="{BCD58AD2-8405-AC5B-E8F3-38BA3E2A34FF}"/>
+                <a16:creationId xmlns="" xmlns:a16="http://schemas.microsoft.com/office/drawing/2014/main" id="{BCD58AD2-8405-AC5B-E8F3-38BA3E2A34FF}"/>
               </a:ext>
             </a:extLst>
           </p:cNvPr>
@@ -13149,7 +13212,7 @@
           <p:cNvPr id="18" name="Content Placeholder 17">
             <a:extLst>
               <a:ext uri="{FF2B5EF4-FFF2-40B4-BE49-F238E27FC236}">
-                <a16:creationId xmlns:a16="http://schemas.microsoft.com/office/drawing/2014/main" xmlns="" id="{F6A15B69-9009-5ECE-8C2A-ED71EF337916}"/>
+                <a16:creationId xmlns="" xmlns:a16="http://schemas.microsoft.com/office/drawing/2014/main" id="{F6A15B69-9009-5ECE-8C2A-ED71EF337916}"/>
               </a:ext>
             </a:extLst>
           </p:cNvPr>
@@ -13183,7 +13246,7 @@
           <p:cNvPr id="20" name="Content Placeholder 19">
             <a:extLst>
               <a:ext uri="{FF2B5EF4-FFF2-40B4-BE49-F238E27FC236}">
-                <a16:creationId xmlns:a16="http://schemas.microsoft.com/office/drawing/2014/main" xmlns="" id="{FF9E2A75-8891-6C0F-326E-B0C7D4C68EAF}"/>
+                <a16:creationId xmlns="" xmlns:a16="http://schemas.microsoft.com/office/drawing/2014/main" id="{FF9E2A75-8891-6C0F-326E-B0C7D4C68EAF}"/>
               </a:ext>
             </a:extLst>
           </p:cNvPr>
@@ -13217,7 +13280,7 @@
           <p:cNvPr id="2" name="Title 1">
             <a:extLst>
               <a:ext uri="{FF2B5EF4-FFF2-40B4-BE49-F238E27FC236}">
-                <a16:creationId xmlns:a16="http://schemas.microsoft.com/office/drawing/2014/main" xmlns="" id="{55E541DF-C10B-34BF-1C91-CDEAB1A3B99F}"/>
+                <a16:creationId xmlns="" xmlns:a16="http://schemas.microsoft.com/office/drawing/2014/main" id="{55E541DF-C10B-34BF-1C91-CDEAB1A3B99F}"/>
               </a:ext>
             </a:extLst>
           </p:cNvPr>
@@ -13286,6 +13349,13 @@
   <p:clrMapOvr>
     <a:masterClrMapping/>
   </p:clrMapOvr>
+  <p:timing>
+    <p:tnLst>
+      <p:par>
+        <p:cTn id="1" dur="indefinite" restart="never" nodeType="tmRoot"/>
+      </p:par>
+    </p:tnLst>
+  </p:timing>
 </p:sld>
 </file>
 

--- a/Car Accidents Data Analysis.pptx
+++ b/Car Accidents Data Analysis.pptx
@@ -6592,7 +6592,7 @@
           <p:cNvPr id="3" name="Text Placeholder 2">
             <a:extLst>
               <a:ext uri="{FF2B5EF4-FFF2-40B4-BE49-F238E27FC236}">
-                <a16:creationId xmlns="" xmlns:a16="http://schemas.microsoft.com/office/drawing/2014/main" id="{9CBE5A70-FE2E-69C6-B582-4E7AAE17C9E0}"/>
+                <a16:creationId xmlns:a16="http://schemas.microsoft.com/office/drawing/2014/main" xmlns="" id="{9CBE5A70-FE2E-69C6-B582-4E7AAE17C9E0}"/>
               </a:ext>
             </a:extLst>
           </p:cNvPr>
@@ -6634,7 +6634,7 @@
           <p:cNvPr id="5" name="Text Placeholder 4">
             <a:extLst>
               <a:ext uri="{FF2B5EF4-FFF2-40B4-BE49-F238E27FC236}">
-                <a16:creationId xmlns="" xmlns:a16="http://schemas.microsoft.com/office/drawing/2014/main" id="{BC264E91-6BA2-413B-CB7A-E57413615546}"/>
+                <a16:creationId xmlns:a16="http://schemas.microsoft.com/office/drawing/2014/main" xmlns="" id="{BC264E91-6BA2-413B-CB7A-E57413615546}"/>
               </a:ext>
             </a:extLst>
           </p:cNvPr>
@@ -6673,7 +6673,7 @@
           <p:cNvPr id="14" name="Content Placeholder 13">
             <a:extLst>
               <a:ext uri="{FF2B5EF4-FFF2-40B4-BE49-F238E27FC236}">
-                <a16:creationId xmlns="" xmlns:a16="http://schemas.microsoft.com/office/drawing/2014/main" id="{06258AB1-68ED-E6CB-1290-0C2F3B5593EB}"/>
+                <a16:creationId xmlns:a16="http://schemas.microsoft.com/office/drawing/2014/main" xmlns="" id="{06258AB1-68ED-E6CB-1290-0C2F3B5593EB}"/>
               </a:ext>
             </a:extLst>
           </p:cNvPr>
@@ -6708,7 +6708,7 @@
           <p:cNvPr id="18" name="Content Placeholder 17">
             <a:extLst>
               <a:ext uri="{FF2B5EF4-FFF2-40B4-BE49-F238E27FC236}">
-                <a16:creationId xmlns="" xmlns:a16="http://schemas.microsoft.com/office/drawing/2014/main" id="{0EDF03F3-A494-584B-172E-DDEC1386284F}"/>
+                <a16:creationId xmlns:a16="http://schemas.microsoft.com/office/drawing/2014/main" xmlns="" id="{0EDF03F3-A494-584B-172E-DDEC1386284F}"/>
               </a:ext>
             </a:extLst>
           </p:cNvPr>
@@ -6743,7 +6743,7 @@
           <p:cNvPr id="2" name="Title 1">
             <a:extLst>
               <a:ext uri="{FF2B5EF4-FFF2-40B4-BE49-F238E27FC236}">
-                <a16:creationId xmlns="" xmlns:a16="http://schemas.microsoft.com/office/drawing/2014/main" id="{C03A3DF4-8AA9-C4D1-D4CF-5A51FAD38B43}"/>
+                <a16:creationId xmlns:a16="http://schemas.microsoft.com/office/drawing/2014/main" xmlns="" id="{C03A3DF4-8AA9-C4D1-D4CF-5A51FAD38B43}"/>
               </a:ext>
             </a:extLst>
           </p:cNvPr>
@@ -6832,7 +6832,7 @@
           <p:cNvPr id="3" name="Text Placeholder 2">
             <a:extLst>
               <a:ext uri="{FF2B5EF4-FFF2-40B4-BE49-F238E27FC236}">
-                <a16:creationId xmlns="" xmlns:a16="http://schemas.microsoft.com/office/drawing/2014/main" id="{D2004615-E427-7A83-8F69-8DC80D0EA894}"/>
+                <a16:creationId xmlns:a16="http://schemas.microsoft.com/office/drawing/2014/main" xmlns="" id="{D2004615-E427-7A83-8F69-8DC80D0EA894}"/>
               </a:ext>
             </a:extLst>
           </p:cNvPr>
@@ -6865,7 +6865,7 @@
           <p:cNvPr id="5" name="Text Placeholder 4">
             <a:extLst>
               <a:ext uri="{FF2B5EF4-FFF2-40B4-BE49-F238E27FC236}">
-                <a16:creationId xmlns="" xmlns:a16="http://schemas.microsoft.com/office/drawing/2014/main" id="{3629384D-A8B7-D55E-0EEF-534E417F200A}"/>
+                <a16:creationId xmlns:a16="http://schemas.microsoft.com/office/drawing/2014/main" xmlns="" id="{3629384D-A8B7-D55E-0EEF-534E417F200A}"/>
               </a:ext>
             </a:extLst>
           </p:cNvPr>
@@ -6905,7 +6905,7 @@
           <p:cNvPr id="8" name="Content Placeholder 7">
             <a:extLst>
               <a:ext uri="{FF2B5EF4-FFF2-40B4-BE49-F238E27FC236}">
-                <a16:creationId xmlns="" xmlns:a16="http://schemas.microsoft.com/office/drawing/2014/main" id="{EEC644D3-50EF-C099-700D-33055BA0BAB7}"/>
+                <a16:creationId xmlns:a16="http://schemas.microsoft.com/office/drawing/2014/main" xmlns="" id="{EEC644D3-50EF-C099-700D-33055BA0BAB7}"/>
               </a:ext>
             </a:extLst>
           </p:cNvPr>
@@ -6940,7 +6940,7 @@
           <p:cNvPr id="10" name="Content Placeholder 9">
             <a:extLst>
               <a:ext uri="{FF2B5EF4-FFF2-40B4-BE49-F238E27FC236}">
-                <a16:creationId xmlns="" xmlns:a16="http://schemas.microsoft.com/office/drawing/2014/main" id="{8804B62D-13CC-20AE-9736-8DD8211B2D7A}"/>
+                <a16:creationId xmlns:a16="http://schemas.microsoft.com/office/drawing/2014/main" xmlns="" id="{8804B62D-13CC-20AE-9736-8DD8211B2D7A}"/>
               </a:ext>
             </a:extLst>
           </p:cNvPr>
@@ -6975,7 +6975,7 @@
           <p:cNvPr id="2" name="Title 1">
             <a:extLst>
               <a:ext uri="{FF2B5EF4-FFF2-40B4-BE49-F238E27FC236}">
-                <a16:creationId xmlns="" xmlns:a16="http://schemas.microsoft.com/office/drawing/2014/main" id="{98AFE39E-07EF-6DB5-DF35-16C241BEB80B}"/>
+                <a16:creationId xmlns:a16="http://schemas.microsoft.com/office/drawing/2014/main" xmlns="" id="{98AFE39E-07EF-6DB5-DF35-16C241BEB80B}"/>
               </a:ext>
             </a:extLst>
           </p:cNvPr>
@@ -7044,6 +7044,13 @@
   <p:clrMapOvr>
     <a:masterClrMapping/>
   </p:clrMapOvr>
+  <p:timing>
+    <p:tnLst>
+      <p:par>
+        <p:cTn id="1" dur="indefinite" restart="never" nodeType="tmRoot"/>
+      </p:par>
+    </p:tnLst>
+  </p:timing>
 </p:sld>
 </file>
 
@@ -7069,7 +7076,7 @@
           <p:cNvPr id="2" name="Title 1">
             <a:extLst>
               <a:ext uri="{FF2B5EF4-FFF2-40B4-BE49-F238E27FC236}">
-                <a16:creationId xmlns="" xmlns:a16="http://schemas.microsoft.com/office/drawing/2014/main" id="{7BBFDFA0-4990-650D-5D0E-4907B13A7073}"/>
+                <a16:creationId xmlns:a16="http://schemas.microsoft.com/office/drawing/2014/main" xmlns="" id="{7BBFDFA0-4990-650D-5D0E-4907B13A7073}"/>
               </a:ext>
             </a:extLst>
           </p:cNvPr>
@@ -7113,7 +7120,7 @@
           <p:cNvPr id="3" name="Content Placeholder 2">
             <a:extLst>
               <a:ext uri="{FF2B5EF4-FFF2-40B4-BE49-F238E27FC236}">
-                <a16:creationId xmlns="" xmlns:a16="http://schemas.microsoft.com/office/drawing/2014/main" id="{7DD4CFC9-636E-F406-91B7-0364B34A020F}"/>
+                <a16:creationId xmlns:a16="http://schemas.microsoft.com/office/drawing/2014/main" xmlns="" id="{7DD4CFC9-636E-F406-91B7-0364B34A020F}"/>
               </a:ext>
             </a:extLst>
           </p:cNvPr>
@@ -7546,6 +7553,13 @@
   <p:clrMapOvr>
     <a:masterClrMapping/>
   </p:clrMapOvr>
+  <p:timing>
+    <p:tnLst>
+      <p:par>
+        <p:cTn id="1" dur="indefinite" restart="never" nodeType="tmRoot"/>
+      </p:par>
+    </p:tnLst>
+  </p:timing>
 </p:sld>
 </file>
 
@@ -7571,7 +7585,7 @@
           <p:cNvPr id="8" name="Title 7">
             <a:extLst>
               <a:ext uri="{FF2B5EF4-FFF2-40B4-BE49-F238E27FC236}">
-                <a16:creationId xmlns="" xmlns:a16="http://schemas.microsoft.com/office/drawing/2014/main" id="{5F3BC96A-6175-32C8-05E3-2DB890106C79}"/>
+                <a16:creationId xmlns:a16="http://schemas.microsoft.com/office/drawing/2014/main" xmlns="" id="{5F3BC96A-6175-32C8-05E3-2DB890106C79}"/>
               </a:ext>
             </a:extLst>
           </p:cNvPr>
@@ -7615,7 +7629,7 @@
           <p:cNvPr id="12" name="Picture 11">
             <a:extLst>
               <a:ext uri="{FF2B5EF4-FFF2-40B4-BE49-F238E27FC236}">
-                <a16:creationId xmlns="" xmlns:a16="http://schemas.microsoft.com/office/drawing/2014/main" id="{0684C7C1-F7CE-8CAD-E83B-AACFED33603B}"/>
+                <a16:creationId xmlns:a16="http://schemas.microsoft.com/office/drawing/2014/main" xmlns="" id="{0684C7C1-F7CE-8CAD-E83B-AACFED33603B}"/>
               </a:ext>
             </a:extLst>
           </p:cNvPr>
@@ -7656,6 +7670,13 @@
   <p:clrMapOvr>
     <a:masterClrMapping/>
   </p:clrMapOvr>
+  <p:timing>
+    <p:tnLst>
+      <p:par>
+        <p:cTn id="1" dur="indefinite" restart="never" nodeType="tmRoot"/>
+      </p:par>
+    </p:tnLst>
+  </p:timing>
 </p:sld>
 </file>
 
@@ -7681,7 +7702,7 @@
           <p:cNvPr id="2" name="Title 1">
             <a:extLst>
               <a:ext uri="{FF2B5EF4-FFF2-40B4-BE49-F238E27FC236}">
-                <a16:creationId xmlns="" xmlns:a16="http://schemas.microsoft.com/office/drawing/2014/main" id="{089AFC19-53DD-1807-8767-04FCAE77EC67}"/>
+                <a16:creationId xmlns:a16="http://schemas.microsoft.com/office/drawing/2014/main" xmlns="" id="{089AFC19-53DD-1807-8767-04FCAE77EC67}"/>
               </a:ext>
             </a:extLst>
           </p:cNvPr>
@@ -7725,7 +7746,7 @@
           <p:cNvPr id="3" name="Content Placeholder 2">
             <a:extLst>
               <a:ext uri="{FF2B5EF4-FFF2-40B4-BE49-F238E27FC236}">
-                <a16:creationId xmlns="" xmlns:a16="http://schemas.microsoft.com/office/drawing/2014/main" id="{D502E60C-4359-41E5-21D6-598974416D21}"/>
+                <a16:creationId xmlns:a16="http://schemas.microsoft.com/office/drawing/2014/main" xmlns="" id="{D502E60C-4359-41E5-21D6-598974416D21}"/>
               </a:ext>
             </a:extLst>
           </p:cNvPr>
@@ -7880,6 +7901,13 @@
   <p:clrMapOvr>
     <a:masterClrMapping/>
   </p:clrMapOvr>
+  <p:timing>
+    <p:tnLst>
+      <p:par>
+        <p:cTn id="1" dur="indefinite" restart="never" nodeType="tmRoot"/>
+      </p:par>
+    </p:tnLst>
+  </p:timing>
 </p:sld>
 </file>
 
@@ -7905,7 +7933,7 @@
           <p:cNvPr id="2" name="Title 1">
             <a:extLst>
               <a:ext uri="{FF2B5EF4-FFF2-40B4-BE49-F238E27FC236}">
-                <a16:creationId xmlns="" xmlns:a16="http://schemas.microsoft.com/office/drawing/2014/main" id="{9AB70618-8549-E880-077C-423B9081E61B}"/>
+                <a16:creationId xmlns:a16="http://schemas.microsoft.com/office/drawing/2014/main" xmlns="" id="{9AB70618-8549-E880-077C-423B9081E61B}"/>
               </a:ext>
             </a:extLst>
           </p:cNvPr>
@@ -7949,7 +7977,7 @@
           <p:cNvPr id="4" name="Picture 3">
             <a:extLst>
               <a:ext uri="{FF2B5EF4-FFF2-40B4-BE49-F238E27FC236}">
-                <a16:creationId xmlns="" xmlns:a16="http://schemas.microsoft.com/office/drawing/2014/main" id="{32705068-5950-C297-B66D-057A695DA129}"/>
+                <a16:creationId xmlns:a16="http://schemas.microsoft.com/office/drawing/2014/main" xmlns="" id="{32705068-5950-C297-B66D-057A695DA129}"/>
               </a:ext>
             </a:extLst>
           </p:cNvPr>
@@ -7990,6 +8018,13 @@
   <p:clrMapOvr>
     <a:masterClrMapping/>
   </p:clrMapOvr>
+  <p:timing>
+    <p:tnLst>
+      <p:par>
+        <p:cTn id="1" dur="indefinite" restart="never" nodeType="tmRoot"/>
+      </p:par>
+    </p:tnLst>
+  </p:timing>
 </p:sld>
 </file>
 
@@ -8015,7 +8050,7 @@
           <p:cNvPr id="2" name="Title 1">
             <a:extLst>
               <a:ext uri="{FF2B5EF4-FFF2-40B4-BE49-F238E27FC236}">
-                <a16:creationId xmlns="" xmlns:a16="http://schemas.microsoft.com/office/drawing/2014/main" id="{A54116A5-5FE5-0EF5-C418-8C64417FA3DB}"/>
+                <a16:creationId xmlns:a16="http://schemas.microsoft.com/office/drawing/2014/main" xmlns="" id="{A54116A5-5FE5-0EF5-C418-8C64417FA3DB}"/>
               </a:ext>
             </a:extLst>
           </p:cNvPr>
@@ -8059,7 +8094,7 @@
           <p:cNvPr id="3" name="Content Placeholder 2">
             <a:extLst>
               <a:ext uri="{FF2B5EF4-FFF2-40B4-BE49-F238E27FC236}">
-                <a16:creationId xmlns="" xmlns:a16="http://schemas.microsoft.com/office/drawing/2014/main" id="{2F3BD7ED-E3D1-8C43-1B8D-D1B7C814BFE9}"/>
+                <a16:creationId xmlns:a16="http://schemas.microsoft.com/office/drawing/2014/main" xmlns="" id="{2F3BD7ED-E3D1-8C43-1B8D-D1B7C814BFE9}"/>
               </a:ext>
             </a:extLst>
           </p:cNvPr>
@@ -8220,6 +8255,13 @@
   <p:clrMapOvr>
     <a:masterClrMapping/>
   </p:clrMapOvr>
+  <p:timing>
+    <p:tnLst>
+      <p:par>
+        <p:cTn id="1" dur="indefinite" restart="never" nodeType="tmRoot"/>
+      </p:par>
+    </p:tnLst>
+  </p:timing>
 </p:sld>
 </file>
 
@@ -8245,7 +8287,7 @@
           <p:cNvPr id="2" name="Title 1">
             <a:extLst>
               <a:ext uri="{FF2B5EF4-FFF2-40B4-BE49-F238E27FC236}">
-                <a16:creationId xmlns="" xmlns:a16="http://schemas.microsoft.com/office/drawing/2014/main" id="{05DAE180-CD01-B0CC-2926-174085F71358}"/>
+                <a16:creationId xmlns:a16="http://schemas.microsoft.com/office/drawing/2014/main" xmlns="" id="{05DAE180-CD01-B0CC-2926-174085F71358}"/>
               </a:ext>
             </a:extLst>
           </p:cNvPr>
@@ -8289,7 +8331,7 @@
           <p:cNvPr id="4" name="Picture 3">
             <a:extLst>
               <a:ext uri="{FF2B5EF4-FFF2-40B4-BE49-F238E27FC236}">
-                <a16:creationId xmlns="" xmlns:a16="http://schemas.microsoft.com/office/drawing/2014/main" id="{3996560E-E9CD-799E-46BF-C5E674524616}"/>
+                <a16:creationId xmlns:a16="http://schemas.microsoft.com/office/drawing/2014/main" xmlns="" id="{3996560E-E9CD-799E-46BF-C5E674524616}"/>
               </a:ext>
             </a:extLst>
           </p:cNvPr>
@@ -8330,6 +8372,13 @@
   <p:clrMapOvr>
     <a:masterClrMapping/>
   </p:clrMapOvr>
+  <p:timing>
+    <p:tnLst>
+      <p:par>
+        <p:cTn id="1" dur="indefinite" restart="never" nodeType="tmRoot"/>
+      </p:par>
+    </p:tnLst>
+  </p:timing>
 </p:sld>
 </file>
 
@@ -8355,7 +8404,7 @@
           <p:cNvPr id="2" name="Title 1">
             <a:extLst>
               <a:ext uri="{FF2B5EF4-FFF2-40B4-BE49-F238E27FC236}">
-                <a16:creationId xmlns="" xmlns:a16="http://schemas.microsoft.com/office/drawing/2014/main" id="{22D7089A-6C9A-6DE2-77DB-B4FF7E6D3FD7}"/>
+                <a16:creationId xmlns:a16="http://schemas.microsoft.com/office/drawing/2014/main" xmlns="" id="{22D7089A-6C9A-6DE2-77DB-B4FF7E6D3FD7}"/>
               </a:ext>
             </a:extLst>
           </p:cNvPr>
@@ -8383,7 +8432,7 @@
           <p:cNvPr id="3" name="Content Placeholder 2">
             <a:extLst>
               <a:ext uri="{FF2B5EF4-FFF2-40B4-BE49-F238E27FC236}">
-                <a16:creationId xmlns="" xmlns:a16="http://schemas.microsoft.com/office/drawing/2014/main" id="{34BCC1FA-58C4-E0EC-D0C2-F43563F0FEF1}"/>
+                <a16:creationId xmlns:a16="http://schemas.microsoft.com/office/drawing/2014/main" xmlns="" id="{34BCC1FA-58C4-E0EC-D0C2-F43563F0FEF1}"/>
               </a:ext>
             </a:extLst>
           </p:cNvPr>
@@ -8570,6 +8619,13 @@
   <p:clrMapOvr>
     <a:masterClrMapping/>
   </p:clrMapOvr>
+  <p:timing>
+    <p:tnLst>
+      <p:par>
+        <p:cTn id="1" dur="indefinite" restart="never" nodeType="tmRoot"/>
+      </p:par>
+    </p:tnLst>
+  </p:timing>
 </p:sld>
 </file>
 
@@ -8595,7 +8651,7 @@
           <p:cNvPr id="3" name="Content Placeholder 2">
             <a:extLst>
               <a:ext uri="{FF2B5EF4-FFF2-40B4-BE49-F238E27FC236}">
-                <a16:creationId xmlns="" xmlns:a16="http://schemas.microsoft.com/office/drawing/2014/main" id="{A984A632-7D80-C0E0-0BE3-2563B67C8E8C}"/>
+                <a16:creationId xmlns:a16="http://schemas.microsoft.com/office/drawing/2014/main" xmlns="" id="{A984A632-7D80-C0E0-0BE3-2563B67C8E8C}"/>
               </a:ext>
             </a:extLst>
           </p:cNvPr>
@@ -8693,7 +8749,7 @@
           <p:cNvPr id="4" name="Title 1">
             <a:extLst>
               <a:ext uri="{FF2B5EF4-FFF2-40B4-BE49-F238E27FC236}">
-                <a16:creationId xmlns="" xmlns:a16="http://schemas.microsoft.com/office/drawing/2014/main" id="{22D7089A-6C9A-6DE2-77DB-B4FF7E6D3FD7}"/>
+                <a16:creationId xmlns:a16="http://schemas.microsoft.com/office/drawing/2014/main" xmlns="" id="{22D7089A-6C9A-6DE2-77DB-B4FF7E6D3FD7}"/>
               </a:ext>
             </a:extLst>
           </p:cNvPr>
@@ -8741,6 +8797,13 @@
   <p:clrMapOvr>
     <a:masterClrMapping/>
   </p:clrMapOvr>
+  <p:timing>
+    <p:tnLst>
+      <p:par>
+        <p:cTn id="1" dur="indefinite" restart="never" nodeType="tmRoot"/>
+      </p:par>
+    </p:tnLst>
+  </p:timing>
 </p:sld>
 </file>
 
@@ -8923,7 +8986,7 @@
           <p:cNvPr id="3" name="Content Placeholder 2">
             <a:extLst>
               <a:ext uri="{FF2B5EF4-FFF2-40B4-BE49-F238E27FC236}">
-                <a16:creationId xmlns="" xmlns:a16="http://schemas.microsoft.com/office/drawing/2014/main" id="{8C63218E-134C-90EF-07D6-CB8D1757379E}"/>
+                <a16:creationId xmlns:a16="http://schemas.microsoft.com/office/drawing/2014/main" xmlns="" id="{8C63218E-134C-90EF-07D6-CB8D1757379E}"/>
               </a:ext>
             </a:extLst>
           </p:cNvPr>
@@ -9184,7 +9247,7 @@
           <p:cNvPr id="1026" name="Picture 2">
             <a:extLst>
               <a:ext uri="{FF2B5EF4-FFF2-40B4-BE49-F238E27FC236}">
-                <a16:creationId xmlns="" xmlns:a16="http://schemas.microsoft.com/office/drawing/2014/main" id="{2709A83A-E27A-5EB6-5109-4875EB493C67}"/>
+                <a16:creationId xmlns:a16="http://schemas.microsoft.com/office/drawing/2014/main" xmlns="" id="{2709A83A-E27A-5EB6-5109-4875EB493C67}"/>
               </a:ext>
             </a:extLst>
           </p:cNvPr>
@@ -9236,6 +9299,13 @@
   <p:clrMapOvr>
     <a:masterClrMapping/>
   </p:clrMapOvr>
+  <p:timing>
+    <p:tnLst>
+      <p:par>
+        <p:cTn id="1" dur="indefinite" restart="never" nodeType="tmRoot"/>
+      </p:par>
+    </p:tnLst>
+  </p:timing>
 </p:sld>
 </file>
 
@@ -9261,7 +9331,7 @@
           <p:cNvPr id="2050" name="Picture 2" descr="A blue circle with orange and blue text&#10;&#10;Description automatically generated">
             <a:extLst>
               <a:ext uri="{FF2B5EF4-FFF2-40B4-BE49-F238E27FC236}">
-                <a16:creationId xmlns="" xmlns:a16="http://schemas.microsoft.com/office/drawing/2014/main" id="{ADDD11F5-5507-9C80-E267-12A3C2174F20}"/>
+                <a16:creationId xmlns:a16="http://schemas.microsoft.com/office/drawing/2014/main" xmlns="" id="{ADDD11F5-5507-9C80-E267-12A3C2174F20}"/>
               </a:ext>
             </a:extLst>
           </p:cNvPr>
@@ -9308,7 +9378,7 @@
           <p:cNvPr id="5" name="Title 1">
             <a:extLst>
               <a:ext uri="{FF2B5EF4-FFF2-40B4-BE49-F238E27FC236}">
-                <a16:creationId xmlns="" xmlns:a16="http://schemas.microsoft.com/office/drawing/2014/main" id="{22D7089A-6C9A-6DE2-77DB-B4FF7E6D3FD7}"/>
+                <a16:creationId xmlns:a16="http://schemas.microsoft.com/office/drawing/2014/main" xmlns="" id="{22D7089A-6C9A-6DE2-77DB-B4FF7E6D3FD7}"/>
               </a:ext>
             </a:extLst>
           </p:cNvPr>
@@ -9362,6 +9432,13 @@
   <p:clrMapOvr>
     <a:masterClrMapping/>
   </p:clrMapOvr>
+  <p:timing>
+    <p:tnLst>
+      <p:par>
+        <p:cTn id="1" dur="indefinite" restart="never" nodeType="tmRoot"/>
+      </p:par>
+    </p:tnLst>
+  </p:timing>
 </p:sld>
 </file>
 
@@ -9387,7 +9464,7 @@
           <p:cNvPr id="3" name="Content Placeholder 2">
             <a:extLst>
               <a:ext uri="{FF2B5EF4-FFF2-40B4-BE49-F238E27FC236}">
-                <a16:creationId xmlns="" xmlns:a16="http://schemas.microsoft.com/office/drawing/2014/main" id="{6697D1DE-6459-A6AB-2DAD-364950CCEACC}"/>
+                <a16:creationId xmlns:a16="http://schemas.microsoft.com/office/drawing/2014/main" xmlns="" id="{6697D1DE-6459-A6AB-2DAD-364950CCEACC}"/>
               </a:ext>
             </a:extLst>
           </p:cNvPr>
@@ -9507,7 +9584,7 @@
           <p:cNvPr id="5" name="Title 1">
             <a:extLst>
               <a:ext uri="{FF2B5EF4-FFF2-40B4-BE49-F238E27FC236}">
-                <a16:creationId xmlns="" xmlns:a16="http://schemas.microsoft.com/office/drawing/2014/main" id="{22D7089A-6C9A-6DE2-77DB-B4FF7E6D3FD7}"/>
+                <a16:creationId xmlns:a16="http://schemas.microsoft.com/office/drawing/2014/main" xmlns="" id="{22D7089A-6C9A-6DE2-77DB-B4FF7E6D3FD7}"/>
               </a:ext>
             </a:extLst>
           </p:cNvPr>
@@ -9547,6 +9624,13 @@
   <p:clrMapOvr>
     <a:masterClrMapping/>
   </p:clrMapOvr>
+  <p:timing>
+    <p:tnLst>
+      <p:par>
+        <p:cTn id="1" dur="indefinite" restart="never" nodeType="tmRoot"/>
+      </p:par>
+    </p:tnLst>
+  </p:timing>
 </p:sld>
 </file>
 
@@ -9635,7 +9719,7 @@
           <p:cNvPr id="4" name="Rectangle 3">
             <a:extLst>
               <a:ext uri="{FF2B5EF4-FFF2-40B4-BE49-F238E27FC236}">
-                <a16:creationId xmlns:lc="http://schemas.openxmlformats.org/drawingml/2006/lockedCanvas" xmlns:a16="http://schemas.microsoft.com/office/drawing/2014/main" xmlns="" id="{72FE6531-E070-A08A-0382-07C7B667EDE0}"/>
+                <a16:creationId xmlns="" xmlns:a16="http://schemas.microsoft.com/office/drawing/2014/main" xmlns:lc="http://schemas.openxmlformats.org/drawingml/2006/lockedCanvas" id="{72FE6531-E070-A08A-0382-07C7B667EDE0}"/>
               </a:ext>
             </a:extLst>
           </p:cNvPr>
@@ -9973,7 +10057,7 @@
           <p:cNvPr id="5" name="Picture 4">
             <a:extLst>
               <a:ext uri="{FF2B5EF4-FFF2-40B4-BE49-F238E27FC236}">
-                <a16:creationId xmlns:lc="http://schemas.openxmlformats.org/drawingml/2006/lockedCanvas" xmlns:a16="http://schemas.microsoft.com/office/drawing/2014/main" xmlns="" id="{F35E1B0B-9E3B-6F4F-0800-9A5EAFFAAA34}"/>
+                <a16:creationId xmlns="" xmlns:a16="http://schemas.microsoft.com/office/drawing/2014/main" xmlns:lc="http://schemas.openxmlformats.org/drawingml/2006/lockedCanvas" id="{F35E1B0B-9E3B-6F4F-0800-9A5EAFFAAA34}"/>
               </a:ext>
             </a:extLst>
           </p:cNvPr>
@@ -10008,6 +10092,13 @@
   <p:clrMapOvr>
     <a:masterClrMapping/>
   </p:clrMapOvr>
+  <p:timing>
+    <p:tnLst>
+      <p:par>
+        <p:cTn id="1" dur="indefinite" restart="never" nodeType="tmRoot"/>
+      </p:par>
+    </p:tnLst>
+  </p:timing>
 </p:sld>
 </file>
 
@@ -10062,7 +10153,7 @@
           <p:cNvPr id="6" name="TextBox 5">
             <a:extLst>
               <a:ext uri="{FF2B5EF4-FFF2-40B4-BE49-F238E27FC236}">
-                <a16:creationId xmlns:lc="http://schemas.openxmlformats.org/drawingml/2006/lockedCanvas" xmlns:a16="http://schemas.microsoft.com/office/drawing/2014/main" xmlns="" id="{33696AF3-0FE8-CD89-D685-2F5D7982BD71}"/>
+                <a16:creationId xmlns="" xmlns:a16="http://schemas.microsoft.com/office/drawing/2014/main" xmlns:lc="http://schemas.openxmlformats.org/drawingml/2006/lockedCanvas" id="{33696AF3-0FE8-CD89-D685-2F5D7982BD71}"/>
               </a:ext>
             </a:extLst>
           </p:cNvPr>
@@ -10485,7 +10576,7 @@
           <p:cNvPr id="7" name="Content Placeholder 4">
             <a:extLst>
               <a:ext uri="{FF2B5EF4-FFF2-40B4-BE49-F238E27FC236}">
-                <a16:creationId xmlns:lc="http://schemas.openxmlformats.org/drawingml/2006/lockedCanvas" xmlns:a16="http://schemas.microsoft.com/office/drawing/2014/main" xmlns="" id="{EF1D6072-4C23-60C7-3EFA-29653179BFD6}"/>
+                <a16:creationId xmlns="" xmlns:a16="http://schemas.microsoft.com/office/drawing/2014/main" xmlns:lc="http://schemas.openxmlformats.org/drawingml/2006/lockedCanvas" id="{EF1D6072-4C23-60C7-3EFA-29653179BFD6}"/>
               </a:ext>
             </a:extLst>
           </p:cNvPr>
@@ -10520,6 +10611,13 @@
   <p:clrMapOvr>
     <a:masterClrMapping/>
   </p:clrMapOvr>
+  <p:timing>
+    <p:tnLst>
+      <p:par>
+        <p:cTn id="1" dur="indefinite" restart="never" nodeType="tmRoot"/>
+      </p:par>
+    </p:tnLst>
+  </p:timing>
 </p:sld>
 </file>
 
@@ -10574,7 +10672,7 @@
           <p:cNvPr id="5" name="TextBox 7">
             <a:extLst>
               <a:ext uri="{FF2B5EF4-FFF2-40B4-BE49-F238E27FC236}">
-                <a16:creationId xmlns:lc="http://schemas.openxmlformats.org/drawingml/2006/lockedCanvas" xmlns:a16="http://schemas.microsoft.com/office/drawing/2014/main" xmlns="" id="{5289B5A1-BEBC-3A9D-D72F-0C4DAE8EFB64}"/>
+                <a16:creationId xmlns="" xmlns:a16="http://schemas.microsoft.com/office/drawing/2014/main" xmlns:lc="http://schemas.openxmlformats.org/drawingml/2006/lockedCanvas" id="{5289B5A1-BEBC-3A9D-D72F-0C4DAE8EFB64}"/>
               </a:ext>
             </a:extLst>
           </p:cNvPr>
@@ -10839,7 +10937,7 @@
           <p:cNvPr id="8" name="Content Placeholder 4">
             <a:extLst>
               <a:ext uri="{FF2B5EF4-FFF2-40B4-BE49-F238E27FC236}">
-                <a16:creationId xmlns:lc="http://schemas.openxmlformats.org/drawingml/2006/lockedCanvas" xmlns:a16="http://schemas.microsoft.com/office/drawing/2014/main" xmlns="" id="{CBC84466-89F7-46C6-ECED-9A822B7D7AF6}"/>
+                <a16:creationId xmlns="" xmlns:a16="http://schemas.microsoft.com/office/drawing/2014/main" xmlns:lc="http://schemas.openxmlformats.org/drawingml/2006/lockedCanvas" id="{CBC84466-89F7-46C6-ECED-9A822B7D7AF6}"/>
               </a:ext>
             </a:extLst>
           </p:cNvPr>
@@ -10869,7 +10967,7 @@
           <p:cNvPr id="9" name="Content Placeholder 4">
             <a:extLst>
               <a:ext uri="{FF2B5EF4-FFF2-40B4-BE49-F238E27FC236}">
-                <a16:creationId xmlns:lc="http://schemas.openxmlformats.org/drawingml/2006/lockedCanvas" xmlns:a16="http://schemas.microsoft.com/office/drawing/2014/main" xmlns="" id="{288D79A6-177A-A324-24B0-DD019063839D}"/>
+                <a16:creationId xmlns="" xmlns:a16="http://schemas.microsoft.com/office/drawing/2014/main" xmlns:lc="http://schemas.openxmlformats.org/drawingml/2006/lockedCanvas" id="{288D79A6-177A-A324-24B0-DD019063839D}"/>
               </a:ext>
             </a:extLst>
           </p:cNvPr>
@@ -10904,6 +11002,13 @@
   <p:clrMapOvr>
     <a:masterClrMapping/>
   </p:clrMapOvr>
+  <p:timing>
+    <p:tnLst>
+      <p:par>
+        <p:cTn id="1" dur="indefinite" restart="never" nodeType="tmRoot"/>
+      </p:par>
+    </p:tnLst>
+  </p:timing>
 </p:sld>
 </file>
 
@@ -10958,7 +11063,7 @@
           <p:cNvPr id="6" name="Picture 5">
             <a:extLst>
               <a:ext uri="{FF2B5EF4-FFF2-40B4-BE49-F238E27FC236}">
-                <a16:creationId xmlns:lc="http://schemas.openxmlformats.org/drawingml/2006/lockedCanvas" xmlns:a16="http://schemas.microsoft.com/office/drawing/2014/main" xmlns="" id="{BA74A6ED-756F-4C65-B22A-E561763A9FF8}"/>
+                <a16:creationId xmlns="" xmlns:a16="http://schemas.microsoft.com/office/drawing/2014/main" xmlns:lc="http://schemas.openxmlformats.org/drawingml/2006/lockedCanvas" id="{BA74A6ED-756F-4C65-B22A-E561763A9FF8}"/>
               </a:ext>
             </a:extLst>
           </p:cNvPr>
@@ -10988,7 +11093,7 @@
           <p:cNvPr id="7" name="Picture 6">
             <a:extLst>
               <a:ext uri="{FF2B5EF4-FFF2-40B4-BE49-F238E27FC236}">
-                <a16:creationId xmlns:lc="http://schemas.openxmlformats.org/drawingml/2006/lockedCanvas" xmlns:a16="http://schemas.microsoft.com/office/drawing/2014/main" xmlns="" id="{302A48AB-6E9D-C4EC-8925-9FBC4A3B3D9B}"/>
+                <a16:creationId xmlns="" xmlns:a16="http://schemas.microsoft.com/office/drawing/2014/main" xmlns:lc="http://schemas.openxmlformats.org/drawingml/2006/lockedCanvas" id="{302A48AB-6E9D-C4EC-8925-9FBC4A3B3D9B}"/>
               </a:ext>
             </a:extLst>
           </p:cNvPr>
@@ -11125,6 +11230,13 @@
   <p:clrMapOvr>
     <a:masterClrMapping/>
   </p:clrMapOvr>
+  <p:timing>
+    <p:tnLst>
+      <p:par>
+        <p:cTn id="1" dur="indefinite" restart="never" nodeType="tmRoot"/>
+      </p:par>
+    </p:tnLst>
+  </p:timing>
 </p:sld>
 </file>
 
@@ -11180,7 +11292,7 @@
           <p:cNvPr id="8" name="Content Placeholder 2">
             <a:extLst>
               <a:ext uri="{FF2B5EF4-FFF2-40B4-BE49-F238E27FC236}">
-                <a16:creationId xmlns:lc="http://schemas.openxmlformats.org/drawingml/2006/lockedCanvas" xmlns:a16="http://schemas.microsoft.com/office/drawing/2014/main" xmlns="" id="{DEA12BF2-78D6-6C64-03EC-9BDE4C1AEF00}"/>
+                <a16:creationId xmlns="" xmlns:a16="http://schemas.microsoft.com/office/drawing/2014/main" xmlns:lc="http://schemas.openxmlformats.org/drawingml/2006/lockedCanvas" id="{DEA12BF2-78D6-6C64-03EC-9BDE4C1AEF00}"/>
               </a:ext>
             </a:extLst>
           </p:cNvPr>
@@ -11450,6 +11562,13 @@
   <p:clrMapOvr>
     <a:masterClrMapping/>
   </p:clrMapOvr>
+  <p:timing>
+    <p:tnLst>
+      <p:par>
+        <p:cTn id="1" dur="indefinite" restart="never" nodeType="tmRoot"/>
+      </p:par>
+    </p:tnLst>
+  </p:timing>
 </p:sld>
 </file>
 
@@ -12614,7 +12733,7 @@
           <p:cNvPr id="2" name="Title 1">
             <a:extLst>
               <a:ext uri="{FF2B5EF4-FFF2-40B4-BE49-F238E27FC236}">
-                <a16:creationId xmlns="" xmlns:a16="http://schemas.microsoft.com/office/drawing/2014/main" id="{9CE282E1-7FDF-A4D4-F1AE-9F36D11626BC}"/>
+                <a16:creationId xmlns:a16="http://schemas.microsoft.com/office/drawing/2014/main" xmlns="" id="{9CE282E1-7FDF-A4D4-F1AE-9F36D11626BC}"/>
               </a:ext>
             </a:extLst>
           </p:cNvPr>
@@ -12658,7 +12777,7 @@
           <p:cNvPr id="7" name="Content Placeholder 6">
             <a:extLst>
               <a:ext uri="{FF2B5EF4-FFF2-40B4-BE49-F238E27FC236}">
-                <a16:creationId xmlns="" xmlns:a16="http://schemas.microsoft.com/office/drawing/2014/main" id="{3AF095E8-C57B-D7EA-3F5E-832E8F457471}"/>
+                <a16:creationId xmlns:a16="http://schemas.microsoft.com/office/drawing/2014/main" xmlns="" id="{3AF095E8-C57B-D7EA-3F5E-832E8F457471}"/>
               </a:ext>
             </a:extLst>
           </p:cNvPr>
@@ -12926,7 +13045,7 @@
           <p:cNvPr id="2" name="Title 1">
             <a:extLst>
               <a:ext uri="{FF2B5EF4-FFF2-40B4-BE49-F238E27FC236}">
-                <a16:creationId xmlns="" xmlns:a16="http://schemas.microsoft.com/office/drawing/2014/main" id="{40319A7F-AC9C-F39F-1471-FF321D97CBB0}"/>
+                <a16:creationId xmlns:a16="http://schemas.microsoft.com/office/drawing/2014/main" xmlns="" id="{40319A7F-AC9C-F39F-1471-FF321D97CBB0}"/>
               </a:ext>
             </a:extLst>
           </p:cNvPr>
@@ -12978,7 +13097,7 @@
           <p:cNvPr id="3" name="Content Placeholder 2">
             <a:extLst>
               <a:ext uri="{FF2B5EF4-FFF2-40B4-BE49-F238E27FC236}">
-                <a16:creationId xmlns="" xmlns:a16="http://schemas.microsoft.com/office/drawing/2014/main" id="{4E3A9EF6-A5FF-F187-4C21-01DEB1267D6B}"/>
+                <a16:creationId xmlns:a16="http://schemas.microsoft.com/office/drawing/2014/main" xmlns="" id="{4E3A9EF6-A5FF-F187-4C21-01DEB1267D6B}"/>
               </a:ext>
             </a:extLst>
           </p:cNvPr>
@@ -13145,7 +13264,7 @@
           <p:cNvPr id="3" name="Text Placeholder 2">
             <a:extLst>
               <a:ext uri="{FF2B5EF4-FFF2-40B4-BE49-F238E27FC236}">
-                <a16:creationId xmlns="" xmlns:a16="http://schemas.microsoft.com/office/drawing/2014/main" id="{A1A3667F-832F-2062-6C4E-D5894C6207C6}"/>
+                <a16:creationId xmlns:a16="http://schemas.microsoft.com/office/drawing/2014/main" xmlns="" id="{A1A3667F-832F-2062-6C4E-D5894C6207C6}"/>
               </a:ext>
             </a:extLst>
           </p:cNvPr>
@@ -13179,7 +13298,7 @@
           <p:cNvPr id="5" name="Text Placeholder 4">
             <a:extLst>
               <a:ext uri="{FF2B5EF4-FFF2-40B4-BE49-F238E27FC236}">
-                <a16:creationId xmlns="" xmlns:a16="http://schemas.microsoft.com/office/drawing/2014/main" id="{BCD58AD2-8405-AC5B-E8F3-38BA3E2A34FF}"/>
+                <a16:creationId xmlns:a16="http://schemas.microsoft.com/office/drawing/2014/main" xmlns="" id="{BCD58AD2-8405-AC5B-E8F3-38BA3E2A34FF}"/>
               </a:ext>
             </a:extLst>
           </p:cNvPr>
@@ -13212,7 +13331,7 @@
           <p:cNvPr id="18" name="Content Placeholder 17">
             <a:extLst>
               <a:ext uri="{FF2B5EF4-FFF2-40B4-BE49-F238E27FC236}">
-                <a16:creationId xmlns="" xmlns:a16="http://schemas.microsoft.com/office/drawing/2014/main" id="{F6A15B69-9009-5ECE-8C2A-ED71EF337916}"/>
+                <a16:creationId xmlns:a16="http://schemas.microsoft.com/office/drawing/2014/main" xmlns="" id="{F6A15B69-9009-5ECE-8C2A-ED71EF337916}"/>
               </a:ext>
             </a:extLst>
           </p:cNvPr>
@@ -13246,7 +13365,7 @@
           <p:cNvPr id="20" name="Content Placeholder 19">
             <a:extLst>
               <a:ext uri="{FF2B5EF4-FFF2-40B4-BE49-F238E27FC236}">
-                <a16:creationId xmlns="" xmlns:a16="http://schemas.microsoft.com/office/drawing/2014/main" id="{FF9E2A75-8891-6C0F-326E-B0C7D4C68EAF}"/>
+                <a16:creationId xmlns:a16="http://schemas.microsoft.com/office/drawing/2014/main" xmlns="" id="{FF9E2A75-8891-6C0F-326E-B0C7D4C68EAF}"/>
               </a:ext>
             </a:extLst>
           </p:cNvPr>
@@ -13280,7 +13399,7 @@
           <p:cNvPr id="2" name="Title 1">
             <a:extLst>
               <a:ext uri="{FF2B5EF4-FFF2-40B4-BE49-F238E27FC236}">
-                <a16:creationId xmlns="" xmlns:a16="http://schemas.microsoft.com/office/drawing/2014/main" id="{55E541DF-C10B-34BF-1C91-CDEAB1A3B99F}"/>
+                <a16:creationId xmlns:a16="http://schemas.microsoft.com/office/drawing/2014/main" xmlns="" id="{55E541DF-C10B-34BF-1C91-CDEAB1A3B99F}"/>
               </a:ext>
             </a:extLst>
           </p:cNvPr>
